--- a/Veda Lectures/Veda Basics.pptx
+++ b/Veda Lectures/Veda Basics.pptx
@@ -449,7 +449,7 @@
             <a:fld id="{B61BEF0D-F0BB-DE4B-95CE-6DB70DBA9567}" type="datetimeFigureOut">
               <a:rPr lang="en-US" dirty="0"/>
               <a:pPr/>
-              <a:t>8/20/2020</a:t>
+              <a:t>10/27/2020</a:t>
             </a:fld>
             <a:endParaRPr lang="en-US" dirty="0"/>
           </a:p>
@@ -882,7 +882,7 @@
             <a:fld id="{B61BEF0D-F0BB-DE4B-95CE-6DB70DBA9567}" type="datetimeFigureOut">
               <a:rPr lang="en-US" dirty="0"/>
               <a:pPr/>
-              <a:t>8/20/2020</a:t>
+              <a:t>10/27/2020</a:t>
             </a:fld>
             <a:endParaRPr lang="en-US" dirty="0"/>
           </a:p>
@@ -1129,7 +1129,7 @@
             <a:fld id="{B61BEF0D-F0BB-DE4B-95CE-6DB70DBA9567}" type="datetimeFigureOut">
               <a:rPr lang="en-US" dirty="0"/>
               <a:pPr/>
-              <a:t>8/20/2020</a:t>
+              <a:t>10/27/2020</a:t>
             </a:fld>
             <a:endParaRPr lang="en-US" dirty="0"/>
           </a:p>
@@ -1434,7 +1434,7 @@
             <a:fld id="{B61BEF0D-F0BB-DE4B-95CE-6DB70DBA9567}" type="datetimeFigureOut">
               <a:rPr lang="en-US" dirty="0"/>
               <a:pPr/>
-              <a:t>8/20/2020</a:t>
+              <a:t>10/27/2020</a:t>
             </a:fld>
             <a:endParaRPr lang="en-US" dirty="0"/>
           </a:p>
@@ -1749,7 +1749,7 @@
             <a:fld id="{B61BEF0D-F0BB-DE4B-95CE-6DB70DBA9567}" type="datetimeFigureOut">
               <a:rPr lang="en-US" dirty="0"/>
               <a:pPr/>
-              <a:t>8/20/2020</a:t>
+              <a:t>10/27/2020</a:t>
             </a:fld>
             <a:endParaRPr lang="en-US" dirty="0"/>
           </a:p>
@@ -2048,7 +2048,7 @@
             <a:fld id="{B61BEF0D-F0BB-DE4B-95CE-6DB70DBA9567}" type="datetimeFigureOut">
               <a:rPr lang="en-US" dirty="0"/>
               <a:pPr/>
-              <a:t>8/20/2020</a:t>
+              <a:t>10/27/2020</a:t>
             </a:fld>
             <a:endParaRPr lang="en-US" dirty="0"/>
           </a:p>
@@ -2412,7 +2412,7 @@
             <a:fld id="{B61BEF0D-F0BB-DE4B-95CE-6DB70DBA9567}" type="datetimeFigureOut">
               <a:rPr lang="en-US" dirty="0"/>
               <a:pPr/>
-              <a:t>8/20/2020</a:t>
+              <a:t>10/27/2020</a:t>
             </a:fld>
             <a:endParaRPr lang="en-US" dirty="0"/>
           </a:p>
@@ -2583,7 +2583,7 @@
             <a:fld id="{B61BEF0D-F0BB-DE4B-95CE-6DB70DBA9567}" type="datetimeFigureOut">
               <a:rPr lang="en-US" dirty="0"/>
               <a:pPr/>
-              <a:t>8/20/2020</a:t>
+              <a:t>10/27/2020</a:t>
             </a:fld>
             <a:endParaRPr lang="en-US" dirty="0"/>
           </a:p>
@@ -2760,7 +2760,7 @@
             <a:fld id="{B61BEF0D-F0BB-DE4B-95CE-6DB70DBA9567}" type="datetimeFigureOut">
               <a:rPr lang="en-US" dirty="0"/>
               <a:pPr/>
-              <a:t>8/20/2020</a:t>
+              <a:t>10/27/2020</a:t>
             </a:fld>
             <a:endParaRPr lang="en-US" dirty="0"/>
           </a:p>
@@ -2927,7 +2927,7 @@
             <a:fld id="{B61BEF0D-F0BB-DE4B-95CE-6DB70DBA9567}" type="datetimeFigureOut">
               <a:rPr lang="en-US" dirty="0"/>
               <a:pPr/>
-              <a:t>8/20/2020</a:t>
+              <a:t>10/27/2020</a:t>
             </a:fld>
             <a:endParaRPr lang="en-US" dirty="0"/>
           </a:p>
@@ -3174,7 +3174,7 @@
             <a:fld id="{B61BEF0D-F0BB-DE4B-95CE-6DB70DBA9567}" type="datetimeFigureOut">
               <a:rPr lang="en-US" dirty="0"/>
               <a:pPr/>
-              <a:t>8/20/2020</a:t>
+              <a:t>10/27/2020</a:t>
             </a:fld>
             <a:endParaRPr lang="en-US" dirty="0"/>
           </a:p>
@@ -3407,7 +3407,7 @@
             <a:fld id="{B61BEF0D-F0BB-DE4B-95CE-6DB70DBA9567}" type="datetimeFigureOut">
               <a:rPr lang="en-US" dirty="0"/>
               <a:pPr/>
-              <a:t>8/20/2020</a:t>
+              <a:t>10/27/2020</a:t>
             </a:fld>
             <a:endParaRPr lang="en-US" dirty="0"/>
           </a:p>
@@ -3786,7 +3786,7 @@
             <a:fld id="{B61BEF0D-F0BB-DE4B-95CE-6DB70DBA9567}" type="datetimeFigureOut">
               <a:rPr lang="en-US" dirty="0"/>
               <a:pPr/>
-              <a:t>8/20/2020</a:t>
+              <a:t>10/27/2020</a:t>
             </a:fld>
             <a:endParaRPr lang="en-US" dirty="0"/>
           </a:p>
@@ -3901,7 +3901,7 @@
             <a:fld id="{B61BEF0D-F0BB-DE4B-95CE-6DB70DBA9567}" type="datetimeFigureOut">
               <a:rPr lang="en-US" dirty="0"/>
               <a:pPr/>
-              <a:t>8/20/2020</a:t>
+              <a:t>10/27/2020</a:t>
             </a:fld>
             <a:endParaRPr lang="en-US" dirty="0"/>
           </a:p>
@@ -3993,7 +3993,7 @@
             <a:fld id="{B61BEF0D-F0BB-DE4B-95CE-6DB70DBA9567}" type="datetimeFigureOut">
               <a:rPr lang="en-US" dirty="0"/>
               <a:pPr/>
-              <a:t>8/20/2020</a:t>
+              <a:t>10/27/2020</a:t>
             </a:fld>
             <a:endParaRPr lang="en-US" dirty="0"/>
           </a:p>
@@ -4245,7 +4245,7 @@
             <a:fld id="{B61BEF0D-F0BB-DE4B-95CE-6DB70DBA9567}" type="datetimeFigureOut">
               <a:rPr lang="en-US" dirty="0"/>
               <a:pPr/>
-              <a:t>8/20/2020</a:t>
+              <a:t>10/27/2020</a:t>
             </a:fld>
             <a:endParaRPr lang="en-US" dirty="0"/>
           </a:p>
@@ -4525,7 +4525,7 @@
             <a:fld id="{B61BEF0D-F0BB-DE4B-95CE-6DB70DBA9567}" type="datetimeFigureOut">
               <a:rPr lang="en-US" dirty="0"/>
               <a:pPr/>
-              <a:t>8/20/2020</a:t>
+              <a:t>10/27/2020</a:t>
             </a:fld>
             <a:endParaRPr lang="en-US" dirty="0"/>
           </a:p>
@@ -4928,7 +4928,7 @@
             <a:fld id="{B61BEF0D-F0BB-DE4B-95CE-6DB70DBA9567}" type="datetimeFigureOut">
               <a:rPr lang="en-US" dirty="0"/>
               <a:pPr/>
-              <a:t>8/20/2020</a:t>
+              <a:t>10/27/2020</a:t>
             </a:fld>
             <a:endParaRPr lang="en-US" dirty="0"/>
           </a:p>

--- a/Veda Lectures/Veda Basics.pptx
+++ b/Veda Lectures/Veda Basics.pptx
@@ -70,6 +70,8 @@
     <p:sldId id="293" r:id="rId64"/>
     <p:sldId id="295" r:id="rId65"/>
     <p:sldId id="313" r:id="rId66"/>
+    <p:sldId id="329" r:id="rId67"/>
+    <p:sldId id="330" r:id="rId68"/>
   </p:sldIdLst>
   <p:sldSz cx="12192000" cy="6858000"/>
   <p:notesSz cx="6858000" cy="9144000"/>
@@ -246,6 +248,8 @@
             <p14:sldId id="293"/>
             <p14:sldId id="295"/>
             <p14:sldId id="313"/>
+            <p14:sldId id="329"/>
+            <p14:sldId id="330"/>
           </p14:sldIdLst>
         </p14:section>
       </p14:sectionLst>
@@ -449,7 +453,7 @@
             <a:fld id="{B61BEF0D-F0BB-DE4B-95CE-6DB70DBA9567}" type="datetimeFigureOut">
               <a:rPr lang="en-US" dirty="0"/>
               <a:pPr/>
-              <a:t>10/27/2020</a:t>
+              <a:t>11/3/2020</a:t>
             </a:fld>
             <a:endParaRPr lang="en-US" dirty="0"/>
           </a:p>
@@ -882,7 +886,7 @@
             <a:fld id="{B61BEF0D-F0BB-DE4B-95CE-6DB70DBA9567}" type="datetimeFigureOut">
               <a:rPr lang="en-US" dirty="0"/>
               <a:pPr/>
-              <a:t>10/27/2020</a:t>
+              <a:t>11/3/2020</a:t>
             </a:fld>
             <a:endParaRPr lang="en-US" dirty="0"/>
           </a:p>
@@ -1129,7 +1133,7 @@
             <a:fld id="{B61BEF0D-F0BB-DE4B-95CE-6DB70DBA9567}" type="datetimeFigureOut">
               <a:rPr lang="en-US" dirty="0"/>
               <a:pPr/>
-              <a:t>10/27/2020</a:t>
+              <a:t>11/3/2020</a:t>
             </a:fld>
             <a:endParaRPr lang="en-US" dirty="0"/>
           </a:p>
@@ -1434,7 +1438,7 @@
             <a:fld id="{B61BEF0D-F0BB-DE4B-95CE-6DB70DBA9567}" type="datetimeFigureOut">
               <a:rPr lang="en-US" dirty="0"/>
               <a:pPr/>
-              <a:t>10/27/2020</a:t>
+              <a:t>11/3/2020</a:t>
             </a:fld>
             <a:endParaRPr lang="en-US" dirty="0"/>
           </a:p>
@@ -1749,7 +1753,7 @@
             <a:fld id="{B61BEF0D-F0BB-DE4B-95CE-6DB70DBA9567}" type="datetimeFigureOut">
               <a:rPr lang="en-US" dirty="0"/>
               <a:pPr/>
-              <a:t>10/27/2020</a:t>
+              <a:t>11/3/2020</a:t>
             </a:fld>
             <a:endParaRPr lang="en-US" dirty="0"/>
           </a:p>
@@ -2048,7 +2052,7 @@
             <a:fld id="{B61BEF0D-F0BB-DE4B-95CE-6DB70DBA9567}" type="datetimeFigureOut">
               <a:rPr lang="en-US" dirty="0"/>
               <a:pPr/>
-              <a:t>10/27/2020</a:t>
+              <a:t>11/3/2020</a:t>
             </a:fld>
             <a:endParaRPr lang="en-US" dirty="0"/>
           </a:p>
@@ -2412,7 +2416,7 @@
             <a:fld id="{B61BEF0D-F0BB-DE4B-95CE-6DB70DBA9567}" type="datetimeFigureOut">
               <a:rPr lang="en-US" dirty="0"/>
               <a:pPr/>
-              <a:t>10/27/2020</a:t>
+              <a:t>11/3/2020</a:t>
             </a:fld>
             <a:endParaRPr lang="en-US" dirty="0"/>
           </a:p>
@@ -2583,7 +2587,7 @@
             <a:fld id="{B61BEF0D-F0BB-DE4B-95CE-6DB70DBA9567}" type="datetimeFigureOut">
               <a:rPr lang="en-US" dirty="0"/>
               <a:pPr/>
-              <a:t>10/27/2020</a:t>
+              <a:t>11/3/2020</a:t>
             </a:fld>
             <a:endParaRPr lang="en-US" dirty="0"/>
           </a:p>
@@ -2760,7 +2764,7 @@
             <a:fld id="{B61BEF0D-F0BB-DE4B-95CE-6DB70DBA9567}" type="datetimeFigureOut">
               <a:rPr lang="en-US" dirty="0"/>
               <a:pPr/>
-              <a:t>10/27/2020</a:t>
+              <a:t>11/3/2020</a:t>
             </a:fld>
             <a:endParaRPr lang="en-US" dirty="0"/>
           </a:p>
@@ -2927,7 +2931,7 @@
             <a:fld id="{B61BEF0D-F0BB-DE4B-95CE-6DB70DBA9567}" type="datetimeFigureOut">
               <a:rPr lang="en-US" dirty="0"/>
               <a:pPr/>
-              <a:t>10/27/2020</a:t>
+              <a:t>11/3/2020</a:t>
             </a:fld>
             <a:endParaRPr lang="en-US" dirty="0"/>
           </a:p>
@@ -3174,7 +3178,7 @@
             <a:fld id="{B61BEF0D-F0BB-DE4B-95CE-6DB70DBA9567}" type="datetimeFigureOut">
               <a:rPr lang="en-US" dirty="0"/>
               <a:pPr/>
-              <a:t>10/27/2020</a:t>
+              <a:t>11/3/2020</a:t>
             </a:fld>
             <a:endParaRPr lang="en-US" dirty="0"/>
           </a:p>
@@ -3407,7 +3411,7 @@
             <a:fld id="{B61BEF0D-F0BB-DE4B-95CE-6DB70DBA9567}" type="datetimeFigureOut">
               <a:rPr lang="en-US" dirty="0"/>
               <a:pPr/>
-              <a:t>10/27/2020</a:t>
+              <a:t>11/3/2020</a:t>
             </a:fld>
             <a:endParaRPr lang="en-US" dirty="0"/>
           </a:p>
@@ -3786,7 +3790,7 @@
             <a:fld id="{B61BEF0D-F0BB-DE4B-95CE-6DB70DBA9567}" type="datetimeFigureOut">
               <a:rPr lang="en-US" dirty="0"/>
               <a:pPr/>
-              <a:t>10/27/2020</a:t>
+              <a:t>11/3/2020</a:t>
             </a:fld>
             <a:endParaRPr lang="en-US" dirty="0"/>
           </a:p>
@@ -3901,7 +3905,7 @@
             <a:fld id="{B61BEF0D-F0BB-DE4B-95CE-6DB70DBA9567}" type="datetimeFigureOut">
               <a:rPr lang="en-US" dirty="0"/>
               <a:pPr/>
-              <a:t>10/27/2020</a:t>
+              <a:t>11/3/2020</a:t>
             </a:fld>
             <a:endParaRPr lang="en-US" dirty="0"/>
           </a:p>
@@ -3993,7 +3997,7 @@
             <a:fld id="{B61BEF0D-F0BB-DE4B-95CE-6DB70DBA9567}" type="datetimeFigureOut">
               <a:rPr lang="en-US" dirty="0"/>
               <a:pPr/>
-              <a:t>10/27/2020</a:t>
+              <a:t>11/3/2020</a:t>
             </a:fld>
             <a:endParaRPr lang="en-US" dirty="0"/>
           </a:p>
@@ -4245,7 +4249,7 @@
             <a:fld id="{B61BEF0D-F0BB-DE4B-95CE-6DB70DBA9567}" type="datetimeFigureOut">
               <a:rPr lang="en-US" dirty="0"/>
               <a:pPr/>
-              <a:t>10/27/2020</a:t>
+              <a:t>11/3/2020</a:t>
             </a:fld>
             <a:endParaRPr lang="en-US" dirty="0"/>
           </a:p>
@@ -4525,7 +4529,7 @@
             <a:fld id="{B61BEF0D-F0BB-DE4B-95CE-6DB70DBA9567}" type="datetimeFigureOut">
               <a:rPr lang="en-US" dirty="0"/>
               <a:pPr/>
-              <a:t>10/27/2020</a:t>
+              <a:t>11/3/2020</a:t>
             </a:fld>
             <a:endParaRPr lang="en-US" dirty="0"/>
           </a:p>
@@ -4928,7 +4932,7 @@
             <a:fld id="{B61BEF0D-F0BB-DE4B-95CE-6DB70DBA9567}" type="datetimeFigureOut">
               <a:rPr lang="en-US" dirty="0"/>
               <a:pPr/>
-              <a:t>10/27/2020</a:t>
+              <a:t>11/3/2020</a:t>
             </a:fld>
             <a:endParaRPr lang="en-US" dirty="0"/>
           </a:p>
@@ -16175,6 +16179,417 @@
 </p:sld>
 </file>
 
+<file path=ppt/slides/slide66.xml><?xml version="1.0" encoding="utf-8"?>
+<p:sld xmlns:a="http://schemas.openxmlformats.org/drawingml/2006/main" xmlns:r="http://schemas.openxmlformats.org/officeDocument/2006/relationships" xmlns:p="http://schemas.openxmlformats.org/presentationml/2006/main">
+  <p:cSld>
+    <p:spTree>
+      <p:nvGrpSpPr>
+        <p:cNvPr id="1" name=""/>
+        <p:cNvGrpSpPr/>
+        <p:nvPr/>
+      </p:nvGrpSpPr>
+      <p:grpSpPr>
+        <a:xfrm>
+          <a:off x="0" y="0"/>
+          <a:ext cx="0" cy="0"/>
+          <a:chOff x="0" y="0"/>
+          <a:chExt cx="0" cy="0"/>
+        </a:xfrm>
+      </p:grpSpPr>
+      <p:sp>
+        <p:nvSpPr>
+          <p:cNvPr id="2" name="Title 1"/>
+          <p:cNvSpPr>
+            <a:spLocks noGrp="1"/>
+          </p:cNvSpPr>
+          <p:nvPr>
+            <p:ph type="title"/>
+          </p:nvPr>
+        </p:nvSpPr>
+        <p:spPr/>
+        <p:txBody>
+          <a:bodyPr/>
+          <a:lstStyle/>
+          <a:p>
+            <a:r>
+              <a:rPr lang="en-US" dirty="0" smtClean="0"/>
+              <a:t>Summary for First Part - </a:t>
+            </a:r>
+            <a:r>
+              <a:rPr lang="en-US" dirty="0" err="1" smtClean="0"/>
+              <a:t>Swarams</a:t>
+            </a:r>
+            <a:endParaRPr lang="en-US" dirty="0"/>
+          </a:p>
+        </p:txBody>
+      </p:sp>
+      <p:sp>
+        <p:nvSpPr>
+          <p:cNvPr id="3" name="Content Placeholder 2"/>
+          <p:cNvSpPr>
+            <a:spLocks noGrp="1"/>
+          </p:cNvSpPr>
+          <p:nvPr>
+            <p:ph idx="1"/>
+          </p:nvPr>
+        </p:nvSpPr>
+        <p:spPr>
+          <a:xfrm>
+            <a:off x="684211" y="685800"/>
+            <a:ext cx="10128931" cy="4234543"/>
+          </a:xfrm>
+        </p:spPr>
+        <p:txBody>
+          <a:bodyPr>
+            <a:normAutofit/>
+          </a:bodyPr>
+          <a:lstStyle/>
+          <a:p>
+            <a:r>
+              <a:rPr lang="en-US" sz="2800" b="1" dirty="0" smtClean="0">
+                <a:latin typeface="Arial" panose="020B0604020202020204" pitchFamily="34" charset="0"/>
+                <a:cs typeface="Arial" panose="020B0604020202020204" pitchFamily="34" charset="0"/>
+              </a:rPr>
+              <a:t>We have seen definition of udAttam, anudAttam, Swaritam and Dheerga </a:t>
+            </a:r>
+            <a:r>
+              <a:rPr lang="en-US" sz="2800" b="1" dirty="0" err="1" smtClean="0">
+                <a:latin typeface="Arial" panose="020B0604020202020204" pitchFamily="34" charset="0"/>
+                <a:cs typeface="Arial" panose="020B0604020202020204" pitchFamily="34" charset="0"/>
+              </a:rPr>
+              <a:t>Swartiam</a:t>
+            </a:r>
+            <a:endParaRPr lang="en-US" sz="2800" b="1" dirty="0" smtClean="0">
+              <a:latin typeface="Arial" panose="020B0604020202020204" pitchFamily="34" charset="0"/>
+              <a:cs typeface="Arial" panose="020B0604020202020204" pitchFamily="34" charset="0"/>
+            </a:endParaRPr>
+          </a:p>
+          <a:p>
+            <a:pPr lvl="1"/>
+            <a:r>
+              <a:rPr lang="en-US" sz="2800" b="1" dirty="0" smtClean="0">
+                <a:latin typeface="Arial" panose="020B0604020202020204" pitchFamily="34" charset="0"/>
+                <a:cs typeface="Arial" panose="020B0604020202020204" pitchFamily="34" charset="0"/>
+              </a:rPr>
+              <a:t>How they are marked and how they have to be </a:t>
+            </a:r>
+            <a:r>
+              <a:rPr lang="en-US" sz="2800" b="1" dirty="0" err="1" smtClean="0">
+                <a:latin typeface="Arial" panose="020B0604020202020204" pitchFamily="34" charset="0"/>
+                <a:cs typeface="Arial" panose="020B0604020202020204" pitchFamily="34" charset="0"/>
+              </a:rPr>
+              <a:t>slided</a:t>
+            </a:r>
+            <a:endParaRPr lang="en-US" sz="2800" b="1" dirty="0" smtClean="0">
+              <a:latin typeface="Arial" panose="020B0604020202020204" pitchFamily="34" charset="0"/>
+              <a:cs typeface="Arial" panose="020B0604020202020204" pitchFamily="34" charset="0"/>
+            </a:endParaRPr>
+          </a:p>
+          <a:p>
+            <a:pPr lvl="1"/>
+            <a:r>
+              <a:rPr lang="en-US" sz="2800" b="1" dirty="0" smtClean="0">
+                <a:latin typeface="Arial" panose="020B0604020202020204" pitchFamily="34" charset="0"/>
+                <a:cs typeface="Arial" panose="020B0604020202020204" pitchFamily="34" charset="0"/>
+              </a:rPr>
+              <a:t>Only vowel part gets the sliding</a:t>
+            </a:r>
+          </a:p>
+          <a:p>
+            <a:pPr lvl="1"/>
+            <a:r>
+              <a:rPr lang="en-US" sz="2800" b="1" dirty="0" smtClean="0">
+                <a:latin typeface="Arial" panose="020B0604020202020204" pitchFamily="34" charset="0"/>
+                <a:cs typeface="Arial" panose="020B0604020202020204" pitchFamily="34" charset="0"/>
+              </a:rPr>
+              <a:t>Let us see pictorial view of sliding</a:t>
+            </a:r>
+          </a:p>
+          <a:p>
+            <a:r>
+              <a:rPr lang="en-US" sz="3000" b="1" dirty="0" smtClean="0">
+                <a:latin typeface="Arial" panose="020B0604020202020204" pitchFamily="34" charset="0"/>
+                <a:cs typeface="Arial" panose="020B0604020202020204" pitchFamily="34" charset="0"/>
+              </a:rPr>
+              <a:t>Now we will start about further classifications</a:t>
+            </a:r>
+          </a:p>
+          <a:p>
+            <a:pPr lvl="1"/>
+            <a:r>
+              <a:rPr lang="en-US" sz="2800" b="1" dirty="0" smtClean="0">
+                <a:latin typeface="Arial" panose="020B0604020202020204" pitchFamily="34" charset="0"/>
+                <a:cs typeface="Arial" panose="020B0604020202020204" pitchFamily="34" charset="0"/>
+              </a:rPr>
+              <a:t>Pracaya, </a:t>
+            </a:r>
+            <a:r>
+              <a:rPr lang="en-US" sz="2800" b="1" dirty="0" err="1" smtClean="0">
+                <a:latin typeface="Arial" panose="020B0604020202020204" pitchFamily="34" charset="0"/>
+                <a:cs typeface="Arial" panose="020B0604020202020204" pitchFamily="34" charset="0"/>
+              </a:rPr>
+              <a:t>sannatara</a:t>
+            </a:r>
+            <a:r>
+              <a:rPr lang="en-US" sz="2800" b="1" dirty="0" smtClean="0">
+                <a:latin typeface="Arial" panose="020B0604020202020204" pitchFamily="34" charset="0"/>
+                <a:cs typeface="Arial" panose="020B0604020202020204" pitchFamily="34" charset="0"/>
+              </a:rPr>
+              <a:t>, </a:t>
+            </a:r>
+            <a:r>
+              <a:rPr lang="en-US" sz="2800" b="1" dirty="0" err="1" smtClean="0">
+                <a:latin typeface="Arial" panose="020B0604020202020204" pitchFamily="34" charset="0"/>
+                <a:cs typeface="Arial" panose="020B0604020202020204" pitchFamily="34" charset="0"/>
+              </a:rPr>
+              <a:t>ekasruti</a:t>
+            </a:r>
+            <a:endParaRPr lang="en-US" sz="2800" b="1" dirty="0">
+              <a:latin typeface="Arial" panose="020B0604020202020204" pitchFamily="34" charset="0"/>
+              <a:cs typeface="Arial" panose="020B0604020202020204" pitchFamily="34" charset="0"/>
+            </a:endParaRPr>
+          </a:p>
+        </p:txBody>
+      </p:sp>
+    </p:spTree>
+    <p:extLst>
+      <p:ext uri="{BB962C8B-B14F-4D97-AF65-F5344CB8AC3E}">
+        <p14:creationId xmlns:p14="http://schemas.microsoft.com/office/powerpoint/2010/main" val="2905799788"/>
+      </p:ext>
+    </p:extLst>
+  </p:cSld>
+  <p:clrMapOvr>
+    <a:masterClrMapping/>
+  </p:clrMapOvr>
+</p:sld>
+</file>
+
+<file path=ppt/slides/slide67.xml><?xml version="1.0" encoding="utf-8"?>
+<p:sld xmlns:a="http://schemas.openxmlformats.org/drawingml/2006/main" xmlns:r="http://schemas.openxmlformats.org/officeDocument/2006/relationships" xmlns:p="http://schemas.openxmlformats.org/presentationml/2006/main">
+  <p:cSld>
+    <p:spTree>
+      <p:nvGrpSpPr>
+        <p:cNvPr id="1" name=""/>
+        <p:cNvGrpSpPr/>
+        <p:nvPr/>
+      </p:nvGrpSpPr>
+      <p:grpSpPr>
+        <a:xfrm>
+          <a:off x="0" y="0"/>
+          <a:ext cx="0" cy="0"/>
+          <a:chOff x="0" y="0"/>
+          <a:chExt cx="0" cy="0"/>
+        </a:xfrm>
+      </p:grpSpPr>
+      <p:sp>
+        <p:nvSpPr>
+          <p:cNvPr id="2" name="Title 1"/>
+          <p:cNvSpPr>
+            <a:spLocks noGrp="1"/>
+          </p:cNvSpPr>
+          <p:nvPr>
+            <p:ph type="title"/>
+          </p:nvPr>
+        </p:nvSpPr>
+        <p:spPr/>
+        <p:txBody>
+          <a:bodyPr/>
+          <a:lstStyle/>
+          <a:p>
+            <a:r>
+              <a:rPr lang="en-US" dirty="0" smtClean="0"/>
+              <a:t>Definition of pracaya</a:t>
+            </a:r>
+            <a:endParaRPr lang="en-US" dirty="0"/>
+          </a:p>
+        </p:txBody>
+      </p:sp>
+      <p:sp>
+        <p:nvSpPr>
+          <p:cNvPr id="3" name="Content Placeholder 2"/>
+          <p:cNvSpPr>
+            <a:spLocks noGrp="1"/>
+          </p:cNvSpPr>
+          <p:nvPr>
+            <p:ph idx="1"/>
+          </p:nvPr>
+        </p:nvSpPr>
+        <p:spPr/>
+        <p:txBody>
+          <a:bodyPr>
+            <a:normAutofit/>
+          </a:bodyPr>
+          <a:lstStyle/>
+          <a:p>
+            <a:r>
+              <a:rPr lang="en-US" sz="2800" b="1" dirty="0" smtClean="0">
+                <a:latin typeface="Arial" panose="020B0604020202020204" pitchFamily="34" charset="0"/>
+                <a:cs typeface="Arial" panose="020B0604020202020204" pitchFamily="34" charset="0"/>
+              </a:rPr>
+              <a:t>Pracaya is a collection or accumulation of letters that get a same </a:t>
+            </a:r>
+            <a:r>
+              <a:rPr lang="en-US" sz="2800" b="1" dirty="0" err="1" smtClean="0">
+                <a:latin typeface="Arial" panose="020B0604020202020204" pitchFamily="34" charset="0"/>
+                <a:cs typeface="Arial" panose="020B0604020202020204" pitchFamily="34" charset="0"/>
+              </a:rPr>
+              <a:t>Swara</a:t>
+            </a:r>
+            <a:r>
+              <a:rPr lang="en-US" sz="2800" b="1" dirty="0" smtClean="0">
+                <a:latin typeface="Arial" panose="020B0604020202020204" pitchFamily="34" charset="0"/>
+                <a:cs typeface="Arial" panose="020B0604020202020204" pitchFamily="34" charset="0"/>
+              </a:rPr>
+              <a:t> </a:t>
+            </a:r>
+          </a:p>
+          <a:p>
+            <a:pPr lvl="1"/>
+            <a:r>
+              <a:rPr lang="en-US" sz="2600" b="1" dirty="0" smtClean="0">
+                <a:latin typeface="Arial" panose="020B0604020202020204" pitchFamily="34" charset="0"/>
+                <a:cs typeface="Arial" panose="020B0604020202020204" pitchFamily="34" charset="0"/>
+              </a:rPr>
+              <a:t>Note example of </a:t>
+            </a:r>
+            <a:r>
+              <a:rPr lang="en-US" sz="2600" b="1" dirty="0" err="1" smtClean="0">
+                <a:latin typeface="Arial" panose="020B0604020202020204" pitchFamily="34" charset="0"/>
+                <a:cs typeface="Arial" panose="020B0604020202020204" pitchFamily="34" charset="0"/>
+              </a:rPr>
+              <a:t>SASanAnaSane</a:t>
+            </a:r>
+            <a:r>
+              <a:rPr lang="en-US" sz="2600" b="1" dirty="0" smtClean="0">
+                <a:latin typeface="Arial" panose="020B0604020202020204" pitchFamily="34" charset="0"/>
+                <a:cs typeface="Arial" panose="020B0604020202020204" pitchFamily="34" charset="0"/>
+              </a:rPr>
+              <a:t> </a:t>
+            </a:r>
+            <a:r>
+              <a:rPr lang="en-US" sz="2600" b="1" dirty="0" err="1" smtClean="0">
+                <a:latin typeface="Arial" panose="020B0604020202020204" pitchFamily="34" charset="0"/>
+                <a:cs typeface="Arial" panose="020B0604020202020204" pitchFamily="34" charset="0"/>
+              </a:rPr>
+              <a:t>Abi</a:t>
+            </a:r>
+            <a:endParaRPr lang="en-US" sz="2600" b="1" dirty="0" smtClean="0">
+              <a:latin typeface="Arial" panose="020B0604020202020204" pitchFamily="34" charset="0"/>
+              <a:cs typeface="Arial" panose="020B0604020202020204" pitchFamily="34" charset="0"/>
+            </a:endParaRPr>
+          </a:p>
+          <a:p>
+            <a:pPr lvl="1"/>
+            <a:r>
+              <a:rPr lang="en-US" sz="2600" b="1" dirty="0" smtClean="0">
+                <a:latin typeface="Arial" panose="020B0604020202020204" pitchFamily="34" charset="0"/>
+                <a:cs typeface="Arial" panose="020B0604020202020204" pitchFamily="34" charset="0"/>
+              </a:rPr>
+              <a:t>Note example of </a:t>
+            </a:r>
+            <a:r>
+              <a:rPr lang="en-US" sz="2600" b="1" dirty="0" err="1" smtClean="0">
+                <a:latin typeface="Arial" panose="020B0604020202020204" pitchFamily="34" charset="0"/>
+                <a:cs typeface="Arial" panose="020B0604020202020204" pitchFamily="34" charset="0"/>
+              </a:rPr>
+              <a:t>Ganapathi</a:t>
+            </a:r>
+            <a:r>
+              <a:rPr lang="en-US" sz="2600" b="1" dirty="0" smtClean="0">
+                <a:latin typeface="Arial" panose="020B0604020202020204" pitchFamily="34" charset="0"/>
+                <a:cs typeface="Arial" panose="020B0604020202020204" pitchFamily="34" charset="0"/>
+              </a:rPr>
+              <a:t>(</a:t>
+            </a:r>
+            <a:r>
+              <a:rPr lang="en-US" sz="2600" b="1" dirty="0" err="1" smtClean="0">
+                <a:latin typeface="Arial" panose="020B0604020202020204" pitchFamily="34" charset="0"/>
+                <a:cs typeface="Arial" panose="020B0604020202020204" pitchFamily="34" charset="0"/>
+              </a:rPr>
+              <a:t>gm</a:t>
+            </a:r>
+            <a:r>
+              <a:rPr lang="en-US" sz="2600" b="1" dirty="0" smtClean="0">
+                <a:latin typeface="Arial" panose="020B0604020202020204" pitchFamily="34" charset="0"/>
+                <a:cs typeface="Arial" panose="020B0604020202020204" pitchFamily="34" charset="0"/>
+              </a:rPr>
+              <a:t>) </a:t>
+            </a:r>
+            <a:r>
+              <a:rPr lang="en-US" sz="2600" b="1" dirty="0" err="1" smtClean="0">
+                <a:latin typeface="Arial" panose="020B0604020202020204" pitchFamily="34" charset="0"/>
+                <a:cs typeface="Arial" panose="020B0604020202020204" pitchFamily="34" charset="0"/>
+              </a:rPr>
+              <a:t>havAmahe</a:t>
+            </a:r>
+            <a:endParaRPr lang="en-US" sz="2600" b="1" dirty="0" smtClean="0">
+              <a:latin typeface="Arial" panose="020B0604020202020204" pitchFamily="34" charset="0"/>
+              <a:cs typeface="Arial" panose="020B0604020202020204" pitchFamily="34" charset="0"/>
+            </a:endParaRPr>
+          </a:p>
+          <a:p>
+            <a:r>
+              <a:rPr lang="en-US" sz="2800" b="1" dirty="0" smtClean="0">
+                <a:latin typeface="Arial" panose="020B0604020202020204" pitchFamily="34" charset="0"/>
+                <a:cs typeface="Arial" panose="020B0604020202020204" pitchFamily="34" charset="0"/>
+              </a:rPr>
+              <a:t>Definition of </a:t>
+            </a:r>
+            <a:r>
+              <a:rPr lang="en-US" sz="2800" b="1" dirty="0" err="1" smtClean="0">
+                <a:latin typeface="Arial" panose="020B0604020202020204" pitchFamily="34" charset="0"/>
+                <a:cs typeface="Arial" panose="020B0604020202020204" pitchFamily="34" charset="0"/>
+              </a:rPr>
+              <a:t>pANini</a:t>
+            </a:r>
+            <a:r>
+              <a:rPr lang="en-US" sz="2800" b="1" dirty="0" smtClean="0">
+                <a:latin typeface="Arial" panose="020B0604020202020204" pitchFamily="34" charset="0"/>
+                <a:cs typeface="Arial" panose="020B0604020202020204" pitchFamily="34" charset="0"/>
+              </a:rPr>
+              <a:t> as </a:t>
+            </a:r>
+            <a:r>
+              <a:rPr lang="en-US" sz="2800" b="1" dirty="0" err="1" smtClean="0">
+                <a:latin typeface="Arial" panose="020B0604020202020204" pitchFamily="34" charset="0"/>
+                <a:cs typeface="Arial" panose="020B0604020202020204" pitchFamily="34" charset="0"/>
+              </a:rPr>
+              <a:t>Sannatara</a:t>
+            </a:r>
+            <a:r>
+              <a:rPr lang="en-US" sz="2800" b="1" dirty="0" smtClean="0">
+                <a:latin typeface="Arial" panose="020B0604020202020204" pitchFamily="34" charset="0"/>
+                <a:cs typeface="Arial" panose="020B0604020202020204" pitchFamily="34" charset="0"/>
+              </a:rPr>
+              <a:t> and </a:t>
+            </a:r>
+            <a:r>
+              <a:rPr lang="en-US" sz="2800" b="1" dirty="0" err="1" smtClean="0">
+                <a:latin typeface="Arial" panose="020B0604020202020204" pitchFamily="34" charset="0"/>
+                <a:cs typeface="Arial" panose="020B0604020202020204" pitchFamily="34" charset="0"/>
+              </a:rPr>
+              <a:t>ekasruti</a:t>
+            </a:r>
+            <a:endParaRPr lang="en-US" sz="2800" b="1" dirty="0">
+              <a:latin typeface="Arial" panose="020B0604020202020204" pitchFamily="34" charset="0"/>
+              <a:cs typeface="Arial" panose="020B0604020202020204" pitchFamily="34" charset="0"/>
+            </a:endParaRPr>
+          </a:p>
+        </p:txBody>
+      </p:sp>
+    </p:spTree>
+    <p:extLst>
+      <p:ext uri="{BB962C8B-B14F-4D97-AF65-F5344CB8AC3E}">
+        <p14:creationId xmlns:p14="http://schemas.microsoft.com/office/powerpoint/2010/main" val="4199646022"/>
+      </p:ext>
+    </p:extLst>
+  </p:cSld>
+  <p:clrMapOvr>
+    <a:masterClrMapping/>
+  </p:clrMapOvr>
+</p:sld>
+</file>
+
 <file path=ppt/slides/slide7.xml><?xml version="1.0" encoding="utf-8"?>
 <p:sld xmlns:a="http://schemas.openxmlformats.org/drawingml/2006/main" xmlns:r="http://schemas.openxmlformats.org/officeDocument/2006/relationships" xmlns:p="http://schemas.openxmlformats.org/presentationml/2006/main">
   <p:cSld>

--- a/Veda Lectures/Veda Basics.pptx
+++ b/Veda Lectures/Veda Basics.pptx
@@ -453,7 +453,7 @@
             <a:fld id="{B61BEF0D-F0BB-DE4B-95CE-6DB70DBA9567}" type="datetimeFigureOut">
               <a:rPr lang="en-US" dirty="0"/>
               <a:pPr/>
-              <a:t>11/3/2020</a:t>
+              <a:t>11/11/2020</a:t>
             </a:fld>
             <a:endParaRPr lang="en-US" dirty="0"/>
           </a:p>
@@ -886,7 +886,7 @@
             <a:fld id="{B61BEF0D-F0BB-DE4B-95CE-6DB70DBA9567}" type="datetimeFigureOut">
               <a:rPr lang="en-US" dirty="0"/>
               <a:pPr/>
-              <a:t>11/3/2020</a:t>
+              <a:t>11/11/2020</a:t>
             </a:fld>
             <a:endParaRPr lang="en-US" dirty="0"/>
           </a:p>
@@ -1133,7 +1133,7 @@
             <a:fld id="{B61BEF0D-F0BB-DE4B-95CE-6DB70DBA9567}" type="datetimeFigureOut">
               <a:rPr lang="en-US" dirty="0"/>
               <a:pPr/>
-              <a:t>11/3/2020</a:t>
+              <a:t>11/11/2020</a:t>
             </a:fld>
             <a:endParaRPr lang="en-US" dirty="0"/>
           </a:p>
@@ -1438,7 +1438,7 @@
             <a:fld id="{B61BEF0D-F0BB-DE4B-95CE-6DB70DBA9567}" type="datetimeFigureOut">
               <a:rPr lang="en-US" dirty="0"/>
               <a:pPr/>
-              <a:t>11/3/2020</a:t>
+              <a:t>11/11/2020</a:t>
             </a:fld>
             <a:endParaRPr lang="en-US" dirty="0"/>
           </a:p>
@@ -1753,7 +1753,7 @@
             <a:fld id="{B61BEF0D-F0BB-DE4B-95CE-6DB70DBA9567}" type="datetimeFigureOut">
               <a:rPr lang="en-US" dirty="0"/>
               <a:pPr/>
-              <a:t>11/3/2020</a:t>
+              <a:t>11/11/2020</a:t>
             </a:fld>
             <a:endParaRPr lang="en-US" dirty="0"/>
           </a:p>
@@ -2052,7 +2052,7 @@
             <a:fld id="{B61BEF0D-F0BB-DE4B-95CE-6DB70DBA9567}" type="datetimeFigureOut">
               <a:rPr lang="en-US" dirty="0"/>
               <a:pPr/>
-              <a:t>11/3/2020</a:t>
+              <a:t>11/11/2020</a:t>
             </a:fld>
             <a:endParaRPr lang="en-US" dirty="0"/>
           </a:p>
@@ -2416,7 +2416,7 @@
             <a:fld id="{B61BEF0D-F0BB-DE4B-95CE-6DB70DBA9567}" type="datetimeFigureOut">
               <a:rPr lang="en-US" dirty="0"/>
               <a:pPr/>
-              <a:t>11/3/2020</a:t>
+              <a:t>11/11/2020</a:t>
             </a:fld>
             <a:endParaRPr lang="en-US" dirty="0"/>
           </a:p>
@@ -2587,7 +2587,7 @@
             <a:fld id="{B61BEF0D-F0BB-DE4B-95CE-6DB70DBA9567}" type="datetimeFigureOut">
               <a:rPr lang="en-US" dirty="0"/>
               <a:pPr/>
-              <a:t>11/3/2020</a:t>
+              <a:t>11/11/2020</a:t>
             </a:fld>
             <a:endParaRPr lang="en-US" dirty="0"/>
           </a:p>
@@ -2764,7 +2764,7 @@
             <a:fld id="{B61BEF0D-F0BB-DE4B-95CE-6DB70DBA9567}" type="datetimeFigureOut">
               <a:rPr lang="en-US" dirty="0"/>
               <a:pPr/>
-              <a:t>11/3/2020</a:t>
+              <a:t>11/11/2020</a:t>
             </a:fld>
             <a:endParaRPr lang="en-US" dirty="0"/>
           </a:p>
@@ -2931,7 +2931,7 @@
             <a:fld id="{B61BEF0D-F0BB-DE4B-95CE-6DB70DBA9567}" type="datetimeFigureOut">
               <a:rPr lang="en-US" dirty="0"/>
               <a:pPr/>
-              <a:t>11/3/2020</a:t>
+              <a:t>11/11/2020</a:t>
             </a:fld>
             <a:endParaRPr lang="en-US" dirty="0"/>
           </a:p>
@@ -3178,7 +3178,7 @@
             <a:fld id="{B61BEF0D-F0BB-DE4B-95CE-6DB70DBA9567}" type="datetimeFigureOut">
               <a:rPr lang="en-US" dirty="0"/>
               <a:pPr/>
-              <a:t>11/3/2020</a:t>
+              <a:t>11/11/2020</a:t>
             </a:fld>
             <a:endParaRPr lang="en-US" dirty="0"/>
           </a:p>
@@ -3411,7 +3411,7 @@
             <a:fld id="{B61BEF0D-F0BB-DE4B-95CE-6DB70DBA9567}" type="datetimeFigureOut">
               <a:rPr lang="en-US" dirty="0"/>
               <a:pPr/>
-              <a:t>11/3/2020</a:t>
+              <a:t>11/11/2020</a:t>
             </a:fld>
             <a:endParaRPr lang="en-US" dirty="0"/>
           </a:p>
@@ -3790,7 +3790,7 @@
             <a:fld id="{B61BEF0D-F0BB-DE4B-95CE-6DB70DBA9567}" type="datetimeFigureOut">
               <a:rPr lang="en-US" dirty="0"/>
               <a:pPr/>
-              <a:t>11/3/2020</a:t>
+              <a:t>11/11/2020</a:t>
             </a:fld>
             <a:endParaRPr lang="en-US" dirty="0"/>
           </a:p>
@@ -3905,7 +3905,7 @@
             <a:fld id="{B61BEF0D-F0BB-DE4B-95CE-6DB70DBA9567}" type="datetimeFigureOut">
               <a:rPr lang="en-US" dirty="0"/>
               <a:pPr/>
-              <a:t>11/3/2020</a:t>
+              <a:t>11/11/2020</a:t>
             </a:fld>
             <a:endParaRPr lang="en-US" dirty="0"/>
           </a:p>
@@ -3997,7 +3997,7 @@
             <a:fld id="{B61BEF0D-F0BB-DE4B-95CE-6DB70DBA9567}" type="datetimeFigureOut">
               <a:rPr lang="en-US" dirty="0"/>
               <a:pPr/>
-              <a:t>11/3/2020</a:t>
+              <a:t>11/11/2020</a:t>
             </a:fld>
             <a:endParaRPr lang="en-US" dirty="0"/>
           </a:p>
@@ -4249,7 +4249,7 @@
             <a:fld id="{B61BEF0D-F0BB-DE4B-95CE-6DB70DBA9567}" type="datetimeFigureOut">
               <a:rPr lang="en-US" dirty="0"/>
               <a:pPr/>
-              <a:t>11/3/2020</a:t>
+              <a:t>11/11/2020</a:t>
             </a:fld>
             <a:endParaRPr lang="en-US" dirty="0"/>
           </a:p>
@@ -4529,7 +4529,7 @@
             <a:fld id="{B61BEF0D-F0BB-DE4B-95CE-6DB70DBA9567}" type="datetimeFigureOut">
               <a:rPr lang="en-US" dirty="0"/>
               <a:pPr/>
-              <a:t>11/3/2020</a:t>
+              <a:t>11/11/2020</a:t>
             </a:fld>
             <a:endParaRPr lang="en-US" dirty="0"/>
           </a:p>
@@ -4932,7 +4932,7 @@
             <a:fld id="{B61BEF0D-F0BB-DE4B-95CE-6DB70DBA9567}" type="datetimeFigureOut">
               <a:rPr lang="en-US" dirty="0"/>
               <a:pPr/>
-              <a:t>11/3/2020</a:t>
+              <a:t>11/11/2020</a:t>
             </a:fld>
             <a:endParaRPr lang="en-US" dirty="0"/>
           </a:p>
@@ -16253,11 +16253,11 @@
               <a:t>We have seen definition of udAttam, anudAttam, Swaritam and Dheerga </a:t>
             </a:r>
             <a:r>
-              <a:rPr lang="en-US" sz="2800" b="1" dirty="0" err="1" smtClean="0">
+              <a:rPr lang="en-US" sz="2800" b="1" dirty="0" smtClean="0">
                 <a:latin typeface="Arial" panose="020B0604020202020204" pitchFamily="34" charset="0"/>
                 <a:cs typeface="Arial" panose="020B0604020202020204" pitchFamily="34" charset="0"/>
               </a:rPr>
-              <a:t>Swartiam</a:t>
+              <a:t>Swaritam</a:t>
             </a:r>
             <a:endParaRPr lang="en-US" sz="2800" b="1" dirty="0" smtClean="0">
               <a:latin typeface="Arial" panose="020B0604020202020204" pitchFamily="34" charset="0"/>
@@ -16271,19 +16271,8 @@
                 <a:latin typeface="Arial" panose="020B0604020202020204" pitchFamily="34" charset="0"/>
                 <a:cs typeface="Arial" panose="020B0604020202020204" pitchFamily="34" charset="0"/>
               </a:rPr>
-              <a:t>How they are marked and how they have to be </a:t>
-            </a:r>
-            <a:r>
-              <a:rPr lang="en-US" sz="2800" b="1" dirty="0" err="1" smtClean="0">
-                <a:latin typeface="Arial" panose="020B0604020202020204" pitchFamily="34" charset="0"/>
-                <a:cs typeface="Arial" panose="020B0604020202020204" pitchFamily="34" charset="0"/>
-              </a:rPr>
-              <a:t>slided</a:t>
-            </a:r>
-            <a:endParaRPr lang="en-US" sz="2800" b="1" dirty="0" smtClean="0">
-              <a:latin typeface="Arial" panose="020B0604020202020204" pitchFamily="34" charset="0"/>
-              <a:cs typeface="Arial" panose="020B0604020202020204" pitchFamily="34" charset="0"/>
-            </a:endParaRPr>
+              <a:t>How they are marked and how they have to be slided</a:t>
+            </a:r>
           </a:p>
           <a:p>
             <a:pPr lvl="1"/>

--- a/Veda Lectures/Veda Basics.pptx
+++ b/Veda Lectures/Veda Basics.pptx
@@ -453,7 +453,7 @@
             <a:fld id="{B61BEF0D-F0BB-DE4B-95CE-6DB70DBA9567}" type="datetimeFigureOut">
               <a:rPr lang="en-US" dirty="0"/>
               <a:pPr/>
-              <a:t>11/11/2020</a:t>
+              <a:t>1/8/2021</a:t>
             </a:fld>
             <a:endParaRPr lang="en-US" dirty="0"/>
           </a:p>
@@ -886,7 +886,7 @@
             <a:fld id="{B61BEF0D-F0BB-DE4B-95CE-6DB70DBA9567}" type="datetimeFigureOut">
               <a:rPr lang="en-US" dirty="0"/>
               <a:pPr/>
-              <a:t>11/11/2020</a:t>
+              <a:t>1/8/2021</a:t>
             </a:fld>
             <a:endParaRPr lang="en-US" dirty="0"/>
           </a:p>
@@ -1133,7 +1133,7 @@
             <a:fld id="{B61BEF0D-F0BB-DE4B-95CE-6DB70DBA9567}" type="datetimeFigureOut">
               <a:rPr lang="en-US" dirty="0"/>
               <a:pPr/>
-              <a:t>11/11/2020</a:t>
+              <a:t>1/8/2021</a:t>
             </a:fld>
             <a:endParaRPr lang="en-US" dirty="0"/>
           </a:p>
@@ -1438,7 +1438,7 @@
             <a:fld id="{B61BEF0D-F0BB-DE4B-95CE-6DB70DBA9567}" type="datetimeFigureOut">
               <a:rPr lang="en-US" dirty="0"/>
               <a:pPr/>
-              <a:t>11/11/2020</a:t>
+              <a:t>1/8/2021</a:t>
             </a:fld>
             <a:endParaRPr lang="en-US" dirty="0"/>
           </a:p>
@@ -1753,7 +1753,7 @@
             <a:fld id="{B61BEF0D-F0BB-DE4B-95CE-6DB70DBA9567}" type="datetimeFigureOut">
               <a:rPr lang="en-US" dirty="0"/>
               <a:pPr/>
-              <a:t>11/11/2020</a:t>
+              <a:t>1/8/2021</a:t>
             </a:fld>
             <a:endParaRPr lang="en-US" dirty="0"/>
           </a:p>
@@ -2052,7 +2052,7 @@
             <a:fld id="{B61BEF0D-F0BB-DE4B-95CE-6DB70DBA9567}" type="datetimeFigureOut">
               <a:rPr lang="en-US" dirty="0"/>
               <a:pPr/>
-              <a:t>11/11/2020</a:t>
+              <a:t>1/8/2021</a:t>
             </a:fld>
             <a:endParaRPr lang="en-US" dirty="0"/>
           </a:p>
@@ -2416,7 +2416,7 @@
             <a:fld id="{B61BEF0D-F0BB-DE4B-95CE-6DB70DBA9567}" type="datetimeFigureOut">
               <a:rPr lang="en-US" dirty="0"/>
               <a:pPr/>
-              <a:t>11/11/2020</a:t>
+              <a:t>1/8/2021</a:t>
             </a:fld>
             <a:endParaRPr lang="en-US" dirty="0"/>
           </a:p>
@@ -2587,7 +2587,7 @@
             <a:fld id="{B61BEF0D-F0BB-DE4B-95CE-6DB70DBA9567}" type="datetimeFigureOut">
               <a:rPr lang="en-US" dirty="0"/>
               <a:pPr/>
-              <a:t>11/11/2020</a:t>
+              <a:t>1/8/2021</a:t>
             </a:fld>
             <a:endParaRPr lang="en-US" dirty="0"/>
           </a:p>
@@ -2764,7 +2764,7 @@
             <a:fld id="{B61BEF0D-F0BB-DE4B-95CE-6DB70DBA9567}" type="datetimeFigureOut">
               <a:rPr lang="en-US" dirty="0"/>
               <a:pPr/>
-              <a:t>11/11/2020</a:t>
+              <a:t>1/8/2021</a:t>
             </a:fld>
             <a:endParaRPr lang="en-US" dirty="0"/>
           </a:p>
@@ -2931,7 +2931,7 @@
             <a:fld id="{B61BEF0D-F0BB-DE4B-95CE-6DB70DBA9567}" type="datetimeFigureOut">
               <a:rPr lang="en-US" dirty="0"/>
               <a:pPr/>
-              <a:t>11/11/2020</a:t>
+              <a:t>1/8/2021</a:t>
             </a:fld>
             <a:endParaRPr lang="en-US" dirty="0"/>
           </a:p>
@@ -3178,7 +3178,7 @@
             <a:fld id="{B61BEF0D-F0BB-DE4B-95CE-6DB70DBA9567}" type="datetimeFigureOut">
               <a:rPr lang="en-US" dirty="0"/>
               <a:pPr/>
-              <a:t>11/11/2020</a:t>
+              <a:t>1/8/2021</a:t>
             </a:fld>
             <a:endParaRPr lang="en-US" dirty="0"/>
           </a:p>
@@ -3411,7 +3411,7 @@
             <a:fld id="{B61BEF0D-F0BB-DE4B-95CE-6DB70DBA9567}" type="datetimeFigureOut">
               <a:rPr lang="en-US" dirty="0"/>
               <a:pPr/>
-              <a:t>11/11/2020</a:t>
+              <a:t>1/8/2021</a:t>
             </a:fld>
             <a:endParaRPr lang="en-US" dirty="0"/>
           </a:p>
@@ -3790,7 +3790,7 @@
             <a:fld id="{B61BEF0D-F0BB-DE4B-95CE-6DB70DBA9567}" type="datetimeFigureOut">
               <a:rPr lang="en-US" dirty="0"/>
               <a:pPr/>
-              <a:t>11/11/2020</a:t>
+              <a:t>1/8/2021</a:t>
             </a:fld>
             <a:endParaRPr lang="en-US" dirty="0"/>
           </a:p>
@@ -3905,7 +3905,7 @@
             <a:fld id="{B61BEF0D-F0BB-DE4B-95CE-6DB70DBA9567}" type="datetimeFigureOut">
               <a:rPr lang="en-US" dirty="0"/>
               <a:pPr/>
-              <a:t>11/11/2020</a:t>
+              <a:t>1/8/2021</a:t>
             </a:fld>
             <a:endParaRPr lang="en-US" dirty="0"/>
           </a:p>
@@ -3997,7 +3997,7 @@
             <a:fld id="{B61BEF0D-F0BB-DE4B-95CE-6DB70DBA9567}" type="datetimeFigureOut">
               <a:rPr lang="en-US" dirty="0"/>
               <a:pPr/>
-              <a:t>11/11/2020</a:t>
+              <a:t>1/8/2021</a:t>
             </a:fld>
             <a:endParaRPr lang="en-US" dirty="0"/>
           </a:p>
@@ -4249,7 +4249,7 @@
             <a:fld id="{B61BEF0D-F0BB-DE4B-95CE-6DB70DBA9567}" type="datetimeFigureOut">
               <a:rPr lang="en-US" dirty="0"/>
               <a:pPr/>
-              <a:t>11/11/2020</a:t>
+              <a:t>1/8/2021</a:t>
             </a:fld>
             <a:endParaRPr lang="en-US" dirty="0"/>
           </a:p>
@@ -4529,7 +4529,7 @@
             <a:fld id="{B61BEF0D-F0BB-DE4B-95CE-6DB70DBA9567}" type="datetimeFigureOut">
               <a:rPr lang="en-US" dirty="0"/>
               <a:pPr/>
-              <a:t>11/11/2020</a:t>
+              <a:t>1/8/2021</a:t>
             </a:fld>
             <a:endParaRPr lang="en-US" dirty="0"/>
           </a:p>
@@ -4932,7 +4932,7 @@
             <a:fld id="{B61BEF0D-F0BB-DE4B-95CE-6DB70DBA9567}" type="datetimeFigureOut">
               <a:rPr lang="en-US" dirty="0"/>
               <a:pPr/>
-              <a:t>11/11/2020</a:t>
+              <a:t>1/8/2021</a:t>
             </a:fld>
             <a:endParaRPr lang="en-US" dirty="0"/>
           </a:p>
@@ -16250,19 +16250,8 @@
                 <a:latin typeface="Arial" panose="020B0604020202020204" pitchFamily="34" charset="0"/>
                 <a:cs typeface="Arial" panose="020B0604020202020204" pitchFamily="34" charset="0"/>
               </a:rPr>
-              <a:t>We have seen definition of udAttam, anudAttam, Swaritam and Dheerga </a:t>
-            </a:r>
-            <a:r>
-              <a:rPr lang="en-US" sz="2800" b="1" dirty="0" smtClean="0">
-                <a:latin typeface="Arial" panose="020B0604020202020204" pitchFamily="34" charset="0"/>
-                <a:cs typeface="Arial" panose="020B0604020202020204" pitchFamily="34" charset="0"/>
-              </a:rPr>
-              <a:t>Swaritam</a:t>
-            </a:r>
-            <a:endParaRPr lang="en-US" sz="2800" b="1" dirty="0" smtClean="0">
-              <a:latin typeface="Arial" panose="020B0604020202020204" pitchFamily="34" charset="0"/>
-              <a:cs typeface="Arial" panose="020B0604020202020204" pitchFamily="34" charset="0"/>
-            </a:endParaRPr>
+              <a:t>We have seen definition of udAttam, anudAttam, Swaritam and Dheerga Swaritam</a:t>
+            </a:r>
           </a:p>
           <a:p>
             <a:pPr lvl="1"/>
@@ -16510,6 +16499,48 @@
                 <a:cs typeface="Arial" panose="020B0604020202020204" pitchFamily="34" charset="0"/>
               </a:rPr>
               <a:t>havAmahe</a:t>
+            </a:r>
+            <a:endParaRPr lang="en-US" sz="2600" b="1" dirty="0" smtClean="0">
+              <a:latin typeface="Arial" panose="020B0604020202020204" pitchFamily="34" charset="0"/>
+              <a:cs typeface="Arial" panose="020B0604020202020204" pitchFamily="34" charset="0"/>
+            </a:endParaRPr>
+          </a:p>
+          <a:p>
+            <a:pPr lvl="1"/>
+            <a:r>
+              <a:rPr lang="en-US" sz="2600" b="1" dirty="0" smtClean="0">
+                <a:latin typeface="Arial" panose="020B0604020202020204" pitchFamily="34" charset="0"/>
+                <a:cs typeface="Arial" panose="020B0604020202020204" pitchFamily="34" charset="0"/>
+              </a:rPr>
+              <a:t>Note example of </a:t>
+            </a:r>
+            <a:r>
+              <a:rPr lang="en-US" sz="2600" b="1" dirty="0" err="1" smtClean="0">
+                <a:latin typeface="Arial" panose="020B0604020202020204" pitchFamily="34" charset="0"/>
+                <a:cs typeface="Arial" panose="020B0604020202020204" pitchFamily="34" charset="0"/>
+              </a:rPr>
+              <a:t>hiraNyabAhave</a:t>
+            </a:r>
+            <a:r>
+              <a:rPr lang="en-US" sz="2600" b="1" dirty="0" smtClean="0">
+                <a:latin typeface="Arial" panose="020B0604020202020204" pitchFamily="34" charset="0"/>
+                <a:cs typeface="Arial" panose="020B0604020202020204" pitchFamily="34" charset="0"/>
+              </a:rPr>
+              <a:t> </a:t>
+            </a:r>
+            <a:r>
+              <a:rPr lang="en-US" sz="2600" b="1" dirty="0" err="1" smtClean="0">
+                <a:latin typeface="Arial" panose="020B0604020202020204" pitchFamily="34" charset="0"/>
+                <a:cs typeface="Arial" panose="020B0604020202020204" pitchFamily="34" charset="0"/>
+              </a:rPr>
+              <a:t>sEnAnye</a:t>
+            </a:r>
+            <a:r>
+              <a:rPr lang="en-US" sz="2600" b="1" dirty="0" smtClean="0">
+                <a:latin typeface="Arial" panose="020B0604020202020204" pitchFamily="34" charset="0"/>
+                <a:cs typeface="Arial" panose="020B0604020202020204" pitchFamily="34" charset="0"/>
+              </a:rPr>
+              <a:t> </a:t>
             </a:r>
             <a:endParaRPr lang="en-US" sz="2600" b="1" dirty="0" smtClean="0">
               <a:latin typeface="Arial" panose="020B0604020202020204" pitchFamily="34" charset="0"/>

--- a/Veda Lectures/Veda Basics.pptx
+++ b/Veda Lectures/Veda Basics.pptx
@@ -453,7 +453,7 @@
             <a:fld id="{B61BEF0D-F0BB-DE4B-95CE-6DB70DBA9567}" type="datetimeFigureOut">
               <a:rPr lang="en-US" dirty="0"/>
               <a:pPr/>
-              <a:t>1/8/2021</a:t>
+              <a:t>1/10/2021</a:t>
             </a:fld>
             <a:endParaRPr lang="en-US" dirty="0"/>
           </a:p>
@@ -886,7 +886,7 @@
             <a:fld id="{B61BEF0D-F0BB-DE4B-95CE-6DB70DBA9567}" type="datetimeFigureOut">
               <a:rPr lang="en-US" dirty="0"/>
               <a:pPr/>
-              <a:t>1/8/2021</a:t>
+              <a:t>1/10/2021</a:t>
             </a:fld>
             <a:endParaRPr lang="en-US" dirty="0"/>
           </a:p>
@@ -1133,7 +1133,7 @@
             <a:fld id="{B61BEF0D-F0BB-DE4B-95CE-6DB70DBA9567}" type="datetimeFigureOut">
               <a:rPr lang="en-US" dirty="0"/>
               <a:pPr/>
-              <a:t>1/8/2021</a:t>
+              <a:t>1/10/2021</a:t>
             </a:fld>
             <a:endParaRPr lang="en-US" dirty="0"/>
           </a:p>
@@ -1438,7 +1438,7 @@
             <a:fld id="{B61BEF0D-F0BB-DE4B-95CE-6DB70DBA9567}" type="datetimeFigureOut">
               <a:rPr lang="en-US" dirty="0"/>
               <a:pPr/>
-              <a:t>1/8/2021</a:t>
+              <a:t>1/10/2021</a:t>
             </a:fld>
             <a:endParaRPr lang="en-US" dirty="0"/>
           </a:p>
@@ -1753,7 +1753,7 @@
             <a:fld id="{B61BEF0D-F0BB-DE4B-95CE-6DB70DBA9567}" type="datetimeFigureOut">
               <a:rPr lang="en-US" dirty="0"/>
               <a:pPr/>
-              <a:t>1/8/2021</a:t>
+              <a:t>1/10/2021</a:t>
             </a:fld>
             <a:endParaRPr lang="en-US" dirty="0"/>
           </a:p>
@@ -2052,7 +2052,7 @@
             <a:fld id="{B61BEF0D-F0BB-DE4B-95CE-6DB70DBA9567}" type="datetimeFigureOut">
               <a:rPr lang="en-US" dirty="0"/>
               <a:pPr/>
-              <a:t>1/8/2021</a:t>
+              <a:t>1/10/2021</a:t>
             </a:fld>
             <a:endParaRPr lang="en-US" dirty="0"/>
           </a:p>
@@ -2416,7 +2416,7 @@
             <a:fld id="{B61BEF0D-F0BB-DE4B-95CE-6DB70DBA9567}" type="datetimeFigureOut">
               <a:rPr lang="en-US" dirty="0"/>
               <a:pPr/>
-              <a:t>1/8/2021</a:t>
+              <a:t>1/10/2021</a:t>
             </a:fld>
             <a:endParaRPr lang="en-US" dirty="0"/>
           </a:p>
@@ -2587,7 +2587,7 @@
             <a:fld id="{B61BEF0D-F0BB-DE4B-95CE-6DB70DBA9567}" type="datetimeFigureOut">
               <a:rPr lang="en-US" dirty="0"/>
               <a:pPr/>
-              <a:t>1/8/2021</a:t>
+              <a:t>1/10/2021</a:t>
             </a:fld>
             <a:endParaRPr lang="en-US" dirty="0"/>
           </a:p>
@@ -2764,7 +2764,7 @@
             <a:fld id="{B61BEF0D-F0BB-DE4B-95CE-6DB70DBA9567}" type="datetimeFigureOut">
               <a:rPr lang="en-US" dirty="0"/>
               <a:pPr/>
-              <a:t>1/8/2021</a:t>
+              <a:t>1/10/2021</a:t>
             </a:fld>
             <a:endParaRPr lang="en-US" dirty="0"/>
           </a:p>
@@ -2931,7 +2931,7 @@
             <a:fld id="{B61BEF0D-F0BB-DE4B-95CE-6DB70DBA9567}" type="datetimeFigureOut">
               <a:rPr lang="en-US" dirty="0"/>
               <a:pPr/>
-              <a:t>1/8/2021</a:t>
+              <a:t>1/10/2021</a:t>
             </a:fld>
             <a:endParaRPr lang="en-US" dirty="0"/>
           </a:p>
@@ -3178,7 +3178,7 @@
             <a:fld id="{B61BEF0D-F0BB-DE4B-95CE-6DB70DBA9567}" type="datetimeFigureOut">
               <a:rPr lang="en-US" dirty="0"/>
               <a:pPr/>
-              <a:t>1/8/2021</a:t>
+              <a:t>1/10/2021</a:t>
             </a:fld>
             <a:endParaRPr lang="en-US" dirty="0"/>
           </a:p>
@@ -3411,7 +3411,7 @@
             <a:fld id="{B61BEF0D-F0BB-DE4B-95CE-6DB70DBA9567}" type="datetimeFigureOut">
               <a:rPr lang="en-US" dirty="0"/>
               <a:pPr/>
-              <a:t>1/8/2021</a:t>
+              <a:t>1/10/2021</a:t>
             </a:fld>
             <a:endParaRPr lang="en-US" dirty="0"/>
           </a:p>
@@ -3790,7 +3790,7 @@
             <a:fld id="{B61BEF0D-F0BB-DE4B-95CE-6DB70DBA9567}" type="datetimeFigureOut">
               <a:rPr lang="en-US" dirty="0"/>
               <a:pPr/>
-              <a:t>1/8/2021</a:t>
+              <a:t>1/10/2021</a:t>
             </a:fld>
             <a:endParaRPr lang="en-US" dirty="0"/>
           </a:p>
@@ -3905,7 +3905,7 @@
             <a:fld id="{B61BEF0D-F0BB-DE4B-95CE-6DB70DBA9567}" type="datetimeFigureOut">
               <a:rPr lang="en-US" dirty="0"/>
               <a:pPr/>
-              <a:t>1/8/2021</a:t>
+              <a:t>1/10/2021</a:t>
             </a:fld>
             <a:endParaRPr lang="en-US" dirty="0"/>
           </a:p>
@@ -3997,7 +3997,7 @@
             <a:fld id="{B61BEF0D-F0BB-DE4B-95CE-6DB70DBA9567}" type="datetimeFigureOut">
               <a:rPr lang="en-US" dirty="0"/>
               <a:pPr/>
-              <a:t>1/8/2021</a:t>
+              <a:t>1/10/2021</a:t>
             </a:fld>
             <a:endParaRPr lang="en-US" dirty="0"/>
           </a:p>
@@ -4249,7 +4249,7 @@
             <a:fld id="{B61BEF0D-F0BB-DE4B-95CE-6DB70DBA9567}" type="datetimeFigureOut">
               <a:rPr lang="en-US" dirty="0"/>
               <a:pPr/>
-              <a:t>1/8/2021</a:t>
+              <a:t>1/10/2021</a:t>
             </a:fld>
             <a:endParaRPr lang="en-US" dirty="0"/>
           </a:p>
@@ -4529,7 +4529,7 @@
             <a:fld id="{B61BEF0D-F0BB-DE4B-95CE-6DB70DBA9567}" type="datetimeFigureOut">
               <a:rPr lang="en-US" dirty="0"/>
               <a:pPr/>
-              <a:t>1/8/2021</a:t>
+              <a:t>1/10/2021</a:t>
             </a:fld>
             <a:endParaRPr lang="en-US" dirty="0"/>
           </a:p>
@@ -4932,7 +4932,7 @@
             <a:fld id="{B61BEF0D-F0BB-DE4B-95CE-6DB70DBA9567}" type="datetimeFigureOut">
               <a:rPr lang="en-US" dirty="0"/>
               <a:pPr/>
-              <a:t>1/8/2021</a:t>
+              <a:t>1/10/2021</a:t>
             </a:fld>
             <a:endParaRPr lang="en-US" dirty="0"/>
           </a:p>
@@ -16542,10 +16542,6 @@
               </a:rPr>
               <a:t> </a:t>
             </a:r>
-            <a:endParaRPr lang="en-US" sz="2600" b="1" dirty="0" smtClean="0">
-              <a:latin typeface="Arial" panose="020B0604020202020204" pitchFamily="34" charset="0"/>
-              <a:cs typeface="Arial" panose="020B0604020202020204" pitchFamily="34" charset="0"/>
-            </a:endParaRPr>
           </a:p>
           <a:p>
             <a:r>

--- a/Veda Lectures/Veda Basics.pptx
+++ b/Veda Lectures/Veda Basics.pptx
@@ -453,7 +453,7 @@
             <a:fld id="{B61BEF0D-F0BB-DE4B-95CE-6DB70DBA9567}" type="datetimeFigureOut">
               <a:rPr lang="en-US" dirty="0"/>
               <a:pPr/>
-              <a:t>1/10/2021</a:t>
+              <a:t>1/29/2021</a:t>
             </a:fld>
             <a:endParaRPr lang="en-US" dirty="0"/>
           </a:p>
@@ -886,7 +886,7 @@
             <a:fld id="{B61BEF0D-F0BB-DE4B-95CE-6DB70DBA9567}" type="datetimeFigureOut">
               <a:rPr lang="en-US" dirty="0"/>
               <a:pPr/>
-              <a:t>1/10/2021</a:t>
+              <a:t>1/29/2021</a:t>
             </a:fld>
             <a:endParaRPr lang="en-US" dirty="0"/>
           </a:p>
@@ -1133,7 +1133,7 @@
             <a:fld id="{B61BEF0D-F0BB-DE4B-95CE-6DB70DBA9567}" type="datetimeFigureOut">
               <a:rPr lang="en-US" dirty="0"/>
               <a:pPr/>
-              <a:t>1/10/2021</a:t>
+              <a:t>1/29/2021</a:t>
             </a:fld>
             <a:endParaRPr lang="en-US" dirty="0"/>
           </a:p>
@@ -1438,7 +1438,7 @@
             <a:fld id="{B61BEF0D-F0BB-DE4B-95CE-6DB70DBA9567}" type="datetimeFigureOut">
               <a:rPr lang="en-US" dirty="0"/>
               <a:pPr/>
-              <a:t>1/10/2021</a:t>
+              <a:t>1/29/2021</a:t>
             </a:fld>
             <a:endParaRPr lang="en-US" dirty="0"/>
           </a:p>
@@ -1753,7 +1753,7 @@
             <a:fld id="{B61BEF0D-F0BB-DE4B-95CE-6DB70DBA9567}" type="datetimeFigureOut">
               <a:rPr lang="en-US" dirty="0"/>
               <a:pPr/>
-              <a:t>1/10/2021</a:t>
+              <a:t>1/29/2021</a:t>
             </a:fld>
             <a:endParaRPr lang="en-US" dirty="0"/>
           </a:p>
@@ -2052,7 +2052,7 @@
             <a:fld id="{B61BEF0D-F0BB-DE4B-95CE-6DB70DBA9567}" type="datetimeFigureOut">
               <a:rPr lang="en-US" dirty="0"/>
               <a:pPr/>
-              <a:t>1/10/2021</a:t>
+              <a:t>1/29/2021</a:t>
             </a:fld>
             <a:endParaRPr lang="en-US" dirty="0"/>
           </a:p>
@@ -2416,7 +2416,7 @@
             <a:fld id="{B61BEF0D-F0BB-DE4B-95CE-6DB70DBA9567}" type="datetimeFigureOut">
               <a:rPr lang="en-US" dirty="0"/>
               <a:pPr/>
-              <a:t>1/10/2021</a:t>
+              <a:t>1/29/2021</a:t>
             </a:fld>
             <a:endParaRPr lang="en-US" dirty="0"/>
           </a:p>
@@ -2587,7 +2587,7 @@
             <a:fld id="{B61BEF0D-F0BB-DE4B-95CE-6DB70DBA9567}" type="datetimeFigureOut">
               <a:rPr lang="en-US" dirty="0"/>
               <a:pPr/>
-              <a:t>1/10/2021</a:t>
+              <a:t>1/29/2021</a:t>
             </a:fld>
             <a:endParaRPr lang="en-US" dirty="0"/>
           </a:p>
@@ -2764,7 +2764,7 @@
             <a:fld id="{B61BEF0D-F0BB-DE4B-95CE-6DB70DBA9567}" type="datetimeFigureOut">
               <a:rPr lang="en-US" dirty="0"/>
               <a:pPr/>
-              <a:t>1/10/2021</a:t>
+              <a:t>1/29/2021</a:t>
             </a:fld>
             <a:endParaRPr lang="en-US" dirty="0"/>
           </a:p>
@@ -2931,7 +2931,7 @@
             <a:fld id="{B61BEF0D-F0BB-DE4B-95CE-6DB70DBA9567}" type="datetimeFigureOut">
               <a:rPr lang="en-US" dirty="0"/>
               <a:pPr/>
-              <a:t>1/10/2021</a:t>
+              <a:t>1/29/2021</a:t>
             </a:fld>
             <a:endParaRPr lang="en-US" dirty="0"/>
           </a:p>
@@ -3178,7 +3178,7 @@
             <a:fld id="{B61BEF0D-F0BB-DE4B-95CE-6DB70DBA9567}" type="datetimeFigureOut">
               <a:rPr lang="en-US" dirty="0"/>
               <a:pPr/>
-              <a:t>1/10/2021</a:t>
+              <a:t>1/29/2021</a:t>
             </a:fld>
             <a:endParaRPr lang="en-US" dirty="0"/>
           </a:p>
@@ -3411,7 +3411,7 @@
             <a:fld id="{B61BEF0D-F0BB-DE4B-95CE-6DB70DBA9567}" type="datetimeFigureOut">
               <a:rPr lang="en-US" dirty="0"/>
               <a:pPr/>
-              <a:t>1/10/2021</a:t>
+              <a:t>1/29/2021</a:t>
             </a:fld>
             <a:endParaRPr lang="en-US" dirty="0"/>
           </a:p>
@@ -3790,7 +3790,7 @@
             <a:fld id="{B61BEF0D-F0BB-DE4B-95CE-6DB70DBA9567}" type="datetimeFigureOut">
               <a:rPr lang="en-US" dirty="0"/>
               <a:pPr/>
-              <a:t>1/10/2021</a:t>
+              <a:t>1/29/2021</a:t>
             </a:fld>
             <a:endParaRPr lang="en-US" dirty="0"/>
           </a:p>
@@ -3905,7 +3905,7 @@
             <a:fld id="{B61BEF0D-F0BB-DE4B-95CE-6DB70DBA9567}" type="datetimeFigureOut">
               <a:rPr lang="en-US" dirty="0"/>
               <a:pPr/>
-              <a:t>1/10/2021</a:t>
+              <a:t>1/29/2021</a:t>
             </a:fld>
             <a:endParaRPr lang="en-US" dirty="0"/>
           </a:p>
@@ -3997,7 +3997,7 @@
             <a:fld id="{B61BEF0D-F0BB-DE4B-95CE-6DB70DBA9567}" type="datetimeFigureOut">
               <a:rPr lang="en-US" dirty="0"/>
               <a:pPr/>
-              <a:t>1/10/2021</a:t>
+              <a:t>1/29/2021</a:t>
             </a:fld>
             <a:endParaRPr lang="en-US" dirty="0"/>
           </a:p>
@@ -4249,7 +4249,7 @@
             <a:fld id="{B61BEF0D-F0BB-DE4B-95CE-6DB70DBA9567}" type="datetimeFigureOut">
               <a:rPr lang="en-US" dirty="0"/>
               <a:pPr/>
-              <a:t>1/10/2021</a:t>
+              <a:t>1/29/2021</a:t>
             </a:fld>
             <a:endParaRPr lang="en-US" dirty="0"/>
           </a:p>
@@ -4529,7 +4529,7 @@
             <a:fld id="{B61BEF0D-F0BB-DE4B-95CE-6DB70DBA9567}" type="datetimeFigureOut">
               <a:rPr lang="en-US" dirty="0"/>
               <a:pPr/>
-              <a:t>1/10/2021</a:t>
+              <a:t>1/29/2021</a:t>
             </a:fld>
             <a:endParaRPr lang="en-US" dirty="0"/>
           </a:p>
@@ -4932,7 +4932,7 @@
             <a:fld id="{B61BEF0D-F0BB-DE4B-95CE-6DB70DBA9567}" type="datetimeFigureOut">
               <a:rPr lang="en-US" dirty="0"/>
               <a:pPr/>
-              <a:t>1/10/2021</a:t>
+              <a:t>1/29/2021</a:t>
             </a:fld>
             <a:endParaRPr lang="en-US" dirty="0"/>
           </a:p>

--- a/Veda Lectures/Veda Basics.pptx
+++ b/Veda Lectures/Veda Basics.pptx
@@ -307,7 +307,7 @@
           </a:lstStyle>
           <a:p>
             <a:r>
-              <a:rPr lang="en-US" smtClean="0"/>
+              <a:rPr lang="en-US"/>
               <a:t>Click to edit Master title style</a:t>
             </a:r>
             <a:endParaRPr lang="en-US" dirty="0"/>
@@ -428,7 +428,7 @@
           </a:lstStyle>
           <a:p>
             <a:r>
-              <a:rPr lang="en-US" smtClean="0"/>
+              <a:rPr lang="en-US"/>
               <a:t>Click to edit Master subtitle style</a:t>
             </a:r>
             <a:endParaRPr lang="en-US" dirty="0"/>
@@ -453,7 +453,7 @@
             <a:fld id="{B61BEF0D-F0BB-DE4B-95CE-6DB70DBA9567}" type="datetimeFigureOut">
               <a:rPr lang="en-US" dirty="0"/>
               <a:pPr/>
-              <a:t>1/29/2021</a:t>
+              <a:t>2/3/2021</a:t>
             </a:fld>
             <a:endParaRPr lang="en-US" dirty="0"/>
           </a:p>
@@ -718,7 +718,7 @@
           <a:lstStyle/>
           <a:p>
             <a:r>
-              <a:rPr lang="en-US" smtClean="0"/>
+              <a:rPr lang="en-US"/>
               <a:t>Click to edit Master title style</a:t>
             </a:r>
             <a:endParaRPr lang="en-US" dirty="0"/>
@@ -805,7 +805,7 @@
           </a:lstStyle>
           <a:p>
             <a:r>
-              <a:rPr lang="en-US" smtClean="0"/>
+              <a:rPr lang="en-US"/>
               <a:t>Click icon to add picture</a:t>
             </a:r>
             <a:endParaRPr lang="en-US" dirty="0"/>
@@ -862,7 +862,7 @@
           <a:p>
             <a:pPr lvl="0"/>
             <a:r>
-              <a:rPr lang="en-US" smtClean="0"/>
+              <a:rPr lang="en-US"/>
               <a:t>Click to edit Master text styles</a:t>
             </a:r>
           </a:p>
@@ -886,7 +886,7 @@
             <a:fld id="{B61BEF0D-F0BB-DE4B-95CE-6DB70DBA9567}" type="datetimeFigureOut">
               <a:rPr lang="en-US" dirty="0"/>
               <a:pPr/>
-              <a:t>1/29/2021</a:t>
+              <a:t>2/3/2021</a:t>
             </a:fld>
             <a:endParaRPr lang="en-US" dirty="0"/>
           </a:p>
@@ -987,7 +987,7 @@
           </a:lstStyle>
           <a:p>
             <a:r>
-              <a:rPr lang="en-US" smtClean="0"/>
+              <a:rPr lang="en-US"/>
               <a:t>Click to edit Master title style</a:t>
             </a:r>
             <a:endParaRPr lang="en-US" dirty="0"/>
@@ -1109,7 +1109,7 @@
           <a:p>
             <a:pPr lvl="0"/>
             <a:r>
-              <a:rPr lang="en-US" smtClean="0"/>
+              <a:rPr lang="en-US"/>
               <a:t>Click to edit Master text styles</a:t>
             </a:r>
           </a:p>
@@ -1133,7 +1133,7 @@
             <a:fld id="{B61BEF0D-F0BB-DE4B-95CE-6DB70DBA9567}" type="datetimeFigureOut">
               <a:rPr lang="en-US" dirty="0"/>
               <a:pPr/>
-              <a:t>1/29/2021</a:t>
+              <a:t>2/3/2021</a:t>
             </a:fld>
             <a:endParaRPr lang="en-US" dirty="0"/>
           </a:p>
@@ -1238,7 +1238,7 @@
           </a:lstStyle>
           <a:p>
             <a:r>
-              <a:rPr lang="en-US" smtClean="0"/>
+              <a:rPr lang="en-US"/>
               <a:t>Click to edit Master title style</a:t>
             </a:r>
             <a:endParaRPr lang="en-US" dirty="0"/>
@@ -1293,7 +1293,7 @@
           <a:p>
             <a:pPr lvl="0"/>
             <a:r>
-              <a:rPr lang="en-US" smtClean="0"/>
+              <a:rPr lang="en-US"/>
               <a:t>Click to edit Master text styles</a:t>
             </a:r>
           </a:p>
@@ -1414,7 +1414,7 @@
           <a:p>
             <a:pPr lvl="0"/>
             <a:r>
-              <a:rPr lang="en-US" smtClean="0"/>
+              <a:rPr lang="en-US"/>
               <a:t>Click to edit Master text styles</a:t>
             </a:r>
           </a:p>
@@ -1438,7 +1438,7 @@
             <a:fld id="{B61BEF0D-F0BB-DE4B-95CE-6DB70DBA9567}" type="datetimeFigureOut">
               <a:rPr lang="en-US" dirty="0"/>
               <a:pPr/>
-              <a:t>1/29/2021</a:t>
+              <a:t>2/3/2021</a:t>
             </a:fld>
             <a:endParaRPr lang="en-US" dirty="0"/>
           </a:p>
@@ -1607,7 +1607,7 @@
           </a:lstStyle>
           <a:p>
             <a:r>
-              <a:rPr lang="en-US" smtClean="0"/>
+              <a:rPr lang="en-US"/>
               <a:t>Click to edit Master title style</a:t>
             </a:r>
             <a:endParaRPr lang="en-US" dirty="0"/>
@@ -1729,7 +1729,7 @@
           <a:p>
             <a:pPr lvl="0"/>
             <a:r>
-              <a:rPr lang="en-US" smtClean="0"/>
+              <a:rPr lang="en-US"/>
               <a:t>Click to edit Master text styles</a:t>
             </a:r>
           </a:p>
@@ -1753,7 +1753,7 @@
             <a:fld id="{B61BEF0D-F0BB-DE4B-95CE-6DB70DBA9567}" type="datetimeFigureOut">
               <a:rPr lang="en-US" dirty="0"/>
               <a:pPr/>
-              <a:t>1/29/2021</a:t>
+              <a:t>2/3/2021</a:t>
             </a:fld>
             <a:endParaRPr lang="en-US" dirty="0"/>
           </a:p>
@@ -1858,7 +1858,7 @@
           </a:lstStyle>
           <a:p>
             <a:r>
-              <a:rPr lang="en-US" smtClean="0"/>
+              <a:rPr lang="en-US"/>
               <a:t>Click to edit Master title style</a:t>
             </a:r>
             <a:endParaRPr lang="en-US" dirty="0"/>
@@ -1907,7 +1907,7 @@
               <a:buNone/>
             </a:pPr>
             <a:r>
-              <a:rPr lang="en-US" smtClean="0"/>
+              <a:rPr lang="en-US"/>
               <a:t>Click to edit Master text styles</a:t>
             </a:r>
           </a:p>
@@ -2028,7 +2028,7 @@
           <a:p>
             <a:pPr lvl="0"/>
             <a:r>
-              <a:rPr lang="en-US" smtClean="0"/>
+              <a:rPr lang="en-US"/>
               <a:t>Click to edit Master text styles</a:t>
             </a:r>
           </a:p>
@@ -2052,7 +2052,7 @@
             <a:fld id="{B61BEF0D-F0BB-DE4B-95CE-6DB70DBA9567}" type="datetimeFigureOut">
               <a:rPr lang="en-US" dirty="0"/>
               <a:pPr/>
-              <a:t>1/29/2021</a:t>
+              <a:t>2/3/2021</a:t>
             </a:fld>
             <a:endParaRPr lang="en-US" dirty="0"/>
           </a:p>
@@ -2222,7 +2222,7 @@
           <a:p>
             <a:pPr marL="0" lvl="0"/>
             <a:r>
-              <a:rPr lang="en-US" smtClean="0"/>
+              <a:rPr lang="en-US"/>
               <a:t>Click to edit Master title style</a:t>
             </a:r>
             <a:endParaRPr lang="en-US" dirty="0"/>
@@ -2271,7 +2271,7 @@
               <a:buNone/>
             </a:pPr>
             <a:r>
-              <a:rPr lang="en-US" smtClean="0"/>
+              <a:rPr lang="en-US"/>
               <a:t>Click to edit Master text styles</a:t>
             </a:r>
           </a:p>
@@ -2392,7 +2392,7 @@
           <a:p>
             <a:pPr lvl="0"/>
             <a:r>
-              <a:rPr lang="en-US" smtClean="0"/>
+              <a:rPr lang="en-US"/>
               <a:t>Click to edit Master text styles</a:t>
             </a:r>
           </a:p>
@@ -2416,7 +2416,7 @@
             <a:fld id="{B61BEF0D-F0BB-DE4B-95CE-6DB70DBA9567}" type="datetimeFigureOut">
               <a:rPr lang="en-US" dirty="0"/>
               <a:pPr/>
-              <a:t>1/29/2021</a:t>
+              <a:t>2/3/2021</a:t>
             </a:fld>
             <a:endParaRPr lang="en-US" dirty="0"/>
           </a:p>
@@ -2510,7 +2510,7 @@
           </a:lstStyle>
           <a:p>
             <a:r>
-              <a:rPr lang="en-US" smtClean="0"/>
+              <a:rPr lang="en-US"/>
               <a:t>Click to edit Master title style</a:t>
             </a:r>
             <a:endParaRPr lang="en-US" dirty="0"/>
@@ -2534,35 +2534,35 @@
           <a:p>
             <a:pPr lvl="0"/>
             <a:r>
-              <a:rPr lang="en-US" smtClean="0"/>
+              <a:rPr lang="en-US"/>
               <a:t>Click to edit Master text styles</a:t>
             </a:r>
           </a:p>
           <a:p>
             <a:pPr lvl="1"/>
             <a:r>
-              <a:rPr lang="en-US" smtClean="0"/>
+              <a:rPr lang="en-US"/>
               <a:t>Second level</a:t>
             </a:r>
           </a:p>
           <a:p>
             <a:pPr lvl="2"/>
             <a:r>
-              <a:rPr lang="en-US" smtClean="0"/>
+              <a:rPr lang="en-US"/>
               <a:t>Third level</a:t>
             </a:r>
           </a:p>
           <a:p>
             <a:pPr lvl="3"/>
             <a:r>
-              <a:rPr lang="en-US" smtClean="0"/>
+              <a:rPr lang="en-US"/>
               <a:t>Fourth level</a:t>
             </a:r>
           </a:p>
           <a:p>
             <a:pPr lvl="4"/>
             <a:r>
-              <a:rPr lang="en-US" smtClean="0"/>
+              <a:rPr lang="en-US"/>
               <a:t>Fifth level</a:t>
             </a:r>
             <a:endParaRPr lang="en-US" dirty="0"/>
@@ -2587,7 +2587,7 @@
             <a:fld id="{B61BEF0D-F0BB-DE4B-95CE-6DB70DBA9567}" type="datetimeFigureOut">
               <a:rPr lang="en-US" dirty="0"/>
               <a:pPr/>
-              <a:t>1/29/2021</a:t>
+              <a:t>2/3/2021</a:t>
             </a:fld>
             <a:endParaRPr lang="en-US" dirty="0"/>
           </a:p>
@@ -2682,7 +2682,7 @@
           <a:lstStyle/>
           <a:p>
             <a:r>
-              <a:rPr lang="en-US" smtClean="0"/>
+              <a:rPr lang="en-US"/>
               <a:t>Click to edit Master title style</a:t>
             </a:r>
             <a:endParaRPr lang="en-US" dirty="0"/>
@@ -2711,35 +2711,35 @@
           <a:p>
             <a:pPr lvl="0"/>
             <a:r>
-              <a:rPr lang="en-US" smtClean="0"/>
+              <a:rPr lang="en-US"/>
               <a:t>Click to edit Master text styles</a:t>
             </a:r>
           </a:p>
           <a:p>
             <a:pPr lvl="1"/>
             <a:r>
-              <a:rPr lang="en-US" smtClean="0"/>
+              <a:rPr lang="en-US"/>
               <a:t>Second level</a:t>
             </a:r>
           </a:p>
           <a:p>
             <a:pPr lvl="2"/>
             <a:r>
-              <a:rPr lang="en-US" smtClean="0"/>
+              <a:rPr lang="en-US"/>
               <a:t>Third level</a:t>
             </a:r>
           </a:p>
           <a:p>
             <a:pPr lvl="3"/>
             <a:r>
-              <a:rPr lang="en-US" smtClean="0"/>
+              <a:rPr lang="en-US"/>
               <a:t>Fourth level</a:t>
             </a:r>
           </a:p>
           <a:p>
             <a:pPr lvl="4"/>
             <a:r>
-              <a:rPr lang="en-US" smtClean="0"/>
+              <a:rPr lang="en-US"/>
               <a:t>Fifth level</a:t>
             </a:r>
             <a:endParaRPr lang="en-US" dirty="0"/>
@@ -2764,7 +2764,7 @@
             <a:fld id="{B61BEF0D-F0BB-DE4B-95CE-6DB70DBA9567}" type="datetimeFigureOut">
               <a:rPr lang="en-US" dirty="0"/>
               <a:pPr/>
-              <a:t>1/29/2021</a:t>
+              <a:t>2/3/2021</a:t>
             </a:fld>
             <a:endParaRPr lang="en-US" dirty="0"/>
           </a:p>
@@ -2854,7 +2854,7 @@
           <a:lstStyle/>
           <a:p>
             <a:r>
-              <a:rPr lang="en-US" smtClean="0"/>
+              <a:rPr lang="en-US"/>
               <a:t>Click to edit Master title style</a:t>
             </a:r>
             <a:endParaRPr lang="en-US" dirty="0"/>
@@ -2878,35 +2878,35 @@
           <a:p>
             <a:pPr lvl="0"/>
             <a:r>
-              <a:rPr lang="en-US" smtClean="0"/>
+              <a:rPr lang="en-US"/>
               <a:t>Click to edit Master text styles</a:t>
             </a:r>
           </a:p>
           <a:p>
             <a:pPr lvl="1"/>
             <a:r>
-              <a:rPr lang="en-US" smtClean="0"/>
+              <a:rPr lang="en-US"/>
               <a:t>Second level</a:t>
             </a:r>
           </a:p>
           <a:p>
             <a:pPr lvl="2"/>
             <a:r>
-              <a:rPr lang="en-US" smtClean="0"/>
+              <a:rPr lang="en-US"/>
               <a:t>Third level</a:t>
             </a:r>
           </a:p>
           <a:p>
             <a:pPr lvl="3"/>
             <a:r>
-              <a:rPr lang="en-US" smtClean="0"/>
+              <a:rPr lang="en-US"/>
               <a:t>Fourth level</a:t>
             </a:r>
           </a:p>
           <a:p>
             <a:pPr lvl="4"/>
             <a:r>
-              <a:rPr lang="en-US" smtClean="0"/>
+              <a:rPr lang="en-US"/>
               <a:t>Fifth level</a:t>
             </a:r>
             <a:endParaRPr lang="en-US" dirty="0"/>
@@ -2931,7 +2931,7 @@
             <a:fld id="{B61BEF0D-F0BB-DE4B-95CE-6DB70DBA9567}" type="datetimeFigureOut">
               <a:rPr lang="en-US" dirty="0"/>
               <a:pPr/>
-              <a:t>1/29/2021</a:t>
+              <a:t>2/3/2021</a:t>
             </a:fld>
             <a:endParaRPr lang="en-US" dirty="0"/>
           </a:p>
@@ -3032,7 +3032,7 @@
           </a:lstStyle>
           <a:p>
             <a:r>
-              <a:rPr lang="en-US" smtClean="0"/>
+              <a:rPr lang="en-US"/>
               <a:t>Click to edit Master title style</a:t>
             </a:r>
             <a:endParaRPr lang="en-US" dirty="0"/>
@@ -3154,7 +3154,7 @@
           <a:p>
             <a:pPr lvl="0"/>
             <a:r>
-              <a:rPr lang="en-US" smtClean="0"/>
+              <a:rPr lang="en-US"/>
               <a:t>Click to edit Master text styles</a:t>
             </a:r>
           </a:p>
@@ -3178,7 +3178,7 @@
             <a:fld id="{B61BEF0D-F0BB-DE4B-95CE-6DB70DBA9567}" type="datetimeFigureOut">
               <a:rPr lang="en-US" dirty="0"/>
               <a:pPr/>
-              <a:t>1/29/2021</a:t>
+              <a:t>2/3/2021</a:t>
             </a:fld>
             <a:endParaRPr lang="en-US" dirty="0"/>
           </a:p>
@@ -3268,7 +3268,7 @@
           <a:lstStyle/>
           <a:p>
             <a:r>
-              <a:rPr lang="en-US" smtClean="0"/>
+              <a:rPr lang="en-US"/>
               <a:t>Click to edit Master title style</a:t>
             </a:r>
             <a:endParaRPr lang="en-US" dirty="0"/>
@@ -3299,35 +3299,35 @@
           <a:p>
             <a:pPr lvl="0"/>
             <a:r>
-              <a:rPr lang="en-US" smtClean="0"/>
+              <a:rPr lang="en-US"/>
               <a:t>Click to edit Master text styles</a:t>
             </a:r>
           </a:p>
           <a:p>
             <a:pPr lvl="1"/>
             <a:r>
-              <a:rPr lang="en-US" smtClean="0"/>
+              <a:rPr lang="en-US"/>
               <a:t>Second level</a:t>
             </a:r>
           </a:p>
           <a:p>
             <a:pPr lvl="2"/>
             <a:r>
-              <a:rPr lang="en-US" smtClean="0"/>
+              <a:rPr lang="en-US"/>
               <a:t>Third level</a:t>
             </a:r>
           </a:p>
           <a:p>
             <a:pPr lvl="3"/>
             <a:r>
-              <a:rPr lang="en-US" smtClean="0"/>
+              <a:rPr lang="en-US"/>
               <a:t>Fourth level</a:t>
             </a:r>
           </a:p>
           <a:p>
             <a:pPr lvl="4"/>
             <a:r>
-              <a:rPr lang="en-US" smtClean="0"/>
+              <a:rPr lang="en-US"/>
               <a:t>Fifth level</a:t>
             </a:r>
             <a:endParaRPr lang="en-US" dirty="0"/>
@@ -3358,35 +3358,35 @@
           <a:p>
             <a:pPr lvl="0"/>
             <a:r>
-              <a:rPr lang="en-US" smtClean="0"/>
+              <a:rPr lang="en-US"/>
               <a:t>Click to edit Master text styles</a:t>
             </a:r>
           </a:p>
           <a:p>
             <a:pPr lvl="1"/>
             <a:r>
-              <a:rPr lang="en-US" smtClean="0"/>
+              <a:rPr lang="en-US"/>
               <a:t>Second level</a:t>
             </a:r>
           </a:p>
           <a:p>
             <a:pPr lvl="2"/>
             <a:r>
-              <a:rPr lang="en-US" smtClean="0"/>
+              <a:rPr lang="en-US"/>
               <a:t>Third level</a:t>
             </a:r>
           </a:p>
           <a:p>
             <a:pPr lvl="3"/>
             <a:r>
-              <a:rPr lang="en-US" smtClean="0"/>
+              <a:rPr lang="en-US"/>
               <a:t>Fourth level</a:t>
             </a:r>
           </a:p>
           <a:p>
             <a:pPr lvl="4"/>
             <a:r>
-              <a:rPr lang="en-US" smtClean="0"/>
+              <a:rPr lang="en-US"/>
               <a:t>Fifth level</a:t>
             </a:r>
             <a:endParaRPr lang="en-US" dirty="0"/>
@@ -3411,7 +3411,7 @@
             <a:fld id="{B61BEF0D-F0BB-DE4B-95CE-6DB70DBA9567}" type="datetimeFigureOut">
               <a:rPr lang="en-US" dirty="0"/>
               <a:pPr/>
-              <a:t>1/29/2021</a:t>
+              <a:t>2/3/2021</a:t>
             </a:fld>
             <a:endParaRPr lang="en-US" dirty="0"/>
           </a:p>
@@ -3505,7 +3505,7 @@
           </a:lstStyle>
           <a:p>
             <a:r>
-              <a:rPr lang="en-US" smtClean="0"/>
+              <a:rPr lang="en-US"/>
               <a:t>Click to edit Master title style</a:t>
             </a:r>
             <a:endParaRPr lang="en-US" dirty="0"/>
@@ -3577,7 +3577,7 @@
           <a:p>
             <a:pPr lvl="0"/>
             <a:r>
-              <a:rPr lang="en-US" smtClean="0"/>
+              <a:rPr lang="en-US"/>
               <a:t>Click to edit Master text styles</a:t>
             </a:r>
           </a:p>
@@ -3607,35 +3607,35 @@
           <a:p>
             <a:pPr lvl="0"/>
             <a:r>
-              <a:rPr lang="en-US" smtClean="0"/>
+              <a:rPr lang="en-US"/>
               <a:t>Click to edit Master text styles</a:t>
             </a:r>
           </a:p>
           <a:p>
             <a:pPr lvl="1"/>
             <a:r>
-              <a:rPr lang="en-US" smtClean="0"/>
+              <a:rPr lang="en-US"/>
               <a:t>Second level</a:t>
             </a:r>
           </a:p>
           <a:p>
             <a:pPr lvl="2"/>
             <a:r>
-              <a:rPr lang="en-US" smtClean="0"/>
+              <a:rPr lang="en-US"/>
               <a:t>Third level</a:t>
             </a:r>
           </a:p>
           <a:p>
             <a:pPr lvl="3"/>
             <a:r>
-              <a:rPr lang="en-US" smtClean="0"/>
+              <a:rPr lang="en-US"/>
               <a:t>Fourth level</a:t>
             </a:r>
           </a:p>
           <a:p>
             <a:pPr lvl="4"/>
             <a:r>
-              <a:rPr lang="en-US" smtClean="0"/>
+              <a:rPr lang="en-US"/>
               <a:t>Fifth level</a:t>
             </a:r>
             <a:endParaRPr lang="en-US" dirty="0"/>
@@ -3707,7 +3707,7 @@
           <a:p>
             <a:pPr lvl="0"/>
             <a:r>
-              <a:rPr lang="en-US" smtClean="0"/>
+              <a:rPr lang="en-US"/>
               <a:t>Click to edit Master text styles</a:t>
             </a:r>
           </a:p>
@@ -3737,35 +3737,35 @@
           <a:p>
             <a:pPr lvl="0"/>
             <a:r>
-              <a:rPr lang="en-US" smtClean="0"/>
+              <a:rPr lang="en-US"/>
               <a:t>Click to edit Master text styles</a:t>
             </a:r>
           </a:p>
           <a:p>
             <a:pPr lvl="1"/>
             <a:r>
-              <a:rPr lang="en-US" smtClean="0"/>
+              <a:rPr lang="en-US"/>
               <a:t>Second level</a:t>
             </a:r>
           </a:p>
           <a:p>
             <a:pPr lvl="2"/>
             <a:r>
-              <a:rPr lang="en-US" smtClean="0"/>
+              <a:rPr lang="en-US"/>
               <a:t>Third level</a:t>
             </a:r>
           </a:p>
           <a:p>
             <a:pPr lvl="3"/>
             <a:r>
-              <a:rPr lang="en-US" smtClean="0"/>
+              <a:rPr lang="en-US"/>
               <a:t>Fourth level</a:t>
             </a:r>
           </a:p>
           <a:p>
             <a:pPr lvl="4"/>
             <a:r>
-              <a:rPr lang="en-US" smtClean="0"/>
+              <a:rPr lang="en-US"/>
               <a:t>Fifth level</a:t>
             </a:r>
             <a:endParaRPr lang="en-US" dirty="0"/>
@@ -3790,7 +3790,7 @@
             <a:fld id="{B61BEF0D-F0BB-DE4B-95CE-6DB70DBA9567}" type="datetimeFigureOut">
               <a:rPr lang="en-US" dirty="0"/>
               <a:pPr/>
-              <a:t>1/29/2021</a:t>
+              <a:t>2/3/2021</a:t>
             </a:fld>
             <a:endParaRPr lang="en-US" dirty="0"/>
           </a:p>
@@ -3880,7 +3880,7 @@
           <a:lstStyle/>
           <a:p>
             <a:r>
-              <a:rPr lang="en-US" smtClean="0"/>
+              <a:rPr lang="en-US"/>
               <a:t>Click to edit Master title style</a:t>
             </a:r>
             <a:endParaRPr lang="en-US" dirty="0"/>
@@ -3905,7 +3905,7 @@
             <a:fld id="{B61BEF0D-F0BB-DE4B-95CE-6DB70DBA9567}" type="datetimeFigureOut">
               <a:rPr lang="en-US" dirty="0"/>
               <a:pPr/>
-              <a:t>1/29/2021</a:t>
+              <a:t>2/3/2021</a:t>
             </a:fld>
             <a:endParaRPr lang="en-US" dirty="0"/>
           </a:p>
@@ -3997,7 +3997,7 @@
             <a:fld id="{B61BEF0D-F0BB-DE4B-95CE-6DB70DBA9567}" type="datetimeFigureOut">
               <a:rPr lang="en-US" dirty="0"/>
               <a:pPr/>
-              <a:t>1/29/2021</a:t>
+              <a:t>2/3/2021</a:t>
             </a:fld>
             <a:endParaRPr lang="en-US" dirty="0"/>
           </a:p>
@@ -4098,7 +4098,7 @@
           </a:lstStyle>
           <a:p>
             <a:r>
-              <a:rPr lang="en-US" smtClean="0"/>
+              <a:rPr lang="en-US"/>
               <a:t>Click to edit Master title style</a:t>
             </a:r>
             <a:endParaRPr lang="en-US" dirty="0"/>
@@ -4129,35 +4129,35 @@
           <a:p>
             <a:pPr lvl="0"/>
             <a:r>
-              <a:rPr lang="en-US" smtClean="0"/>
+              <a:rPr lang="en-US"/>
               <a:t>Click to edit Master text styles</a:t>
             </a:r>
           </a:p>
           <a:p>
             <a:pPr lvl="1"/>
             <a:r>
-              <a:rPr lang="en-US" smtClean="0"/>
+              <a:rPr lang="en-US"/>
               <a:t>Second level</a:t>
             </a:r>
           </a:p>
           <a:p>
             <a:pPr lvl="2"/>
             <a:r>
-              <a:rPr lang="en-US" smtClean="0"/>
+              <a:rPr lang="en-US"/>
               <a:t>Third level</a:t>
             </a:r>
           </a:p>
           <a:p>
             <a:pPr lvl="3"/>
             <a:r>
-              <a:rPr lang="en-US" smtClean="0"/>
+              <a:rPr lang="en-US"/>
               <a:t>Fourth level</a:t>
             </a:r>
           </a:p>
           <a:p>
             <a:pPr lvl="4"/>
             <a:r>
-              <a:rPr lang="en-US" smtClean="0"/>
+              <a:rPr lang="en-US"/>
               <a:t>Fifth level</a:t>
             </a:r>
             <a:endParaRPr lang="en-US" dirty="0"/>
@@ -4225,7 +4225,7 @@
           <a:p>
             <a:pPr lvl="0"/>
             <a:r>
-              <a:rPr lang="en-US" smtClean="0"/>
+              <a:rPr lang="en-US"/>
               <a:t>Click to edit Master text styles</a:t>
             </a:r>
           </a:p>
@@ -4249,7 +4249,7 @@
             <a:fld id="{B61BEF0D-F0BB-DE4B-95CE-6DB70DBA9567}" type="datetimeFigureOut">
               <a:rPr lang="en-US" dirty="0"/>
               <a:pPr/>
-              <a:t>1/29/2021</a:t>
+              <a:t>2/3/2021</a:t>
             </a:fld>
             <a:endParaRPr lang="en-US" dirty="0"/>
           </a:p>
@@ -4350,7 +4350,7 @@
           </a:lstStyle>
           <a:p>
             <a:r>
-              <a:rPr lang="en-US" smtClean="0"/>
+              <a:rPr lang="en-US"/>
               <a:t>Click to edit Master title style</a:t>
             </a:r>
             <a:endParaRPr lang="en-US" dirty="0"/>
@@ -4437,7 +4437,7 @@
           </a:lstStyle>
           <a:p>
             <a:r>
-              <a:rPr lang="en-US" smtClean="0"/>
+              <a:rPr lang="en-US"/>
               <a:t>Click icon to add picture</a:t>
             </a:r>
             <a:endParaRPr lang="en-US" dirty="0"/>
@@ -4505,7 +4505,7 @@
           <a:p>
             <a:pPr lvl="0"/>
             <a:r>
-              <a:rPr lang="en-US" smtClean="0"/>
+              <a:rPr lang="en-US"/>
               <a:t>Click to edit Master text styles</a:t>
             </a:r>
           </a:p>
@@ -4529,7 +4529,7 @@
             <a:fld id="{B61BEF0D-F0BB-DE4B-95CE-6DB70DBA9567}" type="datetimeFigureOut">
               <a:rPr lang="en-US" dirty="0"/>
               <a:pPr/>
-              <a:t>1/29/2021</a:t>
+              <a:t>2/3/2021</a:t>
             </a:fld>
             <a:endParaRPr lang="en-US" dirty="0"/>
           </a:p>
@@ -4825,7 +4825,7 @@
           <a:lstStyle/>
           <a:p>
             <a:r>
-              <a:rPr lang="en-US" smtClean="0"/>
+              <a:rPr lang="en-US"/>
               <a:t>Click to edit Master title style</a:t>
             </a:r>
             <a:endParaRPr lang="en-US" dirty="0"/>
@@ -4859,35 +4859,35 @@
           <a:p>
             <a:pPr lvl="0"/>
             <a:r>
-              <a:rPr lang="en-US" smtClean="0"/>
+              <a:rPr lang="en-US"/>
               <a:t>Click to edit Master text styles</a:t>
             </a:r>
           </a:p>
           <a:p>
             <a:pPr lvl="1"/>
             <a:r>
-              <a:rPr lang="en-US" smtClean="0"/>
+              <a:rPr lang="en-US"/>
               <a:t>Second level</a:t>
             </a:r>
           </a:p>
           <a:p>
             <a:pPr lvl="2"/>
             <a:r>
-              <a:rPr lang="en-US" smtClean="0"/>
+              <a:rPr lang="en-US"/>
               <a:t>Third level</a:t>
             </a:r>
           </a:p>
           <a:p>
             <a:pPr lvl="3"/>
             <a:r>
-              <a:rPr lang="en-US" smtClean="0"/>
+              <a:rPr lang="en-US"/>
               <a:t>Fourth level</a:t>
             </a:r>
           </a:p>
           <a:p>
             <a:pPr lvl="4"/>
             <a:r>
-              <a:rPr lang="en-US" smtClean="0"/>
+              <a:rPr lang="en-US"/>
               <a:t>Fifth level</a:t>
             </a:r>
             <a:endParaRPr lang="en-US" dirty="0"/>
@@ -4932,7 +4932,7 @@
             <a:fld id="{B61BEF0D-F0BB-DE4B-95CE-6DB70DBA9567}" type="datetimeFigureOut">
               <a:rPr lang="en-US" dirty="0"/>
               <a:pPr/>
-              <a:t>1/29/2021</a:t>
+              <a:t>2/3/2021</a:t>
             </a:fld>
             <a:endParaRPr lang="en-US" dirty="0"/>
           </a:p>
@@ -5479,10 +5479,9 @@
           <a:lstStyle/>
           <a:p>
             <a:r>
-              <a:rPr lang="en-US" dirty="0" smtClean="0"/>
+              <a:rPr lang="en-US" dirty="0"/>
               <a:t>Veda Basics</a:t>
             </a:r>
-            <a:endParaRPr lang="en-US" dirty="0"/>
           </a:p>
         </p:txBody>
       </p:sp>
@@ -5504,17 +5503,16 @@
           <a:lstStyle/>
           <a:p>
             <a:r>
-              <a:rPr lang="en-US" sz="3600" b="1" dirty="0" smtClean="0"/>
+              <a:rPr lang="en-US" sz="3600" b="1" dirty="0"/>
               <a:t>Basics of Veda – </a:t>
             </a:r>
             <a:br>
-              <a:rPr lang="en-US" sz="3600" b="1" dirty="0" smtClean="0"/>
+              <a:rPr lang="en-US" sz="3600" b="1" dirty="0"/>
             </a:br>
             <a:r>
-              <a:rPr lang="en-US" sz="3600" b="1" dirty="0" smtClean="0"/>
+              <a:rPr lang="en-US" sz="3600" b="1" dirty="0"/>
               <a:t>General Overview</a:t>
             </a:r>
-            <a:endParaRPr lang="en-US" sz="3600" b="1" dirty="0"/>
           </a:p>
         </p:txBody>
       </p:sp>
@@ -5528,13 +5526,6 @@
   <p:clrMapOvr>
     <a:masterClrMapping/>
   </p:clrMapOvr>
-  <p:timing>
-    <p:tnLst>
-      <p:par>
-        <p:cTn id="1" dur="indefinite" restart="never" nodeType="tmRoot"/>
-      </p:par>
-    </p:tnLst>
-  </p:timing>
 </p:sld>
 </file>
 
@@ -5578,10 +5569,9 @@
           <a:lstStyle/>
           <a:p>
             <a:r>
-              <a:rPr lang="en-US" dirty="0" smtClean="0"/>
+              <a:rPr lang="en-US" dirty="0"/>
               <a:t>Components</a:t>
             </a:r>
-            <a:endParaRPr lang="en-US" dirty="0"/>
           </a:p>
         </p:txBody>
       </p:sp>
@@ -5608,7 +5598,7 @@
           <a:lstStyle/>
           <a:p>
             <a:r>
-              <a:rPr lang="en-US" sz="2400" b="1" dirty="0" smtClean="0">
+              <a:rPr lang="en-US" sz="2400" b="1" dirty="0">
                 <a:cs typeface="Arial" panose="020B0604020202020204" pitchFamily="34" charset="0"/>
               </a:rPr>
               <a:t>Basic Veda mantras</a:t>
@@ -5617,7 +5607,7 @@
           <a:p>
             <a:pPr lvl="1"/>
             <a:r>
-              <a:rPr lang="en-US" sz="2200" b="1" dirty="0" smtClean="0">
+              <a:rPr lang="en-US" sz="2200" b="1" dirty="0">
                 <a:cs typeface="Arial" panose="020B0604020202020204" pitchFamily="34" charset="0"/>
               </a:rPr>
               <a:t>Rishi, Chandas,  DevatA Principle</a:t>
@@ -5626,7 +5616,7 @@
           <a:p>
             <a:pPr lvl="1"/>
             <a:r>
-              <a:rPr lang="en-US" sz="2200" b="1" dirty="0" smtClean="0">
+              <a:rPr lang="en-US" sz="2200" b="1" dirty="0">
                 <a:cs typeface="Arial" panose="020B0604020202020204" pitchFamily="34" charset="0"/>
               </a:rPr>
               <a:t>Remember/thank during nyAsam</a:t>
@@ -5637,18 +5627,12 @@
               <a:rPr lang="en-US" sz="2400" b="1" dirty="0">
                 <a:cs typeface="Arial" panose="020B0604020202020204" pitchFamily="34" charset="0"/>
               </a:rPr>
-              <a:t>k</a:t>
-            </a:r>
-            <a:r>
-              <a:rPr lang="en-US" sz="2400" b="1" dirty="0" smtClean="0">
-                <a:cs typeface="Arial" panose="020B0604020202020204" pitchFamily="34" charset="0"/>
-              </a:rPr>
-              <a:t>arma kAndAs</a:t>
-            </a:r>
-          </a:p>
-          <a:p>
-            <a:r>
-              <a:rPr lang="en-US" sz="2400" b="1" dirty="0" smtClean="0">
+              <a:t>karma kAndAs</a:t>
+            </a:r>
+          </a:p>
+          <a:p>
+            <a:r>
+              <a:rPr lang="en-US" sz="2400" b="1" dirty="0">
                 <a:cs typeface="Arial" panose="020B0604020202020204" pitchFamily="34" charset="0"/>
               </a:rPr>
               <a:t>Brahama Sutras or other Sutras/principles</a:t>
@@ -5656,7 +5640,7 @@
           </a:p>
           <a:p>
             <a:r>
-              <a:rPr lang="en-US" sz="2400" b="1" dirty="0" smtClean="0">
+              <a:rPr lang="en-US" sz="2400" b="1" dirty="0">
                 <a:cs typeface="Arial" panose="020B0604020202020204" pitchFamily="34" charset="0"/>
               </a:rPr>
               <a:t>Upanishads</a:t>
@@ -5664,7 +5648,7 @@
           </a:p>
           <a:p>
             <a:r>
-              <a:rPr lang="en-US" sz="2400" b="1" dirty="0" smtClean="0">
+              <a:rPr lang="en-US" sz="2400" b="1" dirty="0">
                 <a:cs typeface="Arial" panose="020B0604020202020204" pitchFamily="34" charset="0"/>
               </a:rPr>
               <a:t>Supported by Commentaries/explanations (Bashyas) by great pandits, scholars and avatara Purushas</a:t>
@@ -5672,7 +5656,7 @@
           </a:p>
           <a:p>
             <a:r>
-              <a:rPr lang="en-US" sz="2400" b="1" dirty="0" smtClean="0">
+              <a:rPr lang="en-US" sz="2400" b="1" dirty="0">
                 <a:cs typeface="Arial" panose="020B0604020202020204" pitchFamily="34" charset="0"/>
               </a:rPr>
               <a:t>Basic Veda is the foundation of 4 yoga margas.</a:t>
@@ -5681,14 +5665,11 @@
           <a:p>
             <a:pPr lvl="1"/>
             <a:r>
-              <a:rPr lang="en-US" sz="2200" b="1" dirty="0" smtClean="0">
+              <a:rPr lang="en-US" sz="2200" b="1" dirty="0">
                 <a:cs typeface="Arial" panose="020B0604020202020204" pitchFamily="34" charset="0"/>
               </a:rPr>
               <a:t>Karma, bhakti, gyana and Raja yoga</a:t>
             </a:r>
-            <a:endParaRPr lang="en-US" sz="2200" b="1" dirty="0">
-              <a:cs typeface="Arial" panose="020B0604020202020204" pitchFamily="34" charset="0"/>
-            </a:endParaRPr>
           </a:p>
         </p:txBody>
       </p:sp>
@@ -5702,13 +5683,6 @@
   <p:clrMapOvr>
     <a:masterClrMapping/>
   </p:clrMapOvr>
-  <p:timing>
-    <p:tnLst>
-      <p:par>
-        <p:cTn id="1" dur="indefinite" restart="never" nodeType="tmRoot"/>
-      </p:par>
-    </p:tnLst>
-  </p:timing>
 </p:sld>
 </file>
 
@@ -5752,10 +5726,9 @@
           <a:lstStyle/>
           <a:p>
             <a:r>
-              <a:rPr lang="en-GB" dirty="0" smtClean="0"/>
+              <a:rPr lang="en-GB" dirty="0"/>
               <a:t>Branches or Shakas</a:t>
             </a:r>
-            <a:endParaRPr lang="en-GB" dirty="0"/>
           </a:p>
         </p:txBody>
       </p:sp>
@@ -5782,7 +5755,7 @@
           <a:lstStyle/>
           <a:p>
             <a:r>
-              <a:rPr lang="en-GB" sz="3100" b="1" dirty="0" smtClean="0">
+              <a:rPr lang="en-GB" sz="3100" b="1" dirty="0">
                 <a:cs typeface="Arial" panose="020B0604020202020204" pitchFamily="34" charset="0"/>
               </a:rPr>
               <a:t>Each of the Veda may have its own branches traced to a Rishi or Group of Rishis</a:t>
@@ -5790,7 +5763,7 @@
           </a:p>
           <a:p>
             <a:r>
-              <a:rPr lang="en-GB" sz="3100" b="1" dirty="0" smtClean="0">
+              <a:rPr lang="en-GB" sz="3100" b="1" dirty="0">
                 <a:cs typeface="Arial" panose="020B0604020202020204" pitchFamily="34" charset="0"/>
               </a:rPr>
               <a:t>Variations in rendering occurs due to different climatic, regional conditions and source language of that area</a:t>
@@ -5798,7 +5771,7 @@
           </a:p>
           <a:p>
             <a:r>
-              <a:rPr lang="en-GB" sz="3100" b="1" dirty="0" smtClean="0">
+              <a:rPr lang="en-GB" sz="3100" b="1" dirty="0">
                 <a:cs typeface="Arial" panose="020B0604020202020204" pitchFamily="34" charset="0"/>
               </a:rPr>
               <a:t>Additional revelations to Rishis, Saints</a:t>
@@ -5806,7 +5779,7 @@
           </a:p>
           <a:p>
             <a:r>
-              <a:rPr lang="en-GB" sz="3100" b="1" dirty="0" smtClean="0">
+              <a:rPr lang="en-GB" sz="3100" b="1" dirty="0">
                 <a:cs typeface="Arial" panose="020B0604020202020204" pitchFamily="34" charset="0"/>
               </a:rPr>
               <a:t>Different adaptation of sounds, grammar Rules</a:t>
@@ -5814,7 +5787,7 @@
           </a:p>
           <a:p>
             <a:r>
-              <a:rPr lang="en-GB" sz="3100" b="1" dirty="0" smtClean="0">
+              <a:rPr lang="en-GB" sz="3100" b="1" dirty="0">
                 <a:cs typeface="Arial" panose="020B0604020202020204" pitchFamily="34" charset="0"/>
               </a:rPr>
               <a:t>This is the reason for Schools/Branches/ SAkhA</a:t>
@@ -5822,7 +5795,7 @@
           </a:p>
           <a:p>
             <a:r>
-              <a:rPr lang="en-GB" sz="3100" b="1" dirty="0" smtClean="0">
+              <a:rPr lang="en-GB" sz="3100" b="1" dirty="0">
                 <a:cs typeface="Arial" panose="020B0604020202020204" pitchFamily="34" charset="0"/>
               </a:rPr>
               <a:t>Styles of rendering</a:t>
@@ -5830,7 +5803,7 @@
           </a:p>
           <a:p>
             <a:r>
-              <a:rPr lang="en-GB" sz="3100" b="1" dirty="0" smtClean="0">
+              <a:rPr lang="en-GB" sz="3100" b="1" dirty="0">
                 <a:cs typeface="Arial" panose="020B0604020202020204" pitchFamily="34" charset="0"/>
               </a:rPr>
               <a:t>Yajur Veda has two main divisions</a:t>
@@ -5839,7 +5812,7 @@
           <a:p>
             <a:pPr lvl="1"/>
             <a:r>
-              <a:rPr lang="en-GB" sz="3100" b="1" dirty="0" smtClean="0">
+              <a:rPr lang="en-GB" sz="3100" b="1" dirty="0">
                 <a:cs typeface="Arial" panose="020B0604020202020204" pitchFamily="34" charset="0"/>
               </a:rPr>
               <a:t>Krishna Yajur Veda</a:t>
@@ -5848,7 +5821,7 @@
           <a:p>
             <a:pPr lvl="1"/>
             <a:r>
-              <a:rPr lang="en-GB" sz="3100" b="1" dirty="0" smtClean="0">
+              <a:rPr lang="en-GB" sz="3100" b="1" dirty="0">
                 <a:cs typeface="Arial" panose="020B0604020202020204" pitchFamily="34" charset="0"/>
               </a:rPr>
               <a:t>Shukla Yajur Veda</a:t>
@@ -5870,13 +5843,6 @@
   <p:clrMapOvr>
     <a:masterClrMapping/>
   </p:clrMapOvr>
-  <p:timing>
-    <p:tnLst>
-      <p:par>
-        <p:cTn id="1" dur="indefinite" restart="never" nodeType="tmRoot"/>
-      </p:par>
-    </p:tnLst>
-  </p:timing>
 </p:sld>
 </file>
 
@@ -5918,10 +5884,9 @@
           <a:lstStyle/>
           <a:p>
             <a:r>
-              <a:rPr lang="en-US" dirty="0" smtClean="0"/>
+              <a:rPr lang="en-US" dirty="0"/>
               <a:t>Other Dimensions</a:t>
             </a:r>
-            <a:endParaRPr lang="en-US" dirty="0"/>
           </a:p>
         </p:txBody>
       </p:sp>
@@ -5948,47 +5913,46 @@
           <a:lstStyle/>
           <a:p>
             <a:r>
-              <a:rPr lang="en-US" sz="2400" b="1" dirty="0" smtClean="0"/>
+              <a:rPr lang="en-US" sz="2400" b="1" dirty="0"/>
               <a:t>Ayur Veda</a:t>
             </a:r>
           </a:p>
           <a:p>
             <a:r>
-              <a:rPr lang="en-US" sz="2400" b="1" dirty="0" smtClean="0"/>
+              <a:rPr lang="en-US" sz="2400" b="1" dirty="0"/>
               <a:t>Dhanur Veda</a:t>
             </a:r>
           </a:p>
           <a:p>
             <a:r>
-              <a:rPr lang="en-US" sz="2400" b="1" dirty="0" smtClean="0"/>
+              <a:rPr lang="en-US" sz="2400" b="1" dirty="0"/>
               <a:t>Astrology</a:t>
             </a:r>
           </a:p>
           <a:p>
             <a:r>
-              <a:rPr lang="en-US" sz="2400" b="1" dirty="0" smtClean="0"/>
+              <a:rPr lang="en-US" sz="2400" b="1" dirty="0"/>
               <a:t>Astronomy</a:t>
             </a:r>
           </a:p>
           <a:p>
             <a:r>
-              <a:rPr lang="en-US" sz="2400" b="1" dirty="0" smtClean="0"/>
+              <a:rPr lang="en-US" sz="2400" b="1" dirty="0"/>
               <a:t>ArthaSastra</a:t>
             </a:r>
           </a:p>
           <a:p>
             <a:r>
-              <a:rPr lang="en-US" sz="2400" b="1" dirty="0" smtClean="0"/>
+              <a:rPr lang="en-US" sz="2400" b="1" dirty="0"/>
               <a:t>Vastu Sastra………</a:t>
             </a:r>
           </a:p>
           <a:p>
             <a:pPr lvl="1"/>
             <a:r>
-              <a:rPr lang="en-US" sz="2400" b="1" dirty="0" smtClean="0"/>
+              <a:rPr lang="en-US" sz="2400" b="1" dirty="0"/>
               <a:t>Countless contributions to choose and shape our destiny</a:t>
             </a:r>
-            <a:endParaRPr lang="en-US" sz="2400" b="1" dirty="0"/>
           </a:p>
         </p:txBody>
       </p:sp>
@@ -6002,13 +5966,6 @@
   <p:clrMapOvr>
     <a:masterClrMapping/>
   </p:clrMapOvr>
-  <p:timing>
-    <p:tnLst>
-      <p:par>
-        <p:cTn id="1" dur="indefinite" restart="never" nodeType="tmRoot"/>
-      </p:par>
-    </p:tnLst>
-  </p:timing>
 </p:sld>
 </file>
 
@@ -6045,10 +6002,9 @@
           <a:lstStyle/>
           <a:p>
             <a:r>
-              <a:rPr lang="en-US" dirty="0" smtClean="0"/>
+              <a:rPr lang="en-US" dirty="0"/>
               <a:t>Krishna yajur veda</a:t>
             </a:r>
-            <a:endParaRPr lang="en-US" dirty="0"/>
           </a:p>
         </p:txBody>
       </p:sp>
@@ -6068,10 +6024,9 @@
           <a:lstStyle/>
           <a:p>
             <a:r>
-              <a:rPr lang="en-US" sz="3600" b="1" dirty="0" smtClean="0"/>
+              <a:rPr lang="en-US" sz="3600" b="1" dirty="0"/>
               <a:t>Our focus is on Krishna Yajur Veda only</a:t>
             </a:r>
-            <a:endParaRPr lang="en-US" sz="3600" b="1" dirty="0"/>
           </a:p>
         </p:txBody>
       </p:sp>
@@ -6085,13 +6040,6 @@
   <p:clrMapOvr>
     <a:masterClrMapping/>
   </p:clrMapOvr>
-  <p:timing>
-    <p:tnLst>
-      <p:par>
-        <p:cTn id="1" dur="indefinite" restart="never" nodeType="tmRoot"/>
-      </p:par>
-    </p:tnLst>
-  </p:timing>
 </p:sld>
 </file>
 
@@ -6135,10 +6083,9 @@
           <a:lstStyle/>
           <a:p>
             <a:r>
-              <a:rPr lang="en-US" dirty="0" smtClean="0"/>
+              <a:rPr lang="en-US" dirty="0"/>
               <a:t>Main Source Books</a:t>
             </a:r>
-            <a:endParaRPr lang="en-US" dirty="0"/>
           </a:p>
         </p:txBody>
       </p:sp>
@@ -6165,7 +6112,7 @@
           <a:lstStyle/>
           <a:p>
             <a:r>
-              <a:rPr lang="en-US" sz="2800" b="1" dirty="0" smtClean="0">
+              <a:rPr lang="en-US" sz="2800" b="1" dirty="0">
                 <a:cs typeface="Arial" panose="020B0604020202020204" pitchFamily="34" charset="0"/>
               </a:rPr>
               <a:t>SamhitA</a:t>
@@ -6174,7 +6121,7 @@
           <a:p>
             <a:pPr lvl="1"/>
             <a:r>
-              <a:rPr lang="en-US" sz="2600" b="1" dirty="0" smtClean="0">
+              <a:rPr lang="en-US" sz="2600" b="1" dirty="0">
                 <a:cs typeface="Arial" panose="020B0604020202020204" pitchFamily="34" charset="0"/>
               </a:rPr>
               <a:t>Contains main rendering / mantrAs or the essence </a:t>
@@ -6182,7 +6129,7 @@
           </a:p>
           <a:p>
             <a:r>
-              <a:rPr lang="en-US" sz="2800" b="1" dirty="0" smtClean="0">
+              <a:rPr lang="en-US" sz="2800" b="1" dirty="0">
                 <a:cs typeface="Arial" panose="020B0604020202020204" pitchFamily="34" charset="0"/>
               </a:rPr>
               <a:t>BrAhmaNam</a:t>
@@ -6191,7 +6138,7 @@
           <a:p>
             <a:pPr lvl="1"/>
             <a:r>
-              <a:rPr lang="en-US" sz="2600" b="1" dirty="0" smtClean="0">
+              <a:rPr lang="en-US" sz="2600" b="1" dirty="0">
                 <a:cs typeface="Arial" panose="020B0604020202020204" pitchFamily="34" charset="0"/>
               </a:rPr>
               <a:t>Additional mantras or sections that supports rituals/Special prayers</a:t>
@@ -6199,7 +6146,7 @@
           </a:p>
           <a:p>
             <a:r>
-              <a:rPr lang="en-US" sz="2800" b="1" dirty="0" smtClean="0">
+              <a:rPr lang="en-US" sz="2800" b="1" dirty="0">
                 <a:cs typeface="Arial" panose="020B0604020202020204" pitchFamily="34" charset="0"/>
               </a:rPr>
               <a:t>Aryanyam</a:t>
@@ -6208,7 +6155,7 @@
           <a:p>
             <a:pPr lvl="1"/>
             <a:r>
-              <a:rPr lang="en-US" sz="2600" b="1" dirty="0" smtClean="0">
+              <a:rPr lang="en-US" sz="2600" b="1" dirty="0">
                 <a:cs typeface="Arial" panose="020B0604020202020204" pitchFamily="34" charset="0"/>
               </a:rPr>
               <a:t>Has philosophical , teachings on conduct, </a:t>
@@ -6216,7 +6163,7 @@
           </a:p>
           <a:p>
             <a:r>
-              <a:rPr lang="en-US" sz="2800" b="1" dirty="0" smtClean="0">
+              <a:rPr lang="en-US" sz="2800" b="1" dirty="0">
                 <a:cs typeface="Arial" panose="020B0604020202020204" pitchFamily="34" charset="0"/>
               </a:rPr>
               <a:t>EkAgni kANDam</a:t>
@@ -6225,7 +6172,7 @@
           <a:p>
             <a:pPr lvl="1"/>
             <a:r>
-              <a:rPr lang="en-US" sz="2600" b="1" dirty="0" smtClean="0">
+              <a:rPr lang="en-US" sz="2600" b="1" dirty="0">
                 <a:cs typeface="Arial" panose="020B0604020202020204" pitchFamily="34" charset="0"/>
               </a:rPr>
               <a:t>Mantras for performance of Karmas</a:t>
@@ -6233,14 +6180,11 @@
           </a:p>
           <a:p>
             <a:r>
-              <a:rPr lang="en-US" sz="2800" b="1" dirty="0" smtClean="0">
+              <a:rPr lang="en-US" sz="2800" b="1" dirty="0">
                 <a:cs typeface="Arial" panose="020B0604020202020204" pitchFamily="34" charset="0"/>
               </a:rPr>
               <a:t>Suktams are derived out of Veda Mantra Sources</a:t>
             </a:r>
-            <a:endParaRPr lang="en-US" sz="2800" b="1" dirty="0">
-              <a:cs typeface="Arial" panose="020B0604020202020204" pitchFamily="34" charset="0"/>
-            </a:endParaRPr>
           </a:p>
         </p:txBody>
       </p:sp>
@@ -6254,13 +6198,6 @@
   <p:clrMapOvr>
     <a:masterClrMapping/>
   </p:clrMapOvr>
-  <p:timing>
-    <p:tnLst>
-      <p:par>
-        <p:cTn id="1" dur="indefinite" restart="never" nodeType="tmRoot"/>
-      </p:par>
-    </p:tnLst>
-  </p:timing>
 </p:sld>
 </file>
 
@@ -6304,10 +6241,9 @@
           <a:lstStyle/>
           <a:p>
             <a:r>
-              <a:rPr lang="en-US" dirty="0" smtClean="0"/>
+              <a:rPr lang="en-US" dirty="0"/>
               <a:t>Structure of Samhita</a:t>
             </a:r>
-            <a:endParaRPr lang="en-US" dirty="0"/>
           </a:p>
         </p:txBody>
       </p:sp>
@@ -6334,69 +6270,64 @@
           <a:lstStyle/>
           <a:p>
             <a:r>
-              <a:rPr lang="en-US" sz="2400" b="1" dirty="0" smtClean="0"/>
+              <a:rPr lang="en-US" sz="2400" b="1" dirty="0"/>
               <a:t>Seven Main Sections – kANDam - 7</a:t>
             </a:r>
           </a:p>
           <a:p>
             <a:r>
-              <a:rPr lang="en-US" sz="2400" b="1" dirty="0" smtClean="0"/>
+              <a:rPr lang="en-US" sz="2400" b="1" dirty="0"/>
               <a:t>Subjects within a kANDam – praSnam  - 44</a:t>
             </a:r>
           </a:p>
           <a:p>
             <a:r>
-              <a:rPr lang="en-US" sz="2400" b="1" dirty="0" smtClean="0"/>
+              <a:rPr lang="en-US" sz="2400" b="1" dirty="0"/>
               <a:t>Chapter within a praSna – anuvAkam  - 651</a:t>
             </a:r>
           </a:p>
           <a:p>
             <a:r>
-              <a:rPr lang="en-US" sz="2400" b="1" dirty="0" smtClean="0"/>
+              <a:rPr lang="en-US" sz="2400" b="1" dirty="0"/>
               <a:t>anuvAkam consists of one or more </a:t>
             </a:r>
             <a:r>
-              <a:rPr lang="en-US" sz="2400" b="1" dirty="0" err="1" smtClean="0"/>
+              <a:rPr lang="en-US" sz="2400" b="1" dirty="0" err="1"/>
               <a:t>panchAtis</a:t>
             </a:r>
-            <a:endParaRPr lang="en-US" sz="2400" b="1" dirty="0" smtClean="0"/>
+            <a:endParaRPr lang="en-US" sz="2400" b="1" dirty="0"/>
           </a:p>
           <a:p>
             <a:r>
               <a:rPr lang="en-US" sz="2400" b="1" dirty="0"/>
-              <a:t>p</a:t>
-            </a:r>
-            <a:r>
-              <a:rPr lang="en-US" sz="2400" b="1" dirty="0" smtClean="0"/>
-              <a:t>anchAti – a para of 50 padams – (2198)</a:t>
-            </a:r>
-          </a:p>
-          <a:p>
-            <a:pPr lvl="1"/>
-            <a:r>
-              <a:rPr lang="en-US" sz="2200" b="1" dirty="0" smtClean="0"/>
+              <a:t>panchAti – a para of 50 padams – (2198)</a:t>
+            </a:r>
+          </a:p>
+          <a:p>
+            <a:pPr lvl="1"/>
+            <a:r>
+              <a:rPr lang="en-US" sz="2200" b="1" dirty="0"/>
               <a:t>Some less and some more than 50</a:t>
             </a:r>
           </a:p>
           <a:p>
             <a:r>
-              <a:rPr lang="en-US" sz="2400" b="1" dirty="0" smtClean="0"/>
+              <a:rPr lang="en-US" sz="2400" b="1" dirty="0"/>
               <a:t>Control for Padam count @ anuvAkam, </a:t>
             </a:r>
             <a:br>
-              <a:rPr lang="en-US" sz="2400" b="1" dirty="0" smtClean="0"/>
+              <a:rPr lang="en-US" sz="2400" b="1" dirty="0"/>
             </a:br>
             <a:r>
-              <a:rPr lang="en-US" sz="2400" b="1" dirty="0" smtClean="0"/>
+              <a:rPr lang="en-US" sz="2400" b="1" dirty="0"/>
               <a:t>praSna Kanda  and SamhitA level – Korvai</a:t>
             </a:r>
           </a:p>
           <a:p>
             <a:r>
-              <a:rPr lang="en-US" sz="2400" b="1" dirty="0" smtClean="0"/>
+              <a:rPr lang="en-US" sz="2400" b="1" dirty="0"/>
               <a:t>Total padams in TaittirIya samhitA - 109287</a:t>
             </a:r>
-            <a:endParaRPr lang="en-US" sz="2400" b="1" dirty="0"/>
           </a:p>
         </p:txBody>
       </p:sp>
@@ -6410,13 +6341,6 @@
   <p:clrMapOvr>
     <a:masterClrMapping/>
   </p:clrMapOvr>
-  <p:timing>
-    <p:tnLst>
-      <p:par>
-        <p:cTn id="1" dur="indefinite" restart="never" nodeType="tmRoot"/>
-      </p:par>
-    </p:tnLst>
-  </p:timing>
 </p:sld>
 </file>
 
@@ -6458,10 +6382,9 @@
           <a:lstStyle/>
           <a:p>
             <a:r>
-              <a:rPr lang="en-US" dirty="0" smtClean="0"/>
+              <a:rPr lang="en-US" dirty="0"/>
               <a:t>Structure of BrAhmaNam</a:t>
             </a:r>
-            <a:endParaRPr lang="en-US" dirty="0"/>
           </a:p>
         </p:txBody>
       </p:sp>
@@ -6488,104 +6411,67 @@
           <a:lstStyle/>
           <a:p>
             <a:r>
-              <a:rPr lang="en-US" sz="2600" b="1" dirty="0" smtClean="0"/>
+              <a:rPr lang="en-US" sz="2600" b="1" dirty="0"/>
               <a:t>Three major Sections – ashtakam</a:t>
             </a:r>
           </a:p>
           <a:p>
             <a:r>
               <a:rPr lang="en-US" sz="2600" b="1" dirty="0"/>
-              <a:t>Subjects within </a:t>
-            </a:r>
-            <a:r>
-              <a:rPr lang="en-US" sz="2600" b="1" dirty="0" smtClean="0"/>
-              <a:t>an ashtakam </a:t>
-            </a:r>
-            <a:r>
+              <a:t>Subjects within an ashtakam – </a:t>
+            </a:r>
+            <a:br>
               <a:rPr lang="en-US" sz="2600" b="1" dirty="0"/>
-              <a:t>– </a:t>
-            </a:r>
-            <a:r>
-              <a:rPr lang="en-US" sz="2600" b="1" dirty="0" smtClean="0"/>
-              <a:t/>
-            </a:r>
-            <a:br>
-              <a:rPr lang="en-US" sz="2600" b="1" dirty="0" smtClean="0"/>
             </a:br>
             <a:r>
-              <a:rPr lang="en-US" sz="2600" b="1" dirty="0" smtClean="0"/>
-              <a:t>praSnam / prapAtakam  </a:t>
-            </a:r>
-            <a:r>
               <a:rPr lang="en-US" sz="2600" b="1" dirty="0"/>
-              <a:t>- </a:t>
-            </a:r>
-            <a:r>
-              <a:rPr lang="en-US" sz="2600" b="1" dirty="0" smtClean="0"/>
-              <a:t>28</a:t>
-            </a:r>
-            <a:endParaRPr lang="en-US" sz="2600" b="1" dirty="0"/>
+              <a:t>praSnam / prapAtakam  - 28</a:t>
+            </a:r>
           </a:p>
           <a:p>
             <a:r>
               <a:rPr lang="en-US" sz="2600" b="1" dirty="0"/>
-              <a:t>Chapter within a praSna – </a:t>
-            </a:r>
-            <a:r>
-              <a:rPr lang="en-US" sz="2600" b="1" dirty="0" smtClean="0"/>
-              <a:t>anuvAkam  </a:t>
-            </a:r>
+              <a:t>Chapter within a praSna – anuvAkam  - 338</a:t>
+            </a:r>
+          </a:p>
+          <a:p>
             <a:r>
               <a:rPr lang="en-US" sz="2600" b="1" dirty="0"/>
-              <a:t>- </a:t>
-            </a:r>
-            <a:r>
-              <a:rPr lang="en-US" sz="2600" b="1" dirty="0" smtClean="0"/>
-              <a:t>338</a:t>
-            </a:r>
-          </a:p>
-          <a:p>
-            <a:r>
-              <a:rPr lang="en-US" sz="2600" b="1" dirty="0" smtClean="0"/>
               <a:t>Dasini - a para of 10 Statements – 1833</a:t>
             </a:r>
           </a:p>
           <a:p>
             <a:r>
-              <a:rPr lang="en-US" sz="2600" b="1" dirty="0" smtClean="0"/>
+              <a:rPr lang="en-US" sz="2600" b="1" dirty="0"/>
               <a:t>Number of Statements / vAkyams – 19373</a:t>
             </a:r>
           </a:p>
           <a:p>
             <a:r>
-              <a:rPr lang="en-US" sz="2600" b="1" dirty="0" smtClean="0"/>
+              <a:rPr lang="en-US" sz="2600" b="1" dirty="0"/>
               <a:t>Last three prapAtakAs are called KAThakam.</a:t>
             </a:r>
           </a:p>
           <a:p>
             <a:r>
               <a:rPr lang="en-US" sz="2600" b="1" dirty="0"/>
-              <a:t>a</a:t>
-            </a:r>
-            <a:r>
-              <a:rPr lang="en-US" sz="2600" b="1" dirty="0" smtClean="0"/>
-              <a:t>cChidram, aSvamedham form part of 3</a:t>
-            </a:r>
-            <a:r>
-              <a:rPr lang="en-US" sz="2600" b="1" baseline="30000" dirty="0" smtClean="0"/>
+              <a:t>acChidram, aSvamedham form part of 3</a:t>
+            </a:r>
+            <a:r>
+              <a:rPr lang="en-US" sz="2600" b="1" baseline="30000" dirty="0"/>
               <a:t>rd</a:t>
             </a:r>
             <a:r>
-              <a:rPr lang="en-US" sz="2600" b="1" dirty="0" smtClean="0"/>
+              <a:rPr lang="en-US" sz="2600" b="1" dirty="0"/>
               <a:t> ashtakA</a:t>
             </a:r>
           </a:p>
           <a:p>
             <a:r>
-              <a:rPr lang="en-US" sz="2600" b="1" dirty="0" smtClean="0"/>
+              <a:rPr lang="en-US" sz="2600" b="1" dirty="0"/>
               <a:t>Korvais for control of number of statements at anuvAkam, praSnam and ashtakam</a:t>
             </a:r>
-            <a:endParaRPr lang="en-US" sz="2600" dirty="0" smtClean="0"/>
+            <a:endParaRPr lang="en-US" sz="2600" dirty="0"/>
           </a:p>
           <a:p>
             <a:endParaRPr lang="en-US" dirty="0"/>
@@ -6602,13 +6488,6 @@
   <p:clrMapOvr>
     <a:masterClrMapping/>
   </p:clrMapOvr>
-  <p:timing>
-    <p:tnLst>
-      <p:par>
-        <p:cTn id="1" dur="indefinite" restart="never" nodeType="tmRoot"/>
-      </p:par>
-    </p:tnLst>
-  </p:timing>
 </p:sld>
 </file>
 
@@ -6650,10 +6529,9 @@
           <a:lstStyle/>
           <a:p>
             <a:r>
-              <a:rPr lang="en-US" dirty="0" smtClean="0"/>
+              <a:rPr lang="en-US" dirty="0"/>
               <a:t>Structure of Aranyam</a:t>
             </a:r>
-            <a:endParaRPr lang="en-US" dirty="0"/>
           </a:p>
         </p:txBody>
       </p:sp>
@@ -6680,40 +6558,39 @@
           <a:lstStyle/>
           <a:p>
             <a:r>
-              <a:rPr lang="en-US" sz="2400" b="1" dirty="0" smtClean="0"/>
+              <a:rPr lang="en-US" sz="2400" b="1" dirty="0"/>
               <a:t>AraNyam has one Major Section only</a:t>
             </a:r>
           </a:p>
           <a:p>
             <a:r>
-              <a:rPr lang="en-US" sz="2400" b="1" dirty="0" smtClean="0"/>
+              <a:rPr lang="en-US" sz="2400" b="1" dirty="0"/>
               <a:t>8 prapAtakam</a:t>
             </a:r>
           </a:p>
           <a:p>
             <a:r>
-              <a:rPr lang="en-US" sz="2400" b="1" dirty="0" smtClean="0"/>
+              <a:rPr lang="en-US" sz="2400" b="1" dirty="0"/>
               <a:t>234 anuvAkams </a:t>
             </a:r>
           </a:p>
           <a:p>
             <a:r>
-              <a:rPr lang="en-US" sz="2400" b="1" dirty="0" smtClean="0"/>
+              <a:rPr lang="en-US" sz="2400" b="1" dirty="0"/>
               <a:t>DaSinis – 577</a:t>
             </a:r>
           </a:p>
           <a:p>
             <a:r>
-              <a:rPr lang="en-US" sz="2400" b="1" dirty="0" smtClean="0"/>
+              <a:rPr lang="en-US" sz="2400" b="1" dirty="0"/>
               <a:t>Statements / vAkyams – 5483</a:t>
             </a:r>
           </a:p>
           <a:p>
             <a:r>
-              <a:rPr lang="en-US" sz="2400" b="1" dirty="0" smtClean="0"/>
+              <a:rPr lang="en-US" sz="2400" b="1" dirty="0"/>
               <a:t>Korvai is given as in BrAhmaNam</a:t>
             </a:r>
-            <a:endParaRPr lang="en-US" sz="2400" b="1" dirty="0"/>
           </a:p>
         </p:txBody>
       </p:sp>
@@ -6727,13 +6604,6 @@
   <p:clrMapOvr>
     <a:masterClrMapping/>
   </p:clrMapOvr>
-  <p:timing>
-    <p:tnLst>
-      <p:par>
-        <p:cTn id="1" dur="indefinite" restart="never" nodeType="tmRoot"/>
-      </p:par>
-    </p:tnLst>
-  </p:timing>
 </p:sld>
 </file>
 
@@ -6775,10 +6645,9 @@
           <a:lstStyle/>
           <a:p>
             <a:r>
-              <a:rPr lang="en-US" dirty="0" smtClean="0"/>
+              <a:rPr lang="en-US" dirty="0"/>
               <a:t>EkAgni kandam</a:t>
             </a:r>
-            <a:endParaRPr lang="en-US" dirty="0"/>
           </a:p>
         </p:txBody>
       </p:sp>
@@ -6805,80 +6674,79 @@
           <a:lstStyle/>
           <a:p>
             <a:r>
-              <a:rPr lang="en-US" sz="2400" b="1" dirty="0" smtClean="0"/>
+              <a:rPr lang="en-US" sz="2400" b="1" dirty="0"/>
               <a:t>2 prapAtakams</a:t>
             </a:r>
           </a:p>
           <a:p>
             <a:r>
-              <a:rPr lang="en-US" sz="2400" b="1" dirty="0" smtClean="0"/>
+              <a:rPr lang="en-US" sz="2400" b="1" dirty="0"/>
               <a:t>1</a:t>
             </a:r>
             <a:r>
-              <a:rPr lang="en-US" sz="2400" b="1" baseline="30000" dirty="0" smtClean="0"/>
+              <a:rPr lang="en-US" sz="2400" b="1" baseline="30000" dirty="0"/>
               <a:t>st</a:t>
             </a:r>
             <a:r>
-              <a:rPr lang="en-US" sz="2400" b="1" dirty="0" smtClean="0"/>
+              <a:rPr lang="en-US" sz="2400" b="1" dirty="0"/>
               <a:t> – 18 </a:t>
             </a:r>
             <a:r>
-              <a:rPr lang="en-US" sz="2400" b="1" dirty="0" err="1" smtClean="0"/>
+              <a:rPr lang="en-US" sz="2400" b="1" dirty="0" err="1"/>
               <a:t>KhaNDa</a:t>
             </a:r>
             <a:r>
-              <a:rPr lang="en-US" sz="2400" b="1" dirty="0" smtClean="0"/>
+              <a:rPr lang="en-US" sz="2400" b="1" dirty="0"/>
               <a:t> – 293 mantras</a:t>
             </a:r>
           </a:p>
           <a:p>
             <a:r>
-              <a:rPr lang="en-US" sz="2400" b="1" dirty="0" smtClean="0"/>
+              <a:rPr lang="en-US" sz="2400" b="1" dirty="0"/>
               <a:t>2</a:t>
             </a:r>
             <a:r>
-              <a:rPr lang="en-US" sz="2400" b="1" baseline="30000" dirty="0" smtClean="0"/>
+              <a:rPr lang="en-US" sz="2400" b="1" baseline="30000" dirty="0"/>
               <a:t>nd</a:t>
             </a:r>
             <a:r>
-              <a:rPr lang="en-US" sz="2400" b="1" dirty="0" smtClean="0"/>
+              <a:rPr lang="en-US" sz="2400" b="1" dirty="0"/>
               <a:t> – 22 </a:t>
             </a:r>
             <a:r>
-              <a:rPr lang="en-US" sz="2400" b="1" dirty="0" err="1" smtClean="0"/>
+              <a:rPr lang="en-US" sz="2400" b="1" dirty="0" err="1"/>
               <a:t>KhaNDa</a:t>
             </a:r>
             <a:r>
-              <a:rPr lang="en-US" sz="2400" b="1" dirty="0" smtClean="0"/>
+              <a:rPr lang="en-US" sz="2400" b="1" dirty="0"/>
               <a:t> – 398 mantras</a:t>
             </a:r>
           </a:p>
           <a:p>
             <a:r>
-              <a:rPr lang="en-US" sz="2400" b="1" dirty="0" smtClean="0"/>
+              <a:rPr lang="en-US" sz="2400" b="1" dirty="0"/>
               <a:t>The word </a:t>
             </a:r>
             <a:r>
-              <a:rPr lang="en-US" sz="2400" b="1" dirty="0" err="1" smtClean="0"/>
+              <a:rPr lang="en-US" sz="2400" b="1" dirty="0" err="1"/>
               <a:t>KhaNDa</a:t>
             </a:r>
             <a:r>
-              <a:rPr lang="en-US" sz="2400" b="1" dirty="0" smtClean="0"/>
+              <a:rPr lang="en-US" sz="2400" b="1" dirty="0"/>
               <a:t> denotes a piece, slice or a part</a:t>
             </a:r>
           </a:p>
           <a:p>
             <a:r>
-              <a:rPr lang="en-US" sz="2400" b="1" dirty="0" smtClean="0"/>
+              <a:rPr lang="en-US" sz="2400" b="1" dirty="0"/>
               <a:t>Contains key mantras for marriage, upanayanam, seemandham, childbirth etc.</a:t>
             </a:r>
           </a:p>
           <a:p>
             <a:r>
-              <a:rPr lang="en-US" sz="2400" b="1" dirty="0" smtClean="0"/>
+              <a:rPr lang="en-US" sz="2400" b="1" dirty="0"/>
               <a:t>These mantras are supplemented with lot of other vedic ritual mantras taken from other Sections.</a:t>
             </a:r>
-            <a:endParaRPr lang="en-US" sz="2400" b="1" dirty="0"/>
           </a:p>
         </p:txBody>
       </p:sp>
@@ -6892,13 +6760,6 @@
   <p:clrMapOvr>
     <a:masterClrMapping/>
   </p:clrMapOvr>
-  <p:timing>
-    <p:tnLst>
-      <p:par>
-        <p:cTn id="1" dur="indefinite" restart="never" nodeType="tmRoot"/>
-      </p:par>
-    </p:tnLst>
-  </p:timing>
 </p:sld>
 </file>
 
@@ -6940,10 +6801,9 @@
           <a:lstStyle/>
           <a:p>
             <a:r>
-              <a:rPr lang="en-US" dirty="0" smtClean="0"/>
+              <a:rPr lang="en-US" dirty="0"/>
               <a:t>Six Veda Angas (Parts or Limbs)</a:t>
             </a:r>
-            <a:endParaRPr lang="en-US" dirty="0"/>
           </a:p>
         </p:txBody>
       </p:sp>
@@ -6970,62 +6830,53 @@
           <a:lstStyle/>
           <a:p>
             <a:r>
-              <a:rPr lang="en-US" sz="2400" b="1" dirty="0" smtClean="0"/>
+              <a:rPr lang="en-US" sz="2400" b="1" dirty="0"/>
               <a:t>SikshA – lessons on how veda basics </a:t>
             </a:r>
           </a:p>
           <a:p>
             <a:pPr lvl="1"/>
             <a:r>
-              <a:rPr lang="en-US" sz="2200" b="1" dirty="0" smtClean="0"/>
+              <a:rPr lang="en-US" sz="2200" b="1" dirty="0"/>
               <a:t>VarNa SikshA, Swara SikshA, Pluta SikshA etc.</a:t>
             </a:r>
           </a:p>
           <a:p>
             <a:r>
-              <a:rPr lang="en-US" sz="2400" b="1" dirty="0" smtClean="0"/>
+              <a:rPr lang="en-US" sz="2400" b="1" dirty="0"/>
               <a:t>kalpam – lessons on recital of mantras</a:t>
             </a:r>
           </a:p>
           <a:p>
             <a:r>
-              <a:rPr lang="en-US" sz="2400" b="1" dirty="0" smtClean="0"/>
+              <a:rPr lang="en-US" sz="2400" b="1" dirty="0"/>
               <a:t>VyAkaraNam - Grammar</a:t>
             </a:r>
           </a:p>
           <a:p>
             <a:r>
-              <a:rPr lang="en-US" sz="2400" b="1" dirty="0" smtClean="0"/>
+              <a:rPr lang="en-US" sz="2400" b="1" dirty="0"/>
               <a:t>Chandas – the meter for Composition and Recital</a:t>
             </a:r>
           </a:p>
           <a:p>
             <a:pPr lvl="1"/>
             <a:r>
-              <a:rPr lang="en-US" sz="2200" b="1" dirty="0" smtClean="0"/>
+              <a:rPr lang="en-US" sz="2200" b="1" dirty="0"/>
               <a:t>Like grammar of poetry (yAppilakkaNam in Tamil)</a:t>
             </a:r>
           </a:p>
           <a:p>
             <a:r>
-              <a:rPr lang="en-US" sz="2400" b="1" dirty="0" smtClean="0"/>
-              <a:t>niruptam /</a:t>
-            </a:r>
-            <a:r>
               <a:rPr lang="en-US" sz="2400" b="1" dirty="0"/>
-              <a:t>n</a:t>
-            </a:r>
-            <a:r>
-              <a:rPr lang="en-US" sz="2400" b="1" dirty="0" smtClean="0"/>
-              <a:t>ikRutam – etymology of the language</a:t>
-            </a:r>
-          </a:p>
-          <a:p>
-            <a:r>
-              <a:rPr lang="en-US" sz="2400" b="1" dirty="0" smtClean="0"/>
+              <a:t>niruptam /nikRutam – etymology of the language</a:t>
+            </a:r>
+          </a:p>
+          <a:p>
+            <a:r>
+              <a:rPr lang="en-US" sz="2400" b="1" dirty="0"/>
               <a:t>JyotiSham – Science of Astrology/(Astronomy*)</a:t>
             </a:r>
-            <a:endParaRPr lang="en-US" sz="2400" b="1" dirty="0"/>
           </a:p>
         </p:txBody>
       </p:sp>
@@ -7039,13 +6890,6 @@
   <p:clrMapOvr>
     <a:masterClrMapping/>
   </p:clrMapOvr>
-  <p:timing>
-    <p:tnLst>
-      <p:par>
-        <p:cTn id="1" dur="indefinite" restart="never" nodeType="tmRoot"/>
-      </p:par>
-    </p:tnLst>
-  </p:timing>
 </p:sld>
 </file>
 
@@ -7087,10 +6931,9 @@
           <a:lstStyle/>
           <a:p>
             <a:r>
-              <a:rPr lang="en-GB" dirty="0" smtClean="0"/>
+              <a:rPr lang="en-GB" dirty="0"/>
               <a:t>Understand some background</a:t>
             </a:r>
-            <a:endParaRPr lang="en-GB" dirty="0"/>
           </a:p>
         </p:txBody>
       </p:sp>
@@ -7117,7 +6960,7 @@
           <a:lstStyle/>
           <a:p>
             <a:r>
-              <a:rPr lang="en-GB" sz="3300" b="1" dirty="0" smtClean="0">
+              <a:rPr lang="en-GB" sz="3300" b="1" dirty="0">
                 <a:solidFill>
                   <a:schemeClr val="bg1"/>
                 </a:solidFill>
@@ -7136,55 +6979,11 @@
                 <a:latin typeface="Arial" panose="020B0604020202020204" pitchFamily="34" charset="0"/>
                 <a:cs typeface="Arial" panose="020B0604020202020204" pitchFamily="34" charset="0"/>
               </a:rPr>
-              <a:t>Vedas has been revealed to Sages, Rishis and Munis across the world </a:t>
-            </a:r>
-            <a:r>
-              <a:rPr lang="en-US" sz="3300" b="1" dirty="0" smtClean="0">
-                <a:solidFill>
-                  <a:schemeClr val="bg1"/>
-                </a:solidFill>
-                <a:latin typeface="Arial" panose="020B0604020202020204" pitchFamily="34" charset="0"/>
-                <a:cs typeface="Arial" panose="020B0604020202020204" pitchFamily="34" charset="0"/>
-              </a:rPr>
-              <a:t>directly across times immemorial</a:t>
-            </a:r>
-          </a:p>
-          <a:p>
-            <a:pPr lvl="1"/>
-            <a:r>
-              <a:rPr lang="en-US" sz="3300" b="1" dirty="0" smtClean="0">
-                <a:solidFill>
-                  <a:schemeClr val="bg1"/>
-                </a:solidFill>
-                <a:latin typeface="Arial" panose="020B0604020202020204" pitchFamily="34" charset="0"/>
-                <a:cs typeface="Arial" panose="020B0604020202020204" pitchFamily="34" charset="0"/>
-              </a:rPr>
-              <a:t>E.g. Ruk Veda has texts from Zoroaster /jarAsutA</a:t>
-            </a:r>
-          </a:p>
-          <a:p>
-            <a:r>
-              <a:rPr lang="en-US" sz="3300" b="1" dirty="0" smtClean="0">
-                <a:solidFill>
-                  <a:schemeClr val="bg1"/>
-                </a:solidFill>
-                <a:latin typeface="Arial" panose="020B0604020202020204" pitchFamily="34" charset="0"/>
-                <a:cs typeface="Arial" panose="020B0604020202020204" pitchFamily="34" charset="0"/>
-              </a:rPr>
-              <a:t>Revealed in various languages, various nations at various times</a:t>
-            </a:r>
-          </a:p>
-          <a:p>
-            <a:r>
-              <a:rPr lang="en-US" sz="3300" b="1" dirty="0" smtClean="0">
-                <a:solidFill>
-                  <a:schemeClr val="bg1"/>
-                </a:solidFill>
-                <a:latin typeface="Arial" panose="020B0604020202020204" pitchFamily="34" charset="0"/>
-                <a:cs typeface="Arial" panose="020B0604020202020204" pitchFamily="34" charset="0"/>
-              </a:rPr>
-              <a:t> </a:t>
-            </a:r>
+              <a:t>Vedas has been revealed to Sages, Rishis and Munis across the world directly across times immemorial</a:t>
+            </a:r>
+          </a:p>
+          <a:p>
+            <a:pPr lvl="1"/>
             <a:r>
               <a:rPr lang="en-US" sz="3300" b="1" dirty="0">
                 <a:solidFill>
@@ -7193,17 +6992,31 @@
                 <a:latin typeface="Arial" panose="020B0604020202020204" pitchFamily="34" charset="0"/>
                 <a:cs typeface="Arial" panose="020B0604020202020204" pitchFamily="34" charset="0"/>
               </a:rPr>
-              <a:t>In fact these great men were able to realise it directly</a:t>
-            </a:r>
-            <a:r>
-              <a:rPr lang="en-US" sz="3300" b="1" dirty="0" smtClean="0">
+              <a:t>E.g. Ruk Veda has texts from Zoroaster /jarAsutA</a:t>
+            </a:r>
+          </a:p>
+          <a:p>
+            <a:r>
+              <a:rPr lang="en-US" sz="3300" b="1" dirty="0">
                 <a:solidFill>
                   <a:schemeClr val="bg1"/>
                 </a:solidFill>
                 <a:latin typeface="Arial" panose="020B0604020202020204" pitchFamily="34" charset="0"/>
                 <a:cs typeface="Arial" panose="020B0604020202020204" pitchFamily="34" charset="0"/>
               </a:rPr>
-              <a:t>.</a:t>
+              <a:t>Revealed in various languages, various nations at various times</a:t>
+            </a:r>
+          </a:p>
+          <a:p>
+            <a:r>
+              <a:rPr lang="en-US" sz="3300" b="1" dirty="0">
+                <a:solidFill>
+                  <a:schemeClr val="bg1"/>
+                </a:solidFill>
+                <a:latin typeface="Arial" panose="020B0604020202020204" pitchFamily="34" charset="0"/>
+                <a:cs typeface="Arial" panose="020B0604020202020204" pitchFamily="34" charset="0"/>
+              </a:rPr>
+              <a:t> In fact these great men were able to realise it directly.</a:t>
             </a:r>
           </a:p>
           <a:p>
@@ -7221,13 +7034,6 @@
   <p:clrMapOvr>
     <a:masterClrMapping/>
   </p:clrMapOvr>
-  <p:timing>
-    <p:tnLst>
-      <p:par>
-        <p:cTn id="1" dur="indefinite" restart="never" nodeType="tmRoot"/>
-      </p:par>
-    </p:tnLst>
-  </p:timing>
 </p:sld>
 </file>
 
@@ -7271,7 +7077,7 @@
           <a:lstStyle/>
           <a:p>
             <a:r>
-              <a:rPr lang="en-US" dirty="0" err="1" smtClean="0"/>
+              <a:rPr lang="en-US" dirty="0" err="1"/>
               <a:t>Upangas</a:t>
             </a:r>
             <a:endParaRPr lang="en-US" dirty="0"/>
@@ -7301,7 +7107,7 @@
           <a:lstStyle/>
           <a:p>
             <a:r>
-              <a:rPr lang="en-US" sz="2400" b="1" dirty="0" smtClean="0">
+              <a:rPr lang="en-US" sz="2400" b="1" dirty="0">
                 <a:cs typeface="Arial" panose="020B0604020202020204" pitchFamily="34" charset="0"/>
               </a:rPr>
               <a:t>mimAmsa </a:t>
@@ -7310,7 +7116,7 @@
           <a:p>
             <a:pPr lvl="1"/>
             <a:r>
-              <a:rPr lang="en-US" sz="2400" b="1" dirty="0" smtClean="0">
+              <a:rPr lang="en-US" sz="2400" b="1" dirty="0">
                 <a:cs typeface="Arial" panose="020B0604020202020204" pitchFamily="34" charset="0"/>
               </a:rPr>
               <a:t>Philosophy of the subject dealt with and its articulation</a:t>
@@ -7318,7 +7124,7 @@
           </a:p>
           <a:p>
             <a:r>
-              <a:rPr lang="en-US" sz="2400" b="1" dirty="0" smtClean="0">
+              <a:rPr lang="en-US" sz="2400" b="1" dirty="0">
                 <a:cs typeface="Arial" panose="020B0604020202020204" pitchFamily="34" charset="0"/>
               </a:rPr>
               <a:t>nyAyam</a:t>
@@ -7327,7 +7133,7 @@
           <a:p>
             <a:pPr lvl="1"/>
             <a:r>
-              <a:rPr lang="en-US" sz="2400" b="1" dirty="0" smtClean="0">
+              <a:rPr lang="en-US" sz="2400" b="1" dirty="0">
                 <a:cs typeface="Arial" panose="020B0604020202020204" pitchFamily="34" charset="0"/>
               </a:rPr>
               <a:t>Rules and regulations, methods and procedures</a:t>
@@ -7335,7 +7141,7 @@
           </a:p>
           <a:p>
             <a:r>
-              <a:rPr lang="en-US" sz="2400" b="1" dirty="0" smtClean="0">
+              <a:rPr lang="en-US" sz="2400" b="1" dirty="0">
                 <a:cs typeface="Arial" panose="020B0604020202020204" pitchFamily="34" charset="0"/>
               </a:rPr>
               <a:t>purANam</a:t>
@@ -7344,7 +7150,7 @@
           <a:p>
             <a:pPr lvl="1"/>
             <a:r>
-              <a:rPr lang="en-US" sz="2400" b="1" dirty="0" smtClean="0">
+              <a:rPr lang="en-US" sz="2400" b="1" dirty="0">
                 <a:cs typeface="Arial" panose="020B0604020202020204" pitchFamily="34" charset="0"/>
               </a:rPr>
               <a:t>Epics which give us guidelines to conduct, spiritual guidance</a:t>
@@ -7352,7 +7158,7 @@
           </a:p>
           <a:p>
             <a:r>
-              <a:rPr lang="en-US" sz="2400" b="1" dirty="0" smtClean="0">
+              <a:rPr lang="en-US" sz="2400" b="1" dirty="0">
                 <a:cs typeface="Arial" panose="020B0604020202020204" pitchFamily="34" charset="0"/>
               </a:rPr>
               <a:t>Dharma Sastras </a:t>
@@ -7361,7 +7167,7 @@
           <a:p>
             <a:pPr lvl="1"/>
             <a:r>
-              <a:rPr lang="en-US" sz="2400" b="1" dirty="0" smtClean="0">
+              <a:rPr lang="en-US" sz="2400" b="1" dirty="0">
                 <a:cs typeface="Arial" panose="020B0604020202020204" pitchFamily="34" charset="0"/>
               </a:rPr>
               <a:t>Law of Righteousness, Social Rules/Regulations</a:t>
@@ -7369,14 +7175,11 @@
           </a:p>
           <a:p>
             <a:r>
-              <a:rPr lang="en-US" sz="2400" b="1" dirty="0" smtClean="0">
+              <a:rPr lang="en-US" sz="2400" b="1" dirty="0">
                 <a:cs typeface="Arial" panose="020B0604020202020204" pitchFamily="34" charset="0"/>
               </a:rPr>
               <a:t>Supported by advices from Sages/Scholars of current times</a:t>
             </a:r>
-            <a:endParaRPr lang="en-US" sz="2400" b="1" dirty="0">
-              <a:cs typeface="Arial" panose="020B0604020202020204" pitchFamily="34" charset="0"/>
-            </a:endParaRPr>
           </a:p>
         </p:txBody>
       </p:sp>
@@ -7390,13 +7193,6 @@
   <p:clrMapOvr>
     <a:masterClrMapping/>
   </p:clrMapOvr>
-  <p:timing>
-    <p:tnLst>
-      <p:par>
-        <p:cTn id="1" dur="indefinite" restart="never" nodeType="tmRoot"/>
-      </p:par>
-    </p:tnLst>
-  </p:timing>
 </p:sld>
 </file>
 
@@ -7438,10 +7234,9 @@
           <a:lstStyle/>
           <a:p>
             <a:r>
-              <a:rPr lang="en-US" dirty="0" smtClean="0"/>
+              <a:rPr lang="en-US" dirty="0"/>
               <a:t>Significance of Mantras</a:t>
             </a:r>
-            <a:endParaRPr lang="en-US" dirty="0"/>
           </a:p>
         </p:txBody>
       </p:sp>
@@ -7468,7 +7263,7 @@
           <a:lstStyle/>
           <a:p>
             <a:r>
-              <a:rPr lang="en-US" sz="2800" b="1" dirty="0" smtClean="0">
+              <a:rPr lang="en-US" sz="2800" b="1" dirty="0">
                 <a:latin typeface="+mj-lt"/>
                 <a:cs typeface="Arial" panose="020B0604020202020204" pitchFamily="34" charset="0"/>
               </a:rPr>
@@ -7477,7 +7272,7 @@
           </a:p>
           <a:p>
             <a:r>
-              <a:rPr lang="en-US" sz="2800" b="1" dirty="0" smtClean="0">
+              <a:rPr lang="en-US" sz="2800" b="1" dirty="0">
                 <a:latin typeface="+mj-lt"/>
                 <a:cs typeface="Arial" panose="020B0604020202020204" pitchFamily="34" charset="0"/>
               </a:rPr>
@@ -7486,7 +7281,7 @@
           </a:p>
           <a:p>
             <a:r>
-              <a:rPr lang="en-US" sz="2800" b="1" dirty="0" smtClean="0">
+              <a:rPr lang="en-US" sz="2800" b="1" dirty="0">
                 <a:latin typeface="+mj-lt"/>
                 <a:cs typeface="Arial" panose="020B0604020202020204" pitchFamily="34" charset="0"/>
               </a:rPr>
@@ -7496,7 +7291,7 @@
           <a:p>
             <a:pPr lvl="1"/>
             <a:r>
-              <a:rPr lang="en-US" sz="2800" b="1" dirty="0" smtClean="0">
+              <a:rPr lang="en-US" sz="2800" b="1" dirty="0">
                 <a:latin typeface="+mj-lt"/>
                 <a:cs typeface="Arial" panose="020B0604020202020204" pitchFamily="34" charset="0"/>
               </a:rPr>
@@ -7506,7 +7301,7 @@
           <a:p>
             <a:pPr lvl="1"/>
             <a:r>
-              <a:rPr lang="en-US" sz="2800" b="1" dirty="0" smtClean="0">
+              <a:rPr lang="en-US" sz="2800" b="1" dirty="0">
                 <a:latin typeface="+mj-lt"/>
                 <a:cs typeface="Arial" panose="020B0604020202020204" pitchFamily="34" charset="0"/>
               </a:rPr>
@@ -7515,7 +7310,7 @@
           </a:p>
           <a:p>
             <a:r>
-              <a:rPr lang="en-US" sz="2800" b="1" dirty="0" smtClean="0">
+              <a:rPr lang="en-US" sz="2800" b="1" dirty="0">
                 <a:latin typeface="+mj-lt"/>
                 <a:cs typeface="Arial" panose="020B0604020202020204" pitchFamily="34" charset="0"/>
               </a:rPr>
@@ -7524,7 +7319,7 @@
           </a:p>
           <a:p>
             <a:r>
-              <a:rPr lang="en-US" sz="2800" b="1" dirty="0" smtClean="0">
+              <a:rPr lang="en-US" sz="2800" b="1" dirty="0">
                 <a:latin typeface="+mj-lt"/>
                 <a:cs typeface="Arial" panose="020B0604020202020204" pitchFamily="34" charset="0"/>
               </a:rPr>
@@ -7534,7 +7329,7 @@
           <a:p>
             <a:pPr lvl="1"/>
             <a:r>
-              <a:rPr lang="en-US" sz="2800" b="1" dirty="0" smtClean="0">
+              <a:rPr lang="en-US" sz="2800" b="1" dirty="0">
                 <a:latin typeface="+mj-lt"/>
                 <a:cs typeface="Arial" panose="020B0604020202020204" pitchFamily="34" charset="0"/>
               </a:rPr>
@@ -7543,14 +7338,14 @@
           </a:p>
           <a:p>
             <a:r>
-              <a:rPr lang="en-US" sz="2800" b="1" dirty="0" smtClean="0">
+              <a:rPr lang="en-US" sz="2800" b="1" dirty="0">
                 <a:latin typeface="+mj-lt"/>
                 <a:cs typeface="Arial" panose="020B0604020202020204" pitchFamily="34" charset="0"/>
               </a:rPr>
               <a:t>Gurus guidance required</a:t>
             </a:r>
             <a:r>
-              <a:rPr lang="en-US" sz="2800" dirty="0" smtClean="0">
+              <a:rPr lang="en-US" sz="2800" dirty="0">
                 <a:latin typeface="+mj-lt"/>
               </a:rPr>
               <a:t>	</a:t>
@@ -7559,13 +7354,13 @@
           <a:p>
             <a:pPr lvl="1"/>
             <a:r>
-              <a:rPr lang="en-US" sz="2800" b="1" dirty="0" smtClean="0">
+              <a:rPr lang="en-US" sz="2800" b="1" dirty="0">
                 <a:latin typeface="+mj-lt"/>
               </a:rPr>
               <a:t>Never for self learning</a:t>
             </a:r>
             <a:r>
-              <a:rPr lang="en-US" sz="2800" dirty="0" smtClean="0">
+              <a:rPr lang="en-US" sz="2800" dirty="0">
                 <a:latin typeface="+mj-lt"/>
               </a:rPr>
               <a:t>	</a:t>
@@ -7589,13 +7384,6 @@
   <p:clrMapOvr>
     <a:masterClrMapping/>
   </p:clrMapOvr>
-  <p:timing>
-    <p:tnLst>
-      <p:par>
-        <p:cTn id="1" dur="indefinite" restart="never" nodeType="tmRoot"/>
-      </p:par>
-    </p:tnLst>
-  </p:timing>
 </p:sld>
 </file>
 
@@ -7639,10 +7427,9 @@
           <a:lstStyle/>
           <a:p>
             <a:r>
-              <a:rPr lang="en-US" dirty="0" smtClean="0"/>
+              <a:rPr lang="en-US" dirty="0"/>
               <a:t>Who Should learn Veda</a:t>
             </a:r>
-            <a:endParaRPr lang="en-US" dirty="0"/>
           </a:p>
         </p:txBody>
       </p:sp>
@@ -7669,7 +7456,7 @@
           <a:lstStyle/>
           <a:p>
             <a:r>
-              <a:rPr lang="en-US" sz="2400" b="1" dirty="0" smtClean="0">
+              <a:rPr lang="en-US" sz="2400" b="1" dirty="0">
                 <a:cs typeface="Arial" panose="020B0604020202020204" pitchFamily="34" charset="0"/>
               </a:rPr>
               <a:t>No restrictions </a:t>
@@ -7678,7 +7465,7 @@
           <a:p>
             <a:pPr lvl="1"/>
             <a:r>
-              <a:rPr lang="en-US" sz="2400" b="1" dirty="0" smtClean="0">
+              <a:rPr lang="en-US" sz="2400" b="1" dirty="0">
                 <a:cs typeface="Arial" panose="020B0604020202020204" pitchFamily="34" charset="0"/>
               </a:rPr>
               <a:t>Reference in text to brAhmaNas, kShatriyAs and VyaiSyas</a:t>
@@ -7686,7 +7473,7 @@
           </a:p>
           <a:p>
             <a:r>
-              <a:rPr lang="en-US" sz="2400" b="1" dirty="0" smtClean="0">
+              <a:rPr lang="en-US" sz="2400" b="1" dirty="0">
                 <a:cs typeface="Arial" panose="020B0604020202020204" pitchFamily="34" charset="0"/>
               </a:rPr>
               <a:t>But start at early age</a:t>
@@ -7695,7 +7482,7 @@
           <a:p>
             <a:pPr lvl="1"/>
             <a:r>
-              <a:rPr lang="en-US" sz="2400" b="1" dirty="0" smtClean="0">
+              <a:rPr lang="en-US" sz="2400" b="1" dirty="0">
                 <a:cs typeface="Arial" panose="020B0604020202020204" pitchFamily="34" charset="0"/>
               </a:rPr>
               <a:t>But you must adhere to the principles throughout your life</a:t>
@@ -7703,7 +7490,7 @@
           </a:p>
           <a:p>
             <a:r>
-              <a:rPr lang="en-US" sz="2400" b="1" dirty="0" smtClean="0">
+              <a:rPr lang="en-US" sz="2400" b="1" dirty="0">
                 <a:cs typeface="Arial" panose="020B0604020202020204" pitchFamily="34" charset="0"/>
               </a:rPr>
               <a:t>Significance of Age</a:t>
@@ -7712,7 +7499,7 @@
           <a:p>
             <a:pPr lvl="1"/>
             <a:r>
-              <a:rPr lang="en-US" sz="2400" b="1" dirty="0" smtClean="0">
+              <a:rPr lang="en-US" sz="2400" b="1" dirty="0">
                 <a:cs typeface="Arial" panose="020B0604020202020204" pitchFamily="34" charset="0"/>
               </a:rPr>
               <a:t>8,12,16</a:t>
@@ -7720,7 +7507,7 @@
           </a:p>
           <a:p>
             <a:r>
-              <a:rPr lang="en-US" sz="2400" b="1" dirty="0" smtClean="0">
+              <a:rPr lang="en-US" sz="2400" b="1" dirty="0">
                 <a:cs typeface="Arial" panose="020B0604020202020204" pitchFamily="34" charset="0"/>
               </a:rPr>
               <a:t>It is due to Divine Grace one becomes a Rishi/Brahman</a:t>
@@ -7729,7 +7516,7 @@
           <a:p>
             <a:pPr lvl="1"/>
             <a:r>
-              <a:rPr lang="en-US" sz="2400" b="1" dirty="0" smtClean="0">
+              <a:rPr lang="en-US" sz="2400" b="1" dirty="0">
                 <a:cs typeface="Arial" panose="020B0604020202020204" pitchFamily="34" charset="0"/>
               </a:rPr>
               <a:t>One who realizes the Ultimate Energy/ Brahmam</a:t>
@@ -7738,7 +7525,7 @@
           <a:p>
             <a:pPr lvl="1"/>
             <a:r>
-              <a:rPr lang="en-US" sz="2400" b="1" dirty="0" smtClean="0">
+              <a:rPr lang="en-US" sz="2400" b="1" dirty="0">
                 <a:cs typeface="Arial" panose="020B0604020202020204" pitchFamily="34" charset="0"/>
               </a:rPr>
               <a:t>Across VarNas e.g. Valmiki, Viswamitra, Vyasa Rishis</a:t>
@@ -7756,13 +7543,6 @@
   <p:clrMapOvr>
     <a:masterClrMapping/>
   </p:clrMapOvr>
-  <p:timing>
-    <p:tnLst>
-      <p:par>
-        <p:cTn id="1" dur="indefinite" restart="never" nodeType="tmRoot"/>
-      </p:par>
-    </p:tnLst>
-  </p:timing>
 </p:sld>
 </file>
 
@@ -7806,10 +7586,9 @@
           <a:lstStyle/>
           <a:p>
             <a:r>
-              <a:rPr lang="en-US" dirty="0" smtClean="0"/>
+              <a:rPr lang="en-US" dirty="0"/>
               <a:t>Current Status</a:t>
             </a:r>
-            <a:endParaRPr lang="en-US" dirty="0"/>
           </a:p>
         </p:txBody>
       </p:sp>
@@ -7836,7 +7615,7 @@
           <a:lstStyle/>
           <a:p>
             <a:r>
-              <a:rPr lang="en-US" sz="2400" b="1" dirty="0" smtClean="0">
+              <a:rPr lang="en-US" sz="2400" b="1" dirty="0">
                 <a:cs typeface="Arial" panose="020B0604020202020204" pitchFamily="34" charset="0"/>
               </a:rPr>
               <a:t>Many Gurus do not teach who are aged over 50/55 unless the voice test is cleared</a:t>
@@ -7844,70 +7623,46 @@
           </a:p>
           <a:p>
             <a:r>
-              <a:rPr lang="en-US" sz="2400" b="1" dirty="0" smtClean="0">
-                <a:cs typeface="Arial" panose="020B0604020202020204" pitchFamily="34" charset="0"/>
-              </a:rPr>
-              <a:t>Vegetarian </a:t>
-            </a:r>
-            <a:r>
-              <a:rPr lang="en-US" sz="2400" b="1" dirty="0">
-                <a:cs typeface="Arial" panose="020B0604020202020204" pitchFamily="34" charset="0"/>
-              </a:rPr>
-              <a:t>Saivites or Vaishnavaites of Kshatriya</a:t>
-            </a:r>
-            <a:r>
-              <a:rPr lang="en-US" sz="2400" b="1" dirty="0" smtClean="0">
-                <a:cs typeface="Arial" panose="020B0604020202020204" pitchFamily="34" charset="0"/>
-              </a:rPr>
-              <a:t>/ Vaishya </a:t>
-            </a:r>
-            <a:r>
-              <a:rPr lang="en-US" sz="2400" b="1" dirty="0">
-                <a:cs typeface="Arial" panose="020B0604020202020204" pitchFamily="34" charset="0"/>
-              </a:rPr>
-              <a:t>Students are also </a:t>
-            </a:r>
-            <a:r>
-              <a:rPr lang="en-US" sz="2400" b="1" dirty="0" smtClean="0">
-                <a:cs typeface="Arial" panose="020B0604020202020204" pitchFamily="34" charset="0"/>
-              </a:rPr>
-              <a:t>taught</a:t>
-            </a:r>
-          </a:p>
-          <a:p>
-            <a:pPr lvl="1"/>
-            <a:r>
-              <a:rPr lang="en-US" sz="2200" b="1" dirty="0" smtClean="0">
+              <a:rPr lang="en-US" sz="2400" b="1" dirty="0">
+                <a:cs typeface="Arial" panose="020B0604020202020204" pitchFamily="34" charset="0"/>
+              </a:rPr>
+              <a:t>Vegetarian Saivites or Vaishnavaites of Kshatriya/ Vaishya Students are also taught</a:t>
+            </a:r>
+          </a:p>
+          <a:p>
+            <a:pPr lvl="1"/>
+            <a:r>
+              <a:rPr lang="en-US" sz="2200" b="1" dirty="0">
                 <a:cs typeface="Arial" panose="020B0604020202020204" pitchFamily="34" charset="0"/>
               </a:rPr>
               <a:t>Recent youngest </a:t>
             </a:r>
             <a:r>
-              <a:rPr lang="en-US" sz="2200" b="1" dirty="0" err="1" smtClean="0">
+              <a:rPr lang="en-US" sz="2200" b="1" dirty="0" err="1">
                 <a:cs typeface="Arial" panose="020B0604020202020204" pitchFamily="34" charset="0"/>
               </a:rPr>
               <a:t>Pandit</a:t>
             </a:r>
             <a:r>
-              <a:rPr lang="en-US" sz="2200" b="1" dirty="0" smtClean="0">
+              <a:rPr lang="en-US" sz="2200" b="1" dirty="0">
                 <a:cs typeface="Arial" panose="020B0604020202020204" pitchFamily="34" charset="0"/>
               </a:rPr>
               <a:t> Shri </a:t>
             </a:r>
             <a:r>
-              <a:rPr lang="en-US" sz="2200" b="1" dirty="0" err="1" smtClean="0">
+              <a:rPr lang="en-US" sz="2200" b="1" dirty="0" err="1">
                 <a:cs typeface="Arial" panose="020B0604020202020204" pitchFamily="34" charset="0"/>
               </a:rPr>
               <a:t>Priyavrata</a:t>
             </a:r>
             <a:r>
-              <a:rPr lang="en-US" sz="2200" b="1" dirty="0" smtClean="0">
+              <a:rPr lang="en-US" sz="2200" b="1" dirty="0">
                 <a:cs typeface="Arial" panose="020B0604020202020204" pitchFamily="34" charset="0"/>
               </a:rPr>
               <a:t> </a:t>
             </a:r>
             <a:r>
-              <a:rPr lang="en-US" sz="2200" b="1" dirty="0" err="1" smtClean="0">
+              <a:rPr lang="en-US" sz="2200" b="1" dirty="0" err="1">
                 <a:cs typeface="Arial" panose="020B0604020202020204" pitchFamily="34" charset="0"/>
               </a:rPr>
               <a:t>Patil</a:t>
@@ -7930,19 +7685,7 @@
               <a:rPr lang="en-US" sz="2400" b="1" dirty="0">
                 <a:cs typeface="Arial" panose="020B0604020202020204" pitchFamily="34" charset="0"/>
               </a:rPr>
-              <a:t>Vedic Schools for </a:t>
-            </a:r>
-            <a:r>
-              <a:rPr lang="en-US" sz="2400" b="1" dirty="0" smtClean="0">
-                <a:cs typeface="Arial" panose="020B0604020202020204" pitchFamily="34" charset="0"/>
-              </a:rPr>
-              <a:t>Sarva-VarNa </a:t>
-            </a:r>
-            <a:r>
-              <a:rPr lang="en-US" sz="2400" b="1" dirty="0">
-                <a:cs typeface="Arial" panose="020B0604020202020204" pitchFamily="34" charset="0"/>
-              </a:rPr>
-              <a:t>Students </a:t>
+              <a:t>Vedic Schools for Sarva-VarNa Students </a:t>
             </a:r>
           </a:p>
           <a:p>
@@ -7974,13 +7717,6 @@
   <p:clrMapOvr>
     <a:masterClrMapping/>
   </p:clrMapOvr>
-  <p:timing>
-    <p:tnLst>
-      <p:par>
-        <p:cTn id="1" dur="indefinite" restart="never" nodeType="tmRoot"/>
-      </p:par>
-    </p:tnLst>
-  </p:timing>
 </p:sld>
 </file>
 
@@ -8024,10 +7760,9 @@
           <a:lstStyle/>
           <a:p>
             <a:r>
-              <a:rPr lang="en-US" dirty="0" smtClean="0"/>
+              <a:rPr lang="en-US" dirty="0"/>
               <a:t>Women and Vedas</a:t>
             </a:r>
-            <a:endParaRPr lang="en-US" dirty="0"/>
           </a:p>
         </p:txBody>
       </p:sp>
@@ -8053,14 +7788,14 @@
           </a:bodyPr>
           <a:lstStyle/>
           <a:p>
-            <a:endParaRPr lang="en-US" b="1" dirty="0" smtClean="0">
+            <a:endParaRPr lang="en-US" b="1" dirty="0">
               <a:latin typeface="Arial" panose="020B0604020202020204" pitchFamily="34" charset="0"/>
               <a:cs typeface="Arial" panose="020B0604020202020204" pitchFamily="34" charset="0"/>
             </a:endParaRPr>
           </a:p>
           <a:p>
             <a:r>
-              <a:rPr lang="en-US" sz="2600" b="1" dirty="0" smtClean="0">
+              <a:rPr lang="en-US" sz="2600" b="1" dirty="0">
                 <a:cs typeface="Arial" panose="020B0604020202020204" pitchFamily="34" charset="0"/>
               </a:rPr>
               <a:t>No Restriction seemed to exist in Vedic times</a:t>
@@ -8069,18 +7804,18 @@
           <a:p>
             <a:pPr lvl="1"/>
             <a:r>
-              <a:rPr lang="en-US" sz="2600" b="1" dirty="0" smtClean="0">
+              <a:rPr lang="en-US" sz="2600" b="1" dirty="0">
                 <a:cs typeface="Arial" panose="020B0604020202020204" pitchFamily="34" charset="0"/>
               </a:rPr>
               <a:t>A Daughter can perform last rites of her parents as per </a:t>
             </a:r>
             <a:br>
-              <a:rPr lang="en-US" sz="2600" b="1" dirty="0" smtClean="0">
+              <a:rPr lang="en-US" sz="2600" b="1" dirty="0">
                 <a:cs typeface="Arial" panose="020B0604020202020204" pitchFamily="34" charset="0"/>
               </a:rPr>
             </a:br>
             <a:r>
-              <a:rPr lang="en-US" sz="2600" b="1" dirty="0" smtClean="0">
+              <a:rPr lang="en-US" sz="2600" b="1" dirty="0">
                 <a:cs typeface="Arial" panose="020B0604020202020204" pitchFamily="34" charset="0"/>
               </a:rPr>
               <a:t>Apasthmba sUtra</a:t>
@@ -8088,7 +7823,7 @@
           </a:p>
           <a:p>
             <a:r>
-              <a:rPr lang="en-US" sz="2600" b="1" dirty="0" smtClean="0">
+              <a:rPr lang="en-US" sz="2600" b="1" dirty="0">
                 <a:cs typeface="Arial" panose="020B0604020202020204" pitchFamily="34" charset="0"/>
               </a:rPr>
               <a:t>Some systems have been lost – Raja Yoga</a:t>
@@ -8097,7 +7832,7 @@
           <a:p>
             <a:pPr lvl="1"/>
             <a:r>
-              <a:rPr lang="en-US" sz="2600" b="1" dirty="0" smtClean="0">
+              <a:rPr lang="en-US" sz="2600" b="1" dirty="0">
                 <a:cs typeface="Arial" panose="020B0604020202020204" pitchFamily="34" charset="0"/>
               </a:rPr>
               <a:t>Ability to control women’s Cycles</a:t>
@@ -8105,7 +7840,7 @@
           </a:p>
           <a:p>
             <a:r>
-              <a:rPr lang="en-US" sz="2600" b="1" dirty="0" smtClean="0">
+              <a:rPr lang="en-US" sz="2600" b="1" dirty="0">
                 <a:cs typeface="Arial" panose="020B0604020202020204" pitchFamily="34" charset="0"/>
               </a:rPr>
               <a:t>There have a number of women Philosophers and Sages</a:t>
@@ -8114,7 +7849,7 @@
           <a:p>
             <a:pPr lvl="1"/>
             <a:r>
-              <a:rPr lang="en-US" sz="2600" b="1" dirty="0" smtClean="0">
+              <a:rPr lang="en-US" sz="2600" b="1" dirty="0">
                 <a:cs typeface="Arial" panose="020B0604020202020204" pitchFamily="34" charset="0"/>
               </a:rPr>
               <a:t>GhoshA, LopamudrA, MaitreyI, Gargi, Siddhas in South, </a:t>
@@ -8132,21 +7867,14 @@
             <a:pPr marL="0" indent="0">
               <a:buNone/>
             </a:pPr>
-            <a:r>
-              <a:rPr lang="en-US" b="1" dirty="0" smtClean="0">
+            <a:br>
+              <a:rPr lang="en-US" b="1" dirty="0">
                 <a:latin typeface="Arial" panose="020B0604020202020204" pitchFamily="34" charset="0"/>
                 <a:cs typeface="Arial" panose="020B0604020202020204" pitchFamily="34" charset="0"/>
               </a:rPr>
-              <a:t/>
-            </a:r>
-            <a:br>
-              <a:rPr lang="en-US" b="1" dirty="0" smtClean="0">
-                <a:latin typeface="Arial" panose="020B0604020202020204" pitchFamily="34" charset="0"/>
-                <a:cs typeface="Arial" panose="020B0604020202020204" pitchFamily="34" charset="0"/>
-              </a:rPr>
             </a:br>
             <a:r>
-              <a:rPr lang="en-US" b="1" dirty="0" smtClean="0">
+              <a:rPr lang="en-US" b="1" dirty="0">
                 <a:latin typeface="Arial" panose="020B0604020202020204" pitchFamily="34" charset="0"/>
                 <a:cs typeface="Arial" panose="020B0604020202020204" pitchFamily="34" charset="0"/>
               </a:rPr>
@@ -8157,7 +7885,7 @@
             <a:pPr marL="0" indent="0">
               <a:buNone/>
             </a:pPr>
-            <a:endParaRPr lang="en-US" dirty="0" smtClean="0"/>
+            <a:endParaRPr lang="en-US" dirty="0"/>
           </a:p>
           <a:p>
             <a:endParaRPr lang="en-US" dirty="0"/>
@@ -8174,13 +7902,6 @@
   <p:clrMapOvr>
     <a:masterClrMapping/>
   </p:clrMapOvr>
-  <p:timing>
-    <p:tnLst>
-      <p:par>
-        <p:cTn id="1" dur="indefinite" restart="never" nodeType="tmRoot"/>
-      </p:par>
-    </p:tnLst>
-  </p:timing>
 </p:sld>
 </file>
 
@@ -8259,44 +7980,29 @@
           </a:p>
           <a:p>
             <a:r>
-              <a:rPr lang="en-US" sz="2400" b="1" dirty="0" smtClean="0">
-                <a:cs typeface="Arial" panose="020B0604020202020204" pitchFamily="34" charset="0"/>
-              </a:rPr>
-              <a:t>Some </a:t>
-            </a:r>
-            <a:r>
-              <a:rPr lang="en-US" sz="2400" b="1" dirty="0">
-                <a:cs typeface="Arial" panose="020B0604020202020204" pitchFamily="34" charset="0"/>
-              </a:rPr>
-              <a:t>Gurus teach Women</a:t>
-            </a:r>
-          </a:p>
-          <a:p>
-            <a:pPr lvl="1"/>
-            <a:r>
-              <a:rPr lang="en-US" sz="2400" b="1" dirty="0">
-                <a:cs typeface="Arial" panose="020B0604020202020204" pitchFamily="34" charset="0"/>
-              </a:rPr>
-              <a:t>There are specific groups e.g. Satya Sai </a:t>
-            </a:r>
-            <a:r>
-              <a:rPr lang="en-US" sz="2400" b="1" dirty="0" smtClean="0">
-                <a:cs typeface="Arial" panose="020B0604020202020204" pitchFamily="34" charset="0"/>
-              </a:rPr>
-              <a:t>Organisations</a:t>
-            </a:r>
-          </a:p>
-          <a:p>
-            <a:pPr lvl="1"/>
-            <a:r>
-              <a:rPr lang="en-US" sz="2400" b="1" dirty="0" smtClean="0">
+              <a:rPr lang="en-US" sz="2400" b="1" dirty="0">
+                <a:cs typeface="Arial" panose="020B0604020202020204" pitchFamily="34" charset="0"/>
+              </a:rPr>
+              <a:t>Some Gurus teach Women</a:t>
+            </a:r>
+          </a:p>
+          <a:p>
+            <a:pPr lvl="1"/>
+            <a:r>
+              <a:rPr lang="en-US" sz="2400" b="1" dirty="0">
+                <a:cs typeface="Arial" panose="020B0604020202020204" pitchFamily="34" charset="0"/>
+              </a:rPr>
+              <a:t>There are specific groups e.g. Satya Sai Organisations</a:t>
+            </a:r>
+          </a:p>
+          <a:p>
+            <a:pPr lvl="1"/>
+            <a:r>
+              <a:rPr lang="en-US" sz="2400" b="1" dirty="0">
                 <a:cs typeface="Arial" panose="020B0604020202020204" pitchFamily="34" charset="0"/>
               </a:rPr>
               <a:t>A number of foreigners taking interest in Veda learning and recital</a:t>
             </a:r>
-            <a:endParaRPr lang="en-US" sz="2400" b="1" dirty="0">
-              <a:cs typeface="Arial" panose="020B0604020202020204" pitchFamily="34" charset="0"/>
-            </a:endParaRPr>
           </a:p>
           <a:p>
             <a:r>
@@ -8313,12 +8019,6 @@
                 <a:cs typeface="Arial" panose="020B0604020202020204" pitchFamily="34" charset="0"/>
               </a:rPr>
               <a:t>Views of Chandrasekara Swamigal</a:t>
-            </a:r>
-            <a:r>
-              <a:rPr lang="en-US" sz="2000" b="1" dirty="0">
-                <a:cs typeface="Arial" panose="020B0604020202020204" pitchFamily="34" charset="0"/>
-              </a:rPr>
-              <a:t/>
             </a:r>
             <a:br>
               <a:rPr lang="en-US" sz="2000" b="1" dirty="0">
@@ -8339,13 +8039,6 @@
   <p:clrMapOvr>
     <a:masterClrMapping/>
   </p:clrMapOvr>
-  <p:timing>
-    <p:tnLst>
-      <p:par>
-        <p:cTn id="1" dur="indefinite" restart="never" nodeType="tmRoot"/>
-      </p:par>
-    </p:tnLst>
-  </p:timing>
 </p:sld>
 </file>
 
@@ -8389,10 +8082,9 @@
           <a:lstStyle/>
           <a:p>
             <a:r>
-              <a:rPr lang="en-US" dirty="0" smtClean="0"/>
+              <a:rPr lang="en-US" dirty="0"/>
               <a:t>Intent and Misconceptions</a:t>
             </a:r>
-            <a:endParaRPr lang="en-US" dirty="0"/>
           </a:p>
         </p:txBody>
       </p:sp>
@@ -8419,7 +8111,7 @@
           <a:lstStyle/>
           <a:p>
             <a:r>
-              <a:rPr lang="en-US" sz="2400" b="1" dirty="0" smtClean="0">
+              <a:rPr lang="en-US" sz="2400" b="1" dirty="0">
                 <a:cs typeface="Arial" panose="020B0604020202020204" pitchFamily="34" charset="0"/>
               </a:rPr>
               <a:t>The essence of Veda must reach everyone</a:t>
@@ -8428,7 +8120,7 @@
           <a:p>
             <a:pPr lvl="1"/>
             <a:r>
-              <a:rPr lang="en-US" sz="2400" b="1" dirty="0" smtClean="0">
+              <a:rPr lang="en-US" sz="2400" b="1" dirty="0">
                 <a:cs typeface="Arial" panose="020B0604020202020204" pitchFamily="34" charset="0"/>
               </a:rPr>
               <a:t>Dharma, Governance, Justice and peaceful living</a:t>
@@ -8437,7 +8129,7 @@
           <a:p>
             <a:pPr lvl="1"/>
             <a:r>
-              <a:rPr lang="en-US" sz="2400" b="1" dirty="0" smtClean="0">
+              <a:rPr lang="en-US" sz="2400" b="1" dirty="0">
                 <a:cs typeface="Arial" panose="020B0604020202020204" pitchFamily="34" charset="0"/>
               </a:rPr>
               <a:t>SarvE Jana SukinO bavantu</a:t>
@@ -8445,7 +8137,7 @@
           </a:p>
           <a:p>
             <a:r>
-              <a:rPr lang="en-US" sz="2400" b="1" dirty="0" smtClean="0">
+              <a:rPr lang="en-US" sz="2400" b="1" dirty="0">
                 <a:cs typeface="Arial" panose="020B0604020202020204" pitchFamily="34" charset="0"/>
               </a:rPr>
               <a:t>Rights of Women, -- Dowry, Widow Remarriage, Sati</a:t>
@@ -8454,7 +8146,7 @@
           <a:p>
             <a:pPr lvl="1"/>
             <a:r>
-              <a:rPr lang="en-US" sz="2400" b="1" dirty="0" smtClean="0">
+              <a:rPr lang="en-US" sz="2400" b="1" dirty="0">
                 <a:cs typeface="Arial" panose="020B0604020202020204" pitchFamily="34" charset="0"/>
               </a:rPr>
               <a:t>Vested interests, Selfish motives of  few wicked</a:t>
@@ -8462,7 +8154,7 @@
           </a:p>
           <a:p>
             <a:r>
-              <a:rPr lang="en-US" sz="2400" b="1" dirty="0" smtClean="0">
+              <a:rPr lang="en-US" sz="2400" b="1" dirty="0">
                 <a:cs typeface="Arial" panose="020B0604020202020204" pitchFamily="34" charset="0"/>
               </a:rPr>
               <a:t>Application of Manu SmRuti</a:t>
@@ -8471,7 +8163,7 @@
           <a:p>
             <a:pPr lvl="1"/>
             <a:r>
-              <a:rPr lang="en-US" sz="2400" b="1" dirty="0" smtClean="0">
+              <a:rPr lang="en-US" sz="2400" b="1" dirty="0">
                 <a:cs typeface="Arial" panose="020B0604020202020204" pitchFamily="34" charset="0"/>
               </a:rPr>
               <a:t>Read it to realize what is meant</a:t>
@@ -8480,7 +8172,7 @@
           <a:p>
             <a:pPr lvl="1"/>
             <a:r>
-              <a:rPr lang="en-US" sz="2400" b="1" dirty="0" smtClean="0">
+              <a:rPr lang="en-US" sz="2400" b="1" dirty="0">
                 <a:cs typeface="Arial" panose="020B0604020202020204" pitchFamily="34" charset="0"/>
               </a:rPr>
               <a:t>Read Shri Devdutt Patnaik’s comments/articles</a:t>
@@ -8489,7 +8181,7 @@
           <a:p>
             <a:pPr lvl="1"/>
             <a:r>
-              <a:rPr lang="en-US" sz="2400" b="1" dirty="0" smtClean="0">
+              <a:rPr lang="en-US" sz="2400" b="1" dirty="0">
                 <a:cs typeface="Arial" panose="020B0604020202020204" pitchFamily="34" charset="0"/>
               </a:rPr>
               <a:t>Lot of misinterpretations or politicization</a:t>
@@ -8507,13 +8199,6 @@
   <p:clrMapOvr>
     <a:masterClrMapping/>
   </p:clrMapOvr>
-  <p:timing>
-    <p:tnLst>
-      <p:par>
-        <p:cTn id="1" dur="indefinite" restart="never" nodeType="tmRoot"/>
-      </p:par>
-    </p:tnLst>
-  </p:timing>
 </p:sld>
 </file>
 
@@ -8584,7 +8269,7 @@
           <a:lstStyle/>
           <a:p>
             <a:r>
-              <a:rPr lang="en-US" sz="2400" b="1" dirty="0" smtClean="0">
+              <a:rPr lang="en-US" sz="2400" b="1" dirty="0">
                 <a:cs typeface="Arial" panose="020B0604020202020204" pitchFamily="34" charset="0"/>
               </a:rPr>
               <a:t>No reference of Caste only VarNa in Vedas</a:t>
@@ -8593,7 +8278,7 @@
           <a:p>
             <a:pPr lvl="1"/>
             <a:r>
-              <a:rPr lang="en-US" sz="2400" b="1" dirty="0" smtClean="0">
+              <a:rPr lang="en-US" sz="2400" b="1" dirty="0">
                 <a:cs typeface="Arial" panose="020B0604020202020204" pitchFamily="34" charset="0"/>
               </a:rPr>
               <a:t>Four VarNas represented the four stages of seeking</a:t>
@@ -8602,7 +8287,7 @@
           <a:p>
             <a:pPr lvl="1"/>
             <a:r>
-              <a:rPr lang="en-US" sz="2400" b="1" dirty="0" smtClean="0">
+              <a:rPr lang="en-US" sz="2400" b="1" dirty="0">
                 <a:cs typeface="Arial" panose="020B0604020202020204" pitchFamily="34" charset="0"/>
               </a:rPr>
               <a:t>MokSha, Dharma, Artha, KAma</a:t>
@@ -8610,38 +8295,38 @@
           </a:p>
           <a:p>
             <a:r>
-              <a:rPr lang="en-US" sz="2400" b="1" dirty="0" smtClean="0"/>
+              <a:rPr lang="en-US" sz="2400" b="1" dirty="0"/>
               <a:t>A Person could change his VarNa</a:t>
             </a:r>
           </a:p>
           <a:p>
             <a:r>
-              <a:rPr lang="en-US" sz="2400" b="1" dirty="0" smtClean="0"/>
+              <a:rPr lang="en-US" sz="2400" b="1" dirty="0"/>
               <a:t>Each VarNa had their strict rules and code of Conduct</a:t>
             </a:r>
           </a:p>
           <a:p>
             <a:pPr lvl="1"/>
             <a:r>
-              <a:rPr lang="en-US" sz="2400" b="1" dirty="0" smtClean="0"/>
+              <a:rPr lang="en-US" sz="2400" b="1" dirty="0"/>
               <a:t>Righteousness of Chola King, Pandya king</a:t>
             </a:r>
           </a:p>
           <a:p>
             <a:r>
-              <a:rPr lang="en-US" sz="2400" b="1" dirty="0" smtClean="0"/>
+              <a:rPr lang="en-US" sz="2400" b="1" dirty="0"/>
               <a:t>Ability to achieve their seeking and issues of skill/attitude</a:t>
             </a:r>
           </a:p>
           <a:p>
             <a:r>
-              <a:rPr lang="en-US" sz="2400" b="1" dirty="0" smtClean="0"/>
+              <a:rPr lang="en-US" sz="2400" b="1" dirty="0"/>
               <a:t>Based on profession Caste System could have evolved</a:t>
             </a:r>
-            <a:endParaRPr lang="en-US" sz="2400" dirty="0" smtClean="0"/>
-          </a:p>
-          <a:p>
-            <a:endParaRPr lang="en-US" dirty="0" smtClean="0"/>
+            <a:endParaRPr lang="en-US" sz="2400" dirty="0"/>
+          </a:p>
+          <a:p>
+            <a:endParaRPr lang="en-US" dirty="0"/>
           </a:p>
           <a:p>
             <a:pPr lvl="1"/>
@@ -8659,13 +8344,6 @@
   <p:clrMapOvr>
     <a:masterClrMapping/>
   </p:clrMapOvr>
-  <p:timing>
-    <p:tnLst>
-      <p:par>
-        <p:cTn id="1" dur="indefinite" restart="never" nodeType="tmRoot"/>
-      </p:par>
-    </p:tnLst>
-  </p:timing>
 </p:sld>
 </file>
 
@@ -8759,17 +8437,8 @@
               <a:rPr lang="en-US" sz="2400" b="1" dirty="0">
                 <a:cs typeface="Arial" panose="020B0604020202020204" pitchFamily="34" charset="0"/>
               </a:rPr>
-              <a:t>Chandrasekara Swamigal – kulAlebhyaH karmAreBhyaSca Vo </a:t>
-            </a:r>
-            <a:r>
-              <a:rPr lang="en-US" sz="2400" b="1" dirty="0" smtClean="0">
-                <a:cs typeface="Arial" panose="020B0604020202020204" pitchFamily="34" charset="0"/>
-              </a:rPr>
-              <a:t>namaH </a:t>
-            </a:r>
-            <a:endParaRPr lang="en-US" sz="2400" b="1" dirty="0">
-              <a:cs typeface="Arial" panose="020B0604020202020204" pitchFamily="34" charset="0"/>
-            </a:endParaRPr>
+              <a:t>Chandrasekara Swamigal – kulAlebhyaH karmAreBhyaSca Vo namaH </a:t>
+            </a:r>
           </a:p>
           <a:p>
             <a:pPr lvl="1"/>
@@ -8819,13 +8488,6 @@
   <p:clrMapOvr>
     <a:masterClrMapping/>
   </p:clrMapOvr>
-  <p:timing>
-    <p:tnLst>
-      <p:par>
-        <p:cTn id="1" dur="indefinite" restart="never" nodeType="tmRoot"/>
-      </p:par>
-    </p:tnLst>
-  </p:timing>
 </p:sld>
 </file>
 
@@ -8869,10 +8531,9 @@
           <a:lstStyle/>
           <a:p>
             <a:r>
-              <a:rPr lang="en-US" dirty="0" smtClean="0"/>
+              <a:rPr lang="en-US" dirty="0"/>
               <a:t>Protection through Type of studies</a:t>
             </a:r>
-            <a:endParaRPr lang="en-US" dirty="0"/>
           </a:p>
         </p:txBody>
       </p:sp>
@@ -8899,7 +8560,7 @@
           <a:lstStyle/>
           <a:p>
             <a:r>
-              <a:rPr lang="en-US" sz="2400" b="1" dirty="0" smtClean="0">
+              <a:rPr lang="en-US" sz="2400" b="1" dirty="0">
                 <a:cs typeface="Arial" panose="020B0604020202020204" pitchFamily="34" charset="0"/>
               </a:rPr>
               <a:t>SamhitA VAkyam</a:t>
@@ -8907,7 +8568,7 @@
           </a:p>
           <a:p>
             <a:r>
-              <a:rPr lang="en-US" sz="2400" b="1" dirty="0" smtClean="0">
+              <a:rPr lang="en-US" sz="2400" b="1" dirty="0">
                 <a:cs typeface="Arial" panose="020B0604020202020204" pitchFamily="34" charset="0"/>
               </a:rPr>
               <a:t>Pada PAtam</a:t>
@@ -8915,7 +8576,7 @@
           </a:p>
           <a:p>
             <a:r>
-              <a:rPr lang="en-US" sz="2400" b="1" dirty="0" smtClean="0">
+              <a:rPr lang="en-US" sz="2400" b="1" dirty="0">
                 <a:cs typeface="Arial" panose="020B0604020202020204" pitchFamily="34" charset="0"/>
               </a:rPr>
               <a:t>Krama PAtam</a:t>
@@ -8923,7 +8584,7 @@
           </a:p>
           <a:p>
             <a:r>
-              <a:rPr lang="en-US" sz="2400" b="1" dirty="0" smtClean="0">
+              <a:rPr lang="en-US" sz="2400" b="1" dirty="0">
                 <a:cs typeface="Arial" panose="020B0604020202020204" pitchFamily="34" charset="0"/>
               </a:rPr>
               <a:t>Jata PAtam</a:t>
@@ -8931,7 +8592,7 @@
           </a:p>
           <a:p>
             <a:r>
-              <a:rPr lang="en-US" sz="2400" b="1" dirty="0" smtClean="0">
+              <a:rPr lang="en-US" sz="2400" b="1" dirty="0">
                 <a:cs typeface="Arial" panose="020B0604020202020204" pitchFamily="34" charset="0"/>
               </a:rPr>
               <a:t>Ghana PAtam</a:t>
@@ -8939,7 +8600,7 @@
           </a:p>
           <a:p>
             <a:r>
-              <a:rPr lang="en-US" sz="2400" b="1" dirty="0" smtClean="0">
+              <a:rPr lang="en-US" sz="2400" b="1" dirty="0">
                 <a:cs typeface="Arial" panose="020B0604020202020204" pitchFamily="34" charset="0"/>
               </a:rPr>
               <a:t>There is no Pada PAtam for BrAhmaNam and Aranyam (together  called as SAkhA by Vedic Pandits)</a:t>
@@ -8947,7 +8608,7 @@
           </a:p>
           <a:p>
             <a:r>
-              <a:rPr lang="en-US" sz="2400" b="1" dirty="0" smtClean="0">
+              <a:rPr lang="en-US" sz="2400" b="1" dirty="0">
                 <a:cs typeface="Arial" panose="020B0604020202020204" pitchFamily="34" charset="0"/>
               </a:rPr>
               <a:t>Special study of Padam as varNa Kramam</a:t>
@@ -8955,14 +8616,11 @@
           </a:p>
           <a:p>
             <a:r>
-              <a:rPr lang="en-US" sz="2400" b="1" dirty="0" smtClean="0">
+              <a:rPr lang="en-US" sz="2400" b="1" dirty="0">
                 <a:cs typeface="Arial" panose="020B0604020202020204" pitchFamily="34" charset="0"/>
               </a:rPr>
               <a:t>SamhitA, Pada and Krama pAtAs are natural (prakRuti)</a:t>
             </a:r>
-            <a:endParaRPr lang="en-US" sz="2400" b="1" dirty="0">
-              <a:cs typeface="Arial" panose="020B0604020202020204" pitchFamily="34" charset="0"/>
-            </a:endParaRPr>
           </a:p>
         </p:txBody>
       </p:sp>
@@ -8976,13 +8634,6 @@
   <p:clrMapOvr>
     <a:masterClrMapping/>
   </p:clrMapOvr>
-  <p:timing>
-    <p:tnLst>
-      <p:par>
-        <p:cTn id="1" dur="indefinite" restart="never" nodeType="tmRoot"/>
-      </p:par>
-    </p:tnLst>
-  </p:timing>
 </p:sld>
 </file>
 
@@ -9075,16 +8726,18 @@
                 </a:solidFill>
                 <a:cs typeface="Arial" panose="020B0604020202020204" pitchFamily="34" charset="0"/>
               </a:rPr>
-              <a:t>Since it is sung or recited, all mantras and components of traditional knowledge passed on through recital are called Sruti</a:t>
-            </a:r>
-            <a:r>
-              <a:rPr lang="en-US" sz="2400" b="1" dirty="0" smtClean="0">
+              <a:t>Since it is sung or recited, all mantras and components of traditional knowledge passed on through recital are called Sruti.</a:t>
+            </a:r>
+          </a:p>
+          <a:p>
+            <a:r>
+              <a:rPr lang="en-US" sz="2400" b="1" dirty="0">
                 <a:solidFill>
                   <a:schemeClr val="bg1"/>
                 </a:solidFill>
                 <a:cs typeface="Arial" panose="020B0604020202020204" pitchFamily="34" charset="0"/>
               </a:rPr>
-              <a:t>.</a:t>
+              <a:t>The Component of traditional knowledge that is written is called SmRuti. example Epics, Puranas, Sastras, </a:t>
             </a:r>
           </a:p>
           <a:p>
@@ -9095,43 +8748,20 @@
                 </a:solidFill>
                 <a:cs typeface="Arial" panose="020B0604020202020204" pitchFamily="34" charset="0"/>
               </a:rPr>
-              <a:t>The Component of traditional knowledge that is written is called SmRuti. example Epics, Puranas, Sastras, </a:t>
-            </a:r>
-            <a:endParaRPr lang="en-US" sz="2400" b="1" dirty="0" smtClean="0">
-              <a:solidFill>
-                <a:schemeClr val="bg1"/>
-              </a:solidFill>
-              <a:cs typeface="Arial" panose="020B0604020202020204" pitchFamily="34" charset="0"/>
-            </a:endParaRPr>
-          </a:p>
-          <a:p>
-            <a:r>
-              <a:rPr lang="en-US" sz="2400" b="1" dirty="0" smtClean="0">
+              <a:t>Sruti and SmRuti are two tusks of wisdom </a:t>
+            </a:r>
+          </a:p>
+          <a:p>
+            <a:pPr lvl="1"/>
+            <a:r>
+              <a:rPr lang="en-US" sz="2200" b="1" dirty="0">
                 <a:solidFill>
                   <a:schemeClr val="bg1"/>
                 </a:solidFill>
                 <a:cs typeface="Arial" panose="020B0604020202020204" pitchFamily="34" charset="0"/>
               </a:rPr>
-              <a:t>Sruti and SmRuti are two tusks of wisdom </a:t>
-            </a:r>
-          </a:p>
-          <a:p>
-            <a:pPr lvl="1"/>
-            <a:r>
-              <a:rPr lang="en-US" sz="2200" b="1" dirty="0" smtClean="0">
-                <a:solidFill>
-                  <a:schemeClr val="bg1"/>
-                </a:solidFill>
-                <a:cs typeface="Arial" panose="020B0604020202020204" pitchFamily="34" charset="0"/>
-              </a:rPr>
               <a:t>A distinguished school’s perspective</a:t>
             </a:r>
-            <a:endParaRPr lang="en-US" sz="2200" b="1" dirty="0">
-              <a:solidFill>
-                <a:schemeClr val="bg1"/>
-              </a:solidFill>
-              <a:cs typeface="Arial" panose="020B0604020202020204" pitchFamily="34" charset="0"/>
-            </a:endParaRPr>
           </a:p>
           <a:p>
             <a:endParaRPr lang="en-GB" b="1" dirty="0">
@@ -9154,13 +8784,6 @@
   <p:clrMapOvr>
     <a:masterClrMapping/>
   </p:clrMapOvr>
-  <p:timing>
-    <p:tnLst>
-      <p:par>
-        <p:cTn id="1" dur="indefinite" restart="never" nodeType="tmRoot"/>
-      </p:par>
-    </p:tnLst>
-  </p:timing>
 </p:sld>
 </file>
 
@@ -9203,13 +8826,8 @@
           <a:p>
             <a:r>
               <a:rPr lang="en-US" dirty="0"/>
-              <a:t>Type of </a:t>
-            </a:r>
-            <a:r>
-              <a:rPr lang="en-US" dirty="0" smtClean="0"/>
-              <a:t>sTudies in Other Vedas</a:t>
-            </a:r>
-            <a:endParaRPr lang="en-US" dirty="0"/>
+              <a:t>Type of sTudies in Other Vedas</a:t>
+            </a:r>
           </a:p>
         </p:txBody>
       </p:sp>
@@ -9237,50 +8855,38 @@
           <a:p>
             <a:pPr lvl="0"/>
             <a:r>
-              <a:rPr lang="en-US" sz="2400" b="1" dirty="0" smtClean="0">
+              <a:rPr lang="en-US" sz="2400" b="1" dirty="0">
                 <a:cs typeface="Arial" panose="020B0604020202020204" pitchFamily="34" charset="0"/>
               </a:rPr>
               <a:t>MALA PAtam</a:t>
             </a:r>
-            <a:endParaRPr lang="en-US" sz="2400" b="1" dirty="0">
-              <a:cs typeface="Arial" panose="020B0604020202020204" pitchFamily="34" charset="0"/>
-            </a:endParaRPr>
           </a:p>
           <a:p>
             <a:pPr lvl="0"/>
             <a:r>
-              <a:rPr lang="en-US" sz="2400" b="1" dirty="0" smtClean="0">
+              <a:rPr lang="en-US" sz="2400" b="1" dirty="0">
                 <a:cs typeface="Arial" panose="020B0604020202020204" pitchFamily="34" charset="0"/>
               </a:rPr>
               <a:t>ShikA PAtam</a:t>
             </a:r>
-            <a:endParaRPr lang="en-US" sz="2400" b="1" dirty="0">
-              <a:cs typeface="Arial" panose="020B0604020202020204" pitchFamily="34" charset="0"/>
-            </a:endParaRPr>
           </a:p>
           <a:p>
             <a:pPr lvl="0"/>
             <a:r>
-              <a:rPr lang="en-US" sz="2400" b="1" dirty="0" smtClean="0">
+              <a:rPr lang="en-US" sz="2400" b="1" dirty="0">
                 <a:cs typeface="Arial" panose="020B0604020202020204" pitchFamily="34" charset="0"/>
               </a:rPr>
               <a:t>DhantA PAtam</a:t>
             </a:r>
-            <a:endParaRPr lang="en-US" sz="2400" b="1" dirty="0">
-              <a:cs typeface="Arial" panose="020B0604020202020204" pitchFamily="34" charset="0"/>
-            </a:endParaRPr>
           </a:p>
           <a:p>
             <a:pPr lvl="0"/>
             <a:r>
-              <a:rPr lang="en-US" sz="2400" b="1" dirty="0" smtClean="0">
+              <a:rPr lang="en-US" sz="2400" b="1" dirty="0">
                 <a:cs typeface="Arial" panose="020B0604020202020204" pitchFamily="34" charset="0"/>
               </a:rPr>
               <a:t>DwajA PAtam</a:t>
             </a:r>
-            <a:endParaRPr lang="en-US" sz="2400" b="1" dirty="0">
-              <a:cs typeface="Arial" panose="020B0604020202020204" pitchFamily="34" charset="0"/>
-            </a:endParaRPr>
           </a:p>
           <a:p>
             <a:pPr lvl="0"/>
@@ -9288,22 +8894,13 @@
               <a:rPr lang="en-US" sz="2400" b="1" dirty="0">
                 <a:cs typeface="Arial" panose="020B0604020202020204" pitchFamily="34" charset="0"/>
               </a:rPr>
-              <a:t>Ratha </a:t>
-            </a:r>
-            <a:r>
-              <a:rPr lang="en-US" sz="2400" b="1" dirty="0" smtClean="0">
-                <a:cs typeface="Arial" panose="020B0604020202020204" pitchFamily="34" charset="0"/>
-              </a:rPr>
-              <a:t>PAtam</a:t>
-            </a:r>
-            <a:endParaRPr lang="en-US" sz="2400" b="1" dirty="0">
-              <a:cs typeface="Arial" panose="020B0604020202020204" pitchFamily="34" charset="0"/>
-            </a:endParaRPr>
+              <a:t>Ratha PAtam</a:t>
+            </a:r>
           </a:p>
           <a:p>
             <a:pPr lvl="0"/>
             <a:r>
-              <a:rPr lang="en-US" sz="2400" b="1" dirty="0" smtClean="0">
+              <a:rPr lang="en-US" sz="2400" b="1" dirty="0">
                 <a:cs typeface="Arial" panose="020B0604020202020204" pitchFamily="34" charset="0"/>
               </a:rPr>
               <a:t>RekhA PAtam</a:t>
@@ -9312,7 +8909,7 @@
           <a:p>
             <a:pPr lvl="1"/>
             <a:r>
-              <a:rPr lang="en-US" sz="2400" b="1" dirty="0" smtClean="0">
+              <a:rPr lang="en-US" sz="2400" b="1" dirty="0">
                 <a:cs typeface="Arial" panose="020B0604020202020204" pitchFamily="34" charset="0"/>
               </a:rPr>
               <a:t>Each of them have distinct combination of combining Padam or Words</a:t>
@@ -9320,10 +8917,9 @@
           </a:p>
           <a:p>
             <a:r>
-              <a:rPr lang="en-US" sz="2400" b="1" dirty="0" smtClean="0"/>
+              <a:rPr lang="en-US" sz="2400" b="1" dirty="0"/>
               <a:t>Block Chain is not a new concept – invented by our Rishis</a:t>
             </a:r>
-            <a:endParaRPr lang="en-US" sz="2400" b="1" dirty="0"/>
           </a:p>
           <a:p>
             <a:pPr marL="0" indent="0">
@@ -9343,13 +8939,6 @@
   <p:clrMapOvr>
     <a:masterClrMapping/>
   </p:clrMapOvr>
-  <p:timing>
-    <p:tnLst>
-      <p:par>
-        <p:cTn id="1" dur="indefinite" restart="never" nodeType="tmRoot"/>
-      </p:par>
-    </p:tnLst>
-  </p:timing>
 </p:sld>
 </file>
 
@@ -9393,10 +8982,9 @@
           <a:lstStyle/>
           <a:p>
             <a:r>
-              <a:rPr lang="en-US" dirty="0" smtClean="0"/>
+              <a:rPr lang="en-US" dirty="0"/>
               <a:t>Approach to Learning</a:t>
             </a:r>
-            <a:endParaRPr lang="en-US" dirty="0"/>
           </a:p>
         </p:txBody>
       </p:sp>
@@ -9423,7 +9011,7 @@
           <a:lstStyle/>
           <a:p>
             <a:r>
-              <a:rPr lang="en-US" sz="2400" b="1" dirty="0" smtClean="0">
+              <a:rPr lang="en-US" sz="2400" b="1" dirty="0">
                 <a:cs typeface="Arial" panose="020B0604020202020204" pitchFamily="34" charset="0"/>
               </a:rPr>
               <a:t>My siddha Guru’s advice</a:t>
@@ -9432,7 +9020,7 @@
           <a:p>
             <a:pPr lvl="1"/>
             <a:r>
-              <a:rPr lang="en-US" sz="2200" b="1" dirty="0" smtClean="0">
+              <a:rPr lang="en-US" sz="2200" b="1" dirty="0">
                 <a:cs typeface="Arial" panose="020B0604020202020204" pitchFamily="34" charset="0"/>
               </a:rPr>
               <a:t>To understand Gita you must understand “Arjuna”</a:t>
@@ -9440,7 +9028,7 @@
           </a:p>
           <a:p>
             <a:r>
-              <a:rPr lang="en-US" sz="2400" b="1" dirty="0" smtClean="0">
+              <a:rPr lang="en-US" sz="2400" b="1" dirty="0">
                 <a:cs typeface="Arial" panose="020B0604020202020204" pitchFamily="34" charset="0"/>
               </a:rPr>
               <a:t>One tends to stop with recital only</a:t>
@@ -9449,7 +9037,7 @@
           <a:p>
             <a:pPr lvl="1"/>
             <a:r>
-              <a:rPr lang="en-US" sz="2200" b="1" dirty="0" smtClean="0">
+              <a:rPr lang="en-US" sz="2200" b="1" dirty="0">
                 <a:cs typeface="Arial" panose="020B0604020202020204" pitchFamily="34" charset="0"/>
               </a:rPr>
               <a:t>Normal bandwagon syndrome</a:t>
@@ -9457,7 +9045,7 @@
           </a:p>
           <a:p>
             <a:r>
-              <a:rPr lang="en-US" sz="2400" b="1" dirty="0" smtClean="0">
+              <a:rPr lang="en-US" sz="2400" b="1" dirty="0">
                 <a:cs typeface="Arial" panose="020B0604020202020204" pitchFamily="34" charset="0"/>
               </a:rPr>
               <a:t>Must get into depths with your own intelligence, intuition</a:t>
@@ -9466,7 +9054,7 @@
           <a:p>
             <a:pPr lvl="1"/>
             <a:r>
-              <a:rPr lang="en-US" sz="2200" b="1" dirty="0" smtClean="0">
+              <a:rPr lang="en-US" sz="2200" b="1" dirty="0">
                 <a:cs typeface="Arial" panose="020B0604020202020204" pitchFamily="34" charset="0"/>
               </a:rPr>
               <a:t>Get into meaning, basics </a:t>
@@ -9475,7 +9063,7 @@
           <a:p>
             <a:pPr lvl="1"/>
             <a:r>
-              <a:rPr lang="en-US" sz="2200" b="1" dirty="0" smtClean="0">
+              <a:rPr lang="en-US" sz="2200" b="1" dirty="0">
                 <a:cs typeface="Arial" panose="020B0604020202020204" pitchFamily="34" charset="0"/>
               </a:rPr>
               <a:t>Keep expanding your knowledge</a:t>
@@ -9483,7 +9071,7 @@
           </a:p>
           <a:p>
             <a:r>
-              <a:rPr lang="en-US" sz="2400" b="1" dirty="0" smtClean="0">
+              <a:rPr lang="en-US" sz="2400" b="1" dirty="0">
                 <a:cs typeface="Arial" panose="020B0604020202020204" pitchFamily="34" charset="0"/>
               </a:rPr>
               <a:t>Learning example of King Janaka</a:t>
@@ -9501,13 +9089,6 @@
   <p:clrMapOvr>
     <a:masterClrMapping/>
   </p:clrMapOvr>
-  <p:timing>
-    <p:tnLst>
-      <p:par>
-        <p:cTn id="1" dur="indefinite" restart="never" nodeType="tmRoot"/>
-      </p:par>
-    </p:tnLst>
-  </p:timing>
 </p:sld>
 </file>
 
@@ -9551,10 +9132,9 @@
           <a:lstStyle/>
           <a:p>
             <a:r>
-              <a:rPr lang="en-US" dirty="0" smtClean="0"/>
+              <a:rPr lang="en-US" dirty="0"/>
               <a:t>Method of Learning</a:t>
             </a:r>
-            <a:endParaRPr lang="en-US" dirty="0"/>
           </a:p>
         </p:txBody>
       </p:sp>
@@ -9581,7 +9161,7 @@
           <a:lstStyle/>
           <a:p>
             <a:r>
-              <a:rPr lang="en-US" sz="2400" b="1" dirty="0" smtClean="0">
+              <a:rPr lang="en-US" sz="2400" b="1" dirty="0">
                 <a:cs typeface="Arial" panose="020B0604020202020204" pitchFamily="34" charset="0"/>
               </a:rPr>
               <a:t>Through a Qualified Guru only</a:t>
@@ -9590,7 +9170,7 @@
           <a:p>
             <a:pPr lvl="1"/>
             <a:r>
-              <a:rPr lang="en-US" sz="2200" b="1" dirty="0" smtClean="0">
+              <a:rPr lang="en-US" sz="2200" b="1" dirty="0">
                 <a:cs typeface="Arial" panose="020B0604020202020204" pitchFamily="34" charset="0"/>
               </a:rPr>
               <a:t>Done studies in traditional paatashaala</a:t>
@@ -9599,7 +9179,7 @@
           <a:p>
             <a:pPr lvl="1"/>
             <a:r>
-              <a:rPr lang="en-US" sz="2200" b="1" dirty="0" smtClean="0">
+              <a:rPr lang="en-US" sz="2200" b="1" dirty="0">
                 <a:cs typeface="Arial" panose="020B0604020202020204" pitchFamily="34" charset="0"/>
               </a:rPr>
               <a:t>Learned and practiced from a Guru for long period</a:t>
@@ -9607,7 +9187,7 @@
           </a:p>
           <a:p>
             <a:r>
-              <a:rPr lang="en-US" sz="2400" b="1" dirty="0" smtClean="0">
+              <a:rPr lang="en-US" sz="2400" b="1" dirty="0">
                 <a:cs typeface="Arial" panose="020B0604020202020204" pitchFamily="34" charset="0"/>
               </a:rPr>
               <a:t>Preferred in Sanskrit and Grantha lipi</a:t>
@@ -9616,7 +9196,7 @@
           <a:p>
             <a:pPr lvl="1"/>
             <a:r>
-              <a:rPr lang="en-US" sz="2400" b="1" dirty="0" smtClean="0">
+              <a:rPr lang="en-US" sz="2400" b="1" dirty="0">
                 <a:cs typeface="Arial" panose="020B0604020202020204" pitchFamily="34" charset="0"/>
               </a:rPr>
               <a:t>Show sample of Grantha book</a:t>
@@ -9624,7 +9204,7 @@
           </a:p>
           <a:p>
             <a:r>
-              <a:rPr lang="en-US" sz="2400" b="1" dirty="0" smtClean="0">
+              <a:rPr lang="en-US" sz="2400" b="1" dirty="0">
                 <a:cs typeface="Arial" panose="020B0604020202020204" pitchFamily="34" charset="0"/>
               </a:rPr>
               <a:t>Ancient times all these were through structured learning without books</a:t>
@@ -9635,21 +9215,12 @@
               <a:rPr lang="en-US" sz="2400" b="1" dirty="0">
                 <a:cs typeface="Arial" panose="020B0604020202020204" pitchFamily="34" charset="0"/>
               </a:rPr>
-              <a:t>Books be Used only for memorizing and clearing </a:t>
-            </a:r>
-            <a:r>
-              <a:rPr lang="en-US" sz="2400" b="1" dirty="0" smtClean="0">
-                <a:cs typeface="Arial" panose="020B0604020202020204" pitchFamily="34" charset="0"/>
-              </a:rPr>
-              <a:t>doubts nowadays</a:t>
-            </a:r>
-            <a:endParaRPr lang="en-US" sz="2400" b="1" dirty="0">
-              <a:cs typeface="Arial" panose="020B0604020202020204" pitchFamily="34" charset="0"/>
-            </a:endParaRPr>
-          </a:p>
-          <a:p>
-            <a:r>
-              <a:rPr lang="en-US" sz="2400" b="1" dirty="0" smtClean="0">
+              <a:t>Books be Used only for memorizing and clearing doubts nowadays</a:t>
+            </a:r>
+          </a:p>
+          <a:p>
+            <a:r>
+              <a:rPr lang="en-US" sz="2400" b="1" dirty="0">
                 <a:cs typeface="Arial" panose="020B0604020202020204" pitchFamily="34" charset="0"/>
               </a:rPr>
               <a:t>Arguments in favour and against books</a:t>
@@ -9658,7 +9229,7 @@
           <a:p>
             <a:pPr lvl="1"/>
             <a:r>
-              <a:rPr lang="en-US" sz="2200" b="1" dirty="0" smtClean="0">
+              <a:rPr lang="en-US" sz="2200" b="1" dirty="0">
                 <a:cs typeface="Arial" panose="020B0604020202020204" pitchFamily="34" charset="0"/>
               </a:rPr>
               <a:t>Books printed in Sanskrit/Grantha lipi long time ago</a:t>
@@ -9676,13 +9247,6 @@
   <p:clrMapOvr>
     <a:masterClrMapping/>
   </p:clrMapOvr>
-  <p:timing>
-    <p:tnLst>
-      <p:par>
-        <p:cTn id="1" dur="indefinite" restart="never" nodeType="tmRoot"/>
-      </p:par>
-    </p:tnLst>
-  </p:timing>
 </p:sld>
 </file>
 
@@ -9724,10 +9288,9 @@
           <a:lstStyle/>
           <a:p>
             <a:r>
-              <a:rPr lang="en-US" dirty="0" smtClean="0"/>
+              <a:rPr lang="en-US" dirty="0"/>
               <a:t>Method of Learning</a:t>
             </a:r>
-            <a:endParaRPr lang="en-US" dirty="0"/>
           </a:p>
         </p:txBody>
       </p:sp>
@@ -9755,54 +9318,30 @@
               <a:rPr lang="en-US" sz="2400" b="1" dirty="0">
                 <a:cs typeface="Arial" panose="020B0604020202020204" pitchFamily="34" charset="0"/>
               </a:rPr>
-              <a:t>Books </a:t>
-            </a:r>
-            <a:r>
-              <a:rPr lang="en-US" sz="2400" b="1" dirty="0" smtClean="0">
-                <a:cs typeface="Arial" panose="020B0604020202020204" pitchFamily="34" charset="0"/>
-              </a:rPr>
-              <a:t>types recommended by Jagat Guru</a:t>
-            </a:r>
-            <a:endParaRPr lang="en-US" sz="2400" b="1" dirty="0">
-              <a:cs typeface="Arial" panose="020B0604020202020204" pitchFamily="34" charset="0"/>
-            </a:endParaRPr>
-          </a:p>
-          <a:p>
-            <a:pPr lvl="1"/>
-            <a:r>
-              <a:rPr lang="en-US" sz="2400" b="1" dirty="0">
-                <a:cs typeface="Arial" panose="020B0604020202020204" pitchFamily="34" charset="0"/>
-              </a:rPr>
-              <a:t>Classical </a:t>
-            </a:r>
-            <a:r>
-              <a:rPr lang="en-US" sz="2400" b="1" dirty="0" smtClean="0">
-                <a:cs typeface="Arial" panose="020B0604020202020204" pitchFamily="34" charset="0"/>
-              </a:rPr>
-              <a:t>Books – for traditional learning</a:t>
-            </a:r>
-            <a:endParaRPr lang="en-US" sz="2400" b="1" dirty="0">
-              <a:cs typeface="Arial" panose="020B0604020202020204" pitchFamily="34" charset="0"/>
-            </a:endParaRPr>
-          </a:p>
-          <a:p>
-            <a:pPr lvl="1"/>
-            <a:r>
-              <a:rPr lang="en-US" sz="2400" b="1" dirty="0">
-                <a:cs typeface="Arial" panose="020B0604020202020204" pitchFamily="34" charset="0"/>
-              </a:rPr>
-              <a:t>Popular </a:t>
-            </a:r>
-            <a:r>
-              <a:rPr lang="en-US" sz="2400" b="1" dirty="0" smtClean="0">
-                <a:cs typeface="Arial" panose="020B0604020202020204" pitchFamily="34" charset="0"/>
-              </a:rPr>
-              <a:t>Books – for householders</a:t>
-            </a:r>
-          </a:p>
-          <a:p>
-            <a:r>
-              <a:rPr lang="en-US" sz="2400" b="1" dirty="0" smtClean="0">
+              <a:t>Books types recommended by Jagat Guru</a:t>
+            </a:r>
+          </a:p>
+          <a:p>
+            <a:pPr lvl="1"/>
+            <a:r>
+              <a:rPr lang="en-US" sz="2400" b="1" dirty="0">
+                <a:cs typeface="Arial" panose="020B0604020202020204" pitchFamily="34" charset="0"/>
+              </a:rPr>
+              <a:t>Classical Books – for traditional learning</a:t>
+            </a:r>
+          </a:p>
+          <a:p>
+            <a:pPr lvl="1"/>
+            <a:r>
+              <a:rPr lang="en-US" sz="2400" b="1" dirty="0">
+                <a:cs typeface="Arial" panose="020B0604020202020204" pitchFamily="34" charset="0"/>
+              </a:rPr>
+              <a:t>Popular Books – for householders</a:t>
+            </a:r>
+          </a:p>
+          <a:p>
+            <a:r>
+              <a:rPr lang="en-US" sz="2400" b="1" dirty="0">
                 <a:cs typeface="Arial" panose="020B0604020202020204" pitchFamily="34" charset="0"/>
               </a:rPr>
               <a:t>Books never replace Gurus</a:t>
@@ -9811,7 +9350,7 @@
           <a:p>
             <a:pPr lvl="1"/>
             <a:r>
-              <a:rPr lang="en-US" sz="2400" b="1" dirty="0" smtClean="0">
+              <a:rPr lang="en-US" sz="2400" b="1" dirty="0">
                 <a:cs typeface="Arial" panose="020B0604020202020204" pitchFamily="34" charset="0"/>
               </a:rPr>
               <a:t>Modern times audio/video material is very helpful</a:t>
@@ -9820,14 +9359,11 @@
           <a:p>
             <a:pPr lvl="1"/>
             <a:r>
-              <a:rPr lang="en-US" sz="2400" b="1" dirty="0" smtClean="0">
+              <a:rPr lang="en-US" sz="2400" b="1" dirty="0">
                 <a:cs typeface="Arial" panose="020B0604020202020204" pitchFamily="34" charset="0"/>
               </a:rPr>
               <a:t>But beware of pAta bhedam / paddhati differences</a:t>
             </a:r>
-            <a:endParaRPr lang="en-US" sz="2400" b="1" dirty="0">
-              <a:cs typeface="Arial" panose="020B0604020202020204" pitchFamily="34" charset="0"/>
-            </a:endParaRPr>
           </a:p>
           <a:p>
             <a:r>
@@ -9844,9 +9380,6 @@
               </a:rPr>
               <a:t>Books in Western Languages use Latin Coding </a:t>
             </a:r>
-            <a:endParaRPr lang="en-US" sz="2400" b="1" dirty="0" smtClean="0">
-              <a:cs typeface="Arial" panose="020B0604020202020204" pitchFamily="34" charset="0"/>
-            </a:endParaRPr>
           </a:p>
           <a:p>
             <a:pPr lvl="1"/>
@@ -9889,13 +9422,6 @@
   <p:clrMapOvr>
     <a:masterClrMapping/>
   </p:clrMapOvr>
-  <p:timing>
-    <p:tnLst>
-      <p:par>
-        <p:cTn id="1" dur="indefinite" restart="never" nodeType="tmRoot"/>
-      </p:par>
-    </p:tnLst>
-  </p:timing>
 </p:sld>
 </file>
 
@@ -9939,10 +9465,9 @@
           <a:lstStyle/>
           <a:p>
             <a:r>
-              <a:rPr lang="en-US" dirty="0" smtClean="0"/>
+              <a:rPr lang="en-US" dirty="0"/>
               <a:t>Books Available/References</a:t>
             </a:r>
-            <a:endParaRPr lang="en-US" dirty="0"/>
           </a:p>
         </p:txBody>
       </p:sp>
@@ -9969,18 +9494,18 @@
           <a:lstStyle/>
           <a:p>
             <a:r>
-              <a:rPr lang="en-US" sz="2400" b="1" dirty="0" smtClean="0">
+              <a:rPr lang="en-US" sz="2400" b="1" dirty="0">
                 <a:cs typeface="Arial" panose="020B0604020202020204" pitchFamily="34" charset="0"/>
               </a:rPr>
               <a:t>Tamil Translations available by Great Scholar </a:t>
             </a:r>
             <a:br>
-              <a:rPr lang="en-US" sz="2400" b="1" dirty="0" smtClean="0">
+              <a:rPr lang="en-US" sz="2400" b="1" dirty="0">
                 <a:cs typeface="Arial" panose="020B0604020202020204" pitchFamily="34" charset="0"/>
               </a:rPr>
             </a:br>
             <a:r>
-              <a:rPr lang="en-US" sz="2400" b="1" dirty="0" smtClean="0">
+              <a:rPr lang="en-US" sz="2400" b="1" dirty="0">
                 <a:cs typeface="Arial" panose="020B0604020202020204" pitchFamily="34" charset="0"/>
               </a:rPr>
               <a:t>Anna Subramania Iyer – Ramakrishna Mutt</a:t>
@@ -9988,7 +9513,7 @@
           </a:p>
           <a:p>
             <a:r>
-              <a:rPr lang="en-US" sz="2400" b="1" dirty="0" smtClean="0">
+              <a:rPr lang="en-US" sz="2400" b="1" dirty="0">
                 <a:cs typeface="Arial" panose="020B0604020202020204" pitchFamily="34" charset="0"/>
               </a:rPr>
               <a:t>A tamil Book brought by Your Family Friend (Show title)</a:t>
@@ -9997,7 +9522,7 @@
           <a:p>
             <a:pPr lvl="1"/>
             <a:r>
-              <a:rPr lang="en-US" sz="2400" b="1" dirty="0" smtClean="0">
+              <a:rPr lang="en-US" sz="2400" b="1" dirty="0">
                 <a:cs typeface="Arial" panose="020B0604020202020204" pitchFamily="34" charset="0"/>
               </a:rPr>
               <a:t>They have Vedic CD/DVD collection </a:t>
@@ -10005,7 +9530,7 @@
           </a:p>
           <a:p>
             <a:r>
-              <a:rPr lang="en-US" sz="2400" b="1" dirty="0" smtClean="0">
+              <a:rPr lang="en-US" sz="2400" b="1" dirty="0">
                 <a:cs typeface="Arial" panose="020B0604020202020204" pitchFamily="34" charset="0"/>
               </a:rPr>
               <a:t>Shri Jambunathan’s translation of SamhitA </a:t>
@@ -10013,7 +9538,7 @@
           </a:p>
           <a:p>
             <a:r>
-              <a:rPr lang="en-US" sz="2400" b="1" dirty="0" smtClean="0">
+              <a:rPr lang="en-US" sz="2400" b="1" dirty="0">
                 <a:cs typeface="Arial" panose="020B0604020202020204" pitchFamily="34" charset="0"/>
               </a:rPr>
               <a:t>Shri PR Ramachandar has given good meaningful English translations	</a:t>
@@ -10022,7 +9547,7 @@
           <a:p>
             <a:pPr lvl="1"/>
             <a:r>
-              <a:rPr lang="en-US" sz="2400" b="1" dirty="0" smtClean="0">
+              <a:rPr lang="en-US" sz="2400" b="1" dirty="0">
                 <a:cs typeface="Arial" panose="020B0604020202020204" pitchFamily="34" charset="0"/>
               </a:rPr>
               <a:t>Available .. search the internet</a:t>
@@ -10030,7 +9555,7 @@
           </a:p>
           <a:p>
             <a:r>
-              <a:rPr lang="en-US" sz="2400" b="1" dirty="0" smtClean="0">
+              <a:rPr lang="en-US" sz="2400" b="1" dirty="0">
                 <a:cs typeface="Arial" panose="020B0604020202020204" pitchFamily="34" charset="0"/>
               </a:rPr>
               <a:t>Books by Scholar Shri R.L.Kashyap in English</a:t>
@@ -10038,7 +9563,7 @@
           </a:p>
           <a:p>
             <a:r>
-              <a:rPr lang="en-US" sz="2400" b="1" dirty="0" smtClean="0">
+              <a:rPr lang="en-US" sz="2400" b="1" dirty="0">
                 <a:cs typeface="Arial" panose="020B0604020202020204" pitchFamily="34" charset="0"/>
               </a:rPr>
               <a:t>Lot of Translations available on the Internet  (check)</a:t>
@@ -10056,13 +9581,6 @@
   <p:clrMapOvr>
     <a:masterClrMapping/>
   </p:clrMapOvr>
-  <p:timing>
-    <p:tnLst>
-      <p:par>
-        <p:cTn id="1" dur="indefinite" restart="never" nodeType="tmRoot"/>
-      </p:par>
-    </p:tnLst>
-  </p:timing>
 </p:sld>
 </file>
 
@@ -10142,18 +9660,11 @@
           </a:p>
           <a:p>
             <a:r>
-              <a:rPr lang="en-US" b="1" dirty="0" smtClean="0">
-                <a:latin typeface="Arial" panose="020B0604020202020204" pitchFamily="34" charset="0"/>
-                <a:cs typeface="Arial" panose="020B0604020202020204" pitchFamily="34" charset="0"/>
-              </a:rPr>
-              <a:t>Lot </a:t>
-            </a:r>
-            <a:r>
               <a:rPr lang="en-US" b="1" dirty="0">
                 <a:latin typeface="Arial" panose="020B0604020202020204" pitchFamily="34" charset="0"/>
                 <a:cs typeface="Arial" panose="020B0604020202020204" pitchFamily="34" charset="0"/>
               </a:rPr>
-              <a:t>of Sanskrit material available in the Archives</a:t>
+              <a:t>Lot of Sanskrit material available in the Archives</a:t>
             </a:r>
           </a:p>
           <a:p>
@@ -10162,51 +9673,30 @@
                 <a:latin typeface="Arial" panose="020B0604020202020204" pitchFamily="34" charset="0"/>
                 <a:cs typeface="Arial" panose="020B0604020202020204" pitchFamily="34" charset="0"/>
               </a:rPr>
-              <a:t>Refer to https</a:t>
-            </a:r>
-            <a:r>
-              <a:rPr lang="en-US" b="1" dirty="0" smtClean="0">
-                <a:latin typeface="Arial" panose="020B0604020202020204" pitchFamily="34" charset="0"/>
-                <a:cs typeface="Arial" panose="020B0604020202020204" pitchFamily="34" charset="0"/>
-              </a:rPr>
-              <a:t>://</a:t>
-            </a:r>
-            <a:r>
-              <a:rPr lang="en-US" b="1" dirty="0" smtClean="0">
-                <a:latin typeface="Arial" panose="020B0604020202020204" pitchFamily="34" charset="0"/>
-                <a:cs typeface="Arial" panose="020B0604020202020204" pitchFamily="34" charset="0"/>
-                <a:hlinkClick r:id="rId2"/>
-              </a:rPr>
-              <a:t>archive.org</a:t>
+              <a:t>Refer to https://</a:t>
             </a:r>
             <a:r>
               <a:rPr lang="en-US" b="1" dirty="0">
                 <a:latin typeface="Arial" panose="020B0604020202020204" pitchFamily="34" charset="0"/>
                 <a:cs typeface="Arial" panose="020B0604020202020204" pitchFamily="34" charset="0"/>
+                <a:hlinkClick r:id="rId2"/>
+              </a:rPr>
+              <a:t>archive.org</a:t>
+            </a:r>
+            <a:r>
+              <a:rPr lang="en-US" b="1" dirty="0">
+                <a:latin typeface="Arial" panose="020B0604020202020204" pitchFamily="34" charset="0"/>
+                <a:cs typeface="Arial" panose="020B0604020202020204" pitchFamily="34" charset="0"/>
               </a:rPr>
               <a:t>, </a:t>
             </a:r>
             <a:r>
-              <a:rPr lang="en-US" b="1" dirty="0" smtClean="0">
+              <a:rPr lang="en-US" b="1" dirty="0">
                 <a:latin typeface="Arial" panose="020B0604020202020204" pitchFamily="34" charset="0"/>
                 <a:cs typeface="Arial" panose="020B0604020202020204" pitchFamily="34" charset="0"/>
                 <a:hlinkClick r:id="rId3"/>
               </a:rPr>
               <a:t>www.vedicheritage.gov.in</a:t>
-            </a:r>
-            <a:endParaRPr lang="en-US" b="1" dirty="0" smtClean="0">
-              <a:latin typeface="Arial" panose="020B0604020202020204" pitchFamily="34" charset="0"/>
-              <a:cs typeface="Arial" panose="020B0604020202020204" pitchFamily="34" charset="0"/>
-            </a:endParaRPr>
-          </a:p>
-          <a:p>
-            <a:pPr lvl="1"/>
-            <a:r>
-              <a:rPr lang="en-US" b="1" dirty="0" smtClean="0">
-                <a:latin typeface="Arial" panose="020B0604020202020204" pitchFamily="34" charset="0"/>
-                <a:cs typeface="Arial" panose="020B0604020202020204" pitchFamily="34" charset="0"/>
-              </a:rPr>
-              <a:t>Ocean of Vedic/classical materials</a:t>
             </a:r>
             <a:endParaRPr lang="en-US" b="1" dirty="0">
               <a:latin typeface="Arial" panose="020B0604020202020204" pitchFamily="34" charset="0"/>
@@ -10214,22 +9704,32 @@
             </a:endParaRPr>
           </a:p>
           <a:p>
+            <a:pPr lvl="1"/>
             <a:r>
               <a:rPr lang="en-US" b="1" dirty="0">
                 <a:latin typeface="Arial" panose="020B0604020202020204" pitchFamily="34" charset="0"/>
                 <a:cs typeface="Arial" panose="020B0604020202020204" pitchFamily="34" charset="0"/>
               </a:rPr>
+              <a:t>Ocean of Vedic/classical materials</a:t>
+            </a:r>
+          </a:p>
+          <a:p>
+            <a:r>
+              <a:rPr lang="en-US" b="1" dirty="0">
+                <a:latin typeface="Arial" panose="020B0604020202020204" pitchFamily="34" charset="0"/>
+                <a:cs typeface="Arial" panose="020B0604020202020204" pitchFamily="34" charset="0"/>
+              </a:rPr>
               <a:t>To get reference of sites visit </a:t>
             </a:r>
             <a:r>
-              <a:rPr lang="en-US" b="1" dirty="0" smtClean="0">
+              <a:rPr lang="en-US" b="1" dirty="0">
                 <a:latin typeface="Arial" panose="020B0604020202020204" pitchFamily="34" charset="0"/>
                 <a:cs typeface="Arial" panose="020B0604020202020204" pitchFamily="34" charset="0"/>
                 <a:hlinkClick r:id="rId4"/>
               </a:rPr>
               <a:t>www.sanskritdocument.org</a:t>
             </a:r>
-            <a:endParaRPr lang="en-US" b="1" dirty="0" smtClean="0">
+            <a:endParaRPr lang="en-US" b="1" dirty="0">
               <a:latin typeface="Arial" panose="020B0604020202020204" pitchFamily="34" charset="0"/>
               <a:cs typeface="Arial" panose="020B0604020202020204" pitchFamily="34" charset="0"/>
             </a:endParaRPr>
@@ -10237,44 +9737,37 @@
           <a:p>
             <a:pPr lvl="1"/>
             <a:r>
-              <a:rPr lang="en-US" b="1" dirty="0" smtClean="0">
-                <a:latin typeface="Arial" panose="020B0604020202020204" pitchFamily="34" charset="0"/>
-                <a:cs typeface="Arial" panose="020B0604020202020204" pitchFamily="34" charset="0"/>
-              </a:rPr>
-              <a:t>They have HUGE collection; also on Sanskrit subjects !!!</a:t>
-            </a:r>
-          </a:p>
-          <a:p>
-            <a:r>
-              <a:rPr lang="en-US" b="1" dirty="0" smtClean="0">
-                <a:latin typeface="Arial" panose="020B0604020202020204" pitchFamily="34" charset="0"/>
-                <a:cs typeface="Arial" panose="020B0604020202020204" pitchFamily="34" charset="0"/>
-              </a:rPr>
-              <a:t>Good </a:t>
-            </a:r>
-            <a:r>
               <a:rPr lang="en-US" b="1" dirty="0">
                 <a:latin typeface="Arial" panose="020B0604020202020204" pitchFamily="34" charset="0"/>
                 <a:cs typeface="Arial" panose="020B0604020202020204" pitchFamily="34" charset="0"/>
               </a:rPr>
-              <a:t>Sanskrit dictionary sites available </a:t>
-            </a:r>
-            <a:r>
-              <a:rPr lang="en-US" b="1" dirty="0" smtClean="0">
+              <a:t>They have HUGE collection; also on Sanskrit subjects !!!</a:t>
+            </a:r>
+          </a:p>
+          <a:p>
+            <a:r>
+              <a:rPr lang="en-US" b="1" dirty="0">
                 <a:latin typeface="Arial" panose="020B0604020202020204" pitchFamily="34" charset="0"/>
                 <a:cs typeface="Arial" panose="020B0604020202020204" pitchFamily="34" charset="0"/>
+              </a:rPr>
+              <a:t>Good Sanskrit dictionary sites available </a:t>
+            </a:r>
+            <a:r>
+              <a:rPr lang="en-US" b="1" dirty="0">
+                <a:latin typeface="Arial" panose="020B0604020202020204" pitchFamily="34" charset="0"/>
+                <a:cs typeface="Arial" panose="020B0604020202020204" pitchFamily="34" charset="0"/>
                 <a:hlinkClick r:id="rId5"/>
               </a:rPr>
               <a:t>www.spokensanskrit.de</a:t>
             </a:r>
-            <a:endParaRPr lang="en-US" b="1" dirty="0" smtClean="0">
+            <a:endParaRPr lang="en-US" b="1" dirty="0">
               <a:latin typeface="Arial" panose="020B0604020202020204" pitchFamily="34" charset="0"/>
               <a:cs typeface="Arial" panose="020B0604020202020204" pitchFamily="34" charset="0"/>
             </a:endParaRPr>
           </a:p>
           <a:p>
             <a:r>
-              <a:rPr lang="en-US" b="1" dirty="0" smtClean="0">
+              <a:rPr lang="en-US" b="1" dirty="0">
                 <a:latin typeface="Arial" panose="020B0604020202020204" pitchFamily="34" charset="0"/>
                 <a:cs typeface="Arial" panose="020B0604020202020204" pitchFamily="34" charset="0"/>
               </a:rPr>
@@ -10284,14 +9777,14 @@
           <a:p>
             <a:pPr lvl="1"/>
             <a:r>
-              <a:rPr lang="en-US" sz="2400" b="1" dirty="0" smtClean="0">
+              <a:rPr lang="en-US" sz="2400" b="1" dirty="0">
                 <a:latin typeface="Arial" panose="020B0604020202020204" pitchFamily="34" charset="0"/>
                 <a:cs typeface="Arial" panose="020B0604020202020204" pitchFamily="34" charset="0"/>
                 <a:hlinkClick r:id="rId6"/>
               </a:rPr>
               <a:t>https://ubcsanskrit.ca</a:t>
             </a:r>
-            <a:endParaRPr lang="en-US" sz="2400" b="1" dirty="0" smtClean="0">
+            <a:endParaRPr lang="en-US" sz="2400" b="1" dirty="0">
               <a:latin typeface="Arial" panose="020B0604020202020204" pitchFamily="34" charset="0"/>
               <a:cs typeface="Arial" panose="020B0604020202020204" pitchFamily="34" charset="0"/>
             </a:endParaRPr>
@@ -10299,23 +9792,19 @@
           <a:p>
             <a:pPr lvl="1"/>
             <a:r>
-              <a:rPr lang="en-US" b="1" dirty="0" smtClean="0">
+              <a:rPr lang="en-US" b="1" dirty="0">
                 <a:latin typeface="Arial" panose="020B0604020202020204" pitchFamily="34" charset="0"/>
                 <a:cs typeface="Arial" panose="020B0604020202020204" pitchFamily="34" charset="0"/>
               </a:rPr>
               <a:t>Fun-filled learning  lessons from </a:t>
             </a:r>
             <a:r>
-              <a:rPr lang="en-US" sz="2600" b="1" i="1" dirty="0" smtClean="0">
+              <a:rPr lang="en-US" sz="2600" b="1" i="1" dirty="0">
                 <a:latin typeface="Arial" panose="020B0604020202020204" pitchFamily="34" charset="0"/>
                 <a:cs typeface="Arial" panose="020B0604020202020204" pitchFamily="34" charset="0"/>
               </a:rPr>
               <a:t>www.agniveer.com</a:t>
             </a:r>
-            <a:endParaRPr lang="en-US" sz="2600" b="1" i="1" dirty="0">
-              <a:latin typeface="Arial" panose="020B0604020202020204" pitchFamily="34" charset="0"/>
-              <a:cs typeface="Arial" panose="020B0604020202020204" pitchFamily="34" charset="0"/>
-            </a:endParaRPr>
           </a:p>
           <a:p>
             <a:endParaRPr lang="en-US" dirty="0"/>
@@ -10332,13 +9821,6 @@
   <p:clrMapOvr>
     <a:masterClrMapping/>
   </p:clrMapOvr>
-  <p:timing>
-    <p:tnLst>
-      <p:par>
-        <p:cTn id="1" dur="indefinite" restart="never" nodeType="tmRoot"/>
-      </p:par>
-    </p:tnLst>
-  </p:timing>
 </p:sld>
 </file>
 
@@ -10382,10 +9864,9 @@
           <a:lstStyle/>
           <a:p>
             <a:r>
-              <a:rPr lang="en-US" dirty="0" smtClean="0"/>
+              <a:rPr lang="en-US" dirty="0"/>
               <a:t>Interpretation and Meaning</a:t>
             </a:r>
-            <a:endParaRPr lang="en-US" dirty="0"/>
           </a:p>
         </p:txBody>
       </p:sp>
@@ -10412,133 +9893,101 @@
           <a:lstStyle/>
           <a:p>
             <a:r>
-              <a:rPr lang="en-US" b="1" dirty="0" smtClean="0">
-                <a:latin typeface="Arial" panose="020B0604020202020204" pitchFamily="34" charset="0"/>
-                <a:cs typeface="Arial" panose="020B0604020202020204" pitchFamily="34" charset="0"/>
-              </a:rPr>
-              <a:t>Vedas referred as ‘marai’ in Tamil -- means hidden</a:t>
-            </a:r>
-          </a:p>
-          <a:p>
-            <a:pPr lvl="1"/>
-            <a:r>
-              <a:rPr lang="en-US" b="1" dirty="0" smtClean="0">
-                <a:latin typeface="Arial" panose="020B0604020202020204" pitchFamily="34" charset="0"/>
-                <a:cs typeface="Arial" panose="020B0604020202020204" pitchFamily="34" charset="0"/>
-              </a:rPr>
-              <a:t>All energies or references are to be taken with an intention</a:t>
-            </a:r>
-          </a:p>
-          <a:p>
-            <a:pPr lvl="1"/>
-            <a:r>
-              <a:rPr lang="en-US" b="1" dirty="0" smtClean="0">
-                <a:latin typeface="Arial" panose="020B0604020202020204" pitchFamily="34" charset="0"/>
-                <a:cs typeface="Arial" panose="020B0604020202020204" pitchFamily="34" charset="0"/>
-              </a:rPr>
-              <a:t>Reject what is not – principle of na+iti = neti</a:t>
-            </a:r>
-          </a:p>
-          <a:p>
-            <a:pPr lvl="1"/>
-            <a:r>
-              <a:rPr lang="en-US" b="1" dirty="0" smtClean="0">
-                <a:latin typeface="Arial" panose="020B0604020202020204" pitchFamily="34" charset="0"/>
-                <a:cs typeface="Arial" panose="020B0604020202020204" pitchFamily="34" charset="0"/>
-              </a:rPr>
-              <a:t>Need focussed enquiry and the realm of different level of </a:t>
-            </a:r>
-            <a:br>
-              <a:rPr lang="en-US" b="1" dirty="0" smtClean="0">
-                <a:latin typeface="Arial" panose="020B0604020202020204" pitchFamily="34" charset="0"/>
-                <a:cs typeface="Arial" panose="020B0604020202020204" pitchFamily="34" charset="0"/>
-              </a:rPr>
-            </a:br>
-            <a:r>
-              <a:rPr lang="en-US" b="1" dirty="0" smtClean="0">
-                <a:latin typeface="Arial" panose="020B0604020202020204" pitchFamily="34" charset="0"/>
-                <a:cs typeface="Arial" panose="020B0604020202020204" pitchFamily="34" charset="0"/>
-              </a:rPr>
-              <a:t>awareness or consciousness</a:t>
-            </a:r>
-          </a:p>
-          <a:p>
-            <a:r>
-              <a:rPr lang="en-US" b="1" dirty="0" smtClean="0">
-                <a:latin typeface="Arial" panose="020B0604020202020204" pitchFamily="34" charset="0"/>
-                <a:cs typeface="Arial" panose="020B0604020202020204" pitchFamily="34" charset="0"/>
-              </a:rPr>
-              <a:t>Any </a:t>
-            </a:r>
-            <a:r>
               <a:rPr lang="en-US" b="1" dirty="0">
                 <a:latin typeface="Arial" panose="020B0604020202020204" pitchFamily="34" charset="0"/>
                 <a:cs typeface="Arial" panose="020B0604020202020204" pitchFamily="34" charset="0"/>
               </a:rPr>
-              <a:t>translation suffers from some </a:t>
-            </a:r>
-            <a:r>
-              <a:rPr lang="en-US" b="1" dirty="0" smtClean="0">
-                <a:latin typeface="Arial" panose="020B0604020202020204" pitchFamily="34" charset="0"/>
-                <a:cs typeface="Arial" panose="020B0604020202020204" pitchFamily="34" charset="0"/>
-              </a:rPr>
-              <a:t>limitations</a:t>
-            </a:r>
-          </a:p>
-          <a:p>
-            <a:r>
-              <a:rPr lang="en-US" b="1" dirty="0" smtClean="0">
-                <a:latin typeface="Arial" panose="020B0604020202020204" pitchFamily="34" charset="0"/>
-                <a:cs typeface="Arial" panose="020B0604020202020204" pitchFamily="34" charset="0"/>
-              </a:rPr>
-              <a:t>Concepts – Agni as “Fire as we see”</a:t>
-            </a:r>
-          </a:p>
-          <a:p>
-            <a:pPr lvl="1"/>
-            <a:r>
-              <a:rPr lang="en-US" b="1" dirty="0" smtClean="0">
-                <a:latin typeface="Arial" panose="020B0604020202020204" pitchFamily="34" charset="0"/>
-                <a:cs typeface="Arial" panose="020B0604020202020204" pitchFamily="34" charset="0"/>
-              </a:rPr>
-              <a:t>surye jyotishi juhomi swAhA</a:t>
-            </a:r>
-          </a:p>
-          <a:p>
-            <a:r>
-              <a:rPr lang="en-US" b="1" dirty="0" smtClean="0">
-                <a:latin typeface="Arial" panose="020B0604020202020204" pitchFamily="34" charset="0"/>
-                <a:cs typeface="Arial" panose="020B0604020202020204" pitchFamily="34" charset="0"/>
-              </a:rPr>
-              <a:t>VishNu</a:t>
-            </a:r>
+              <a:t>Vedas referred as ‘marai’ in Tamil -- means hidden</a:t>
+            </a:r>
+          </a:p>
+          <a:p>
+            <a:pPr lvl="1"/>
             <a:r>
               <a:rPr lang="en-US" b="1" dirty="0">
                 <a:latin typeface="Arial" panose="020B0604020202020204" pitchFamily="34" charset="0"/>
                 <a:cs typeface="Arial" panose="020B0604020202020204" pitchFamily="34" charset="0"/>
               </a:rPr>
-              <a:t> </a:t>
-            </a:r>
-            <a:r>
-              <a:rPr lang="en-US" b="1" dirty="0" smtClean="0">
+              <a:t>All energies or references are to be taken with an intention</a:t>
+            </a:r>
+          </a:p>
+          <a:p>
+            <a:pPr lvl="1"/>
+            <a:r>
+              <a:rPr lang="en-US" b="1" dirty="0">
                 <a:latin typeface="Arial" panose="020B0604020202020204" pitchFamily="34" charset="0"/>
                 <a:cs typeface="Arial" panose="020B0604020202020204" pitchFamily="34" charset="0"/>
               </a:rPr>
-              <a:t>used to denote various levels of energy</a:t>
-            </a:r>
-          </a:p>
-          <a:p>
-            <a:r>
-              <a:rPr lang="en-US" b="1" dirty="0" smtClean="0">
+              <a:t>Reject what is not – principle of na+iti = neti</a:t>
+            </a:r>
+          </a:p>
+          <a:p>
+            <a:pPr lvl="1"/>
+            <a:r>
+              <a:rPr lang="en-US" b="1" dirty="0">
                 <a:latin typeface="Arial" panose="020B0604020202020204" pitchFamily="34" charset="0"/>
                 <a:cs typeface="Arial" panose="020B0604020202020204" pitchFamily="34" charset="0"/>
               </a:rPr>
+              <a:t>Need focussed enquiry and the realm of different level of </a:t>
+            </a:r>
+            <a:br>
+              <a:rPr lang="en-US" b="1" dirty="0">
+                <a:latin typeface="Arial" panose="020B0604020202020204" pitchFamily="34" charset="0"/>
+                <a:cs typeface="Arial" panose="020B0604020202020204" pitchFamily="34" charset="0"/>
+              </a:rPr>
+            </a:br>
+            <a:r>
+              <a:rPr lang="en-US" b="1" dirty="0">
+                <a:latin typeface="Arial" panose="020B0604020202020204" pitchFamily="34" charset="0"/>
+                <a:cs typeface="Arial" panose="020B0604020202020204" pitchFamily="34" charset="0"/>
+              </a:rPr>
+              <a:t>awareness or consciousness</a:t>
+            </a:r>
+          </a:p>
+          <a:p>
+            <a:r>
+              <a:rPr lang="en-US" b="1" dirty="0">
+                <a:latin typeface="Arial" panose="020B0604020202020204" pitchFamily="34" charset="0"/>
+                <a:cs typeface="Arial" panose="020B0604020202020204" pitchFamily="34" charset="0"/>
+              </a:rPr>
+              <a:t>Any translation suffers from some limitations</a:t>
+            </a:r>
+          </a:p>
+          <a:p>
+            <a:r>
+              <a:rPr lang="en-US" b="1" dirty="0">
+                <a:latin typeface="Arial" panose="020B0604020202020204" pitchFamily="34" charset="0"/>
+                <a:cs typeface="Arial" panose="020B0604020202020204" pitchFamily="34" charset="0"/>
+              </a:rPr>
+              <a:t>Concepts – Agni as “Fire as we see”</a:t>
+            </a:r>
+          </a:p>
+          <a:p>
+            <a:pPr lvl="1"/>
+            <a:r>
+              <a:rPr lang="en-US" b="1" dirty="0">
+                <a:latin typeface="Arial" panose="020B0604020202020204" pitchFamily="34" charset="0"/>
+                <a:cs typeface="Arial" panose="020B0604020202020204" pitchFamily="34" charset="0"/>
+              </a:rPr>
+              <a:t>surye jyotishi juhomi swAhA</a:t>
+            </a:r>
+          </a:p>
+          <a:p>
+            <a:r>
+              <a:rPr lang="en-US" b="1" dirty="0">
+                <a:latin typeface="Arial" panose="020B0604020202020204" pitchFamily="34" charset="0"/>
+                <a:cs typeface="Arial" panose="020B0604020202020204" pitchFamily="34" charset="0"/>
+              </a:rPr>
+              <a:t>VishNu used to denote various levels of energy</a:t>
+            </a:r>
+          </a:p>
+          <a:p>
+            <a:r>
+              <a:rPr lang="en-US" b="1" dirty="0">
+                <a:latin typeface="Arial" panose="020B0604020202020204" pitchFamily="34" charset="0"/>
+                <a:cs typeface="Arial" panose="020B0604020202020204" pitchFamily="34" charset="0"/>
+              </a:rPr>
               <a:t>Concept of Nandi that carries Shiva-Shakti</a:t>
             </a:r>
-            <a:endParaRPr lang="en-US" b="1" dirty="0">
-              <a:latin typeface="Arial" panose="020B0604020202020204" pitchFamily="34" charset="0"/>
-              <a:cs typeface="Arial" panose="020B0604020202020204" pitchFamily="34" charset="0"/>
-            </a:endParaRPr>
           </a:p>
           <a:p>
             <a:pPr marL="0" indent="0">
@@ -10558,13 +10007,6 @@
   <p:clrMapOvr>
     <a:masterClrMapping/>
   </p:clrMapOvr>
-  <p:timing>
-    <p:tnLst>
-      <p:par>
-        <p:cTn id="1" dur="indefinite" restart="never" nodeType="tmRoot"/>
-      </p:par>
-    </p:tnLst>
-  </p:timing>
 </p:sld>
 </file>
 
@@ -10670,91 +10112,58 @@
                 <a:latin typeface="Arial" panose="020B0604020202020204" pitchFamily="34" charset="0"/>
                 <a:cs typeface="Arial" panose="020B0604020202020204" pitchFamily="34" charset="0"/>
               </a:rPr>
-              <a:t>Also physical, mental </a:t>
-            </a:r>
-            <a:r>
-              <a:rPr lang="en-US" sz="2400" b="1" dirty="0" smtClean="0">
+              <a:t>Also physical, mental plane or higher </a:t>
+            </a:r>
+            <a:br>
+              <a:rPr lang="en-US" sz="2400" b="1" dirty="0">
                 <a:latin typeface="Arial" panose="020B0604020202020204" pitchFamily="34" charset="0"/>
                 <a:cs typeface="Arial" panose="020B0604020202020204" pitchFamily="34" charset="0"/>
               </a:rPr>
-              <a:t>plane or higher </a:t>
-            </a:r>
-            <a:br>
-              <a:rPr lang="en-US" sz="2400" b="1" dirty="0" smtClean="0">
+            </a:br>
+            <a:r>
+              <a:rPr lang="en-US" sz="2400" b="1" dirty="0">
                 <a:latin typeface="Arial" panose="020B0604020202020204" pitchFamily="34" charset="0"/>
                 <a:cs typeface="Arial" panose="020B0604020202020204" pitchFamily="34" charset="0"/>
               </a:rPr>
-            </a:br>
-            <a:r>
-              <a:rPr lang="en-US" sz="2400" b="1" dirty="0" smtClean="0">
+              <a:t>– hamsa hamsAya vidmahe</a:t>
+            </a:r>
+          </a:p>
+          <a:p>
+            <a:r>
+              <a:rPr lang="en-US" sz="2400" b="1" dirty="0">
                 <a:latin typeface="Arial" panose="020B0604020202020204" pitchFamily="34" charset="0"/>
                 <a:cs typeface="Arial" panose="020B0604020202020204" pitchFamily="34" charset="0"/>
               </a:rPr>
-              <a:t>– hamsa hamsAya vidmahe</a:t>
-            </a:r>
-            <a:endParaRPr lang="en-US" sz="2400" b="1" dirty="0">
-              <a:latin typeface="Arial" panose="020B0604020202020204" pitchFamily="34" charset="0"/>
-              <a:cs typeface="Arial" panose="020B0604020202020204" pitchFamily="34" charset="0"/>
-            </a:endParaRPr>
-          </a:p>
-          <a:p>
-            <a:r>
-              <a:rPr lang="en-US" sz="2400" b="1" dirty="0">
+              <a:t>Power of a Mantra is realized and cannot be explained</a:t>
+            </a:r>
+          </a:p>
+          <a:p>
+            <a:pPr lvl="1"/>
+            <a:r>
+              <a:rPr lang="en-US" sz="2200" b="1" dirty="0">
                 <a:latin typeface="Arial" panose="020B0604020202020204" pitchFamily="34" charset="0"/>
                 <a:cs typeface="Arial" panose="020B0604020202020204" pitchFamily="34" charset="0"/>
               </a:rPr>
-              <a:t>Power of a Mantra is realized and cannot be </a:t>
-            </a:r>
-            <a:r>
-              <a:rPr lang="en-US" sz="2400" b="1" dirty="0" smtClean="0">
+              <a:t>Not for display of vanity</a:t>
+            </a:r>
+          </a:p>
+          <a:p>
+            <a:r>
+              <a:rPr lang="en-US" sz="2400" b="1" dirty="0">
                 <a:latin typeface="Arial" panose="020B0604020202020204" pitchFamily="34" charset="0"/>
                 <a:cs typeface="Arial" panose="020B0604020202020204" pitchFamily="34" charset="0"/>
               </a:rPr>
-              <a:t>explained</a:t>
-            </a:r>
-          </a:p>
-          <a:p>
-            <a:pPr lvl="1"/>
-            <a:r>
-              <a:rPr lang="en-US" sz="2200" b="1" dirty="0" smtClean="0">
+              <a:t>Mantra Siddhi – Story from a Sadhaka with Sri Chandrasekara Swamigal</a:t>
+            </a:r>
+          </a:p>
+          <a:p>
+            <a:r>
+              <a:rPr lang="en-US" sz="2400" b="1" dirty="0">
                 <a:latin typeface="Arial" panose="020B0604020202020204" pitchFamily="34" charset="0"/>
                 <a:cs typeface="Arial" panose="020B0604020202020204" pitchFamily="34" charset="0"/>
               </a:rPr>
-              <a:t>Not for display of vanity</a:t>
-            </a:r>
-            <a:endParaRPr lang="en-US" sz="2200" b="1" dirty="0">
-              <a:latin typeface="Arial" panose="020B0604020202020204" pitchFamily="34" charset="0"/>
-              <a:cs typeface="Arial" panose="020B0604020202020204" pitchFamily="34" charset="0"/>
-            </a:endParaRPr>
-          </a:p>
-          <a:p>
-            <a:r>
-              <a:rPr lang="en-US" sz="2400" b="1" dirty="0">
-                <a:latin typeface="Arial" panose="020B0604020202020204" pitchFamily="34" charset="0"/>
-                <a:cs typeface="Arial" panose="020B0604020202020204" pitchFamily="34" charset="0"/>
-              </a:rPr>
-              <a:t>Mantra Siddhi – Story from a Sadhaka with Sri Chandrasekara </a:t>
-            </a:r>
-            <a:r>
-              <a:rPr lang="en-US" sz="2400" b="1" dirty="0" smtClean="0">
-                <a:latin typeface="Arial" panose="020B0604020202020204" pitchFamily="34" charset="0"/>
-                <a:cs typeface="Arial" panose="020B0604020202020204" pitchFamily="34" charset="0"/>
-              </a:rPr>
-              <a:t>Swamigal</a:t>
-            </a:r>
-          </a:p>
-          <a:p>
-            <a:r>
-              <a:rPr lang="en-US" sz="2400" b="1" dirty="0" smtClean="0">
-                <a:latin typeface="Arial" panose="020B0604020202020204" pitchFamily="34" charset="0"/>
-                <a:cs typeface="Arial" panose="020B0604020202020204" pitchFamily="34" charset="0"/>
-              </a:rPr>
               <a:t>One realises it !!!</a:t>
             </a:r>
-            <a:endParaRPr lang="en-US" sz="2400" b="1" dirty="0">
-              <a:latin typeface="Arial" panose="020B0604020202020204" pitchFamily="34" charset="0"/>
-              <a:cs typeface="Arial" panose="020B0604020202020204" pitchFamily="34" charset="0"/>
-            </a:endParaRPr>
           </a:p>
           <a:p>
             <a:endParaRPr lang="en-US" dirty="0"/>
@@ -10771,13 +10180,6 @@
   <p:clrMapOvr>
     <a:masterClrMapping/>
   </p:clrMapOvr>
-  <p:timing>
-    <p:tnLst>
-      <p:par>
-        <p:cTn id="1" dur="indefinite" restart="never" nodeType="tmRoot"/>
-      </p:par>
-    </p:tnLst>
-  </p:timing>
 </p:sld>
 </file>
 
@@ -10819,10 +10221,9 @@
           <a:lstStyle/>
           <a:p>
             <a:r>
-              <a:rPr lang="en-US" dirty="0" smtClean="0"/>
+              <a:rPr lang="en-US" dirty="0"/>
               <a:t>Six Defects in Veda Recitals</a:t>
             </a:r>
-            <a:endParaRPr lang="en-US" dirty="0"/>
           </a:p>
         </p:txBody>
       </p:sp>
@@ -10847,37 +10248,37 @@
           <a:lstStyle/>
           <a:p>
             <a:r>
-              <a:rPr lang="en-US" sz="2400" b="1" dirty="0" smtClean="0"/>
+              <a:rPr lang="en-US" sz="2400" b="1" dirty="0"/>
               <a:t>Hurried or Fast rendering</a:t>
             </a:r>
           </a:p>
           <a:p>
             <a:r>
-              <a:rPr lang="en-US" sz="2400" b="1" dirty="0" smtClean="0"/>
+              <a:rPr lang="en-US" sz="2400" b="1" dirty="0"/>
               <a:t>Shaking heads or other limbs</a:t>
             </a:r>
           </a:p>
           <a:p>
             <a:r>
-              <a:rPr lang="en-US" sz="2400" b="1" dirty="0" smtClean="0"/>
+              <a:rPr lang="en-US" sz="2400" b="1" dirty="0"/>
               <a:t>Rendering in very weak tone</a:t>
             </a:r>
           </a:p>
           <a:p>
             <a:r>
-              <a:rPr lang="en-US" sz="2400" b="1" dirty="0" smtClean="0"/>
+              <a:rPr lang="en-US" sz="2400" b="1" dirty="0"/>
               <a:t>Rendering in one own way disregarding Swara/ VarNA</a:t>
             </a:r>
           </a:p>
           <a:p>
             <a:r>
-              <a:rPr lang="en-US" sz="2400" b="1" dirty="0" smtClean="0"/>
+              <a:rPr lang="en-US" sz="2400" b="1" dirty="0"/>
               <a:t>Rendering without learning the meaning</a:t>
             </a:r>
           </a:p>
           <a:p>
             <a:r>
-              <a:rPr lang="en-US" sz="2400" b="1" dirty="0" smtClean="0"/>
+              <a:rPr lang="en-US" sz="2400" b="1" dirty="0"/>
               <a:t>Rendering from written text</a:t>
             </a:r>
           </a:p>
@@ -10896,13 +10297,6 @@
   <p:clrMapOvr>
     <a:masterClrMapping/>
   </p:clrMapOvr>
-  <p:timing>
-    <p:tnLst>
-      <p:par>
-        <p:cTn id="1" dur="indefinite" restart="never" nodeType="tmRoot"/>
-      </p:par>
-    </p:tnLst>
-  </p:timing>
 </p:sld>
 </file>
 
@@ -10944,10 +10338,9 @@
           <a:lstStyle/>
           <a:p>
             <a:r>
-              <a:rPr lang="en-US" dirty="0" smtClean="0"/>
+              <a:rPr lang="en-US" dirty="0"/>
               <a:t>Learning in PataShala</a:t>
             </a:r>
-            <a:endParaRPr lang="en-US" dirty="0"/>
           </a:p>
         </p:txBody>
       </p:sp>
@@ -10973,14 +10366,14 @@
           </a:bodyPr>
           <a:lstStyle/>
           <a:p>
-            <a:endParaRPr lang="en-US" sz="2600" b="1" dirty="0" smtClean="0">
+            <a:endParaRPr lang="en-US" sz="2600" b="1" dirty="0">
               <a:latin typeface="Arial" panose="020B0604020202020204" pitchFamily="34" charset="0"/>
               <a:cs typeface="Arial" panose="020B0604020202020204" pitchFamily="34" charset="0"/>
             </a:endParaRPr>
           </a:p>
           <a:p>
             <a:r>
-              <a:rPr lang="en-US" sz="5100" b="1" dirty="0" smtClean="0">
+              <a:rPr lang="en-US" sz="5100" b="1" dirty="0">
                 <a:cs typeface="Arial" panose="020B0604020202020204" pitchFamily="34" charset="0"/>
               </a:rPr>
               <a:t>Minimum Seven to eight years to complete</a:t>
@@ -10989,7 +10382,7 @@
           <a:p>
             <a:pPr lvl="1"/>
             <a:r>
-              <a:rPr lang="en-US" sz="5100" b="1" dirty="0" smtClean="0">
+              <a:rPr lang="en-US" sz="5100" b="1" dirty="0">
                 <a:cs typeface="Arial" panose="020B0604020202020204" pitchFamily="34" charset="0"/>
               </a:rPr>
               <a:t>SamhitA, BrAhmaNam, Aranyam</a:t>
@@ -10998,7 +10391,7 @@
           <a:p>
             <a:pPr lvl="1"/>
             <a:r>
-              <a:rPr lang="en-US" sz="5100" b="1" dirty="0" smtClean="0">
+              <a:rPr lang="en-US" sz="5100" b="1" dirty="0">
                 <a:cs typeface="Arial" panose="020B0604020202020204" pitchFamily="34" charset="0"/>
               </a:rPr>
               <a:t>Pada PAtam and Kramam for SamhitA</a:t>
@@ -11007,7 +10400,7 @@
           <a:p>
             <a:pPr lvl="1"/>
             <a:r>
-              <a:rPr lang="en-US" sz="5100" b="1" dirty="0" smtClean="0">
+              <a:rPr lang="en-US" sz="5100" b="1" dirty="0">
                 <a:cs typeface="Arial" panose="020B0604020202020204" pitchFamily="34" charset="0"/>
               </a:rPr>
               <a:t>Various Sastras, standard karma vidhis and procedures</a:t>
@@ -11019,21 +10412,12 @@
               <a:rPr lang="en-US" sz="5100" b="1" dirty="0">
                 <a:cs typeface="Arial" panose="020B0604020202020204" pitchFamily="34" charset="0"/>
               </a:rPr>
-              <a:t>Basic Grammar </a:t>
-            </a:r>
-            <a:r>
-              <a:rPr lang="en-US" sz="5100" b="1" dirty="0" smtClean="0">
-                <a:cs typeface="Arial" panose="020B0604020202020204" pitchFamily="34" charset="0"/>
-              </a:rPr>
-              <a:t>Rules get covered</a:t>
-            </a:r>
-            <a:endParaRPr lang="en-US" sz="5100" b="1" dirty="0">
-              <a:cs typeface="Arial" panose="020B0604020202020204" pitchFamily="34" charset="0"/>
-            </a:endParaRPr>
-          </a:p>
-          <a:p>
-            <a:r>
-              <a:rPr lang="en-US" sz="5100" b="1" dirty="0" smtClean="0">
+              <a:t>Basic Grammar Rules get covered</a:t>
+            </a:r>
+          </a:p>
+          <a:p>
+            <a:r>
+              <a:rPr lang="en-US" sz="5100" b="1" dirty="0">
                 <a:cs typeface="Arial" panose="020B0604020202020204" pitchFamily="34" charset="0"/>
               </a:rPr>
               <a:t>Additional 18-24 months for Jata PAtam</a:t>
@@ -11041,7 +10425,7 @@
           </a:p>
           <a:p>
             <a:r>
-              <a:rPr lang="en-US" sz="5100" b="1" dirty="0" smtClean="0">
+              <a:rPr lang="en-US" sz="5100" b="1" dirty="0">
                 <a:cs typeface="Arial" panose="020B0604020202020204" pitchFamily="34" charset="0"/>
               </a:rPr>
               <a:t>Additional 18-24 months for Ghana Paatam</a:t>
@@ -11049,7 +10433,7 @@
           </a:p>
           <a:p>
             <a:r>
-              <a:rPr lang="en-US" sz="5100" b="1" dirty="0" smtClean="0">
+              <a:rPr lang="en-US" sz="5100" b="1" dirty="0">
                 <a:cs typeface="Arial" panose="020B0604020202020204" pitchFamily="34" charset="0"/>
               </a:rPr>
               <a:t>Additional 18-24 months for VarNa Kramam</a:t>
@@ -11058,7 +10442,7 @@
           <a:p>
             <a:pPr lvl="1"/>
             <a:r>
-              <a:rPr lang="en-US" sz="5100" b="1" dirty="0" smtClean="0">
+              <a:rPr lang="en-US" sz="5100" b="1" dirty="0">
                 <a:cs typeface="Arial" panose="020B0604020202020204" pitchFamily="34" charset="0"/>
               </a:rPr>
               <a:t>Combined Study and conceptual learning can shorten overall time depending on time involved, Guru available</a:t>
@@ -11066,21 +10450,21 @@
           </a:p>
           <a:p>
             <a:r>
-              <a:rPr lang="en-US" sz="5100" b="1" dirty="0" smtClean="0">
+              <a:rPr lang="en-US" sz="5100" b="1" dirty="0">
                 <a:cs typeface="Arial" panose="020B0604020202020204" pitchFamily="34" charset="0"/>
               </a:rPr>
               <a:t>Tough examinations to Pass to get the titles</a:t>
             </a:r>
           </a:p>
           <a:p>
-            <a:endParaRPr lang="en-US" dirty="0" smtClean="0"/>
+            <a:endParaRPr lang="en-US" dirty="0"/>
           </a:p>
           <a:p>
             <a:pPr marL="457200" lvl="1" indent="0">
               <a:buNone/>
             </a:pPr>
             <a:r>
-              <a:rPr lang="en-US" dirty="0" smtClean="0"/>
+              <a:rPr lang="en-US" dirty="0"/>
               <a:t>	</a:t>
             </a:r>
           </a:p>
@@ -11102,13 +10486,6 @@
   <p:clrMapOvr>
     <a:masterClrMapping/>
   </p:clrMapOvr>
-  <p:timing>
-    <p:tnLst>
-      <p:par>
-        <p:cTn id="1" dur="indefinite" restart="never" nodeType="tmRoot"/>
-      </p:par>
-    </p:tnLst>
-  </p:timing>
 </p:sld>
 </file>
 
@@ -11180,47 +10557,47 @@
           <a:lstStyle/>
           <a:p>
             <a:r>
-              <a:rPr lang="en-US" sz="2400" b="1" dirty="0" smtClean="0"/>
+              <a:rPr lang="en-US" sz="2400" b="1" dirty="0"/>
               <a:t>The Culture/Origin is SanAtana Dharma</a:t>
             </a:r>
           </a:p>
           <a:p>
             <a:pPr lvl="1"/>
             <a:r>
-              <a:rPr lang="en-US" sz="2200" b="1" dirty="0" smtClean="0"/>
+              <a:rPr lang="en-US" sz="2200" b="1" dirty="0"/>
               <a:t>Means eternal/perpetual way of righteous living</a:t>
             </a:r>
           </a:p>
           <a:p>
             <a:r>
-              <a:rPr lang="en-US" sz="2400" b="1" dirty="0" smtClean="0"/>
+              <a:rPr lang="en-US" sz="2400" b="1" dirty="0"/>
               <a:t>Proof of Vedic lifestyle</a:t>
             </a:r>
           </a:p>
           <a:p>
             <a:pPr lvl="1"/>
             <a:r>
-              <a:rPr lang="en-US" sz="2400" b="1" dirty="0" smtClean="0"/>
+              <a:rPr lang="en-US" sz="2400" b="1" dirty="0"/>
               <a:t>Narasimha Statues in Germany</a:t>
             </a:r>
           </a:p>
           <a:p>
             <a:pPr lvl="1"/>
             <a:r>
-              <a:rPr lang="en-US" sz="2400" b="1" dirty="0" smtClean="0"/>
+              <a:rPr lang="en-US" sz="2400" b="1" dirty="0"/>
               <a:t>Sri Chakra formation in Oregon US</a:t>
             </a:r>
           </a:p>
           <a:p>
             <a:pPr lvl="1"/>
             <a:r>
-              <a:rPr lang="en-US" sz="2400" b="1" dirty="0" smtClean="0"/>
+              <a:rPr lang="en-US" sz="2400" b="1" dirty="0"/>
               <a:t>Shiva Linga in Turkey</a:t>
             </a:r>
           </a:p>
           <a:p>
             <a:r>
-              <a:rPr lang="en-US" sz="2400" b="1" dirty="0" smtClean="0"/>
+              <a:rPr lang="en-US" sz="2400" b="1" dirty="0"/>
               <a:t>The origin and timelines are not easy to determine</a:t>
             </a:r>
           </a:p>
@@ -11239,13 +10616,6 @@
   <p:clrMapOvr>
     <a:masterClrMapping/>
   </p:clrMapOvr>
-  <p:timing>
-    <p:tnLst>
-      <p:par>
-        <p:cTn id="1" dur="indefinite" restart="never" nodeType="tmRoot"/>
-      </p:par>
-    </p:tnLst>
-  </p:timing>
 </p:sld>
 </file>
 
@@ -11287,10 +10657,9 @@
           <a:lstStyle/>
           <a:p>
             <a:r>
-              <a:rPr lang="en-US" dirty="0" smtClean="0"/>
+              <a:rPr lang="en-US" dirty="0"/>
               <a:t>Studies and Specialisation</a:t>
             </a:r>
-            <a:endParaRPr lang="en-US" dirty="0"/>
           </a:p>
         </p:txBody>
       </p:sp>
@@ -11317,48 +10686,41 @@
           <a:lstStyle/>
           <a:p>
             <a:r>
-              <a:rPr lang="en-US" sz="2400" b="1" dirty="0" smtClean="0"/>
-              <a:t>After basic learning student needs to move to places which were centres of excellence – viz.  kAshi</a:t>
-            </a:r>
-            <a:r>
               <a:rPr lang="en-US" sz="2400" b="1" dirty="0"/>
-              <a:t> </a:t>
-            </a:r>
-            <a:endParaRPr lang="en-US" sz="2400" b="1" dirty="0" smtClean="0"/>
-          </a:p>
-          <a:p>
-            <a:pPr lvl="1"/>
-            <a:r>
-              <a:rPr lang="en-US" sz="2400" b="1" dirty="0" smtClean="0"/>
+              <a:t>After basic learning student needs to move to places which were centres of excellence – viz.  kAshi </a:t>
+            </a:r>
+          </a:p>
+          <a:p>
+            <a:pPr lvl="1"/>
+            <a:r>
+              <a:rPr lang="en-US" sz="2400" b="1" dirty="0"/>
               <a:t>Practice of kAshi yAtra comes from this during marriage</a:t>
             </a:r>
           </a:p>
           <a:p>
             <a:pPr lvl="1"/>
             <a:r>
-              <a:rPr lang="en-US" sz="2400" b="1" dirty="0" smtClean="0"/>
+              <a:rPr lang="en-US" sz="2400" b="1" dirty="0"/>
               <a:t>Brahmacharya, grahasta, vansprasta, sannyaasa</a:t>
             </a:r>
-            <a:endParaRPr lang="en-US" sz="2400" b="1" dirty="0"/>
-          </a:p>
-          <a:p>
-            <a:r>
-              <a:rPr lang="en-US" sz="2400" b="1" dirty="0" smtClean="0"/>
+          </a:p>
+          <a:p>
+            <a:r>
+              <a:rPr lang="en-US" sz="2400" b="1" dirty="0"/>
               <a:t>To specific Gurus or Schools/Institutions</a:t>
             </a:r>
           </a:p>
           <a:p>
             <a:r>
-              <a:rPr lang="en-US" sz="2400" b="1" dirty="0" smtClean="0"/>
+              <a:rPr lang="en-US" sz="2400" b="1" dirty="0"/>
               <a:t>Specialisation like Grammar, Chandas, Sastras, PurANAs, Literature was followed</a:t>
             </a:r>
           </a:p>
           <a:p>
             <a:r>
-              <a:rPr lang="en-US" sz="2400" b="1" dirty="0" smtClean="0"/>
+              <a:rPr lang="en-US" sz="2400" b="1" dirty="0"/>
               <a:t>An expert has given that 46 books/subjects must be studied to perfect oneself in Krishna Yajur Veda</a:t>
             </a:r>
-            <a:endParaRPr lang="en-US" sz="2400" b="1" dirty="0"/>
           </a:p>
         </p:txBody>
       </p:sp>
@@ -11372,13 +10734,6 @@
   <p:clrMapOvr>
     <a:masterClrMapping/>
   </p:clrMapOvr>
-  <p:timing>
-    <p:tnLst>
-      <p:par>
-        <p:cTn id="1" dur="indefinite" restart="never" nodeType="tmRoot"/>
-      </p:par>
-    </p:tnLst>
-  </p:timing>
 </p:sld>
 </file>
 
@@ -11422,10 +10777,9 @@
           <a:lstStyle/>
           <a:p>
             <a:r>
-              <a:rPr lang="en-US" dirty="0" smtClean="0"/>
+              <a:rPr lang="en-US" dirty="0"/>
               <a:t>Effects of misuse or Wrong rendition</a:t>
             </a:r>
-            <a:endParaRPr lang="en-US" dirty="0"/>
           </a:p>
         </p:txBody>
       </p:sp>
@@ -11452,7 +10806,7 @@
           <a:lstStyle/>
           <a:p>
             <a:r>
-              <a:rPr lang="en-US" sz="2400" b="1" dirty="0" smtClean="0">
+              <a:rPr lang="en-US" sz="2400" b="1" dirty="0">
                 <a:cs typeface="Arial" panose="020B0604020202020204" pitchFamily="34" charset="0"/>
               </a:rPr>
               <a:t>Many times you intend saying the opposite</a:t>
@@ -11460,7 +10814,7 @@
           </a:p>
           <a:p>
             <a:r>
-              <a:rPr lang="en-US" sz="2400" b="1" dirty="0" smtClean="0">
+              <a:rPr lang="en-US" sz="2400" b="1" dirty="0">
                 <a:cs typeface="Arial" panose="020B0604020202020204" pitchFamily="34" charset="0"/>
               </a:rPr>
               <a:t>The body reacts to wrongly intended vibration</a:t>
@@ -11468,7 +10822,7 @@
           </a:p>
           <a:p>
             <a:r>
-              <a:rPr lang="en-US" sz="2400" b="1" dirty="0" smtClean="0">
+              <a:rPr lang="en-US" sz="2400" b="1" dirty="0">
                 <a:cs typeface="Arial" panose="020B0604020202020204" pitchFamily="34" charset="0"/>
               </a:rPr>
               <a:t>Reflected as physical problems or mental problems</a:t>
@@ -11476,7 +10830,7 @@
           </a:p>
           <a:p>
             <a:r>
-              <a:rPr lang="en-US" sz="2400" b="1" dirty="0" smtClean="0">
+              <a:rPr lang="en-US" sz="2400" b="1" dirty="0">
                 <a:cs typeface="Arial" panose="020B0604020202020204" pitchFamily="34" charset="0"/>
               </a:rPr>
               <a:t>Right pronunciation, speed and rendering style very critical</a:t>
@@ -11484,7 +10838,7 @@
           </a:p>
           <a:p>
             <a:r>
-              <a:rPr lang="en-US" sz="2400" b="1" dirty="0" smtClean="0">
+              <a:rPr lang="en-US" sz="2400" b="1" dirty="0">
                 <a:cs typeface="Arial" panose="020B0604020202020204" pitchFamily="34" charset="0"/>
               </a:rPr>
               <a:t>Sage Vyasa warns about consequences of rendering Veda mantras.</a:t>
@@ -11492,14 +10846,11 @@
           </a:p>
           <a:p>
             <a:r>
-              <a:rPr lang="en-US" sz="2400" b="1" dirty="0" smtClean="0">
+              <a:rPr lang="en-US" sz="2400" b="1" dirty="0">
                 <a:cs typeface="Arial" panose="020B0604020202020204" pitchFamily="34" charset="0"/>
               </a:rPr>
               <a:t>One needs discipline with Food intake and personal habits</a:t>
             </a:r>
-            <a:endParaRPr lang="en-US" sz="2400" b="1" dirty="0">
-              <a:cs typeface="Arial" panose="020B0604020202020204" pitchFamily="34" charset="0"/>
-            </a:endParaRPr>
           </a:p>
         </p:txBody>
       </p:sp>
@@ -11513,13 +10864,6 @@
   <p:clrMapOvr>
     <a:masterClrMapping/>
   </p:clrMapOvr>
-  <p:timing>
-    <p:tnLst>
-      <p:par>
-        <p:cTn id="1" dur="indefinite" restart="never" nodeType="tmRoot"/>
-      </p:par>
-    </p:tnLst>
-  </p:timing>
 </p:sld>
 </file>
 
@@ -11563,10 +10907,9 @@
           <a:lstStyle/>
           <a:p>
             <a:r>
-              <a:rPr lang="en-US" dirty="0" smtClean="0"/>
+              <a:rPr lang="en-US" dirty="0"/>
               <a:t>Sanskrit letters and Pronunciation</a:t>
             </a:r>
-            <a:endParaRPr lang="en-US" dirty="0"/>
           </a:p>
         </p:txBody>
       </p:sp>
@@ -11593,18 +10936,18 @@
           <a:lstStyle/>
           <a:p>
             <a:r>
-              <a:rPr lang="en-US" sz="2400" b="1" dirty="0" smtClean="0">
+              <a:rPr lang="en-US" sz="2400" b="1" dirty="0">
                 <a:cs typeface="Arial" panose="020B0604020202020204" pitchFamily="34" charset="0"/>
               </a:rPr>
               <a:t>nAbhi, hRut kaNTha rasana – saint Thyagaraja </a:t>
             </a:r>
             <a:br>
-              <a:rPr lang="en-US" sz="2400" b="1" dirty="0" smtClean="0">
+              <a:rPr lang="en-US" sz="2400" b="1" dirty="0">
                 <a:cs typeface="Arial" panose="020B0604020202020204" pitchFamily="34" charset="0"/>
               </a:rPr>
             </a:br>
             <a:r>
-              <a:rPr lang="en-US" sz="2400" b="1" dirty="0" smtClean="0">
+              <a:rPr lang="en-US" sz="2400" b="1" dirty="0">
                 <a:cs typeface="Arial" panose="020B0604020202020204" pitchFamily="34" charset="0"/>
               </a:rPr>
               <a:t>(Sobillu Sapta Swara)</a:t>
@@ -11612,7 +10955,7 @@
           </a:p>
           <a:p>
             <a:r>
-              <a:rPr lang="en-US" sz="2400" b="1" dirty="0" smtClean="0">
+              <a:rPr lang="en-US" sz="2400" b="1" dirty="0">
                 <a:cs typeface="Arial" panose="020B0604020202020204" pitchFamily="34" charset="0"/>
               </a:rPr>
               <a:t>parA, CitI, madhyamA and vaikari roopA – Lalitha Sahasranamam (Sloka 81)</a:t>
@@ -11620,14 +10963,11 @@
           </a:p>
           <a:p>
             <a:r>
-              <a:rPr lang="en-US" sz="2400" b="1" dirty="0" smtClean="0">
+              <a:rPr lang="en-US" sz="2400" b="1" dirty="0">
                 <a:cs typeface="Arial" panose="020B0604020202020204" pitchFamily="34" charset="0"/>
               </a:rPr>
               <a:t>“tvam catvAri VakpadAni - GanapatyatharvaSeerSham</a:t>
             </a:r>
-            <a:endParaRPr lang="en-US" sz="2400" b="1" dirty="0">
-              <a:cs typeface="Arial" panose="020B0604020202020204" pitchFamily="34" charset="0"/>
-            </a:endParaRPr>
           </a:p>
         </p:txBody>
       </p:sp>
@@ -11641,13 +10981,6 @@
   <p:clrMapOvr>
     <a:masterClrMapping/>
   </p:clrMapOvr>
-  <p:timing>
-    <p:tnLst>
-      <p:par>
-        <p:cTn id="1" dur="indefinite" restart="never" nodeType="tmRoot"/>
-      </p:par>
-    </p:tnLst>
-  </p:timing>
 </p:sld>
 </file>
 
@@ -11689,10 +11022,9 @@
           <a:lstStyle/>
           <a:p>
             <a:r>
-              <a:rPr lang="en-US" dirty="0" smtClean="0"/>
+              <a:rPr lang="en-US" dirty="0"/>
               <a:t>Observe Source or contact</a:t>
             </a:r>
-            <a:endParaRPr lang="en-US" dirty="0"/>
           </a:p>
         </p:txBody>
       </p:sp>
@@ -11719,7 +11051,7 @@
           <a:lstStyle/>
           <a:p>
             <a:r>
-              <a:rPr lang="en-US" sz="2600" b="1" dirty="0" smtClean="0">
+              <a:rPr lang="en-US" sz="2600" b="1" dirty="0">
                 <a:cs typeface="Arial" panose="020B0604020202020204" pitchFamily="34" charset="0"/>
               </a:rPr>
               <a:t>Vibration and movement</a:t>
@@ -11728,7 +11060,7 @@
           <a:p>
             <a:pPr lvl="1"/>
             <a:r>
-              <a:rPr lang="en-US" sz="2600" b="1" dirty="0" smtClean="0">
+              <a:rPr lang="en-US" sz="2600" b="1" dirty="0">
                 <a:cs typeface="Arial" panose="020B0604020202020204" pitchFamily="34" charset="0"/>
               </a:rPr>
               <a:t>in Stomach, chest, throat and mouth</a:t>
@@ -11737,7 +11069,7 @@
           <a:p>
             <a:pPr lvl="1"/>
             <a:r>
-              <a:rPr lang="en-US" sz="2600" b="1" dirty="0" smtClean="0">
+              <a:rPr lang="en-US" sz="2600" b="1" dirty="0">
                 <a:cs typeface="Arial" panose="020B0604020202020204" pitchFamily="34" charset="0"/>
               </a:rPr>
               <a:t>Observe contact or no contact by tongue and its movement</a:t>
@@ -11746,7 +11078,7 @@
           <a:p>
             <a:pPr lvl="2"/>
             <a:r>
-              <a:rPr lang="en-US" sz="2600" b="1" dirty="0" smtClean="0">
+              <a:rPr lang="en-US" sz="2600" b="1" dirty="0">
                 <a:cs typeface="Arial" panose="020B0604020202020204" pitchFamily="34" charset="0"/>
               </a:rPr>
               <a:t>Is the touch/closure strong, light or medium</a:t>
@@ -11755,7 +11087,7 @@
           <a:p>
             <a:pPr lvl="1"/>
             <a:r>
-              <a:rPr lang="en-US" sz="2600" b="1" dirty="0" smtClean="0">
+              <a:rPr lang="en-US" sz="2600" b="1" dirty="0">
                 <a:cs typeface="Arial" panose="020B0604020202020204" pitchFamily="34" charset="0"/>
               </a:rPr>
               <a:t>Observe movement of Jaw, lips and also the flow of tongue</a:t>
@@ -11764,7 +11096,7 @@
           <a:p>
             <a:pPr lvl="1"/>
             <a:r>
-              <a:rPr lang="en-US" sz="2600" b="1" dirty="0" smtClean="0">
+              <a:rPr lang="en-US" sz="2600" b="1" dirty="0">
                 <a:cs typeface="Arial" panose="020B0604020202020204" pitchFamily="34" charset="0"/>
               </a:rPr>
               <a:t>Where air flows – upwards, downwards or side-wards with respect to contact point </a:t>
@@ -11773,7 +11105,7 @@
           <a:p>
             <a:pPr lvl="1"/>
             <a:r>
-              <a:rPr lang="en-US" sz="2600" b="1" dirty="0" smtClean="0">
+              <a:rPr lang="en-US" sz="2600" b="1" dirty="0">
                 <a:cs typeface="Arial" panose="020B0604020202020204" pitchFamily="34" charset="0"/>
               </a:rPr>
               <a:t>Impact of sound on or through the head, nose and mouth</a:t>
@@ -11794,13 +11126,6 @@
   <p:clrMapOvr>
     <a:masterClrMapping/>
   </p:clrMapOvr>
-  <p:timing>
-    <p:tnLst>
-      <p:par>
-        <p:cTn id="1" dur="indefinite" restart="never" nodeType="tmRoot"/>
-      </p:par>
-    </p:tnLst>
-  </p:timing>
 </p:sld>
 </file>
 
@@ -11842,10 +11167,9 @@
           <a:lstStyle/>
           <a:p>
             <a:r>
-              <a:rPr lang="en-US" dirty="0" smtClean="0"/>
+              <a:rPr lang="en-US" dirty="0"/>
               <a:t>pratiSAkyam Text</a:t>
             </a:r>
-            <a:endParaRPr lang="en-US" dirty="0"/>
           </a:p>
         </p:txBody>
       </p:sp>
@@ -11931,13 +11255,6 @@
   <p:clrMapOvr>
     <a:masterClrMapping/>
   </p:clrMapOvr>
-  <p:timing>
-    <p:tnLst>
-      <p:par>
-        <p:cTn id="1" dur="indefinite" restart="never" nodeType="tmRoot"/>
-      </p:par>
-    </p:tnLst>
-  </p:timing>
 </p:sld>
 </file>
 
@@ -11981,10 +11298,9 @@
           <a:lstStyle/>
           <a:p>
             <a:r>
-              <a:rPr lang="en-US" dirty="0" smtClean="0"/>
+              <a:rPr lang="en-US" dirty="0"/>
               <a:t>Vowels - Swara</a:t>
             </a:r>
-            <a:endParaRPr lang="en-US" dirty="0"/>
           </a:p>
         </p:txBody>
       </p:sp>
@@ -12016,23 +11332,39 @@
                   <a:schemeClr val="bg1"/>
                 </a:solidFill>
               </a:rPr>
-              <a:t>Basic Sound source – a</a:t>
-            </a:r>
-            <a:r>
-              <a:rPr lang="en-US" b="1" dirty="0" smtClean="0">
-                <a:solidFill>
-                  <a:schemeClr val="bg1"/>
-                </a:solidFill>
-              </a:rPr>
-              <a:t>, e, u </a:t>
-            </a:r>
+              <a:t>Basic Sound source – a, e, u Short and long total 6</a:t>
+            </a:r>
+          </a:p>
+          <a:p>
             <a:r>
               <a:rPr lang="en-US" b="1" dirty="0">
                 <a:solidFill>
                   <a:schemeClr val="bg1"/>
                 </a:solidFill>
               </a:rPr>
-              <a:t>Short and long total 6</a:t>
+              <a:t>Combining them we derive – ‘ae’, ai , O, au – Mishra swaras</a:t>
+            </a:r>
+          </a:p>
+          <a:p>
+            <a:pPr marL="742950" lvl="2"/>
+            <a:r>
+              <a:rPr lang="en-US" sz="2000" b="1" dirty="0">
+                <a:solidFill>
+                  <a:schemeClr val="bg1"/>
+                </a:solidFill>
+              </a:rPr>
+              <a:t>a+e = ae, A+E = ai a+u= O A+U= au</a:t>
+            </a:r>
+          </a:p>
+          <a:p>
+            <a:pPr marL="742950" lvl="2"/>
+            <a:r>
+              <a:rPr lang="en-US" sz="2000" b="1" dirty="0">
+                <a:solidFill>
+                  <a:schemeClr val="bg1"/>
+                </a:solidFill>
+              </a:rPr>
+              <a:t>First part 0.5 mAtrA second part 1.5 mAtrA</a:t>
             </a:r>
           </a:p>
           <a:p>
@@ -12042,209 +11374,119 @@
                   <a:schemeClr val="bg1"/>
                 </a:solidFill>
               </a:rPr>
-              <a:t>Combining them we derive – ‘ae</a:t>
-            </a:r>
-            <a:r>
-              <a:rPr lang="en-US" b="1" dirty="0" smtClean="0">
+              <a:t>Vowel Sound – Ru, RU, lRu</a:t>
+            </a:r>
+            <a:r>
+              <a:rPr lang="en-US" b="1" dirty="0"/>
+              <a:t>, </a:t>
+            </a:r>
+            <a:r>
+              <a:rPr lang="en-US" b="1" dirty="0" err="1">
                 <a:solidFill>
-                  <a:schemeClr val="bg1"/>
+                  <a:srgbClr val="FF0000"/>
                 </a:solidFill>
               </a:rPr>
-              <a:t>’, ai </a:t>
-            </a:r>
+              <a:t>lRU</a:t>
+            </a:r>
+            <a:r>
+              <a:rPr lang="en-US" b="1" dirty="0">
+                <a:solidFill>
+                  <a:srgbClr val="FF0000"/>
+                </a:solidFill>
+              </a:rPr>
+              <a:t>*</a:t>
+            </a:r>
+          </a:p>
+          <a:p>
             <a:r>
               <a:rPr lang="en-US" b="1" dirty="0">
                 <a:solidFill>
                   <a:schemeClr val="bg1"/>
                 </a:solidFill>
               </a:rPr>
-              <a:t>, O, </a:t>
-            </a:r>
-            <a:r>
-              <a:rPr lang="en-US" b="1" dirty="0" smtClean="0">
-                <a:solidFill>
-                  <a:schemeClr val="bg1"/>
-                </a:solidFill>
-              </a:rPr>
-              <a:t>au – Mishra swaras</a:t>
-            </a:r>
-            <a:endParaRPr lang="en-US" b="1" dirty="0">
-              <a:solidFill>
-                <a:schemeClr val="bg1"/>
-              </a:solidFill>
-            </a:endParaRPr>
-          </a:p>
-          <a:p>
-            <a:pPr marL="742950" lvl="2"/>
-            <a:r>
-              <a:rPr lang="en-US" sz="2000" b="1" dirty="0">
-                <a:solidFill>
-                  <a:schemeClr val="bg1"/>
-                </a:solidFill>
-              </a:rPr>
-              <a:t>a+e = ae, A+E = ai a+u= O A+U= au</a:t>
-            </a:r>
-          </a:p>
-          <a:p>
-            <a:pPr marL="742950" lvl="2"/>
-            <a:r>
-              <a:rPr lang="en-US" sz="2000" b="1" dirty="0">
-                <a:solidFill>
-                  <a:schemeClr val="bg1"/>
-                </a:solidFill>
-              </a:rPr>
-              <a:t>First part 0.5 </a:t>
-            </a:r>
-            <a:r>
-              <a:rPr lang="en-US" sz="2000" b="1" dirty="0" smtClean="0">
-                <a:solidFill>
-                  <a:schemeClr val="bg1"/>
-                </a:solidFill>
-              </a:rPr>
-              <a:t>mAtrA </a:t>
-            </a:r>
-            <a:r>
-              <a:rPr lang="en-US" sz="2000" b="1" dirty="0">
-                <a:solidFill>
-                  <a:schemeClr val="bg1"/>
-                </a:solidFill>
-              </a:rPr>
-              <a:t>second part 1.5 </a:t>
-            </a:r>
-            <a:r>
-              <a:rPr lang="en-US" sz="2000" b="1" dirty="0" smtClean="0">
-                <a:solidFill>
-                  <a:schemeClr val="bg1"/>
-                </a:solidFill>
-              </a:rPr>
-              <a:t>mAtrA</a:t>
-            </a:r>
-            <a:endParaRPr lang="en-US" sz="2000" b="1" dirty="0">
-              <a:solidFill>
-                <a:schemeClr val="bg1"/>
-              </a:solidFill>
-            </a:endParaRPr>
-          </a:p>
-          <a:p>
-            <a:r>
+              <a:t>Special vowel – am (anuswAram) and </a:t>
+            </a:r>
+            <a:br>
               <a:rPr lang="en-US" b="1" dirty="0">
                 <a:solidFill>
                   <a:schemeClr val="bg1"/>
                 </a:solidFill>
               </a:rPr>
-              <a:t>Vowel Sound – Ru, RU, lRu</a:t>
-            </a:r>
-            <a:r>
-              <a:rPr lang="en-US" b="1" dirty="0" smtClean="0"/>
-              <a:t>, </a:t>
-            </a:r>
-            <a:r>
-              <a:rPr lang="en-US" b="1" dirty="0" err="1" smtClean="0">
+            </a:br>
+            <a:r>
+              <a:rPr lang="en-US" b="1" dirty="0">
+                <a:solidFill>
+                  <a:schemeClr val="bg1"/>
+                </a:solidFill>
+              </a:rPr>
+              <a:t>ah (visarga) (</a:t>
+            </a:r>
+            <a:r>
+              <a:rPr lang="en-US" b="1" dirty="0" err="1">
+                <a:solidFill>
+                  <a:schemeClr val="bg1"/>
+                </a:solidFill>
+              </a:rPr>
+              <a:t>visarjanIya</a:t>
+            </a:r>
+            <a:r>
+              <a:rPr lang="en-US" b="1" dirty="0">
+                <a:solidFill>
+                  <a:schemeClr val="bg1"/>
+                </a:solidFill>
+              </a:rPr>
+              <a:t>)</a:t>
+            </a:r>
+          </a:p>
+          <a:p>
+            <a:r>
+              <a:rPr lang="en-US" b="1" dirty="0">
+                <a:solidFill>
+                  <a:schemeClr val="bg1"/>
+                </a:solidFill>
+              </a:rPr>
+              <a:t>Visarga is represented as a </a:t>
+            </a:r>
+            <a:r>
+              <a:rPr lang="en-US" b="1" dirty="0">
                 <a:solidFill>
                   <a:srgbClr val="FF0000"/>
                 </a:solidFill>
               </a:rPr>
-              <a:t>lRU</a:t>
-            </a:r>
-            <a:r>
-              <a:rPr lang="en-US" b="1" dirty="0" smtClean="0">
-                <a:solidFill>
-                  <a:srgbClr val="FF0000"/>
-                </a:solidFill>
-              </a:rPr>
-              <a:t>*</a:t>
-            </a:r>
-          </a:p>
-          <a:p>
-            <a:r>
-              <a:rPr lang="en-US" b="1" dirty="0" smtClean="0">
+              <a:t>colon </a:t>
+            </a:r>
+            <a:r>
+              <a:rPr lang="en-US" b="1" dirty="0">
                 <a:solidFill>
                   <a:schemeClr val="bg1"/>
                 </a:solidFill>
               </a:rPr>
-              <a:t>Special vowel – am (anuswAram) and </a:t>
-            </a:r>
-            <a:br>
-              <a:rPr lang="en-US" b="1" dirty="0" smtClean="0">
+              <a:t>symbol in Texts</a:t>
+            </a:r>
+          </a:p>
+          <a:p>
+            <a:r>
+              <a:rPr lang="en-US" b="1" dirty="0">
                 <a:solidFill>
                   <a:schemeClr val="bg1"/>
                 </a:solidFill>
               </a:rPr>
-            </a:br>
-            <a:r>
-              <a:rPr lang="en-US" b="1" dirty="0" smtClean="0">
+              <a:t>Concept of Short (hrasva) and Long (dheerga) letter as in many indian languages</a:t>
+            </a:r>
+          </a:p>
+          <a:p>
+            <a:r>
+              <a:rPr lang="en-US" b="1" dirty="0">
                 <a:solidFill>
                   <a:schemeClr val="bg1"/>
                 </a:solidFill>
               </a:rPr>
-              <a:t>ah (visarga) (</a:t>
-            </a:r>
-            <a:r>
-              <a:rPr lang="en-US" b="1" dirty="0" err="1" smtClean="0">
-                <a:solidFill>
-                  <a:schemeClr val="bg1"/>
-                </a:solidFill>
-              </a:rPr>
-              <a:t>visarjanIya</a:t>
-            </a:r>
-            <a:r>
-              <a:rPr lang="en-US" b="1" dirty="0" smtClean="0">
-                <a:solidFill>
-                  <a:schemeClr val="bg1"/>
-                </a:solidFill>
-              </a:rPr>
-              <a:t>)</a:t>
-            </a:r>
-          </a:p>
-          <a:p>
-            <a:r>
-              <a:rPr lang="en-US" b="1" dirty="0" smtClean="0">
-                <a:solidFill>
-                  <a:schemeClr val="bg1"/>
-                </a:solidFill>
-              </a:rPr>
-              <a:t>Visarga is represented as a </a:t>
-            </a:r>
-            <a:r>
-              <a:rPr lang="en-US" b="1" dirty="0" smtClean="0">
-                <a:solidFill>
-                  <a:srgbClr val="FF0000"/>
-                </a:solidFill>
-              </a:rPr>
-              <a:t>colon </a:t>
-            </a:r>
-            <a:r>
-              <a:rPr lang="en-US" b="1" dirty="0" smtClean="0">
-                <a:solidFill>
-                  <a:schemeClr val="bg1"/>
-                </a:solidFill>
-              </a:rPr>
-              <a:t>symbol in Texts</a:t>
-            </a:r>
-          </a:p>
-          <a:p>
-            <a:r>
-              <a:rPr lang="en-US" b="1" dirty="0" smtClean="0">
-                <a:solidFill>
-                  <a:schemeClr val="bg1"/>
-                </a:solidFill>
-              </a:rPr>
-              <a:t>Concept of Short (hrasva) and Long (dheerga) letter as in many indian languages</a:t>
-            </a:r>
-          </a:p>
-          <a:p>
-            <a:r>
-              <a:rPr lang="en-US" b="1" dirty="0" smtClean="0">
-                <a:solidFill>
-                  <a:schemeClr val="bg1"/>
-                </a:solidFill>
-              </a:rPr>
               <a:t>16 Vowels in All </a:t>
             </a:r>
           </a:p>
           <a:p>
             <a:r>
-              <a:rPr lang="en-US" b="1" dirty="0" smtClean="0">
+              <a:rPr lang="en-US" b="1" dirty="0">
                 <a:solidFill>
                   <a:schemeClr val="bg1"/>
                 </a:solidFill>
@@ -12271,13 +11513,6 @@
   <p:clrMapOvr>
     <a:masterClrMapping/>
   </p:clrMapOvr>
-  <p:timing>
-    <p:tnLst>
-      <p:par>
-        <p:cTn id="1" dur="indefinite" restart="never" nodeType="tmRoot"/>
-      </p:par>
-    </p:tnLst>
-  </p:timing>
 </p:sld>
 </file>
 
@@ -12321,10 +11556,9 @@
           <a:lstStyle/>
           <a:p>
             <a:r>
-              <a:rPr lang="en-US" dirty="0" smtClean="0"/>
+              <a:rPr lang="en-US" dirty="0"/>
               <a:t>Vowels – Swara Special</a:t>
             </a:r>
-            <a:endParaRPr lang="en-US" dirty="0"/>
           </a:p>
         </p:txBody>
       </p:sp>
@@ -12351,7 +11585,7 @@
           <a:lstStyle/>
           <a:p>
             <a:r>
-              <a:rPr lang="en-US" sz="2400" b="1" dirty="0" smtClean="0">
+              <a:rPr lang="en-US" sz="2400" b="1" dirty="0">
                 <a:solidFill>
                   <a:schemeClr val="bg1"/>
                 </a:solidFill>
@@ -12362,7 +11596,7 @@
           <a:p>
             <a:pPr lvl="1"/>
             <a:r>
-              <a:rPr lang="en-US" sz="2400" b="1" dirty="0" smtClean="0">
+              <a:rPr lang="en-US" sz="2400" b="1" dirty="0">
                 <a:solidFill>
                   <a:schemeClr val="bg1"/>
                 </a:solidFill>
@@ -12372,7 +11606,7 @@
           </a:p>
           <a:p>
             <a:r>
-              <a:rPr lang="en-US" sz="2400" b="1" dirty="0" smtClean="0">
+              <a:rPr lang="en-US" sz="2400" b="1" dirty="0">
                 <a:solidFill>
                   <a:schemeClr val="bg1"/>
                 </a:solidFill>
@@ -12382,7 +11616,7 @@
           </a:p>
           <a:p>
             <a:r>
-              <a:rPr lang="en-US" sz="2400" b="1" dirty="0" smtClean="0">
+              <a:rPr lang="en-US" sz="2400" b="1" dirty="0">
                 <a:solidFill>
                   <a:schemeClr val="bg1"/>
                 </a:solidFill>
@@ -12392,7 +11626,7 @@
           </a:p>
           <a:p>
             <a:r>
-              <a:rPr lang="en-US" sz="2400" b="1" dirty="0" smtClean="0">
+              <a:rPr lang="en-US" sz="2400" b="1" dirty="0">
                 <a:solidFill>
                   <a:schemeClr val="bg1"/>
                 </a:solidFill>
@@ -12400,7 +11634,7 @@
               <a:t>There is no Visarga concept but some ‘ah’ is represented by </a:t>
             </a:r>
             <a:r>
-              <a:rPr lang="en-US" sz="2400" b="1" dirty="0" err="1" smtClean="0">
+              <a:rPr lang="en-US" sz="2400" b="1" dirty="0" err="1">
                 <a:solidFill>
                   <a:schemeClr val="bg1"/>
                 </a:solidFill>
@@ -12408,7 +11642,7 @@
               <a:t>Ayuda</a:t>
             </a:r>
             <a:r>
-              <a:rPr lang="en-US" sz="2400" b="1" dirty="0" smtClean="0">
+              <a:rPr lang="en-US" sz="2400" b="1" dirty="0">
                 <a:solidFill>
                   <a:schemeClr val="bg1"/>
                 </a:solidFill>
@@ -12416,7 +11650,7 @@
               <a:t> </a:t>
             </a:r>
             <a:r>
-              <a:rPr lang="en-US" sz="2400" b="1" dirty="0" err="1" smtClean="0">
+              <a:rPr lang="en-US" sz="2400" b="1" dirty="0" err="1">
                 <a:solidFill>
                   <a:schemeClr val="bg1"/>
                 </a:solidFill>
@@ -12424,18 +11658,13 @@
               <a:t>eluthu</a:t>
             </a:r>
             <a:r>
-              <a:rPr lang="en-US" sz="2400" b="1" dirty="0" smtClean="0">
+              <a:rPr lang="en-US" sz="2400" b="1" dirty="0">
                 <a:solidFill>
                   <a:schemeClr val="bg1"/>
                 </a:solidFill>
               </a:rPr>
               <a:t> ‘h’</a:t>
             </a:r>
-            <a:endParaRPr lang="en-US" sz="2400" b="1" dirty="0">
-              <a:solidFill>
-                <a:schemeClr val="bg1"/>
-              </a:solidFill>
-            </a:endParaRPr>
           </a:p>
         </p:txBody>
       </p:sp>
@@ -12449,13 +11678,6 @@
   <p:clrMapOvr>
     <a:masterClrMapping/>
   </p:clrMapOvr>
-  <p:timing>
-    <p:tnLst>
-      <p:par>
-        <p:cTn id="1" dur="indefinite" restart="never" nodeType="tmRoot"/>
-      </p:par>
-    </p:tnLst>
-  </p:timing>
 </p:sld>
 </file>
 
@@ -12497,10 +11719,9 @@
           <a:lstStyle/>
           <a:p>
             <a:r>
-              <a:rPr lang="en-US" dirty="0" smtClean="0"/>
+              <a:rPr lang="en-US" dirty="0"/>
               <a:t>Source of Consonant Sounds</a:t>
             </a:r>
-            <a:endParaRPr lang="en-US" dirty="0"/>
           </a:p>
         </p:txBody>
       </p:sp>
@@ -12531,28 +11752,7 @@
                 <a:latin typeface="Arial" panose="020B0604020202020204" pitchFamily="34" charset="0"/>
                 <a:cs typeface="Arial" panose="020B0604020202020204" pitchFamily="34" charset="0"/>
               </a:rPr>
-              <a:t>There are five basic distinct places from which sound emanates </a:t>
-            </a:r>
-            <a:r>
-              <a:rPr lang="en-US" sz="2200" b="1" dirty="0" smtClean="0">
-                <a:latin typeface="Arial" panose="020B0604020202020204" pitchFamily="34" charset="0"/>
-                <a:cs typeface="Arial" panose="020B0604020202020204" pitchFamily="34" charset="0"/>
-              </a:rPr>
-              <a:t>; They </a:t>
-            </a:r>
-            <a:r>
-              <a:rPr lang="en-US" sz="2200" b="1" dirty="0">
-                <a:latin typeface="Arial" panose="020B0604020202020204" pitchFamily="34" charset="0"/>
-                <a:cs typeface="Arial" panose="020B0604020202020204" pitchFamily="34" charset="0"/>
-              </a:rPr>
-              <a:t>are </a:t>
-            </a:r>
-            <a:r>
-              <a:rPr lang="en-US" sz="2200" b="1" dirty="0" smtClean="0">
-                <a:latin typeface="Arial" panose="020B0604020202020204" pitchFamily="34" charset="0"/>
-                <a:cs typeface="Arial" panose="020B0604020202020204" pitchFamily="34" charset="0"/>
-              </a:rPr>
-              <a:t>:</a:t>
+              <a:t>There are five basic distinct places from which sound emanates ; They are :</a:t>
             </a:r>
           </a:p>
           <a:p>
@@ -12577,14 +11777,7 @@
                 <a:latin typeface="Arial" panose="020B0604020202020204" pitchFamily="34" charset="0"/>
                 <a:cs typeface="Arial" panose="020B0604020202020204" pitchFamily="34" charset="0"/>
               </a:rPr>
-              <a:t>The soft palate. The soft palate is the fleshy region at the very back of the mouth</a:t>
-            </a:r>
-            <a:r>
-              <a:rPr lang="en-US" sz="2400" b="1" dirty="0" smtClean="0">
-                <a:latin typeface="Arial" panose="020B0604020202020204" pitchFamily="34" charset="0"/>
-                <a:cs typeface="Arial" panose="020B0604020202020204" pitchFamily="34" charset="0"/>
-              </a:rPr>
-              <a:t>. E.g. ka varga (KaNTha/Throat)</a:t>
+              <a:t>The soft palate. The soft palate is the fleshy region at the very back of the mouth. E.g. ka varga (KaNTha/Throat)</a:t>
             </a:r>
           </a:p>
           <a:p>
@@ -12609,19 +11802,8 @@
                 <a:latin typeface="Arial" panose="020B0604020202020204" pitchFamily="34" charset="0"/>
                 <a:cs typeface="Arial" panose="020B0604020202020204" pitchFamily="34" charset="0"/>
               </a:rPr>
-              <a:t>The hard palate. The hard palate is the bony region on the top of the mouth</a:t>
-            </a:r>
-            <a:r>
-              <a:rPr lang="en-US" sz="2400" b="1" dirty="0" smtClean="0">
-                <a:latin typeface="Arial" panose="020B0604020202020204" pitchFamily="34" charset="0"/>
-                <a:cs typeface="Arial" panose="020B0604020202020204" pitchFamily="34" charset="0"/>
-              </a:rPr>
-              <a:t>. E.g. ca varga (Talu / Palatal)</a:t>
-            </a:r>
-            <a:endParaRPr lang="en-US" sz="2400" b="1" dirty="0">
-              <a:latin typeface="Arial" panose="020B0604020202020204" pitchFamily="34" charset="0"/>
-              <a:cs typeface="Arial" panose="020B0604020202020204" pitchFamily="34" charset="0"/>
-            </a:endParaRPr>
+              <a:t>The hard palate. The hard palate is the bony region on the top of the mouth. E.g. ca varga (Talu / Palatal)</a:t>
+            </a:r>
           </a:p>
           <a:p>
             <a:pPr marL="0" indent="0">
@@ -12641,13 +11823,6 @@
   <p:clrMapOvr>
     <a:masterClrMapping/>
   </p:clrMapOvr>
-  <p:timing>
-    <p:tnLst>
-      <p:par>
-        <p:cTn id="1" dur="indefinite" restart="never" nodeType="tmRoot"/>
-      </p:par>
-    </p:tnLst>
-  </p:timing>
 </p:sld>
 </file>
 
@@ -12727,28 +11902,7 @@
                 <a:latin typeface="Arial" panose="020B0604020202020204" pitchFamily="34" charset="0"/>
                 <a:cs typeface="Arial" panose="020B0604020202020204" pitchFamily="34" charset="0"/>
               </a:rPr>
-              <a:t>The area behind the hard bump on the roof of the mouth. </a:t>
-            </a:r>
-            <a:r>
-              <a:rPr lang="en-US" sz="2400" b="1" dirty="0" smtClean="0">
-                <a:latin typeface="Arial" panose="020B0604020202020204" pitchFamily="34" charset="0"/>
-                <a:cs typeface="Arial" panose="020B0604020202020204" pitchFamily="34" charset="0"/>
-              </a:rPr>
-              <a:t>This </a:t>
-            </a:r>
-            <a:r>
-              <a:rPr lang="en-US" sz="2400" b="1" dirty="0">
-                <a:latin typeface="Arial" panose="020B0604020202020204" pitchFamily="34" charset="0"/>
-                <a:cs typeface="Arial" panose="020B0604020202020204" pitchFamily="34" charset="0"/>
-              </a:rPr>
-              <a:t>bump sits behind the teeth. E.g Ta varga (</a:t>
-            </a:r>
-            <a:r>
-              <a:rPr lang="en-US" sz="2400" b="1" dirty="0" smtClean="0">
-                <a:latin typeface="Arial" panose="020B0604020202020204" pitchFamily="34" charset="0"/>
-                <a:cs typeface="Arial" panose="020B0604020202020204" pitchFamily="34" charset="0"/>
-              </a:rPr>
-              <a:t>Murddhan / Head)</a:t>
+              <a:t>The area behind the hard bump on the roof of the mouth. This bump sits behind the teeth. E.g Ta varga (Murddhan / Head)</a:t>
             </a:r>
           </a:p>
           <a:p>
@@ -12763,14 +11917,7 @@
                 <a:latin typeface="Arial" panose="020B0604020202020204" pitchFamily="34" charset="0"/>
                 <a:cs typeface="Arial" panose="020B0604020202020204" pitchFamily="34" charset="0"/>
               </a:rPr>
-              <a:t>d) The base of the teeth. E.g ta varga (</a:t>
-            </a:r>
-            <a:r>
-              <a:rPr lang="en-US" sz="2400" b="1" dirty="0" smtClean="0">
-                <a:latin typeface="Arial" panose="020B0604020202020204" pitchFamily="34" charset="0"/>
-                <a:cs typeface="Arial" panose="020B0604020202020204" pitchFamily="34" charset="0"/>
-              </a:rPr>
-              <a:t>dantA / dental)</a:t>
+              <a:t>d) The base of the teeth. E.g ta varga (dantA / dental)</a:t>
             </a:r>
           </a:p>
           <a:p>
@@ -12787,32 +11934,18 @@
               </a:rPr>
               <a:t>e) The lips.(touching each other)  e.g ma varga </a:t>
             </a:r>
-            <a:r>
-              <a:rPr lang="en-US" sz="2400" b="1" dirty="0" smtClean="0">
+            <a:br>
+              <a:rPr lang="en-US" sz="2400" b="1" dirty="0">
                 <a:latin typeface="Arial" panose="020B0604020202020204" pitchFamily="34" charset="0"/>
                 <a:cs typeface="Arial" panose="020B0604020202020204" pitchFamily="34" charset="0"/>
               </a:rPr>
-              <a:t/>
-            </a:r>
-            <a:br>
-              <a:rPr lang="en-US" sz="2400" b="1" dirty="0" smtClean="0">
+            </a:br>
+            <a:r>
+              <a:rPr lang="en-US" sz="2400" b="1" dirty="0">
                 <a:latin typeface="Arial" panose="020B0604020202020204" pitchFamily="34" charset="0"/>
                 <a:cs typeface="Arial" panose="020B0604020202020204" pitchFamily="34" charset="0"/>
               </a:rPr>
-            </a:br>
-            <a:r>
-              <a:rPr lang="en-US" sz="2400" b="1" dirty="0" smtClean="0">
-                <a:latin typeface="Arial" panose="020B0604020202020204" pitchFamily="34" charset="0"/>
-                <a:cs typeface="Arial" panose="020B0604020202020204" pitchFamily="34" charset="0"/>
-              </a:rPr>
-              <a:t>(Oshtau /</a:t>
-            </a:r>
-            <a:r>
-              <a:rPr lang="en-US" sz="2400" b="1" dirty="0">
-                <a:latin typeface="Arial" panose="020B0604020202020204" pitchFamily="34" charset="0"/>
-                <a:cs typeface="Arial" panose="020B0604020202020204" pitchFamily="34" charset="0"/>
-              </a:rPr>
-              <a:t>lips)</a:t>
+              <a:t>(Oshtau /lips)</a:t>
             </a:r>
           </a:p>
           <a:p>
@@ -12830,13 +11963,6 @@
   <p:clrMapOvr>
     <a:masterClrMapping/>
   </p:clrMapOvr>
-  <p:timing>
-    <p:tnLst>
-      <p:par>
-        <p:cTn id="1" dur="indefinite" restart="never" nodeType="tmRoot"/>
-      </p:par>
-    </p:tnLst>
-  </p:timing>
 </p:sld>
 </file>
 
@@ -12879,13 +12005,8 @@
           <a:p>
             <a:r>
               <a:rPr lang="en-US" dirty="0"/>
-              <a:t>Source of </a:t>
-            </a:r>
-            <a:r>
-              <a:rPr lang="en-US" dirty="0" smtClean="0"/>
-              <a:t>Sound</a:t>
-            </a:r>
-            <a:endParaRPr lang="en-US" dirty="0"/>
+              <a:t>Source of Sound</a:t>
+            </a:r>
           </a:p>
         </p:txBody>
       </p:sp>
@@ -12918,69 +12039,43 @@
               </a:rPr>
               <a:t>The Sanskrit names for the Groups for Consonants indicate the place of sound generation/reverberation.</a:t>
             </a:r>
-            <a:endParaRPr lang="en-US" sz="2400" b="1" dirty="0" smtClean="0">
-              <a:latin typeface="Arial" panose="020B0604020202020204" pitchFamily="34" charset="0"/>
-              <a:cs typeface="Arial" panose="020B0604020202020204" pitchFamily="34" charset="0"/>
-            </a:endParaRPr>
-          </a:p>
-          <a:p>
-            <a:r>
-              <a:rPr lang="en-US" sz="2400" b="1" dirty="0" smtClean="0">
+          </a:p>
+          <a:p>
+            <a:r>
+              <a:rPr lang="en-US" sz="2400" b="1" dirty="0">
                 <a:latin typeface="Arial" panose="020B0604020202020204" pitchFamily="34" charset="0"/>
                 <a:cs typeface="Arial" panose="020B0604020202020204" pitchFamily="34" charset="0"/>
               </a:rPr>
-              <a:t>The </a:t>
-            </a:r>
+              <a:t>The understanding of this helps to create the right sound in Sanskrit for the learner. </a:t>
+            </a:r>
+          </a:p>
+          <a:p>
             <a:r>
               <a:rPr lang="en-US" sz="2400" b="1" dirty="0">
                 <a:latin typeface="Arial" panose="020B0604020202020204" pitchFamily="34" charset="0"/>
                 <a:cs typeface="Arial" panose="020B0604020202020204" pitchFamily="34" charset="0"/>
               </a:rPr>
-              <a:t>understanding of this helps to create the right sound in Sanskrit for the learner. </a:t>
-            </a:r>
-          </a:p>
-          <a:p>
-            <a:r>
-              <a:rPr lang="en-US" sz="2400" b="1" dirty="0" smtClean="0">
+              <a:t>This is similar in many Indian Languages. </a:t>
+            </a:r>
+          </a:p>
+          <a:p>
+            <a:r>
+              <a:rPr lang="en-US" sz="2400" b="1" dirty="0">
                 <a:latin typeface="Arial" panose="020B0604020202020204" pitchFamily="34" charset="0"/>
                 <a:cs typeface="Arial" panose="020B0604020202020204" pitchFamily="34" charset="0"/>
               </a:rPr>
-              <a:t>This </a:t>
-            </a:r>
+              <a:t> Observe the difference in stress of tongue, airflow and strength of contact that creates pronunciation differences in various regions</a:t>
+            </a:r>
+          </a:p>
+          <a:p>
+            <a:pPr lvl="1"/>
             <a:r>
               <a:rPr lang="en-US" sz="2400" b="1" dirty="0">
                 <a:latin typeface="Arial" panose="020B0604020202020204" pitchFamily="34" charset="0"/>
                 <a:cs typeface="Arial" panose="020B0604020202020204" pitchFamily="34" charset="0"/>
               </a:rPr>
-              <a:t>is similar in many Indian Languages. </a:t>
-            </a:r>
-            <a:endParaRPr lang="en-US" sz="2400" b="1" dirty="0" smtClean="0">
-              <a:latin typeface="Arial" panose="020B0604020202020204" pitchFamily="34" charset="0"/>
-              <a:cs typeface="Arial" panose="020B0604020202020204" pitchFamily="34" charset="0"/>
-            </a:endParaRPr>
-          </a:p>
-          <a:p>
-            <a:r>
-              <a:rPr lang="en-US" sz="2400" b="1" dirty="0" smtClean="0">
-                <a:latin typeface="Arial" panose="020B0604020202020204" pitchFamily="34" charset="0"/>
-                <a:cs typeface="Arial" panose="020B0604020202020204" pitchFamily="34" charset="0"/>
-              </a:rPr>
-              <a:t> Observe the difference in stress of tongue, airflow and strength of contact that creates pronunciation differences in various regions</a:t>
-            </a:r>
-          </a:p>
-          <a:p>
-            <a:pPr lvl="1"/>
-            <a:r>
-              <a:rPr lang="en-US" sz="2400" b="1" dirty="0" smtClean="0">
-                <a:latin typeface="Arial" panose="020B0604020202020204" pitchFamily="34" charset="0"/>
-                <a:cs typeface="Arial" panose="020B0604020202020204" pitchFamily="34" charset="0"/>
-              </a:rPr>
               <a:t>Effect of  mother tongue reflects when  one speaks other languages</a:t>
             </a:r>
-            <a:endParaRPr lang="en-US" sz="2400" b="1" dirty="0">
-              <a:latin typeface="Arial" panose="020B0604020202020204" pitchFamily="34" charset="0"/>
-              <a:cs typeface="Arial" panose="020B0604020202020204" pitchFamily="34" charset="0"/>
-            </a:endParaRPr>
           </a:p>
         </p:txBody>
       </p:sp>
@@ -12994,13 +12089,6 @@
   <p:clrMapOvr>
     <a:masterClrMapping/>
   </p:clrMapOvr>
-  <p:timing>
-    <p:tnLst>
-      <p:par>
-        <p:cTn id="1" dur="indefinite" restart="never" nodeType="tmRoot"/>
-      </p:par>
-    </p:tnLst>
-  </p:timing>
 </p:sld>
 </file>
 
@@ -13105,31 +12193,26 @@
           <a:p>
             <a:r>
               <a:rPr lang="en-US" sz="4200" b="1" dirty="0"/>
-              <a:t>Path of peaceful co-existence, Seekers  of </a:t>
-            </a:r>
-            <a:r>
-              <a:rPr lang="en-US" sz="4200" b="1" dirty="0" smtClean="0"/>
-              <a:t>Liberation</a:t>
-            </a:r>
-          </a:p>
-          <a:p>
-            <a:r>
-              <a:rPr lang="en-US" sz="4200" b="1" dirty="0" smtClean="0"/>
+              <a:t>Path of peaceful co-existence, Seekers  of Liberation</a:t>
+            </a:r>
+          </a:p>
+          <a:p>
+            <a:r>
+              <a:rPr lang="en-US" sz="4200" b="1" dirty="0"/>
               <a:t>Dimensions of Perception/Consciousness of our Rishis can never be imagined needs realisation</a:t>
             </a:r>
           </a:p>
           <a:p>
             <a:r>
-              <a:rPr lang="en-US" sz="4200" b="1" dirty="0" smtClean="0"/>
+              <a:rPr lang="en-US" sz="4200" b="1" dirty="0"/>
               <a:t>A code of spiritual science imbedded into all walks of life</a:t>
             </a:r>
           </a:p>
           <a:p>
             <a:r>
-              <a:rPr lang="en-US" sz="4200" b="1" dirty="0" smtClean="0"/>
+              <a:rPr lang="en-US" sz="4200" b="1" dirty="0"/>
               <a:t>You have the freedom to choose</a:t>
             </a:r>
-            <a:endParaRPr lang="en-US" sz="4200" b="1" dirty="0"/>
           </a:p>
           <a:p>
             <a:endParaRPr lang="en-US" dirty="0"/>
@@ -13146,13 +12229,6 @@
   <p:clrMapOvr>
     <a:masterClrMapping/>
   </p:clrMapOvr>
-  <p:timing>
-    <p:tnLst>
-      <p:par>
-        <p:cTn id="1" dur="indefinite" restart="never" nodeType="tmRoot"/>
-      </p:par>
-    </p:tnLst>
-  </p:timing>
 </p:sld>
 </file>
 
@@ -13194,10 +12270,9 @@
           <a:lstStyle/>
           <a:p>
             <a:r>
-              <a:rPr lang="en-US" dirty="0" smtClean="0"/>
+              <a:rPr lang="en-US" dirty="0"/>
               <a:t>Consonants - 25</a:t>
             </a:r>
-            <a:endParaRPr lang="en-US" dirty="0"/>
           </a:p>
         </p:txBody>
       </p:sp>
@@ -13224,7 +12299,7 @@
           <a:lstStyle/>
           <a:p>
             <a:r>
-              <a:rPr lang="en-US" sz="2400" b="1" dirty="0" smtClean="0">
+              <a:rPr lang="en-US" sz="2400" b="1" dirty="0">
                 <a:latin typeface="Arial" panose="020B0604020202020204" pitchFamily="34" charset="0"/>
                 <a:cs typeface="Arial" panose="020B0604020202020204" pitchFamily="34" charset="0"/>
               </a:rPr>
@@ -13233,7 +12308,7 @@
           </a:p>
           <a:p>
             <a:r>
-              <a:rPr lang="en-US" sz="2400" b="1" dirty="0" smtClean="0">
+              <a:rPr lang="en-US" sz="2400" b="1" dirty="0">
                 <a:latin typeface="Arial" panose="020B0604020202020204" pitchFamily="34" charset="0"/>
                 <a:cs typeface="Arial" panose="020B0604020202020204" pitchFamily="34" charset="0"/>
               </a:rPr>
@@ -13242,7 +12317,7 @@
           </a:p>
           <a:p>
             <a:r>
-              <a:rPr lang="en-US" sz="2400" b="1" dirty="0" smtClean="0">
+              <a:rPr lang="en-US" sz="2400" b="1" dirty="0">
                 <a:latin typeface="Arial" panose="020B0604020202020204" pitchFamily="34" charset="0"/>
                 <a:cs typeface="Arial" panose="020B0604020202020204" pitchFamily="34" charset="0"/>
               </a:rPr>
@@ -13252,7 +12327,7 @@
           <a:p>
             <a:pPr lvl="1"/>
             <a:r>
-              <a:rPr lang="en-US" sz="2400" b="1" dirty="0" smtClean="0">
+              <a:rPr lang="en-US" sz="2400" b="1" dirty="0">
                 <a:latin typeface="Arial" panose="020B0604020202020204" pitchFamily="34" charset="0"/>
                 <a:cs typeface="Arial" panose="020B0604020202020204" pitchFamily="34" charset="0"/>
               </a:rPr>
@@ -13261,7 +12336,7 @@
           </a:p>
           <a:p>
             <a:r>
-              <a:rPr lang="en-US" sz="2400" b="1" dirty="0" smtClean="0">
+              <a:rPr lang="en-US" sz="2400" b="1" dirty="0">
                 <a:latin typeface="Arial" panose="020B0604020202020204" pitchFamily="34" charset="0"/>
                 <a:cs typeface="Arial" panose="020B0604020202020204" pitchFamily="34" charset="0"/>
               </a:rPr>
@@ -13277,14 +12352,10 @@
               </a:rPr>
               <a:t>Surd, aGoSha, svAsa</a:t>
             </a:r>
-            <a:endParaRPr lang="en-US" sz="2400" b="1" dirty="0" smtClean="0">
-              <a:latin typeface="Arial" panose="020B0604020202020204" pitchFamily="34" charset="0"/>
-              <a:cs typeface="Arial" panose="020B0604020202020204" pitchFamily="34" charset="0"/>
-            </a:endParaRPr>
-          </a:p>
-          <a:p>
-            <a:r>
-              <a:rPr lang="en-US" sz="2400" b="1" dirty="0" smtClean="0">
+          </a:p>
+          <a:p>
+            <a:r>
+              <a:rPr lang="en-US" sz="2400" b="1" dirty="0">
                 <a:latin typeface="Arial" panose="020B0604020202020204" pitchFamily="34" charset="0"/>
                 <a:cs typeface="Arial" panose="020B0604020202020204" pitchFamily="34" charset="0"/>
               </a:rPr>
@@ -13298,80 +12369,62 @@
                 <a:latin typeface="Arial" panose="020B0604020202020204" pitchFamily="34" charset="0"/>
                 <a:cs typeface="Arial" panose="020B0604020202020204" pitchFamily="34" charset="0"/>
               </a:rPr>
-              <a:t>Sonant, Gosha, </a:t>
-            </a:r>
-            <a:r>
-              <a:rPr lang="en-US" sz="2400" b="1" dirty="0" smtClean="0">
+              <a:t>Sonant, Gosha, nAda letters</a:t>
+            </a:r>
+          </a:p>
+          <a:p>
+            <a:r>
+              <a:rPr lang="en-US" sz="2400" b="1" dirty="0">
                 <a:latin typeface="Arial" panose="020B0604020202020204" pitchFamily="34" charset="0"/>
                 <a:cs typeface="Arial" panose="020B0604020202020204" pitchFamily="34" charset="0"/>
               </a:rPr>
-              <a:t>nAda </a:t>
-            </a:r>
-            <a:r>
+              <a:t>First and Third Letter produce more tone and are termed as </a:t>
+            </a:r>
+            <a:br>
               <a:rPr lang="en-US" sz="2400" b="1" dirty="0">
                 <a:latin typeface="Arial" panose="020B0604020202020204" pitchFamily="34" charset="0"/>
                 <a:cs typeface="Arial" panose="020B0604020202020204" pitchFamily="34" charset="0"/>
               </a:rPr>
-              <a:t>letters</a:t>
-            </a:r>
-            <a:endParaRPr lang="en-US" sz="2400" b="1" dirty="0" smtClean="0">
-              <a:latin typeface="Arial" panose="020B0604020202020204" pitchFamily="34" charset="0"/>
-              <a:cs typeface="Arial" panose="020B0604020202020204" pitchFamily="34" charset="0"/>
-            </a:endParaRPr>
-          </a:p>
-          <a:p>
-            <a:r>
-              <a:rPr lang="en-US" sz="2400" b="1" dirty="0" smtClean="0">
+            </a:br>
+            <a:r>
+              <a:rPr lang="en-US" sz="2400" b="1" dirty="0">
                 <a:latin typeface="Arial" panose="020B0604020202020204" pitchFamily="34" charset="0"/>
                 <a:cs typeface="Arial" panose="020B0604020202020204" pitchFamily="34" charset="0"/>
               </a:rPr>
-              <a:t>First and Third Letter produce more tone and are termed as </a:t>
+              <a:t>alpapraNa (non-aspirate)</a:t>
+            </a:r>
+          </a:p>
+          <a:p>
+            <a:r>
+              <a:rPr lang="en-US" sz="2400" b="1" dirty="0">
+                <a:latin typeface="Arial" panose="020B0604020202020204" pitchFamily="34" charset="0"/>
+                <a:cs typeface="Arial" panose="020B0604020202020204" pitchFamily="34" charset="0"/>
+              </a:rPr>
+              <a:t>Second and Fourth letter through more air flow are called </a:t>
             </a:r>
             <a:br>
-              <a:rPr lang="en-US" sz="2400" b="1" dirty="0" smtClean="0">
+              <a:rPr lang="en-US" sz="2400" b="1" dirty="0">
                 <a:latin typeface="Arial" panose="020B0604020202020204" pitchFamily="34" charset="0"/>
                 <a:cs typeface="Arial" panose="020B0604020202020204" pitchFamily="34" charset="0"/>
               </a:rPr>
             </a:br>
             <a:r>
-              <a:rPr lang="en-US" sz="2400" b="1" dirty="0" smtClean="0">
+              <a:rPr lang="en-US" sz="2400" b="1" dirty="0">
                 <a:latin typeface="Arial" panose="020B0604020202020204" pitchFamily="34" charset="0"/>
                 <a:cs typeface="Arial" panose="020B0604020202020204" pitchFamily="34" charset="0"/>
               </a:rPr>
-              <a:t>alpapraNa (non-aspirate)</a:t>
-            </a:r>
-          </a:p>
-          <a:p>
-            <a:r>
-              <a:rPr lang="en-US" sz="2400" b="1" dirty="0" smtClean="0">
-                <a:latin typeface="Arial" panose="020B0604020202020204" pitchFamily="34" charset="0"/>
-                <a:cs typeface="Arial" panose="020B0604020202020204" pitchFamily="34" charset="0"/>
-              </a:rPr>
-              <a:t>Second and Fourth letter through more air flow are called </a:t>
-            </a:r>
-            <a:br>
-              <a:rPr lang="en-US" sz="2400" b="1" dirty="0" smtClean="0">
-                <a:latin typeface="Arial" panose="020B0604020202020204" pitchFamily="34" charset="0"/>
-                <a:cs typeface="Arial" panose="020B0604020202020204" pitchFamily="34" charset="0"/>
-              </a:rPr>
-            </a:br>
-            <a:r>
-              <a:rPr lang="en-US" sz="2400" b="1" dirty="0" smtClean="0">
-                <a:latin typeface="Arial" panose="020B0604020202020204" pitchFamily="34" charset="0"/>
-                <a:cs typeface="Arial" panose="020B0604020202020204" pitchFamily="34" charset="0"/>
-              </a:rPr>
               <a:t>MahApraNa</a:t>
             </a:r>
             <a:r>
-              <a:rPr lang="en-US" sz="2400" dirty="0" smtClean="0"/>
+              <a:rPr lang="en-US" sz="2400" dirty="0"/>
               <a:t>. </a:t>
             </a:r>
             <a:r>
-              <a:rPr lang="en-US" sz="2400" b="1" dirty="0" smtClean="0"/>
+              <a:rPr lang="en-US" sz="2400" b="1" dirty="0"/>
               <a:t>(aspirate</a:t>
             </a:r>
             <a:r>
-              <a:rPr lang="en-US" sz="2400" dirty="0" smtClean="0"/>
+              <a:rPr lang="en-US" sz="2400" dirty="0"/>
               <a:t>)</a:t>
             </a:r>
           </a:p>
@@ -13390,13 +12443,6 @@
   <p:clrMapOvr>
     <a:masterClrMapping/>
   </p:clrMapOvr>
-  <p:timing>
-    <p:tnLst>
-      <p:par>
-        <p:cTn id="1" dur="indefinite" restart="never" nodeType="tmRoot"/>
-      </p:par>
-    </p:tnLst>
-  </p:timing>
 </p:sld>
 </file>
 
@@ -13438,10 +12484,9 @@
           <a:lstStyle/>
           <a:p>
             <a:r>
-              <a:rPr lang="en-US" dirty="0" smtClean="0"/>
+              <a:rPr lang="en-US" dirty="0"/>
               <a:t>Other Letters</a:t>
             </a:r>
-            <a:endParaRPr lang="en-US" dirty="0"/>
           </a:p>
         </p:txBody>
       </p:sp>
@@ -13468,7 +12513,7 @@
           <a:lstStyle/>
           <a:p>
             <a:r>
-              <a:rPr lang="en-US" sz="2400" b="1" dirty="0" smtClean="0">
+              <a:rPr lang="en-US" sz="2400" b="1" dirty="0">
                 <a:cs typeface="Arial" panose="020B0604020202020204" pitchFamily="34" charset="0"/>
               </a:rPr>
               <a:t>Semi Vowels – (Soft Consonant &amp; alpaprANa) </a:t>
@@ -13477,19 +12522,19 @@
           <a:p>
             <a:pPr lvl="1"/>
             <a:r>
-              <a:rPr lang="en-US" sz="2400" b="1" dirty="0" smtClean="0">
+              <a:rPr lang="en-US" sz="2400" b="1" dirty="0">
                 <a:cs typeface="Arial" panose="020B0604020202020204" pitchFamily="34" charset="0"/>
               </a:rPr>
               <a:t>Ya, ra, la, va (</a:t>
             </a:r>
             <a:r>
-              <a:rPr lang="en-US" sz="2400" b="1" dirty="0" err="1" smtClean="0">
+              <a:rPr lang="en-US" sz="2400" b="1" dirty="0" err="1">
                 <a:cs typeface="Arial" panose="020B0604020202020204" pitchFamily="34" charset="0"/>
               </a:rPr>
               <a:t>antasthA</a:t>
             </a:r>
             <a:r>
-              <a:rPr lang="en-US" sz="2400" b="1" dirty="0" smtClean="0">
+              <a:rPr lang="en-US" sz="2400" b="1" dirty="0">
                 <a:cs typeface="Arial" panose="020B0604020202020204" pitchFamily="34" charset="0"/>
               </a:rPr>
               <a:t>)</a:t>
@@ -13497,7 +12542,7 @@
           </a:p>
           <a:p>
             <a:r>
-              <a:rPr lang="en-US" sz="2400" b="1" dirty="0" smtClean="0">
+              <a:rPr lang="en-US" sz="2400" b="1" dirty="0">
                 <a:cs typeface="Arial" panose="020B0604020202020204" pitchFamily="34" charset="0"/>
               </a:rPr>
               <a:t>Aspirate – ha (Soft Consonant and MahApraNa)</a:t>
@@ -13505,7 +12550,7 @@
           </a:p>
           <a:p>
             <a:r>
-              <a:rPr lang="en-US" sz="2400" b="1" dirty="0" smtClean="0">
+              <a:rPr lang="en-US" sz="2400" b="1" dirty="0">
                 <a:cs typeface="Arial" panose="020B0604020202020204" pitchFamily="34" charset="0"/>
               </a:rPr>
               <a:t>Ushman – sa, Sa, Sha (Hard Consonant and MahApraNa)</a:t>
@@ -13513,18 +12558,18 @@
           </a:p>
           <a:p>
             <a:r>
-              <a:rPr lang="en-US" sz="2400" b="1" dirty="0" smtClean="0">
+              <a:rPr lang="en-US" sz="2400" b="1" dirty="0">
                 <a:cs typeface="Arial" panose="020B0604020202020204" pitchFamily="34" charset="0"/>
               </a:rPr>
               <a:t>All these letters have their own halant </a:t>
             </a:r>
             <a:br>
-              <a:rPr lang="en-US" sz="2400" b="1" dirty="0" smtClean="0">
+              <a:rPr lang="en-US" sz="2400" b="1" dirty="0">
                 <a:cs typeface="Arial" panose="020B0604020202020204" pitchFamily="34" charset="0"/>
               </a:rPr>
             </a:br>
             <a:r>
-              <a:rPr lang="en-US" sz="2400" b="1" dirty="0" smtClean="0">
+              <a:rPr lang="en-US" sz="2400" b="1" dirty="0">
                 <a:cs typeface="Arial" panose="020B0604020202020204" pitchFamily="34" charset="0"/>
               </a:rPr>
               <a:t>(mei-elutthu in Tamil)</a:t>
@@ -13532,7 +12577,7 @@
           </a:p>
           <a:p>
             <a:r>
-              <a:rPr lang="en-US" sz="2400" b="1" dirty="0" smtClean="0">
+              <a:rPr lang="en-US" sz="2400" b="1" dirty="0">
                 <a:cs typeface="Arial" panose="020B0604020202020204" pitchFamily="34" charset="0"/>
               </a:rPr>
               <a:t>Normal consonants formed out of a halant and vowel is called Swaryukta Akshara </a:t>
@@ -13540,7 +12585,7 @@
           </a:p>
           <a:p>
             <a:r>
-              <a:rPr lang="en-US" sz="2400" b="1" dirty="0" smtClean="0">
+              <a:rPr lang="en-US" sz="2400" b="1" dirty="0">
                 <a:cs typeface="Arial" panose="020B0604020202020204" pitchFamily="34" charset="0"/>
               </a:rPr>
               <a:t>There is no ‘La’ in Classical text  but SikSha recognises</a:t>
@@ -13548,19 +12593,19 @@
           </a:p>
           <a:p>
             <a:r>
-              <a:rPr lang="en-US" sz="2400" b="1" dirty="0" smtClean="0">
+              <a:rPr lang="en-US" sz="2400" b="1" dirty="0">
                 <a:cs typeface="Arial" panose="020B0604020202020204" pitchFamily="34" charset="0"/>
               </a:rPr>
               <a:t>There are two ‘</a:t>
             </a:r>
             <a:r>
-              <a:rPr lang="en-US" sz="2400" b="1" dirty="0" err="1" smtClean="0">
+              <a:rPr lang="en-US" sz="2400" b="1" dirty="0" err="1">
                 <a:cs typeface="Arial" panose="020B0604020202020204" pitchFamily="34" charset="0"/>
               </a:rPr>
               <a:t>na’s</a:t>
             </a:r>
             <a:r>
-              <a:rPr lang="en-US" sz="2400" b="1" dirty="0" smtClean="0">
+              <a:rPr lang="en-US" sz="2400" b="1" dirty="0">
                 <a:cs typeface="Arial" panose="020B0604020202020204" pitchFamily="34" charset="0"/>
               </a:rPr>
               <a:t> and hard ‘Ra’ in Tamil/Malayalam</a:t>
@@ -13568,38 +12613,35 @@
           </a:p>
           <a:p>
             <a:r>
-              <a:rPr lang="en-US" sz="2400" b="1" dirty="0" smtClean="0">
+              <a:rPr lang="en-US" sz="2400" b="1" dirty="0">
                 <a:cs typeface="Arial" panose="020B0604020202020204" pitchFamily="34" charset="0"/>
               </a:rPr>
               <a:t>No ‘</a:t>
             </a:r>
             <a:r>
-              <a:rPr lang="en-US" sz="2400" b="1" dirty="0" err="1" smtClean="0">
+              <a:rPr lang="en-US" sz="2400" b="1" dirty="0" err="1">
                 <a:cs typeface="Arial" panose="020B0604020202020204" pitchFamily="34" charset="0"/>
               </a:rPr>
               <a:t>Zha</a:t>
             </a:r>
             <a:r>
-              <a:rPr lang="en-US" sz="2400" b="1" dirty="0" smtClean="0">
+              <a:rPr lang="en-US" sz="2400" b="1" dirty="0">
                 <a:cs typeface="Arial" panose="020B0604020202020204" pitchFamily="34" charset="0"/>
               </a:rPr>
               <a:t>’ in Sanskrit; </a:t>
             </a:r>
             <a:r>
-              <a:rPr lang="en-US" sz="2400" b="1" smtClean="0">
+              <a:rPr lang="en-US" sz="2400" b="1">
                 <a:cs typeface="Arial" panose="020B0604020202020204" pitchFamily="34" charset="0"/>
               </a:rPr>
               <a:t>speciality</a:t>
             </a:r>
             <a:r>
-              <a:rPr lang="en-US" sz="2400" b="1" dirty="0" smtClean="0">
+              <a:rPr lang="en-US" sz="2400" b="1" dirty="0">
                 <a:cs typeface="Arial" panose="020B0604020202020204" pitchFamily="34" charset="0"/>
               </a:rPr>
               <a:t> of Tamil &amp; Malayalam</a:t>
             </a:r>
-            <a:endParaRPr lang="en-US" sz="2400" b="1" dirty="0">
-              <a:cs typeface="Arial" panose="020B0604020202020204" pitchFamily="34" charset="0"/>
-            </a:endParaRPr>
           </a:p>
         </p:txBody>
       </p:sp>
@@ -13613,13 +12655,6 @@
   <p:clrMapOvr>
     <a:masterClrMapping/>
   </p:clrMapOvr>
-  <p:timing>
-    <p:tnLst>
-      <p:par>
-        <p:cTn id="1" dur="indefinite" restart="never" nodeType="tmRoot"/>
-      </p:par>
-    </p:tnLst>
-  </p:timing>
 </p:sld>
 </file>
 
@@ -13663,10 +12698,9 @@
           <a:lstStyle/>
           <a:p>
             <a:r>
-              <a:rPr lang="en-US" dirty="0" smtClean="0"/>
+              <a:rPr lang="en-US" dirty="0"/>
               <a:t>Samyukta Akshara /Conjunct Consonants</a:t>
             </a:r>
-            <a:endParaRPr lang="en-US" dirty="0"/>
           </a:p>
         </p:txBody>
       </p:sp>
@@ -13693,18 +12727,18 @@
           <a:lstStyle/>
           <a:p>
             <a:r>
-              <a:rPr lang="en-US" sz="2400" b="1" dirty="0" smtClean="0">
+              <a:rPr lang="en-US" sz="2400" b="1" dirty="0">
                 <a:cs typeface="Arial" panose="020B0604020202020204" pitchFamily="34" charset="0"/>
               </a:rPr>
               <a:t>Samyukta aksharA( Conjunct Consonants) are</a:t>
             </a:r>
             <a:br>
-              <a:rPr lang="en-US" sz="2400" b="1" dirty="0" smtClean="0">
+              <a:rPr lang="en-US" sz="2400" b="1" dirty="0">
                 <a:cs typeface="Arial" panose="020B0604020202020204" pitchFamily="34" charset="0"/>
               </a:rPr>
             </a:br>
             <a:r>
-              <a:rPr lang="en-US" sz="2400" b="1" dirty="0" smtClean="0">
+              <a:rPr lang="en-US" sz="2400" b="1" dirty="0">
                 <a:cs typeface="Arial" panose="020B0604020202020204" pitchFamily="34" charset="0"/>
               </a:rPr>
               <a:t>Formed without vowel sound between two letters</a:t>
@@ -13713,7 +12747,7 @@
           <a:p>
             <a:pPr lvl="1"/>
             <a:r>
-              <a:rPr lang="en-US" sz="2400" b="1" dirty="0" smtClean="0">
+              <a:rPr lang="en-US" sz="2400" b="1" dirty="0">
                 <a:cs typeface="Arial" panose="020B0604020202020204" pitchFamily="34" charset="0"/>
               </a:rPr>
               <a:t>tra, gna, sya, pra, </a:t>
@@ -13721,7 +12755,7 @@
           </a:p>
           <a:p>
             <a:r>
-              <a:rPr lang="en-US" sz="2400" b="1" dirty="0" smtClean="0">
+              <a:rPr lang="en-US" sz="2400" b="1" dirty="0">
                 <a:cs typeface="Arial" panose="020B0604020202020204" pitchFamily="34" charset="0"/>
               </a:rPr>
               <a:t>Note Representation in books  (go through Articles Pages)</a:t>
@@ -13730,7 +12764,7 @@
           <a:p>
             <a:pPr lvl="1"/>
             <a:r>
-              <a:rPr lang="en-US" sz="2400" b="1" dirty="0" smtClean="0">
+              <a:rPr lang="en-US" sz="2400" b="1" dirty="0">
                 <a:cs typeface="Arial" panose="020B0604020202020204" pitchFamily="34" charset="0"/>
               </a:rPr>
               <a:t>Can be represented one below the other</a:t>
@@ -13739,7 +12773,7 @@
           <a:p>
             <a:pPr lvl="1"/>
             <a:r>
-              <a:rPr lang="en-US" sz="2400" b="1" dirty="0" smtClean="0">
+              <a:rPr lang="en-US" sz="2400" b="1" dirty="0">
                 <a:cs typeface="Arial" panose="020B0604020202020204" pitchFamily="34" charset="0"/>
               </a:rPr>
               <a:t>Or by the side of other</a:t>
@@ -13748,7 +12782,7 @@
           <a:p>
             <a:pPr lvl="1"/>
             <a:r>
-              <a:rPr lang="en-US" sz="2400" b="1" dirty="0" smtClean="0">
+              <a:rPr lang="en-US" sz="2400" b="1" dirty="0">
                 <a:cs typeface="Arial" panose="020B0604020202020204" pitchFamily="34" charset="0"/>
               </a:rPr>
               <a:t>Special symbols for representation ‘r’</a:t>
@@ -13756,7 +12790,7 @@
           </a:p>
           <a:p>
             <a:r>
-              <a:rPr lang="en-US" sz="2400" b="1" dirty="0" smtClean="0">
+              <a:rPr lang="en-US" sz="2400" b="1" dirty="0">
                 <a:cs typeface="Arial" panose="020B0604020202020204" pitchFamily="34" charset="0"/>
               </a:rPr>
               <a:t>Any letter/word can have vowel, visarga or anuswarm ending</a:t>
@@ -13765,25 +12799,22 @@
           <a:p>
             <a:pPr lvl="1"/>
             <a:r>
-              <a:rPr lang="en-US" sz="2200" b="1" dirty="0" smtClean="0">
+              <a:rPr lang="en-US" sz="2200" b="1" dirty="0">
                 <a:cs typeface="Arial" panose="020B0604020202020204" pitchFamily="34" charset="0"/>
               </a:rPr>
               <a:t>Exceptions will be dealt later</a:t>
             </a:r>
             <a:br>
-              <a:rPr lang="en-US" sz="2200" b="1" dirty="0" smtClean="0">
+              <a:rPr lang="en-US" sz="2200" b="1" dirty="0">
                 <a:cs typeface="Arial" panose="020B0604020202020204" pitchFamily="34" charset="0"/>
               </a:rPr>
             </a:br>
             <a:r>
-              <a:rPr lang="en-US" sz="2200" b="1" dirty="0" smtClean="0">
+              <a:rPr lang="en-US" sz="2200" b="1" dirty="0">
                 <a:cs typeface="Arial" panose="020B0604020202020204" pitchFamily="34" charset="0"/>
               </a:rPr>
               <a:t>	</a:t>
             </a:r>
-            <a:endParaRPr lang="en-US" sz="2200" b="1" dirty="0">
-              <a:cs typeface="Arial" panose="020B0604020202020204" pitchFamily="34" charset="0"/>
-            </a:endParaRPr>
           </a:p>
         </p:txBody>
       </p:sp>
@@ -13797,13 +12828,6 @@
   <p:clrMapOvr>
     <a:masterClrMapping/>
   </p:clrMapOvr>
-  <p:timing>
-    <p:tnLst>
-      <p:par>
-        <p:cTn id="1" dur="indefinite" restart="never" nodeType="tmRoot"/>
-      </p:par>
-    </p:tnLst>
-  </p:timing>
 </p:sld>
 </file>
 
@@ -13847,10 +12871,9 @@
           <a:lstStyle/>
           <a:p>
             <a:r>
-              <a:rPr lang="en-US" dirty="0" smtClean="0"/>
+              <a:rPr lang="en-US" dirty="0"/>
               <a:t>Special Sounds as letters</a:t>
             </a:r>
-            <a:endParaRPr lang="en-US" dirty="0"/>
           </a:p>
         </p:txBody>
       </p:sp>
@@ -13880,19 +12903,13 @@
               <a:rPr lang="en-US" sz="2400" b="1" dirty="0">
                 <a:cs typeface="Arial" panose="020B0604020202020204" pitchFamily="34" charset="0"/>
               </a:rPr>
-              <a:t>g</a:t>
-            </a:r>
-            <a:r>
-              <a:rPr lang="en-US" sz="2400" b="1" dirty="0" smtClean="0">
-                <a:cs typeface="Arial" panose="020B0604020202020204" pitchFamily="34" charset="0"/>
-              </a:rPr>
-              <a:t>m, gg  are special to Yajur Veda</a:t>
-            </a:r>
-          </a:p>
-          <a:p>
-            <a:pPr lvl="1"/>
-            <a:r>
-              <a:rPr lang="en-US" sz="2400" b="1" dirty="0" smtClean="0">
+              <a:t>gm, gg  are special to Yajur Veda</a:t>
+            </a:r>
+          </a:p>
+          <a:p>
+            <a:pPr lvl="1"/>
+            <a:r>
+              <a:rPr lang="en-US" sz="2400" b="1" dirty="0">
                 <a:cs typeface="Arial" panose="020B0604020202020204" pitchFamily="34" charset="0"/>
               </a:rPr>
               <a:t>Anuswaram preceding ra, ha, sa, Sa, Sha</a:t>
@@ -13900,7 +12917,7 @@
           </a:p>
           <a:p>
             <a:r>
-              <a:rPr lang="en-US" sz="2400" b="1" dirty="0" smtClean="0">
+              <a:rPr lang="en-US" sz="2400" b="1" dirty="0">
                 <a:cs typeface="Arial" panose="020B0604020202020204" pitchFamily="34" charset="0"/>
               </a:rPr>
               <a:t>jihvAmUlya, upadhmAnIya</a:t>
@@ -13908,7 +12925,7 @@
           </a:p>
           <a:p>
             <a:r>
-              <a:rPr lang="en-US" sz="2400" b="1" dirty="0" smtClean="0">
+              <a:rPr lang="en-US" sz="2400" b="1" dirty="0">
                 <a:cs typeface="Arial" panose="020B0604020202020204" pitchFamily="34" charset="0"/>
               </a:rPr>
               <a:t>yamAs – Padma, vidma</a:t>
@@ -13916,7 +12933,7 @@
           </a:p>
           <a:p>
             <a:r>
-              <a:rPr lang="en-US" sz="2400" b="1" dirty="0" smtClean="0">
+              <a:rPr lang="en-US" sz="2400" b="1" dirty="0">
                 <a:cs typeface="Arial" panose="020B0604020202020204" pitchFamily="34" charset="0"/>
               </a:rPr>
               <a:t>Svaarbhakti –var.sha, saptar.shaya</a:t>
@@ -13924,35 +12941,24 @@
           </a:p>
           <a:p>
             <a:r>
-              <a:rPr lang="en-US" sz="2400" b="1" dirty="0" smtClean="0">
+              <a:rPr lang="en-US" sz="2400" b="1" dirty="0">
                 <a:cs typeface="Arial" panose="020B0604020202020204" pitchFamily="34" charset="0"/>
               </a:rPr>
               <a:t>pratiSAkyam give 64 aksharas (sounds)</a:t>
             </a:r>
-            <a:r>
-              <a:rPr lang="en-US" sz="2400" b="1" dirty="0" smtClean="0">
+            <a:br>
+              <a:rPr lang="en-US" sz="2400" b="1" dirty="0">
                 <a:latin typeface="Arial" panose="020B0604020202020204" pitchFamily="34" charset="0"/>
                 <a:cs typeface="Arial" panose="020B0604020202020204" pitchFamily="34" charset="0"/>
               </a:rPr>
-              <a:t/>
-            </a:r>
-            <a:br>
-              <a:rPr lang="en-US" sz="2400" b="1" dirty="0" smtClean="0">
+            </a:br>
+            <a:r>
+              <a:rPr lang="en-US" sz="2400" b="1" dirty="0">
                 <a:latin typeface="Arial" panose="020B0604020202020204" pitchFamily="34" charset="0"/>
                 <a:cs typeface="Arial" panose="020B0604020202020204" pitchFamily="34" charset="0"/>
               </a:rPr>
-            </a:br>
-            <a:r>
-              <a:rPr lang="en-US" sz="2400" b="1" dirty="0" smtClean="0">
-                <a:latin typeface="Arial" panose="020B0604020202020204" pitchFamily="34" charset="0"/>
-                <a:cs typeface="Arial" panose="020B0604020202020204" pitchFamily="34" charset="0"/>
-              </a:rPr>
               <a:t>	</a:t>
             </a:r>
-            <a:endParaRPr lang="en-US" sz="2400" b="1" dirty="0">
-              <a:latin typeface="Arial" panose="020B0604020202020204" pitchFamily="34" charset="0"/>
-              <a:cs typeface="Arial" panose="020B0604020202020204" pitchFamily="34" charset="0"/>
-            </a:endParaRPr>
           </a:p>
         </p:txBody>
       </p:sp>
@@ -13966,13 +12972,6 @@
   <p:clrMapOvr>
     <a:masterClrMapping/>
   </p:clrMapOvr>
-  <p:timing>
-    <p:tnLst>
-      <p:par>
-        <p:cTn id="1" dur="indefinite" restart="never" nodeType="tmRoot"/>
-      </p:par>
-    </p:tnLst>
-  </p:timing>
 </p:sld>
 </file>
 
@@ -14016,10 +13015,9 @@
           <a:lstStyle/>
           <a:p>
             <a:r>
-              <a:rPr lang="en-US" dirty="0" smtClean="0"/>
+              <a:rPr lang="en-US" dirty="0"/>
               <a:t>Note Representation issues in Conjunct  Consonants</a:t>
             </a:r>
-            <a:endParaRPr lang="en-US" dirty="0"/>
           </a:p>
         </p:txBody>
       </p:sp>
@@ -14046,7 +13044,7 @@
           <a:lstStyle/>
           <a:p>
             <a:r>
-              <a:rPr lang="en-US" sz="2400" b="1" dirty="0" smtClean="0">
+              <a:rPr lang="en-US" sz="2400" b="1" dirty="0">
                 <a:cs typeface="Arial" panose="020B0604020202020204" pitchFamily="34" charset="0"/>
               </a:rPr>
               <a:t>	Anuswaram will be represented separately as ‘m’ in Tamil and Malayalam – vaktAram, samvathsaram</a:t>
@@ -14054,7 +13052,7 @@
           </a:p>
           <a:p>
             <a:r>
-              <a:rPr lang="en-US" sz="2400" b="1" dirty="0" smtClean="0">
+              <a:rPr lang="en-US" sz="2400" b="1" dirty="0">
                 <a:cs typeface="Arial" panose="020B0604020202020204" pitchFamily="34" charset="0"/>
               </a:rPr>
               <a:t>Letters represented one below the other or half letter will be represented as full letters in Tamil.</a:t>
@@ -14063,7 +13061,7 @@
           <a:p>
             <a:pPr lvl="1"/>
             <a:r>
-              <a:rPr lang="en-US" sz="2200" b="1" dirty="0" smtClean="0">
+              <a:rPr lang="en-US" sz="2200" b="1" dirty="0">
                 <a:cs typeface="Arial" panose="020B0604020202020204" pitchFamily="34" charset="0"/>
               </a:rPr>
               <a:t>adya, padma, agna, kva, ktva, kka, tta, irka, irva, ddha,</a:t>
@@ -14071,7 +13069,7 @@
           </a:p>
           <a:p>
             <a:r>
-              <a:rPr lang="en-US" sz="2400" b="1" dirty="0" smtClean="0">
+              <a:rPr lang="en-US" sz="2400" b="1" dirty="0">
                 <a:cs typeface="Arial" panose="020B0604020202020204" pitchFamily="34" charset="0"/>
               </a:rPr>
               <a:t>Malayalam Font uses some representation of Joint Letters</a:t>
@@ -14080,14 +13078,11 @@
           <a:p>
             <a:pPr lvl="1"/>
             <a:r>
-              <a:rPr lang="en-US" sz="2200" b="1" dirty="0" smtClean="0">
+              <a:rPr lang="en-US" sz="2200" b="1" dirty="0">
                 <a:cs typeface="Arial" panose="020B0604020202020204" pitchFamily="34" charset="0"/>
               </a:rPr>
               <a:t>asminn, sarvam</a:t>
             </a:r>
-            <a:endParaRPr lang="en-US" sz="2200" b="1" dirty="0">
-              <a:cs typeface="Arial" panose="020B0604020202020204" pitchFamily="34" charset="0"/>
-            </a:endParaRPr>
           </a:p>
         </p:txBody>
       </p:sp>
@@ -14101,13 +13096,6 @@
   <p:clrMapOvr>
     <a:masterClrMapping/>
   </p:clrMapOvr>
-  <p:timing>
-    <p:tnLst>
-      <p:par>
-        <p:cTn id="1" dur="indefinite" restart="never" nodeType="tmRoot"/>
-      </p:par>
-    </p:tnLst>
-  </p:timing>
 </p:sld>
 </file>
 
@@ -14151,10 +13139,9 @@
           <a:lstStyle/>
           <a:p>
             <a:r>
-              <a:rPr lang="en-US" dirty="0" smtClean="0"/>
+              <a:rPr lang="en-US" dirty="0"/>
               <a:t>Beware of Sound Representations</a:t>
             </a:r>
-            <a:endParaRPr lang="en-US" dirty="0"/>
           </a:p>
         </p:txBody>
       </p:sp>
@@ -14181,7 +13168,7 @@
           <a:lstStyle/>
           <a:p>
             <a:r>
-              <a:rPr lang="en-US" sz="2400" b="1" dirty="0" smtClean="0">
+              <a:rPr lang="en-US" sz="2400" b="1" dirty="0">
                 <a:cs typeface="Arial" panose="020B0604020202020204" pitchFamily="34" charset="0"/>
               </a:rPr>
               <a:t>Letter kSha (K second ka + puShpam Sha)</a:t>
@@ -14189,30 +13176,15 @@
           </a:p>
           <a:p>
             <a:r>
-              <a:rPr lang="en-US" sz="2400" b="1" dirty="0" smtClean="0">
-                <a:cs typeface="Arial" panose="020B0604020202020204" pitchFamily="34" charset="0"/>
-              </a:rPr>
-              <a:t>Letter ddeva</a:t>
-            </a:r>
-            <a:r>
-              <a:rPr lang="en-US" sz="2400" b="1" dirty="0">
-                <a:cs typeface="Arial" panose="020B0604020202020204" pitchFamily="34" charset="0"/>
-              </a:rPr>
-              <a:t> </a:t>
-            </a:r>
-            <a:r>
-              <a:rPr lang="en-US" sz="2400" b="1" dirty="0" smtClean="0">
-                <a:cs typeface="Arial" panose="020B0604020202020204" pitchFamily="34" charset="0"/>
-              </a:rPr>
-              <a:t>(it is two dds together)</a:t>
-            </a:r>
-            <a:endParaRPr lang="en-US" sz="2400" b="1" dirty="0">
-              <a:cs typeface="Arial" panose="020B0604020202020204" pitchFamily="34" charset="0"/>
-            </a:endParaRPr>
-          </a:p>
-          <a:p>
-            <a:r>
-              <a:rPr lang="en-US" sz="2400" b="1" dirty="0" smtClean="0">
+              <a:rPr lang="en-US" sz="2400" b="1" dirty="0">
+                <a:cs typeface="Arial" panose="020B0604020202020204" pitchFamily="34" charset="0"/>
+              </a:rPr>
+              <a:t>Letter ddeva (it is two dds together)</a:t>
+            </a:r>
+          </a:p>
+          <a:p>
+            <a:r>
+              <a:rPr lang="en-US" sz="2400" b="1" dirty="0">
                 <a:cs typeface="Arial" panose="020B0604020202020204" pitchFamily="34" charset="0"/>
               </a:rPr>
               <a:t>Letter yaj~jya (this is j +gya)</a:t>
@@ -14220,7 +13192,7 @@
           </a:p>
           <a:p>
             <a:r>
-              <a:rPr lang="en-US" sz="2400" b="1" dirty="0" smtClean="0">
+              <a:rPr lang="en-US" sz="2400" b="1" dirty="0">
                 <a:cs typeface="Arial" panose="020B0604020202020204" pitchFamily="34" charset="0"/>
               </a:rPr>
               <a:t>Letter ~j~ja as in vi~jgyanam (this ~j + ~ja both nasal)</a:t>
@@ -14243,13 +13215,6 @@
   <p:clrMapOvr>
     <a:masterClrMapping/>
   </p:clrMapOvr>
-  <p:timing>
-    <p:tnLst>
-      <p:par>
-        <p:cTn id="1" dur="indefinite" restart="never" nodeType="tmRoot"/>
-      </p:par>
-    </p:tnLst>
-  </p:timing>
 </p:sld>
 </file>
 
@@ -14293,15 +13258,15 @@
           <a:lstStyle/>
           <a:p>
             <a:r>
-              <a:rPr lang="en-US" dirty="0" err="1" smtClean="0"/>
+              <a:rPr lang="en-US" dirty="0" err="1"/>
               <a:t>Maatra</a:t>
             </a:r>
             <a:r>
-              <a:rPr lang="en-US" dirty="0" smtClean="0"/>
+              <a:rPr lang="en-US" dirty="0"/>
               <a:t> as time </a:t>
             </a:r>
             <a:r>
-              <a:rPr lang="en-US" dirty="0" err="1" smtClean="0"/>
+              <a:rPr lang="en-US" dirty="0" err="1"/>
               <a:t>SCaLE</a:t>
             </a:r>
             <a:endParaRPr lang="en-US" dirty="0"/>
@@ -14331,7 +13296,7 @@
           <a:lstStyle/>
           <a:p>
             <a:r>
-              <a:rPr lang="en-US" sz="2400" b="1" dirty="0" smtClean="0">
+              <a:rPr lang="en-US" sz="2400" b="1" dirty="0">
                 <a:cs typeface="Arial" panose="020B0604020202020204" pitchFamily="34" charset="0"/>
               </a:rPr>
               <a:t>MAtra as time scale </a:t>
@@ -14340,7 +13305,7 @@
           <a:p>
             <a:pPr lvl="1"/>
             <a:r>
-              <a:rPr lang="en-US" sz="2400" b="1" dirty="0" smtClean="0">
+              <a:rPr lang="en-US" sz="2400" b="1" dirty="0">
                 <a:cs typeface="Arial" panose="020B0604020202020204" pitchFamily="34" charset="0"/>
               </a:rPr>
               <a:t>Time taken to pronounce letter ‘a’</a:t>
@@ -14349,25 +13314,25 @@
           <a:p>
             <a:pPr lvl="2"/>
             <a:r>
-              <a:rPr lang="en-US" sz="2200" b="1" dirty="0" smtClean="0">
+              <a:rPr lang="en-US" sz="2200" b="1" dirty="0">
                 <a:cs typeface="Arial" panose="020B0604020202020204" pitchFamily="34" charset="0"/>
               </a:rPr>
               <a:t>4 nimesha – 2 snaps of fingers (mukuTi)  as per </a:t>
             </a:r>
             <a:r>
-              <a:rPr lang="en-US" sz="2200" b="1" dirty="0" err="1" smtClean="0">
+              <a:rPr lang="en-US" sz="2200" b="1" dirty="0" err="1">
                 <a:cs typeface="Arial" panose="020B0604020202020204" pitchFamily="34" charset="0"/>
               </a:rPr>
               <a:t>SiddhAs</a:t>
             </a:r>
-            <a:endParaRPr lang="en-US" sz="2200" b="1" dirty="0" smtClean="0">
+            <a:endParaRPr lang="en-US" sz="2200" b="1" dirty="0">
               <a:cs typeface="Arial" panose="020B0604020202020204" pitchFamily="34" charset="0"/>
             </a:endParaRPr>
           </a:p>
           <a:p>
             <a:pPr lvl="2"/>
             <a:r>
-              <a:rPr lang="en-US" sz="2200" b="1" dirty="0" smtClean="0">
+              <a:rPr lang="en-US" sz="2200" b="1" dirty="0">
                 <a:cs typeface="Arial" panose="020B0604020202020204" pitchFamily="34" charset="0"/>
               </a:rPr>
               <a:t>2 nimesha – 1 snap as per other system</a:t>
@@ -14377,20 +13342,16 @@
             <a:pPr lvl="2"/>
             <a:r>
               <a:rPr lang="en-US" sz="2400" b="1" dirty="0"/>
-              <a:t>yAvAna~gguLisPoTanakAlaH nimeShakAlaH tAvAn mAtrAkAla iti </a:t>
-            </a:r>
-            <a:r>
-              <a:rPr lang="en-US" sz="2400" b="1" dirty="0" smtClean="0"/>
-              <a:t>vij~jeyaH – jaTA darpaNam Sloka/sUtra - 119</a:t>
-            </a:r>
-            <a:endParaRPr lang="en-US" sz="2200" b="1" dirty="0" smtClean="0">
+              <a:t>yAvAna~gguLisPoTanakAlaH nimeShakAlaH tAvAn mAtrAkAla iti vij~jeyaH – jaTA darpaNam Sloka/sUtra - 119</a:t>
+            </a:r>
+            <a:endParaRPr lang="en-US" sz="2200" b="1" dirty="0">
               <a:cs typeface="Arial" panose="020B0604020202020204" pitchFamily="34" charset="0"/>
             </a:endParaRPr>
           </a:p>
           <a:p>
             <a:pPr lvl="1"/>
             <a:r>
-              <a:rPr lang="en-US" sz="2400" b="1" dirty="0" smtClean="0">
+              <a:rPr lang="en-US" sz="2400" b="1" dirty="0">
                 <a:cs typeface="Arial" panose="020B0604020202020204" pitchFamily="34" charset="0"/>
               </a:rPr>
               <a:t>Common timing is taken as one sixth of a second as a concept/practice</a:t>
@@ -14399,7 +13360,7 @@
           <a:p>
             <a:pPr lvl="1"/>
             <a:r>
-              <a:rPr lang="en-US" sz="2400" b="1" dirty="0" smtClean="0">
+              <a:rPr lang="en-US" sz="2400" b="1" dirty="0">
                 <a:cs typeface="Arial" panose="020B0604020202020204" pitchFamily="34" charset="0"/>
               </a:rPr>
               <a:t>But mAtrA in time scale varies while rendering different type of mantras e.g. Rudram, Shanti Mantras, Upanishad</a:t>
@@ -14417,13 +13378,6 @@
   <p:clrMapOvr>
     <a:masterClrMapping/>
   </p:clrMapOvr>
-  <p:timing>
-    <p:tnLst>
-      <p:par>
-        <p:cTn id="1" dur="indefinite" restart="never" nodeType="tmRoot"/>
-      </p:par>
-    </p:tnLst>
-  </p:timing>
 </p:sld>
 </file>
 
@@ -14505,7 +13459,7 @@
           <a:lstStyle/>
           <a:p>
             <a:r>
-              <a:rPr lang="en-US" sz="2400" b="1" dirty="0" smtClean="0">
+              <a:rPr lang="en-US" sz="2400" b="1" dirty="0">
                 <a:cs typeface="Arial" panose="020B0604020202020204" pitchFamily="34" charset="0"/>
               </a:rPr>
               <a:t>MAtra as time scale </a:t>
@@ -14516,77 +13470,62 @@
               <a:rPr lang="en-US" sz="2400" b="1" dirty="0">
                 <a:cs typeface="Arial" panose="020B0604020202020204" pitchFamily="34" charset="0"/>
               </a:rPr>
-              <a:t>MAtra time Scale – hrasva 1 dheerga </a:t>
-            </a:r>
-            <a:r>
-              <a:rPr lang="en-US" sz="2400" b="1" dirty="0" smtClean="0">
-                <a:cs typeface="Arial" panose="020B0604020202020204" pitchFamily="34" charset="0"/>
-              </a:rPr>
-              <a:t>2 </a:t>
-            </a:r>
-            <a:r>
-              <a:rPr lang="en-US" sz="2400" b="1" dirty="0" err="1" smtClean="0">
+              <a:t>MAtra time Scale – hrasva 1 dheerga 2 </a:t>
+            </a:r>
+            <a:r>
+              <a:rPr lang="en-US" sz="2400" b="1" dirty="0" err="1">
                 <a:cs typeface="Arial" panose="020B0604020202020204" pitchFamily="34" charset="0"/>
               </a:rPr>
               <a:t>halanta</a:t>
             </a:r>
             <a:r>
-              <a:rPr lang="en-US" sz="2400" b="1" dirty="0" smtClean="0">
+              <a:rPr lang="en-US" sz="2400" b="1" dirty="0">
                 <a:cs typeface="Arial" panose="020B0604020202020204" pitchFamily="34" charset="0"/>
               </a:rPr>
               <a:t> 0.5</a:t>
             </a:r>
+          </a:p>
+          <a:p>
+            <a:r>
+              <a:rPr lang="en-US" sz="2400" b="1" dirty="0">
+                <a:cs typeface="Arial" panose="020B0604020202020204" pitchFamily="34" charset="0"/>
+              </a:rPr>
+              <a:t>Plutam concept – a3,i3,u3 as represented in Classical Texts</a:t>
+            </a:r>
+          </a:p>
+          <a:p>
+            <a:pPr lvl="1"/>
+            <a:r>
+              <a:rPr lang="en-US" sz="2400" b="1" dirty="0">
+                <a:cs typeface="Arial" panose="020B0604020202020204" pitchFamily="34" charset="0"/>
+              </a:rPr>
+              <a:t> the vowel part of the letter is rendered for 3 or more mAtras</a:t>
+            </a:r>
+          </a:p>
+          <a:p>
+            <a:pPr lvl="1"/>
+            <a:r>
+              <a:rPr lang="en-US" sz="2400" b="1" dirty="0">
+                <a:cs typeface="Arial" panose="020B0604020202020204" pitchFamily="34" charset="0"/>
+              </a:rPr>
+              <a:t>Vishnusahasranamam – mUrthimaaan</a:t>
+            </a:r>
+          </a:p>
+          <a:p>
+            <a:pPr lvl="1"/>
+            <a:r>
+              <a:rPr lang="en-US" sz="2400" b="1" dirty="0">
+                <a:cs typeface="Arial" panose="020B0604020202020204" pitchFamily="34" charset="0"/>
+              </a:rPr>
+              <a:t>atasvithAsI(3) duparisvithAsI(3)t from nAsadAsIya  </a:t>
+            </a:r>
+            <a:r>
+              <a:rPr lang="en-US" sz="2400" b="1" dirty="0" err="1">
+                <a:cs typeface="Arial" panose="020B0604020202020204" pitchFamily="34" charset="0"/>
+              </a:rPr>
+              <a:t>sUktam</a:t>
+            </a:r>
             <a:endParaRPr lang="en-US" sz="2400" b="1" dirty="0">
-              <a:cs typeface="Arial" panose="020B0604020202020204" pitchFamily="34" charset="0"/>
-            </a:endParaRPr>
-          </a:p>
-          <a:p>
-            <a:r>
-              <a:rPr lang="en-US" sz="2400" b="1" dirty="0">
-                <a:cs typeface="Arial" panose="020B0604020202020204" pitchFamily="34" charset="0"/>
-              </a:rPr>
-              <a:t>Plutam concept – a3,i3,u3 as represented in Classical Texts</a:t>
-            </a:r>
-          </a:p>
-          <a:p>
-            <a:pPr lvl="1"/>
-            <a:r>
-              <a:rPr lang="en-US" sz="2400" b="1" dirty="0">
-                <a:cs typeface="Arial" panose="020B0604020202020204" pitchFamily="34" charset="0"/>
-              </a:rPr>
-              <a:t> the vowel part of the letter is rendered for 3 or more mAtras</a:t>
-            </a:r>
-          </a:p>
-          <a:p>
-            <a:pPr lvl="1"/>
-            <a:r>
-              <a:rPr lang="en-US" sz="2400" b="1" dirty="0">
-                <a:cs typeface="Arial" panose="020B0604020202020204" pitchFamily="34" charset="0"/>
-              </a:rPr>
-              <a:t>Vishnusahasranamam </a:t>
-            </a:r>
-            <a:r>
-              <a:rPr lang="en-US" sz="2400" b="1" dirty="0" smtClean="0">
-                <a:cs typeface="Arial" panose="020B0604020202020204" pitchFamily="34" charset="0"/>
-              </a:rPr>
-              <a:t>– mUrthimaaan</a:t>
-            </a:r>
-          </a:p>
-          <a:p>
-            <a:pPr lvl="1"/>
-            <a:r>
-              <a:rPr lang="en-US" sz="2400" b="1" dirty="0" smtClean="0">
-                <a:cs typeface="Arial" panose="020B0604020202020204" pitchFamily="34" charset="0"/>
-              </a:rPr>
-              <a:t>atasvithAsI(3) duparisvithAsI(3)t from nAsadAsIya  </a:t>
-            </a:r>
-            <a:r>
-              <a:rPr lang="en-US" sz="2400" b="1" dirty="0" err="1" smtClean="0">
-                <a:cs typeface="Arial" panose="020B0604020202020204" pitchFamily="34" charset="0"/>
-              </a:rPr>
-              <a:t>sUktam</a:t>
-            </a:r>
-            <a:endParaRPr lang="en-US" sz="2400" b="1" dirty="0" smtClean="0">
               <a:cs typeface="Arial" panose="020B0604020202020204" pitchFamily="34" charset="0"/>
             </a:endParaRPr>
           </a:p>
@@ -14610,13 +13549,6 @@
   <p:clrMapOvr>
     <a:masterClrMapping/>
   </p:clrMapOvr>
-  <p:timing>
-    <p:tnLst>
-      <p:par>
-        <p:cTn id="1" dur="indefinite" restart="never" nodeType="tmRoot"/>
-      </p:par>
-    </p:tnLst>
-  </p:timing>
 </p:sld>
 </file>
 
@@ -14658,10 +13590,9 @@
           <a:lstStyle/>
           <a:p>
             <a:r>
-              <a:rPr lang="en-US" dirty="0" smtClean="0"/>
+              <a:rPr lang="en-US" dirty="0"/>
               <a:t>Matra time scale of letters</a:t>
             </a:r>
-            <a:endParaRPr lang="en-US" dirty="0"/>
           </a:p>
         </p:txBody>
       </p:sp>
@@ -14688,150 +13619,150 @@
           <a:lstStyle/>
           <a:p>
             <a:r>
-              <a:rPr lang="en-US" sz="2400" b="1" dirty="0" smtClean="0"/>
+              <a:rPr lang="en-US" sz="2400" b="1" dirty="0"/>
               <a:t>Halant – half mAtrA</a:t>
             </a:r>
           </a:p>
           <a:p>
             <a:r>
-              <a:rPr lang="en-US" sz="2400" b="1" dirty="0" smtClean="0"/>
+              <a:rPr lang="en-US" sz="2400" b="1" dirty="0"/>
               <a:t>Short letter – one mAtrA</a:t>
             </a:r>
           </a:p>
           <a:p>
             <a:pPr lvl="1"/>
             <a:r>
-              <a:rPr lang="en-US" sz="2400" b="1" dirty="0" smtClean="0"/>
+              <a:rPr lang="en-US" sz="2400" b="1" dirty="0"/>
               <a:t>Consonant = k (0.5 halant)+ a (0.5 Vowel sound) ka, ca, ta</a:t>
             </a:r>
           </a:p>
           <a:p>
             <a:r>
-              <a:rPr lang="en-US" sz="2400" b="1" dirty="0" smtClean="0"/>
+              <a:rPr lang="en-US" sz="2400" b="1" dirty="0"/>
               <a:t>Long letter – two mAtrA</a:t>
             </a:r>
           </a:p>
           <a:p>
             <a:pPr lvl="1"/>
             <a:r>
-              <a:rPr lang="en-US" sz="2400" b="1" dirty="0" smtClean="0"/>
+              <a:rPr lang="en-US" sz="2400" b="1" dirty="0"/>
               <a:t>Consonant = 0.5 halant + 1.5 for long letter</a:t>
             </a:r>
           </a:p>
           <a:p>
             <a:pPr lvl="1"/>
             <a:r>
-              <a:rPr lang="en-US" sz="2400" b="1" dirty="0" smtClean="0"/>
+              <a:rPr lang="en-US" sz="2400" b="1" dirty="0"/>
               <a:t>kA= k 0.5+A 1.5</a:t>
             </a:r>
           </a:p>
           <a:p>
             <a:r>
-              <a:rPr lang="en-US" sz="2400" b="1" dirty="0" smtClean="0"/>
+              <a:rPr lang="en-US" sz="2400" b="1" dirty="0"/>
               <a:t>Visarga = 0.5 </a:t>
             </a:r>
             <a:br>
-              <a:rPr lang="en-US" sz="2400" b="1" dirty="0" smtClean="0"/>
+              <a:rPr lang="en-US" sz="2400" b="1" dirty="0"/>
             </a:br>
             <a:r>
-              <a:rPr lang="en-US" sz="2400" b="1" dirty="0" smtClean="0"/>
+              <a:rPr lang="en-US" sz="2400" b="1" dirty="0"/>
               <a:t>Anuswaram = 0.5 </a:t>
             </a:r>
           </a:p>
           <a:p>
             <a:r>
-              <a:rPr lang="en-US" sz="2400" b="1" dirty="0" smtClean="0"/>
+              <a:rPr lang="en-US" sz="2400" b="1" dirty="0"/>
               <a:t>Conjunct Consonants</a:t>
             </a:r>
           </a:p>
           <a:p>
             <a:pPr lvl="1"/>
             <a:r>
-              <a:rPr lang="en-US" sz="2400" b="1" dirty="0" smtClean="0"/>
+              <a:rPr lang="en-US" sz="2400" b="1" dirty="0"/>
               <a:t>Sum total of constituent parts</a:t>
             </a:r>
           </a:p>
           <a:p>
             <a:pPr lvl="1"/>
             <a:r>
-              <a:rPr lang="en-US" sz="2400" b="1" dirty="0" err="1" smtClean="0"/>
+              <a:rPr lang="en-US" sz="2400" b="1" dirty="0" err="1"/>
               <a:t>Sra</a:t>
             </a:r>
             <a:r>
-              <a:rPr lang="en-US" sz="2400" b="1" dirty="0" smtClean="0"/>
+              <a:rPr lang="en-US" sz="2400" b="1" dirty="0"/>
               <a:t> = 1.5 , </a:t>
             </a:r>
             <a:r>
-              <a:rPr lang="en-US" sz="2400" b="1" dirty="0" err="1" smtClean="0"/>
+              <a:rPr lang="en-US" sz="2400" b="1" dirty="0" err="1"/>
               <a:t>tvAm</a:t>
             </a:r>
             <a:r>
-              <a:rPr lang="en-US" sz="2400" b="1" dirty="0" smtClean="0"/>
+              <a:rPr lang="en-US" sz="2400" b="1" dirty="0"/>
               <a:t> – 3.0 tvam – 2 </a:t>
             </a:r>
             <a:r>
-              <a:rPr lang="en-US" sz="2400" b="1" dirty="0" err="1" smtClean="0"/>
+              <a:rPr lang="en-US" sz="2400" b="1" dirty="0" err="1"/>
               <a:t>tvA</a:t>
             </a:r>
             <a:r>
-              <a:rPr lang="en-US" sz="2400" b="1" dirty="0" smtClean="0"/>
+              <a:rPr lang="en-US" sz="2400" b="1" dirty="0"/>
               <a:t> -2.5 </a:t>
             </a:r>
             <a:r>
-              <a:rPr lang="en-US" sz="2400" b="1" dirty="0" err="1" smtClean="0"/>
+              <a:rPr lang="en-US" sz="2400" b="1" dirty="0" err="1"/>
               <a:t>SHTyAm</a:t>
             </a:r>
             <a:r>
-              <a:rPr lang="en-US" sz="2400" b="1" dirty="0" smtClean="0"/>
+              <a:rPr lang="en-US" sz="2400" b="1" dirty="0"/>
               <a:t> – 3.5</a:t>
             </a:r>
           </a:p>
           <a:p>
             <a:pPr lvl="1"/>
             <a:r>
-              <a:rPr lang="en-US" sz="2400" b="1" dirty="0" err="1" smtClean="0"/>
+              <a:rPr lang="en-US" sz="2400" b="1" dirty="0" err="1"/>
               <a:t>kaH</a:t>
             </a:r>
             <a:r>
-              <a:rPr lang="en-US" sz="2400" b="1" dirty="0" smtClean="0"/>
+              <a:rPr lang="en-US" sz="2400" b="1" dirty="0"/>
               <a:t> = 1.5 </a:t>
             </a:r>
             <a:r>
-              <a:rPr lang="en-US" sz="2400" b="1" dirty="0" err="1" smtClean="0"/>
+              <a:rPr lang="en-US" sz="2400" b="1" dirty="0" err="1"/>
               <a:t>kAH</a:t>
             </a:r>
             <a:r>
-              <a:rPr lang="en-US" sz="2400" b="1" dirty="0" smtClean="0"/>
+              <a:rPr lang="en-US" sz="2400" b="1" dirty="0"/>
               <a:t> =2.5 </a:t>
             </a:r>
             <a:r>
-              <a:rPr lang="en-US" sz="2400" b="1" dirty="0" err="1" smtClean="0"/>
+              <a:rPr lang="en-US" sz="2400" b="1" dirty="0" err="1"/>
               <a:t>kvAH</a:t>
             </a:r>
             <a:r>
-              <a:rPr lang="en-US" sz="2400" b="1" dirty="0" smtClean="0"/>
+              <a:rPr lang="en-US" sz="2400" b="1" dirty="0"/>
               <a:t> = 3  </a:t>
             </a:r>
             <a:r>
-              <a:rPr lang="en-US" sz="2400" b="1" dirty="0" err="1" smtClean="0"/>
+              <a:rPr lang="en-US" sz="2400" b="1" dirty="0" err="1"/>
               <a:t>vyAH</a:t>
             </a:r>
             <a:r>
-              <a:rPr lang="en-US" sz="2400" b="1" dirty="0" smtClean="0"/>
+              <a:rPr lang="en-US" sz="2400" b="1" dirty="0"/>
               <a:t> = 3</a:t>
             </a:r>
           </a:p>
           <a:p>
             <a:r>
-              <a:rPr lang="en-US" sz="2400" b="1" dirty="0" smtClean="0"/>
+              <a:rPr lang="en-US" sz="2400" b="1" dirty="0"/>
               <a:t>All Visarga letters are </a:t>
             </a:r>
             <a:r>
-              <a:rPr lang="en-US" sz="2400" b="1" dirty="0" err="1" smtClean="0"/>
+              <a:rPr lang="en-US" sz="2400" b="1" dirty="0" err="1"/>
               <a:t>MahaprANa</a:t>
             </a:r>
             <a:r>
-              <a:rPr lang="en-US" sz="2400" b="1" dirty="0" smtClean="0"/>
+              <a:rPr lang="en-US" sz="2400" b="1" dirty="0"/>
               <a:t> letter – hidden extension !!</a:t>
             </a:r>
           </a:p>
@@ -14853,13 +13784,6 @@
   <p:clrMapOvr>
     <a:masterClrMapping/>
   </p:clrMapOvr>
-  <p:timing>
-    <p:tnLst>
-      <p:par>
-        <p:cTn id="1" dur="indefinite" restart="never" nodeType="tmRoot"/>
-      </p:par>
-    </p:tnLst>
-  </p:timing>
 </p:sld>
 </file>
 
@@ -14903,10 +13827,9 @@
           <a:lstStyle/>
           <a:p>
             <a:r>
-              <a:rPr lang="en-US" dirty="0" smtClean="0"/>
+              <a:rPr lang="en-US" dirty="0"/>
               <a:t>Matra – Additional Letter shapes</a:t>
             </a:r>
-            <a:endParaRPr lang="en-US" dirty="0"/>
           </a:p>
         </p:txBody>
       </p:sp>
@@ -14934,56 +13857,56 @@
           <a:p>
             <a:pPr lvl="1"/>
             <a:r>
-              <a:rPr lang="en-US" sz="2400" b="1" dirty="0" smtClean="0"/>
+              <a:rPr lang="en-US" sz="2400" b="1" dirty="0"/>
               <a:t>In Sanskrit a shape or additional extension made to a letter is a called MATRA</a:t>
             </a:r>
           </a:p>
           <a:p>
             <a:pPr lvl="2"/>
             <a:r>
-              <a:rPr lang="en-US" sz="2200" b="1" dirty="0" smtClean="0"/>
+              <a:rPr lang="en-US" sz="2200" b="1" dirty="0"/>
               <a:t>Short a is a non mAtrA letter basic shape/representation</a:t>
             </a:r>
           </a:p>
           <a:p>
             <a:pPr lvl="2"/>
             <a:r>
-              <a:rPr lang="en-US" sz="2200" b="1" dirty="0" smtClean="0"/>
+              <a:rPr lang="en-US" sz="2200" b="1" dirty="0"/>
               <a:t>Long A has a vertical line added to basic ‘a’ and that addition is called MAtrA.. So A is a mAtrA </a:t>
             </a:r>
             <a:r>
-              <a:rPr lang="en-US" sz="2200" b="1" dirty="0" err="1" smtClean="0"/>
+              <a:rPr lang="en-US" sz="2200" b="1" dirty="0" err="1"/>
               <a:t>akShara</a:t>
             </a:r>
-            <a:endParaRPr lang="en-US" sz="2200" b="1" dirty="0" smtClean="0"/>
+            <a:endParaRPr lang="en-US" sz="2200" b="1" dirty="0"/>
           </a:p>
           <a:p>
             <a:pPr lvl="2"/>
             <a:r>
-              <a:rPr lang="en-US" sz="2200" b="1" dirty="0" smtClean="0"/>
+              <a:rPr lang="en-US" sz="2200" b="1" dirty="0"/>
               <a:t>Difference between </a:t>
             </a:r>
             <a:r>
-              <a:rPr lang="en-US" sz="2200" b="1" dirty="0" err="1" smtClean="0"/>
+              <a:rPr lang="en-US" sz="2200" b="1" dirty="0" err="1"/>
               <a:t>ki</a:t>
             </a:r>
             <a:r>
-              <a:rPr lang="en-US" sz="2200" b="1" dirty="0" smtClean="0"/>
+              <a:rPr lang="en-US" sz="2200" b="1" dirty="0"/>
               <a:t> and </a:t>
             </a:r>
             <a:r>
-              <a:rPr lang="en-US" sz="2200" b="1" dirty="0" err="1" smtClean="0"/>
+              <a:rPr lang="en-US" sz="2200" b="1" dirty="0" err="1"/>
               <a:t>kI</a:t>
             </a:r>
             <a:r>
-              <a:rPr lang="en-US" sz="2200" b="1" dirty="0" smtClean="0"/>
+              <a:rPr lang="en-US" sz="2200" b="1" dirty="0"/>
               <a:t> both are mAtrA letters</a:t>
             </a:r>
           </a:p>
           <a:p>
             <a:pPr lvl="1"/>
             <a:r>
-              <a:rPr lang="en-US" sz="2400" b="1" dirty="0" smtClean="0"/>
+              <a:rPr lang="en-US" sz="2400" b="1" dirty="0"/>
               <a:t>The way MAtrA letters is represented varies in Sanskrit, Tamil and Malayalam Languages</a:t>
             </a:r>
           </a:p>
@@ -15005,13 +13928,6 @@
   <p:clrMapOvr>
     <a:masterClrMapping/>
   </p:clrMapOvr>
-  <p:timing>
-    <p:tnLst>
-      <p:par>
-        <p:cTn id="1" dur="indefinite" restart="never" nodeType="tmRoot"/>
-      </p:par>
-    </p:tnLst>
-  </p:timing>
 </p:sld>
 </file>
 
@@ -15089,57 +14005,48 @@
                 </a:solidFill>
                 <a:cs typeface="Arial" panose="020B0604020202020204" pitchFamily="34" charset="0"/>
               </a:rPr>
-              <a:t>The Collective efforts to bring it into </a:t>
-            </a:r>
-            <a:r>
-              <a:rPr lang="en-US" sz="2400" b="1" dirty="0" smtClean="0">
+              <a:t>The Collective efforts to bring it into Sanskrit (Devanagari Script)</a:t>
+            </a:r>
+          </a:p>
+          <a:p>
+            <a:pPr lvl="1"/>
+            <a:r>
+              <a:rPr lang="en-US" sz="2400" b="1" dirty="0">
                 <a:solidFill>
                   <a:schemeClr val="bg1"/>
                 </a:solidFill>
                 <a:cs typeface="Arial" panose="020B0604020202020204" pitchFamily="34" charset="0"/>
               </a:rPr>
-              <a:t>Sanskrit (Devanagari Script)</a:t>
-            </a:r>
-          </a:p>
-          <a:p>
-            <a:pPr lvl="1"/>
-            <a:r>
-              <a:rPr lang="en-US" sz="2400" b="1" dirty="0" smtClean="0">
+              <a:t>Knowledge of deva BAshA Chandas was lost</a:t>
+            </a:r>
+          </a:p>
+          <a:p>
+            <a:r>
+              <a:rPr lang="en-US" sz="2600" b="1" dirty="0">
                 <a:solidFill>
                   <a:schemeClr val="bg1"/>
                 </a:solidFill>
                 <a:cs typeface="Arial" panose="020B0604020202020204" pitchFamily="34" charset="0"/>
               </a:rPr>
-              <a:t>Knowledge of deva BAshA Chandas was lost</a:t>
-            </a:r>
-          </a:p>
-          <a:p>
-            <a:r>
-              <a:rPr lang="en-US" sz="2600" b="1" dirty="0" smtClean="0">
+              <a:t>Sanskrit is the least ambiguous language</a:t>
+            </a:r>
+          </a:p>
+          <a:p>
+            <a:pPr lvl="1"/>
+            <a:r>
+              <a:rPr lang="en-US" sz="2400" b="1" dirty="0">
                 <a:solidFill>
                   <a:schemeClr val="bg1"/>
                 </a:solidFill>
                 <a:cs typeface="Arial" panose="020B0604020202020204" pitchFamily="34" charset="0"/>
               </a:rPr>
-              <a:t>Sanskrit is the least ambiguous language</a:t>
-            </a:r>
-          </a:p>
-          <a:p>
-            <a:pPr lvl="1"/>
-            <a:r>
-              <a:rPr lang="en-US" sz="2400" b="1" dirty="0" smtClean="0">
-                <a:solidFill>
-                  <a:schemeClr val="bg1"/>
-                </a:solidFill>
-                <a:cs typeface="Arial" panose="020B0604020202020204" pitchFamily="34" charset="0"/>
-              </a:rPr>
               <a:t>Sentence formed differently with same words give same meaning</a:t>
             </a:r>
           </a:p>
           <a:p>
             <a:pPr lvl="1"/>
             <a:r>
-              <a:rPr lang="en-US" sz="2400" b="1" dirty="0" smtClean="0">
+              <a:rPr lang="en-US" sz="2400" b="1" dirty="0">
                 <a:solidFill>
                   <a:schemeClr val="bg1"/>
                 </a:solidFill>
@@ -15160,13 +14067,6 @@
   <p:clrMapOvr>
     <a:masterClrMapping/>
   </p:clrMapOvr>
-  <p:timing>
-    <p:tnLst>
-      <p:par>
-        <p:cTn id="1" dur="indefinite" restart="never" nodeType="tmRoot"/>
-      </p:par>
-    </p:tnLst>
-  </p:timing>
 </p:sld>
 </file>
 
@@ -15210,10 +14110,9 @@
           <a:lstStyle/>
           <a:p>
             <a:r>
-              <a:rPr lang="en-US" dirty="0" smtClean="0"/>
+              <a:rPr lang="en-US" dirty="0"/>
               <a:t>Swaram Basics – Notes of Rendering</a:t>
             </a:r>
-            <a:endParaRPr lang="en-US" dirty="0"/>
           </a:p>
         </p:txBody>
       </p:sp>
@@ -15240,49 +14139,48 @@
           <a:lstStyle/>
           <a:p>
             <a:r>
-              <a:rPr lang="en-US" sz="2400" b="1" dirty="0" smtClean="0"/>
+              <a:rPr lang="en-US" sz="2400" b="1" dirty="0"/>
               <a:t>Krishna Yajur Veda effectively has 3 swaras</a:t>
             </a:r>
           </a:p>
           <a:p>
             <a:r>
-              <a:rPr lang="en-US" sz="2400" b="1" dirty="0" smtClean="0"/>
+              <a:rPr lang="en-US" sz="2400" b="1" dirty="0"/>
               <a:t>Sama Veda is said to have 7 Swaras</a:t>
             </a:r>
           </a:p>
           <a:p>
             <a:pPr lvl="1"/>
             <a:r>
-              <a:rPr lang="en-US" sz="2400" b="1" dirty="0" smtClean="0"/>
+              <a:rPr lang="en-US" sz="2400" b="1" dirty="0"/>
               <a:t>The foundation of Classical Music</a:t>
             </a:r>
           </a:p>
           <a:p>
             <a:r>
-              <a:rPr lang="en-US" sz="2400" b="1" dirty="0" smtClean="0"/>
+              <a:rPr lang="en-US" sz="2400" b="1" dirty="0"/>
               <a:t>Rig Veda has letter extension in addition to Swara</a:t>
             </a:r>
           </a:p>
           <a:p>
             <a:pPr lvl="1"/>
             <a:r>
-              <a:rPr lang="en-US" sz="2400" b="1" dirty="0" smtClean="0"/>
+              <a:rPr lang="en-US" sz="2400" b="1" dirty="0"/>
               <a:t>Similar to some ancient languages like Greek</a:t>
             </a:r>
           </a:p>
           <a:p>
             <a:r>
-              <a:rPr lang="en-US" sz="2400" b="1" dirty="0" smtClean="0"/>
+              <a:rPr lang="en-US" sz="2400" b="1" dirty="0"/>
               <a:t>Swara is the base/life of rendering and MAtrA timing is support Strength.</a:t>
             </a:r>
           </a:p>
           <a:p>
             <a:pPr lvl="1"/>
             <a:r>
-              <a:rPr lang="en-US" sz="2400" b="1" dirty="0" smtClean="0"/>
+              <a:rPr lang="en-US" sz="2400" b="1" dirty="0"/>
               <a:t> “varNa Swara , mAtrA balam” -Similar to saying Sruti mAta, layam pitA</a:t>
             </a:r>
-            <a:endParaRPr lang="en-US" sz="2400" b="1" dirty="0"/>
           </a:p>
         </p:txBody>
       </p:sp>
@@ -15296,13 +14194,6 @@
   <p:clrMapOvr>
     <a:masterClrMapping/>
   </p:clrMapOvr>
-  <p:timing>
-    <p:tnLst>
-      <p:par>
-        <p:cTn id="1" dur="indefinite" restart="never" nodeType="tmRoot"/>
-      </p:par>
-    </p:tnLst>
-  </p:timing>
 </p:sld>
 </file>
 
@@ -15346,10 +14237,9 @@
           <a:lstStyle/>
           <a:p>
             <a:r>
-              <a:rPr lang="en-US" dirty="0" smtClean="0"/>
+              <a:rPr lang="en-US" dirty="0"/>
               <a:t>Swaras – Accent Notes</a:t>
             </a:r>
-            <a:endParaRPr lang="en-US" dirty="0"/>
           </a:p>
         </p:txBody>
       </p:sp>
@@ -15376,55 +14266,55 @@
           <a:lstStyle/>
           <a:p>
             <a:r>
-              <a:rPr lang="en-US" sz="2400" b="1" dirty="0" smtClean="0"/>
+              <a:rPr lang="en-US" sz="2400" b="1" dirty="0"/>
               <a:t>udAttam</a:t>
             </a:r>
           </a:p>
           <a:p>
             <a:pPr lvl="1"/>
             <a:r>
-              <a:rPr lang="en-US" sz="2400" b="1" dirty="0" smtClean="0"/>
+              <a:rPr lang="en-US" sz="2400" b="1" dirty="0"/>
               <a:t>Named as ‘acute’ by Western Scholars or in English references in books.</a:t>
             </a:r>
           </a:p>
           <a:p>
             <a:pPr lvl="1"/>
             <a:r>
-              <a:rPr lang="en-US" sz="2400" b="1" dirty="0" smtClean="0"/>
+              <a:rPr lang="en-US" sz="2400" b="1" dirty="0"/>
               <a:t>Panini’s text defines it as “uccair udAttaH” meaning it is a higher note</a:t>
             </a:r>
           </a:p>
           <a:p>
             <a:pPr lvl="1"/>
             <a:r>
-              <a:rPr lang="en-US" sz="2400" b="1" dirty="0" smtClean="0"/>
+              <a:rPr lang="en-US" sz="2400" b="1" dirty="0"/>
               <a:t>Letters are not marked with any Swaram symbol in books</a:t>
             </a:r>
           </a:p>
           <a:p>
             <a:r>
-              <a:rPr lang="en-US" sz="2400" b="1" dirty="0" smtClean="0"/>
+              <a:rPr lang="en-US" sz="2400" b="1" dirty="0"/>
               <a:t>anudAttam</a:t>
             </a:r>
           </a:p>
           <a:p>
             <a:pPr lvl="1"/>
             <a:r>
-              <a:rPr lang="en-US" sz="2400" b="1" dirty="0" smtClean="0"/>
+              <a:rPr lang="en-US" sz="2400" b="1" dirty="0"/>
               <a:t>Named as ‘grave’ by Western Scholars and English Text Sources</a:t>
             </a:r>
           </a:p>
           <a:p>
             <a:pPr lvl="1"/>
             <a:r>
-              <a:rPr lang="en-US" sz="2400" b="1" dirty="0" smtClean="0"/>
+              <a:rPr lang="en-US" sz="2400" b="1" dirty="0"/>
               <a:t>This is a lower note</a:t>
             </a:r>
           </a:p>
           <a:p>
             <a:pPr lvl="1"/>
             <a:r>
-              <a:rPr lang="en-US" sz="2400" b="1" dirty="0" smtClean="0"/>
+              <a:rPr lang="en-US" sz="2400" b="1" dirty="0"/>
               <a:t>It is marked with an ‘_’ symbol below the letter</a:t>
             </a:r>
           </a:p>
@@ -15432,7 +14322,7 @@
             <a:pPr marL="457200" lvl="1" indent="0">
               <a:buNone/>
             </a:pPr>
-            <a:endParaRPr lang="en-US" dirty="0" smtClean="0"/>
+            <a:endParaRPr lang="en-US" dirty="0"/>
           </a:p>
           <a:p>
             <a:endParaRPr lang="en-US" dirty="0"/>
@@ -15449,13 +14339,6 @@
   <p:clrMapOvr>
     <a:masterClrMapping/>
   </p:clrMapOvr>
-  <p:timing>
-    <p:tnLst>
-      <p:par>
-        <p:cTn id="1" dur="indefinite" restart="never" nodeType="tmRoot"/>
-      </p:par>
-    </p:tnLst>
-  </p:timing>
 </p:sld>
 </file>
 
@@ -15497,10 +14380,9 @@
           <a:lstStyle/>
           <a:p>
             <a:r>
-              <a:rPr lang="en-US" dirty="0" smtClean="0"/>
+              <a:rPr lang="en-US" dirty="0"/>
               <a:t>Swaras – Accent Notes</a:t>
             </a:r>
-            <a:endParaRPr lang="en-US" dirty="0"/>
           </a:p>
         </p:txBody>
       </p:sp>
@@ -15527,70 +14409,62 @@
           <a:lstStyle/>
           <a:p>
             <a:r>
-              <a:rPr lang="en-US" sz="2400" b="1" dirty="0" smtClean="0"/>
+              <a:rPr lang="en-US" sz="2400" b="1" dirty="0"/>
               <a:t>Swaritam</a:t>
             </a:r>
           </a:p>
           <a:p>
             <a:pPr lvl="1"/>
             <a:r>
-              <a:rPr lang="en-US" sz="2400" b="1" dirty="0" smtClean="0"/>
+              <a:rPr lang="en-US" sz="2400" b="1" dirty="0"/>
               <a:t>High note</a:t>
             </a:r>
           </a:p>
           <a:p>
             <a:pPr lvl="1"/>
             <a:r>
-              <a:rPr lang="en-US" sz="2400" b="1" dirty="0" smtClean="0"/>
+              <a:rPr lang="en-US" sz="2400" b="1" dirty="0"/>
               <a:t>Referred as Circumflex by Western and English Texts</a:t>
             </a:r>
           </a:p>
           <a:p>
             <a:pPr lvl="1"/>
             <a:r>
-              <a:rPr lang="en-US" sz="2400" b="1" dirty="0" smtClean="0"/>
+              <a:rPr lang="en-US" sz="2400" b="1" dirty="0"/>
               <a:t>PAninis definition is it consists of half UdAttam and half anudAttam.</a:t>
             </a:r>
           </a:p>
           <a:p>
             <a:pPr lvl="2"/>
             <a:r>
-              <a:rPr lang="en-US" sz="2200" b="1" dirty="0" smtClean="0"/>
+              <a:rPr lang="en-US" sz="2200" b="1" dirty="0"/>
               <a:t>This needs to understood correctly</a:t>
             </a:r>
           </a:p>
           <a:p>
             <a:pPr lvl="1"/>
             <a:r>
-              <a:rPr lang="en-US" sz="2400" b="1" dirty="0" smtClean="0"/>
-              <a:t>Marked as </a:t>
-            </a:r>
-            <a:r>
               <a:rPr lang="en-US" sz="2400" b="1" dirty="0"/>
-              <a:t>“ </a:t>
-            </a:r>
-            <a:r>
-              <a:rPr lang="en-US" sz="2400" b="1" dirty="0" smtClean="0"/>
-              <a:t>| ” above the letter</a:t>
-            </a:r>
-          </a:p>
-          <a:p>
-            <a:r>
-              <a:rPr lang="en-US" sz="2400" b="1" dirty="0" smtClean="0"/>
+              <a:t>Marked as “ | ” above the letter</a:t>
+            </a:r>
+          </a:p>
+          <a:p>
+            <a:r>
+              <a:rPr lang="en-US" sz="2400" b="1" dirty="0"/>
               <a:t>Dheerga Swaritam</a:t>
             </a:r>
           </a:p>
           <a:p>
             <a:pPr lvl="1"/>
             <a:r>
-              <a:rPr lang="en-US" sz="2400" b="1" dirty="0" smtClean="0"/>
+              <a:rPr lang="en-US" sz="2400" b="1" dirty="0"/>
               <a:t>Swaritam which is rendered in twice the time scale </a:t>
             </a:r>
           </a:p>
           <a:p>
             <a:pPr lvl="1"/>
             <a:r>
-              <a:rPr lang="en-US" sz="2400" b="1" dirty="0" smtClean="0"/>
+              <a:rPr lang="en-US" sz="2400" b="1" dirty="0"/>
               <a:t>Marked with two vertical lines like ‘||’ above the letter</a:t>
             </a:r>
           </a:p>
@@ -15609,13 +14483,6 @@
   <p:clrMapOvr>
     <a:masterClrMapping/>
   </p:clrMapOvr>
-  <p:timing>
-    <p:tnLst>
-      <p:par>
-        <p:cTn id="1" dur="indefinite" restart="never" nodeType="tmRoot"/>
-      </p:par>
-    </p:tnLst>
-  </p:timing>
 </p:sld>
 </file>
 
@@ -15659,10 +14526,9 @@
           <a:lstStyle/>
           <a:p>
             <a:r>
-              <a:rPr lang="en-US" dirty="0" smtClean="0"/>
+              <a:rPr lang="en-US" dirty="0"/>
               <a:t>Comparison to Musical Notes</a:t>
             </a:r>
-            <a:endParaRPr lang="en-US" dirty="0"/>
           </a:p>
         </p:txBody>
       </p:sp>
@@ -15689,50 +14555,50 @@
           <a:lstStyle/>
           <a:p>
             <a:r>
-              <a:rPr lang="en-US" sz="2400" b="1" dirty="0" smtClean="0"/>
+              <a:rPr lang="en-US" sz="2400" b="1" dirty="0"/>
               <a:t>udAttam is GandhAra – Swaram ‘ga’</a:t>
             </a:r>
           </a:p>
           <a:p>
             <a:r>
-              <a:rPr lang="en-US" sz="2400" b="1" dirty="0" smtClean="0"/>
+              <a:rPr lang="en-US" sz="2400" b="1" dirty="0"/>
               <a:t>anudAttam is Rushabam – Swaram ‘re’</a:t>
             </a:r>
           </a:p>
           <a:p>
             <a:r>
-              <a:rPr lang="en-US" sz="2400" b="1" dirty="0" smtClean="0"/>
+              <a:rPr lang="en-US" sz="2400" b="1" dirty="0"/>
               <a:t>Swaritam is Madhyama – Swaram – ma</a:t>
             </a:r>
           </a:p>
           <a:p>
             <a:pPr lvl="1"/>
             <a:r>
-              <a:rPr lang="en-US" sz="2400" b="1" dirty="0" smtClean="0"/>
+              <a:rPr lang="en-US" sz="2400" b="1" dirty="0"/>
               <a:t>Or panchama – swaram ‘pa’</a:t>
             </a:r>
           </a:p>
           <a:p>
             <a:r>
-              <a:rPr lang="en-US" sz="2400" b="1" dirty="0" smtClean="0"/>
+              <a:rPr lang="en-US" sz="2400" b="1" dirty="0"/>
               <a:t>Alternate notes udAttam – nishAda – ni, </a:t>
             </a:r>
             <a:br>
-              <a:rPr lang="en-US" sz="2400" b="1" dirty="0" smtClean="0"/>
+              <a:rPr lang="en-US" sz="2400" b="1" dirty="0"/>
             </a:br>
             <a:r>
-              <a:rPr lang="en-US" sz="2400" b="1" dirty="0" smtClean="0"/>
+              <a:rPr lang="en-US" sz="2400" b="1" dirty="0"/>
               <a:t>anudAttam – daivatha – tha</a:t>
             </a:r>
             <a:br>
-              <a:rPr lang="en-US" sz="2400" b="1" dirty="0" smtClean="0"/>
+              <a:rPr lang="en-US" sz="2400" b="1" dirty="0"/>
             </a:br>
             <a:r>
-              <a:rPr lang="en-US" sz="2400" b="1" dirty="0" smtClean="0"/>
+              <a:rPr lang="en-US" sz="2400" b="1" dirty="0"/>
               <a:t>swaritam –  sadja high note – Swaram – sA.</a:t>
             </a:r>
             <a:br>
-              <a:rPr lang="en-US" sz="2400" b="1" dirty="0" smtClean="0"/>
+              <a:rPr lang="en-US" sz="2400" b="1" dirty="0"/>
             </a:br>
             <a:endParaRPr lang="en-US" sz="2400" b="1" dirty="0"/>
           </a:p>
@@ -15748,13 +14614,6 @@
   <p:clrMapOvr>
     <a:masterClrMapping/>
   </p:clrMapOvr>
-  <p:timing>
-    <p:tnLst>
-      <p:par>
-        <p:cTn id="1" dur="indefinite" restart="never" nodeType="tmRoot"/>
-      </p:par>
-    </p:tnLst>
-  </p:timing>
 </p:sld>
 </file>
 
@@ -15798,10 +14657,9 @@
           <a:lstStyle/>
           <a:p>
             <a:r>
-              <a:rPr lang="en-US" dirty="0" smtClean="0"/>
+              <a:rPr lang="en-US" dirty="0"/>
               <a:t>Swaram effect is on Vowel sound only</a:t>
             </a:r>
-            <a:endParaRPr lang="en-US" dirty="0"/>
           </a:p>
         </p:txBody>
       </p:sp>
@@ -15828,83 +14686,79 @@
           <a:lstStyle/>
           <a:p>
             <a:r>
-              <a:rPr lang="en-US" sz="2600" b="1" dirty="0" smtClean="0"/>
+              <a:rPr lang="en-US" sz="2600" b="1" dirty="0"/>
               <a:t>Examples – </a:t>
             </a:r>
           </a:p>
           <a:p>
             <a:pPr lvl="1"/>
             <a:r>
-              <a:rPr lang="en-US" sz="2600" b="1" dirty="0" smtClean="0"/>
+              <a:rPr lang="en-US" sz="2600" b="1" dirty="0"/>
               <a:t>Short letter - ka, pa , ta </a:t>
             </a:r>
             <a:br>
-              <a:rPr lang="en-US" sz="2600" b="1" dirty="0" smtClean="0"/>
+              <a:rPr lang="en-US" sz="2600" b="1" dirty="0"/>
             </a:br>
             <a:r>
-              <a:rPr lang="en-US" sz="2600" b="1" dirty="0" smtClean="0"/>
+              <a:rPr lang="en-US" sz="2600" b="1" dirty="0"/>
               <a:t>long letter - ke, kai, nA, VE</a:t>
             </a:r>
           </a:p>
           <a:p>
             <a:pPr lvl="1"/>
             <a:r>
-              <a:rPr lang="en-US" sz="2600" b="1" dirty="0" smtClean="0"/>
+              <a:rPr lang="en-US" sz="2600" b="1" dirty="0"/>
               <a:t>Joint letters – asya, tasya, agni</a:t>
             </a:r>
           </a:p>
           <a:p>
             <a:pPr lvl="1"/>
             <a:r>
-              <a:rPr lang="en-US" sz="2600" b="1" dirty="0" smtClean="0"/>
+              <a:rPr lang="en-US" sz="2600" b="1" dirty="0"/>
               <a:t>Joint letters – purastAt , nishTyAm</a:t>
             </a:r>
           </a:p>
           <a:p>
             <a:r>
-              <a:rPr lang="en-US" sz="2600" b="1" dirty="0" smtClean="0"/>
+              <a:rPr lang="en-US" sz="2600" b="1" dirty="0"/>
               <a:t>Swaram is sliding across the notes effectively</a:t>
             </a:r>
           </a:p>
           <a:p>
             <a:r>
-              <a:rPr lang="en-US" sz="2600" b="1" dirty="0" smtClean="0"/>
+              <a:rPr lang="en-US" sz="2600" b="1" dirty="0"/>
               <a:t>Swarm effect can spill to next letters also.</a:t>
             </a:r>
           </a:p>
           <a:p>
             <a:r>
-              <a:rPr lang="en-US" sz="2600" b="1" dirty="0" smtClean="0"/>
+              <a:rPr lang="en-US" sz="2600" b="1" dirty="0"/>
               <a:t>OM is recited in udAttam to test Sruti/note</a:t>
             </a:r>
           </a:p>
           <a:p>
             <a:r>
-              <a:rPr lang="en-US" sz="2600" b="1" dirty="0" smtClean="0"/>
+              <a:rPr lang="en-US" sz="2600" b="1" dirty="0"/>
               <a:t>OM recital at the start and end vary</a:t>
             </a:r>
           </a:p>
           <a:p>
             <a:r>
-              <a:rPr lang="en-US" sz="2600" b="1" dirty="0" smtClean="0"/>
+              <a:rPr lang="en-US" sz="2600" b="1" dirty="0"/>
               <a:t>Give examples of asya, </a:t>
             </a:r>
             <a:r>
-              <a:rPr lang="en-US" sz="2600" b="1" dirty="0" err="1" smtClean="0"/>
+              <a:rPr lang="en-US" sz="2600" b="1" dirty="0" err="1"/>
               <a:t>asyA</a:t>
             </a:r>
             <a:r>
               <a:rPr lang="en-US" sz="2600" b="1" dirty="0"/>
               <a:t>.</a:t>
             </a:r>
-            <a:r>
-              <a:rPr lang="en-US" sz="2400" b="1" dirty="0" smtClean="0"/>
-              <a:t/>
-            </a:r>
             <a:br>
-              <a:rPr lang="en-US" sz="2400" b="1" dirty="0" smtClean="0"/>
+              <a:rPr lang="en-US" sz="2400" b="1" dirty="0"/>
             </a:br>
-            <a:endParaRPr lang="en-US" sz="2400" b="1" dirty="0" smtClean="0"/>
+            <a:endParaRPr lang="en-US" sz="2400" b="1" dirty="0"/>
           </a:p>
           <a:p>
             <a:endParaRPr lang="en-US" dirty="0"/>
@@ -15921,13 +14775,6 @@
   <p:clrMapOvr>
     <a:masterClrMapping/>
   </p:clrMapOvr>
-  <p:timing>
-    <p:tnLst>
-      <p:par>
-        <p:cTn id="1" dur="indefinite" restart="never" nodeType="tmRoot"/>
-      </p:par>
-    </p:tnLst>
-  </p:timing>
 </p:sld>
 </file>
 
@@ -15969,10 +14816,9 @@
           <a:lstStyle/>
           <a:p>
             <a:r>
-              <a:rPr lang="en-US" dirty="0" smtClean="0"/>
+              <a:rPr lang="en-US" dirty="0"/>
               <a:t>Valid Combinations</a:t>
             </a:r>
-            <a:endParaRPr lang="en-US" dirty="0"/>
           </a:p>
         </p:txBody>
       </p:sp>
@@ -15999,7 +14845,7 @@
           <a:lstStyle/>
           <a:p>
             <a:r>
-              <a:rPr lang="en-US" sz="2400" b="1" dirty="0" smtClean="0">
+              <a:rPr lang="en-US" sz="2400" b="1" dirty="0">
                 <a:solidFill>
                   <a:schemeClr val="bg1"/>
                 </a:solidFill>
@@ -16007,7 +14853,7 @@
               <a:t>udAttam – anudAttam, </a:t>
             </a:r>
             <a:r>
-              <a:rPr lang="en-US" sz="2400" b="1" dirty="0" smtClean="0">
+              <a:rPr lang="en-US" sz="2400" b="1" dirty="0">
                 <a:solidFill>
                   <a:srgbClr val="FF0000"/>
                 </a:solidFill>
@@ -16015,7 +14861,7 @@
               <a:t>udAttam</a:t>
             </a:r>
             <a:r>
-              <a:rPr lang="en-US" sz="2400" b="1" dirty="0" smtClean="0">
+              <a:rPr lang="en-US" sz="2400" b="1" dirty="0">
                 <a:solidFill>
                   <a:schemeClr val="bg1"/>
                 </a:solidFill>
@@ -16025,7 +14871,7 @@
           </a:p>
           <a:p>
             <a:r>
-              <a:rPr lang="en-US" sz="2400" b="1" dirty="0" smtClean="0">
+              <a:rPr lang="en-US" sz="2400" b="1" dirty="0">
                 <a:solidFill>
                   <a:schemeClr val="bg1"/>
                 </a:solidFill>
@@ -16046,25 +14892,35 @@
                   <a:schemeClr val="bg1"/>
                 </a:solidFill>
               </a:rPr>
-              <a:t> udAttam, Swaritam, dheerga </a:t>
-            </a:r>
-            <a:r>
-              <a:rPr lang="en-US" sz="2400" b="1" dirty="0" smtClean="0">
+              <a:t> udAttam, Swaritam, dheerga swaritam (4)</a:t>
+            </a:r>
+          </a:p>
+          <a:p>
+            <a:r>
+              <a:rPr lang="en-US" sz="2400" b="1" dirty="0">
                 <a:solidFill>
                   <a:schemeClr val="bg1"/>
                 </a:solidFill>
               </a:rPr>
-              <a:t>swaritam (4)</a:t>
-            </a:r>
-          </a:p>
-          <a:p>
-            <a:r>
-              <a:rPr lang="en-US" sz="2400" b="1" dirty="0" smtClean="0">
+              <a:t>Swaritam - anudAttam, udAttam (2)</a:t>
+            </a:r>
+          </a:p>
+          <a:p>
+            <a:r>
+              <a:rPr lang="en-US" sz="2400" b="1" dirty="0">
                 <a:solidFill>
                   <a:schemeClr val="bg1"/>
                 </a:solidFill>
               </a:rPr>
-              <a:t>Swaritam - </a:t>
+              <a:t>Dheerga Swaritam -</a:t>
+            </a:r>
+            <a:r>
+              <a:rPr lang="en-US" sz="2400" b="1" dirty="0">
+                <a:solidFill>
+                  <a:srgbClr val="FF0000"/>
+                </a:solidFill>
+              </a:rPr>
+              <a:t> </a:t>
             </a:r>
             <a:r>
               <a:rPr lang="en-US" sz="2400" b="1" dirty="0">
@@ -16072,10 +14928,14 @@
                   <a:schemeClr val="bg1"/>
                 </a:solidFill>
               </a:rPr>
-              <a:t>anudAttam, </a:t>
-            </a:r>
-            <a:r>
-              <a:rPr lang="en-US" sz="2400" b="1" dirty="0" smtClean="0">
+              <a:t>anudAttam,</a:t>
+            </a:r>
+            <a:r>
+              <a:rPr lang="en-US" sz="2400" b="1" dirty="0"/>
+              <a:t> </a:t>
+            </a:r>
+            <a:r>
+              <a:rPr lang="en-US" sz="2400" b="1" dirty="0">
                 <a:solidFill>
                   <a:schemeClr val="bg1"/>
                 </a:solidFill>
@@ -16085,70 +14945,32 @@
           </a:p>
           <a:p>
             <a:r>
-              <a:rPr lang="en-US" sz="2400" b="1" dirty="0" smtClean="0">
+              <a:rPr lang="en-US" sz="2400" b="1" dirty="0">
                 <a:solidFill>
                   <a:schemeClr val="bg1"/>
                 </a:solidFill>
               </a:rPr>
-              <a:t>Dheerga Swaritam -</a:t>
-            </a:r>
-            <a:r>
-              <a:rPr lang="en-US" sz="2400" b="1" dirty="0" smtClean="0">
-                <a:solidFill>
-                  <a:srgbClr val="FF0000"/>
-                </a:solidFill>
-              </a:rPr>
-              <a:t> </a:t>
-            </a:r>
+              <a:t>10 Combinations – ideal to practice with three letters</a:t>
+            </a:r>
+          </a:p>
+          <a:p>
             <a:r>
               <a:rPr lang="en-US" sz="2400" b="1" dirty="0">
                 <a:solidFill>
                   <a:schemeClr val="bg1"/>
                 </a:solidFill>
               </a:rPr>
-              <a:t>anudAttam,</a:t>
-            </a:r>
-            <a:r>
-              <a:rPr lang="en-US" sz="2400" b="1" dirty="0"/>
-              <a:t> </a:t>
-            </a:r>
-            <a:r>
-              <a:rPr lang="en-US" sz="2400" b="1" dirty="0" smtClean="0">
+              <a:t>Two Swaritams formed due to Swara Rules – </a:t>
+            </a:r>
+            <a:br>
+              <a:rPr lang="en-US" sz="2400" b="1" dirty="0">
                 <a:solidFill>
                   <a:schemeClr val="bg1"/>
                 </a:solidFill>
               </a:rPr>
-              <a:t>udAttam (2)</a:t>
-            </a:r>
-          </a:p>
-          <a:p>
-            <a:r>
-              <a:rPr lang="en-US" sz="2400" b="1" dirty="0" smtClean="0">
-                <a:solidFill>
-                  <a:schemeClr val="bg1"/>
-                </a:solidFill>
-              </a:rPr>
-              <a:t>10 Combinations – ideal to practice with three letters</a:t>
-            </a:r>
-          </a:p>
-          <a:p>
-            <a:r>
-              <a:rPr lang="en-US" sz="2400" b="1" dirty="0" smtClean="0">
-                <a:solidFill>
-                  <a:schemeClr val="bg1"/>
-                </a:solidFill>
-              </a:rPr>
-              <a:t>Two Swaritams formed due to Swara Rules – </a:t>
-            </a:r>
-            <a:br>
-              <a:rPr lang="en-US" sz="2400" b="1" dirty="0" smtClean="0">
-                <a:solidFill>
-                  <a:schemeClr val="bg1"/>
-                </a:solidFill>
-              </a:rPr>
             </a:br>
             <a:r>
-              <a:rPr lang="en-US" sz="2800" b="1" dirty="0" smtClean="0">
+              <a:rPr lang="en-US" sz="2800" b="1" dirty="0">
                 <a:solidFill>
                   <a:schemeClr val="bg1"/>
                 </a:solidFill>
@@ -16169,13 +14991,6 @@
   <p:clrMapOvr>
     <a:masterClrMapping/>
   </p:clrMapOvr>
-  <p:timing>
-    <p:tnLst>
-      <p:par>
-        <p:cTn id="1" dur="indefinite" restart="never" nodeType="tmRoot"/>
-      </p:par>
-    </p:tnLst>
-  </p:timing>
 </p:sld>
 </file>
 
@@ -16212,11 +15027,11 @@
           <a:lstStyle/>
           <a:p>
             <a:r>
-              <a:rPr lang="en-US" dirty="0" smtClean="0"/>
+              <a:rPr lang="en-US" dirty="0"/>
               <a:t>Summary for First Part - </a:t>
             </a:r>
             <a:r>
-              <a:rPr lang="en-US" dirty="0" err="1" smtClean="0"/>
+              <a:rPr lang="en-US" dirty="0" err="1"/>
               <a:t>Swarams</a:t>
             </a:r>
             <a:endParaRPr lang="en-US" dirty="0"/>
@@ -16246,7 +15061,7 @@
           <a:lstStyle/>
           <a:p>
             <a:r>
-              <a:rPr lang="en-US" sz="2800" b="1" dirty="0" smtClean="0">
+              <a:rPr lang="en-US" sz="2800" b="1" dirty="0">
                 <a:latin typeface="Arial" panose="020B0604020202020204" pitchFamily="34" charset="0"/>
                 <a:cs typeface="Arial" panose="020B0604020202020204" pitchFamily="34" charset="0"/>
               </a:rPr>
@@ -16256,7 +15071,7 @@
           <a:p>
             <a:pPr lvl="1"/>
             <a:r>
-              <a:rPr lang="en-US" sz="2800" b="1" dirty="0" smtClean="0">
+              <a:rPr lang="en-US" sz="2800" b="1" dirty="0">
                 <a:latin typeface="Arial" panose="020B0604020202020204" pitchFamily="34" charset="0"/>
                 <a:cs typeface="Arial" panose="020B0604020202020204" pitchFamily="34" charset="0"/>
               </a:rPr>
@@ -16266,7 +15081,7 @@
           <a:p>
             <a:pPr lvl="1"/>
             <a:r>
-              <a:rPr lang="en-US" sz="2800" b="1" dirty="0" smtClean="0">
+              <a:rPr lang="en-US" sz="2800" b="1" dirty="0">
                 <a:latin typeface="Arial" panose="020B0604020202020204" pitchFamily="34" charset="0"/>
                 <a:cs typeface="Arial" panose="020B0604020202020204" pitchFamily="34" charset="0"/>
               </a:rPr>
@@ -16276,7 +15091,7 @@
           <a:p>
             <a:pPr lvl="1"/>
             <a:r>
-              <a:rPr lang="en-US" sz="2800" b="1" dirty="0" smtClean="0">
+              <a:rPr lang="en-US" sz="2800" b="1" dirty="0">
                 <a:latin typeface="Arial" panose="020B0604020202020204" pitchFamily="34" charset="0"/>
                 <a:cs typeface="Arial" panose="020B0604020202020204" pitchFamily="34" charset="0"/>
               </a:rPr>
@@ -16285,7 +15100,7 @@
           </a:p>
           <a:p>
             <a:r>
-              <a:rPr lang="en-US" sz="3000" b="1" dirty="0" smtClean="0">
+              <a:rPr lang="en-US" sz="3000" b="1" dirty="0">
                 <a:latin typeface="Arial" panose="020B0604020202020204" pitchFamily="34" charset="0"/>
                 <a:cs typeface="Arial" panose="020B0604020202020204" pitchFamily="34" charset="0"/>
               </a:rPr>
@@ -16295,28 +15110,28 @@
           <a:p>
             <a:pPr lvl="1"/>
             <a:r>
-              <a:rPr lang="en-US" sz="2800" b="1" dirty="0" smtClean="0">
+              <a:rPr lang="en-US" sz="2800" b="1" dirty="0">
                 <a:latin typeface="Arial" panose="020B0604020202020204" pitchFamily="34" charset="0"/>
                 <a:cs typeface="Arial" panose="020B0604020202020204" pitchFamily="34" charset="0"/>
               </a:rPr>
               <a:t>Pracaya, </a:t>
             </a:r>
             <a:r>
-              <a:rPr lang="en-US" sz="2800" b="1" dirty="0" err="1" smtClean="0">
+              <a:rPr lang="en-US" sz="2800" b="1" dirty="0" err="1">
                 <a:latin typeface="Arial" panose="020B0604020202020204" pitchFamily="34" charset="0"/>
                 <a:cs typeface="Arial" panose="020B0604020202020204" pitchFamily="34" charset="0"/>
               </a:rPr>
               <a:t>sannatara</a:t>
             </a:r>
             <a:r>
-              <a:rPr lang="en-US" sz="2800" b="1" dirty="0" smtClean="0">
+              <a:rPr lang="en-US" sz="2800" b="1" dirty="0">
                 <a:latin typeface="Arial" panose="020B0604020202020204" pitchFamily="34" charset="0"/>
                 <a:cs typeface="Arial" panose="020B0604020202020204" pitchFamily="34" charset="0"/>
               </a:rPr>
               <a:t>, </a:t>
             </a:r>
             <a:r>
-              <a:rPr lang="en-US" sz="2800" b="1" dirty="0" err="1" smtClean="0">
+              <a:rPr lang="en-US" sz="2800" b="1" dirty="0" err="1">
                 <a:latin typeface="Arial" panose="020B0604020202020204" pitchFamily="34" charset="0"/>
                 <a:cs typeface="Arial" panose="020B0604020202020204" pitchFamily="34" charset="0"/>
               </a:rPr>
@@ -16375,10 +15190,9 @@
           <a:lstStyle/>
           <a:p>
             <a:r>
-              <a:rPr lang="en-US" dirty="0" smtClean="0"/>
+              <a:rPr lang="en-US" dirty="0"/>
               <a:t>Definition of pracaya</a:t>
             </a:r>
-            <a:endParaRPr lang="en-US" dirty="0"/>
           </a:p>
         </p:txBody>
       </p:sp>
@@ -16400,21 +15214,21 @@
           <a:lstStyle/>
           <a:p>
             <a:r>
-              <a:rPr lang="en-US" sz="2800" b="1" dirty="0" smtClean="0">
+              <a:rPr lang="en-US" sz="2800" b="1" dirty="0">
                 <a:latin typeface="Arial" panose="020B0604020202020204" pitchFamily="34" charset="0"/>
                 <a:cs typeface="Arial" panose="020B0604020202020204" pitchFamily="34" charset="0"/>
               </a:rPr>
               <a:t>Pracaya is a collection or accumulation of letters that get a same </a:t>
             </a:r>
             <a:r>
-              <a:rPr lang="en-US" sz="2800" b="1" dirty="0" err="1" smtClean="0">
+              <a:rPr lang="en-US" sz="2800" b="1" dirty="0" err="1">
                 <a:latin typeface="Arial" panose="020B0604020202020204" pitchFamily="34" charset="0"/>
                 <a:cs typeface="Arial" panose="020B0604020202020204" pitchFamily="34" charset="0"/>
               </a:rPr>
               <a:t>Swara</a:t>
             </a:r>
             <a:r>
-              <a:rPr lang="en-US" sz="2800" b="1" dirty="0" smtClean="0">
+              <a:rPr lang="en-US" sz="2800" b="1" dirty="0">
                 <a:latin typeface="Arial" panose="020B0604020202020204" pitchFamily="34" charset="0"/>
                 <a:cs typeface="Arial" panose="020B0604020202020204" pitchFamily="34" charset="0"/>
               </a:rPr>
@@ -16424,34 +15238,34 @@
           <a:p>
             <a:pPr lvl="1"/>
             <a:r>
-              <a:rPr lang="en-US" sz="2600" b="1" dirty="0" smtClean="0">
+              <a:rPr lang="en-US" sz="2600" b="1" dirty="0">
                 <a:latin typeface="Arial" panose="020B0604020202020204" pitchFamily="34" charset="0"/>
                 <a:cs typeface="Arial" panose="020B0604020202020204" pitchFamily="34" charset="0"/>
               </a:rPr>
               <a:t>Note example of </a:t>
             </a:r>
             <a:r>
-              <a:rPr lang="en-US" sz="2600" b="1" dirty="0" err="1" smtClean="0">
+              <a:rPr lang="en-US" sz="2600" b="1" dirty="0" err="1">
                 <a:latin typeface="Arial" panose="020B0604020202020204" pitchFamily="34" charset="0"/>
                 <a:cs typeface="Arial" panose="020B0604020202020204" pitchFamily="34" charset="0"/>
               </a:rPr>
               <a:t>SASanAnaSane</a:t>
             </a:r>
             <a:r>
-              <a:rPr lang="en-US" sz="2600" b="1" dirty="0" smtClean="0">
+              <a:rPr lang="en-US" sz="2600" b="1" dirty="0">
                 <a:latin typeface="Arial" panose="020B0604020202020204" pitchFamily="34" charset="0"/>
                 <a:cs typeface="Arial" panose="020B0604020202020204" pitchFamily="34" charset="0"/>
               </a:rPr>
               <a:t> </a:t>
             </a:r>
             <a:r>
-              <a:rPr lang="en-US" sz="2600" b="1" dirty="0" err="1" smtClean="0">
+              <a:rPr lang="en-US" sz="2600" b="1" dirty="0" err="1">
                 <a:latin typeface="Arial" panose="020B0604020202020204" pitchFamily="34" charset="0"/>
                 <a:cs typeface="Arial" panose="020B0604020202020204" pitchFamily="34" charset="0"/>
               </a:rPr>
               <a:t>Abi</a:t>
             </a:r>
-            <a:endParaRPr lang="en-US" sz="2600" b="1" dirty="0" smtClean="0">
+            <a:endParaRPr lang="en-US" sz="2600" b="1" dirty="0">
               <a:latin typeface="Arial" panose="020B0604020202020204" pitchFamily="34" charset="0"/>
               <a:cs typeface="Arial" panose="020B0604020202020204" pitchFamily="34" charset="0"/>
             </a:endParaRPr>
@@ -16459,48 +15273,48 @@
           <a:p>
             <a:pPr lvl="1"/>
             <a:r>
-              <a:rPr lang="en-US" sz="2600" b="1" dirty="0" smtClean="0">
+              <a:rPr lang="en-US" sz="2600" b="1" dirty="0">
                 <a:latin typeface="Arial" panose="020B0604020202020204" pitchFamily="34" charset="0"/>
                 <a:cs typeface="Arial" panose="020B0604020202020204" pitchFamily="34" charset="0"/>
               </a:rPr>
               <a:t>Note example of </a:t>
             </a:r>
             <a:r>
-              <a:rPr lang="en-US" sz="2600" b="1" dirty="0" err="1" smtClean="0">
+              <a:rPr lang="en-US" sz="2600" b="1" dirty="0" err="1">
                 <a:latin typeface="Arial" panose="020B0604020202020204" pitchFamily="34" charset="0"/>
                 <a:cs typeface="Arial" panose="020B0604020202020204" pitchFamily="34" charset="0"/>
               </a:rPr>
               <a:t>Ganapathi</a:t>
             </a:r>
             <a:r>
-              <a:rPr lang="en-US" sz="2600" b="1" dirty="0" smtClean="0">
+              <a:rPr lang="en-US" sz="2600" b="1" dirty="0">
                 <a:latin typeface="Arial" panose="020B0604020202020204" pitchFamily="34" charset="0"/>
                 <a:cs typeface="Arial" panose="020B0604020202020204" pitchFamily="34" charset="0"/>
               </a:rPr>
               <a:t>(</a:t>
             </a:r>
             <a:r>
-              <a:rPr lang="en-US" sz="2600" b="1" dirty="0" err="1" smtClean="0">
+              <a:rPr lang="en-US" sz="2600" b="1" dirty="0" err="1">
                 <a:latin typeface="Arial" panose="020B0604020202020204" pitchFamily="34" charset="0"/>
                 <a:cs typeface="Arial" panose="020B0604020202020204" pitchFamily="34" charset="0"/>
               </a:rPr>
               <a:t>gm</a:t>
             </a:r>
             <a:r>
-              <a:rPr lang="en-US" sz="2600" b="1" dirty="0" smtClean="0">
+              <a:rPr lang="en-US" sz="2600" b="1" dirty="0">
                 <a:latin typeface="Arial" panose="020B0604020202020204" pitchFamily="34" charset="0"/>
                 <a:cs typeface="Arial" panose="020B0604020202020204" pitchFamily="34" charset="0"/>
               </a:rPr>
               <a:t>) </a:t>
             </a:r>
             <a:r>
-              <a:rPr lang="en-US" sz="2600" b="1" dirty="0" err="1" smtClean="0">
+              <a:rPr lang="en-US" sz="2600" b="1" dirty="0" err="1">
                 <a:latin typeface="Arial" panose="020B0604020202020204" pitchFamily="34" charset="0"/>
                 <a:cs typeface="Arial" panose="020B0604020202020204" pitchFamily="34" charset="0"/>
               </a:rPr>
               <a:t>havAmahe</a:t>
             </a:r>
-            <a:endParaRPr lang="en-US" sz="2600" b="1" dirty="0" smtClean="0">
+            <a:endParaRPr lang="en-US" sz="2600" b="1" dirty="0">
               <a:latin typeface="Arial" panose="020B0604020202020204" pitchFamily="34" charset="0"/>
               <a:cs typeface="Arial" panose="020B0604020202020204" pitchFamily="34" charset="0"/>
             </a:endParaRPr>
@@ -16508,35 +15322,35 @@
           <a:p>
             <a:pPr lvl="1"/>
             <a:r>
-              <a:rPr lang="en-US" sz="2600" b="1" dirty="0" smtClean="0">
+              <a:rPr lang="en-US" sz="2600" b="1" dirty="0">
                 <a:latin typeface="Arial" panose="020B0604020202020204" pitchFamily="34" charset="0"/>
                 <a:cs typeface="Arial" panose="020B0604020202020204" pitchFamily="34" charset="0"/>
               </a:rPr>
               <a:t>Note example of </a:t>
             </a:r>
             <a:r>
-              <a:rPr lang="en-US" sz="2600" b="1" dirty="0" err="1" smtClean="0">
+              <a:rPr lang="en-US" sz="2600" b="1" dirty="0" err="1">
                 <a:latin typeface="Arial" panose="020B0604020202020204" pitchFamily="34" charset="0"/>
                 <a:cs typeface="Arial" panose="020B0604020202020204" pitchFamily="34" charset="0"/>
               </a:rPr>
               <a:t>hiraNyabAhave</a:t>
             </a:r>
             <a:r>
-              <a:rPr lang="en-US" sz="2600" b="1" dirty="0" smtClean="0">
+              <a:rPr lang="en-US" sz="2600" b="1" dirty="0">
                 <a:latin typeface="Arial" panose="020B0604020202020204" pitchFamily="34" charset="0"/>
                 <a:cs typeface="Arial" panose="020B0604020202020204" pitchFamily="34" charset="0"/>
               </a:rPr>
               <a:t> </a:t>
             </a:r>
             <a:r>
-              <a:rPr lang="en-US" sz="2600" b="1" dirty="0" err="1" smtClean="0">
+              <a:rPr lang="en-US" sz="2600" b="1" dirty="0" err="1">
                 <a:latin typeface="Arial" panose="020B0604020202020204" pitchFamily="34" charset="0"/>
                 <a:cs typeface="Arial" panose="020B0604020202020204" pitchFamily="34" charset="0"/>
               </a:rPr>
               <a:t>sEnAnye</a:t>
             </a:r>
             <a:r>
-              <a:rPr lang="en-US" sz="2600" b="1" dirty="0" smtClean="0">
+              <a:rPr lang="en-US" sz="2600" b="1" dirty="0">
                 <a:latin typeface="Arial" panose="020B0604020202020204" pitchFamily="34" charset="0"/>
                 <a:cs typeface="Arial" panose="020B0604020202020204" pitchFamily="34" charset="0"/>
               </a:rPr>
@@ -16545,42 +15359,42 @@
           </a:p>
           <a:p>
             <a:r>
-              <a:rPr lang="en-US" sz="2800" b="1" dirty="0" smtClean="0">
+              <a:rPr lang="en-US" sz="2800" b="1" dirty="0">
                 <a:latin typeface="Arial" panose="020B0604020202020204" pitchFamily="34" charset="0"/>
                 <a:cs typeface="Arial" panose="020B0604020202020204" pitchFamily="34" charset="0"/>
               </a:rPr>
               <a:t>Definition of </a:t>
             </a:r>
             <a:r>
-              <a:rPr lang="en-US" sz="2800" b="1" dirty="0" err="1" smtClean="0">
+              <a:rPr lang="en-US" sz="2800" b="1" dirty="0" err="1">
                 <a:latin typeface="Arial" panose="020B0604020202020204" pitchFamily="34" charset="0"/>
                 <a:cs typeface="Arial" panose="020B0604020202020204" pitchFamily="34" charset="0"/>
               </a:rPr>
               <a:t>pANini</a:t>
             </a:r>
             <a:r>
-              <a:rPr lang="en-US" sz="2800" b="1" dirty="0" smtClean="0">
+              <a:rPr lang="en-US" sz="2800" b="1" dirty="0">
                 <a:latin typeface="Arial" panose="020B0604020202020204" pitchFamily="34" charset="0"/>
                 <a:cs typeface="Arial" panose="020B0604020202020204" pitchFamily="34" charset="0"/>
               </a:rPr>
               <a:t> as </a:t>
             </a:r>
             <a:r>
-              <a:rPr lang="en-US" sz="2800" b="1" dirty="0" err="1" smtClean="0">
+              <a:rPr lang="en-US" sz="2800" b="1" dirty="0" err="1">
                 <a:latin typeface="Arial" panose="020B0604020202020204" pitchFamily="34" charset="0"/>
                 <a:cs typeface="Arial" panose="020B0604020202020204" pitchFamily="34" charset="0"/>
               </a:rPr>
               <a:t>Sannatara</a:t>
             </a:r>
             <a:r>
-              <a:rPr lang="en-US" sz="2800" b="1" dirty="0" smtClean="0">
+              <a:rPr lang="en-US" sz="2800" b="1" dirty="0">
                 <a:latin typeface="Arial" panose="020B0604020202020204" pitchFamily="34" charset="0"/>
                 <a:cs typeface="Arial" panose="020B0604020202020204" pitchFamily="34" charset="0"/>
               </a:rPr>
               <a:t> and </a:t>
             </a:r>
             <a:r>
-              <a:rPr lang="en-US" sz="2800" b="1" dirty="0" err="1" smtClean="0">
+              <a:rPr lang="en-US" sz="2800" b="1" dirty="0" err="1">
                 <a:latin typeface="Arial" panose="020B0604020202020204" pitchFamily="34" charset="0"/>
                 <a:cs typeface="Arial" panose="020B0604020202020204" pitchFamily="34" charset="0"/>
               </a:rPr>
@@ -16673,7 +15487,7 @@
           </a:bodyPr>
           <a:lstStyle/>
           <a:p>
-            <a:endParaRPr lang="en-US" b="1" dirty="0" smtClean="0">
+            <a:endParaRPr lang="en-US" b="1" dirty="0">
               <a:solidFill>
                 <a:schemeClr val="bg1"/>
               </a:solidFill>
@@ -16688,17 +15502,21 @@
                 </a:solidFill>
                 <a:cs typeface="Arial" panose="020B0604020202020204" pitchFamily="34" charset="0"/>
               </a:rPr>
-              <a:t>Sanskrit can be a tool for universal Operating Systems – </a:t>
-            </a:r>
-            <a:r>
-              <a:rPr lang="en-US" sz="2400" b="1" dirty="0" smtClean="0">
+              <a:t>Sanskrit can be a tool for universal Operating Systems – 1986/87 Research Paper</a:t>
+            </a:r>
+          </a:p>
+          <a:p>
+            <a:r>
+              <a:rPr lang="en-US" sz="2400" b="1" dirty="0">
                 <a:solidFill>
                   <a:schemeClr val="bg1"/>
                 </a:solidFill>
                 <a:cs typeface="Arial" panose="020B0604020202020204" pitchFamily="34" charset="0"/>
               </a:rPr>
-              <a:t>1986/87 </a:t>
-            </a:r>
+              <a:t>Modern Scientific Research talks of Sanskrit Effect</a:t>
+            </a:r>
+          </a:p>
+          <a:p>
             <a:r>
               <a:rPr lang="en-US" sz="2400" b="1" dirty="0">
                 <a:solidFill>
@@ -16706,7 +15524,7 @@
                 </a:solidFill>
                 <a:cs typeface="Arial" panose="020B0604020202020204" pitchFamily="34" charset="0"/>
               </a:rPr>
-              <a:t>Research Paper</a:t>
+              <a:t>Lot of interest shown in Sanskrit esp. Germany  </a:t>
             </a:r>
           </a:p>
           <a:p>
@@ -16717,7 +15535,7 @@
                 </a:solidFill>
                 <a:cs typeface="Arial" panose="020B0604020202020204" pitchFamily="34" charset="0"/>
               </a:rPr>
-              <a:t>Modern Scientific Research talks of Sanskrit Effect</a:t>
+              <a:t>Grantha lipi used in South India is said to be older than Devanagari by Vedic Experts.  (show Sample text)</a:t>
             </a:r>
           </a:p>
           <a:p>
@@ -16728,62 +15546,7 @@
                 </a:solidFill>
                 <a:cs typeface="Arial" panose="020B0604020202020204" pitchFamily="34" charset="0"/>
               </a:rPr>
-              <a:t>Lot of interest shown in Sanskrit esp. Germany </a:t>
-            </a:r>
-            <a:r>
-              <a:rPr lang="en-US" sz="2400" b="1" dirty="0" smtClean="0">
-                <a:solidFill>
-                  <a:schemeClr val="bg1"/>
-                </a:solidFill>
-                <a:cs typeface="Arial" panose="020B0604020202020204" pitchFamily="34" charset="0"/>
-              </a:rPr>
-              <a:t> </a:t>
-            </a:r>
-            <a:endParaRPr lang="en-US" sz="2400" b="1" dirty="0">
-              <a:solidFill>
-                <a:schemeClr val="bg1"/>
-              </a:solidFill>
-              <a:cs typeface="Arial" panose="020B0604020202020204" pitchFamily="34" charset="0"/>
-            </a:endParaRPr>
-          </a:p>
-          <a:p>
-            <a:r>
-              <a:rPr lang="en-US" sz="2400" b="1" dirty="0" smtClean="0">
-                <a:solidFill>
-                  <a:schemeClr val="bg1"/>
-                </a:solidFill>
-                <a:cs typeface="Arial" panose="020B0604020202020204" pitchFamily="34" charset="0"/>
-              </a:rPr>
-              <a:t>Grantha </a:t>
-            </a:r>
-            <a:r>
-              <a:rPr lang="en-US" sz="2400" b="1" dirty="0">
-                <a:solidFill>
-                  <a:schemeClr val="bg1"/>
-                </a:solidFill>
-                <a:cs typeface="Arial" panose="020B0604020202020204" pitchFamily="34" charset="0"/>
-              </a:rPr>
-              <a:t>lipi used in South India is said to be older than Devanagari by Vedic Experts.  (show Sample text)</a:t>
-            </a:r>
-          </a:p>
-          <a:p>
-            <a:r>
-              <a:rPr lang="en-US" sz="2400" b="1" dirty="0" smtClean="0">
-                <a:solidFill>
-                  <a:schemeClr val="bg1"/>
-                </a:solidFill>
-                <a:cs typeface="Arial" panose="020B0604020202020204" pitchFamily="34" charset="0"/>
-              </a:rPr>
-              <a:t>Many </a:t>
-            </a:r>
-            <a:r>
-              <a:rPr lang="en-US" sz="2400" b="1" dirty="0">
-                <a:solidFill>
-                  <a:schemeClr val="bg1"/>
-                </a:solidFill>
-                <a:cs typeface="Arial" panose="020B0604020202020204" pitchFamily="34" charset="0"/>
-              </a:rPr>
-              <a:t>Western and Eastern Philosophers and Scholars call India as the Book Keeper of Spiritual Knowledge</a:t>
+              <a:t>Many Western and Eastern Philosophers and Scholars call India as the Book Keeper of Spiritual Knowledge</a:t>
             </a:r>
             <a:endParaRPr lang="en-US" sz="2400" dirty="0"/>
           </a:p>
@@ -16802,13 +15565,6 @@
   <p:clrMapOvr>
     <a:masterClrMapping/>
   </p:clrMapOvr>
-  <p:timing>
-    <p:tnLst>
-      <p:par>
-        <p:cTn id="1" dur="indefinite" restart="never" nodeType="tmRoot"/>
-      </p:par>
-    </p:tnLst>
-  </p:timing>
 </p:sld>
 </file>
 
@@ -16852,10 +15608,9 @@
           <a:lstStyle/>
           <a:p>
             <a:r>
-              <a:rPr lang="en-GB" dirty="0" smtClean="0"/>
+              <a:rPr lang="en-GB" dirty="0"/>
               <a:t>Vedas and Rishis</a:t>
             </a:r>
-            <a:endParaRPr lang="en-GB" dirty="0"/>
           </a:p>
         </p:txBody>
       </p:sp>
@@ -16882,7 +15637,7 @@
           <a:lstStyle/>
           <a:p>
             <a:r>
-              <a:rPr lang="en-GB" sz="2800" b="1" dirty="0" smtClean="0">
+              <a:rPr lang="en-GB" sz="2800" b="1" dirty="0">
                 <a:solidFill>
                   <a:schemeClr val="bg1"/>
                 </a:solidFill>
@@ -16891,7 +15646,7 @@
               <a:t>Sage </a:t>
             </a:r>
             <a:r>
-              <a:rPr lang="en-GB" sz="2800" b="1" dirty="0" err="1" smtClean="0">
+              <a:rPr lang="en-GB" sz="2800" b="1" dirty="0" err="1">
                 <a:solidFill>
                   <a:schemeClr val="bg1"/>
                 </a:solidFill>
@@ -16900,7 +15655,7 @@
               <a:t>Vyasa</a:t>
             </a:r>
             <a:r>
-              <a:rPr lang="en-GB" sz="2800" b="1" dirty="0" smtClean="0">
+              <a:rPr lang="en-GB" sz="2800" b="1" dirty="0">
                 <a:solidFill>
                   <a:schemeClr val="bg1"/>
                 </a:solidFill>
@@ -16912,30 +15667,12 @@
           <a:p>
             <a:pPr lvl="1"/>
             <a:r>
-              <a:rPr lang="en-US" sz="2200" b="1" dirty="0" smtClean="0">
-                <a:latin typeface="Arial" panose="020B0604020202020204" pitchFamily="34" charset="0"/>
-                <a:cs typeface="Arial" panose="020B0604020202020204" pitchFamily="34" charset="0"/>
-              </a:rPr>
-              <a:t>Ruk </a:t>
-            </a:r>
-            <a:r>
               <a:rPr lang="en-US" sz="2200" b="1" dirty="0">
                 <a:latin typeface="Arial" panose="020B0604020202020204" pitchFamily="34" charset="0"/>
                 <a:cs typeface="Arial" panose="020B0604020202020204" pitchFamily="34" charset="0"/>
               </a:rPr>
-              <a:t>or Rig Veda </a:t>
-            </a:r>
-            <a:r>
-              <a:rPr lang="en-US" sz="2200" b="1" dirty="0" smtClean="0">
-                <a:latin typeface="Arial" panose="020B0604020202020204" pitchFamily="34" charset="0"/>
-                <a:cs typeface="Arial" panose="020B0604020202020204" pitchFamily="34" charset="0"/>
-              </a:rPr>
-              <a:t>		– 		Bhaila Rishi</a:t>
-            </a:r>
-            <a:endParaRPr lang="en-US" sz="2200" b="1" dirty="0">
-              <a:latin typeface="Arial" panose="020B0604020202020204" pitchFamily="34" charset="0"/>
-              <a:cs typeface="Arial" panose="020B0604020202020204" pitchFamily="34" charset="0"/>
-            </a:endParaRPr>
+              <a:t>Ruk or Rig Veda 		– 		Bhaila Rishi</a:t>
+            </a:r>
           </a:p>
           <a:p>
             <a:pPr lvl="1"/>
@@ -16944,112 +15681,34 @@
                 <a:latin typeface="Arial" panose="020B0604020202020204" pitchFamily="34" charset="0"/>
                 <a:cs typeface="Arial" panose="020B0604020202020204" pitchFamily="34" charset="0"/>
               </a:rPr>
-              <a:t>Yajur Veda      </a:t>
-            </a:r>
-            <a:r>
-              <a:rPr lang="en-US" sz="2200" b="1" dirty="0" smtClean="0">
-                <a:latin typeface="Arial" panose="020B0604020202020204" pitchFamily="34" charset="0"/>
-                <a:cs typeface="Arial" panose="020B0604020202020204" pitchFamily="34" charset="0"/>
-              </a:rPr>
-              <a:t>			 </a:t>
-            </a:r>
+              <a:t>Yajur Veda      			 - 		Vyshampaayana Rishi</a:t>
+            </a:r>
+          </a:p>
+          <a:p>
+            <a:pPr lvl="1"/>
             <a:r>
               <a:rPr lang="en-US" sz="2200" b="1" dirty="0">
                 <a:latin typeface="Arial" panose="020B0604020202020204" pitchFamily="34" charset="0"/>
                 <a:cs typeface="Arial" panose="020B0604020202020204" pitchFamily="34" charset="0"/>
               </a:rPr>
-              <a:t>- </a:t>
-            </a:r>
-            <a:r>
-              <a:rPr lang="en-US" sz="2200" b="1" dirty="0" smtClean="0">
-                <a:latin typeface="Arial" panose="020B0604020202020204" pitchFamily="34" charset="0"/>
-                <a:cs typeface="Arial" panose="020B0604020202020204" pitchFamily="34" charset="0"/>
-              </a:rPr>
-              <a:t>		Vyshampaayana </a:t>
-            </a:r>
+              <a:t>Sama Veda      			 - 		Jaimini Rishi</a:t>
+            </a:r>
+          </a:p>
+          <a:p>
+            <a:pPr lvl="1"/>
             <a:r>
               <a:rPr lang="en-US" sz="2200" b="1" dirty="0">
                 <a:latin typeface="Arial" panose="020B0604020202020204" pitchFamily="34" charset="0"/>
                 <a:cs typeface="Arial" panose="020B0604020202020204" pitchFamily="34" charset="0"/>
               </a:rPr>
-              <a:t>Rishi</a:t>
-            </a:r>
-          </a:p>
-          <a:p>
-            <a:pPr lvl="1"/>
-            <a:r>
-              <a:rPr lang="en-US" sz="2200" b="1" dirty="0">
-                <a:latin typeface="Arial" panose="020B0604020202020204" pitchFamily="34" charset="0"/>
-                <a:cs typeface="Arial" panose="020B0604020202020204" pitchFamily="34" charset="0"/>
-              </a:rPr>
-              <a:t>Sama Veda      </a:t>
-            </a:r>
-            <a:r>
-              <a:rPr lang="en-US" sz="2200" b="1" dirty="0" smtClean="0">
-                <a:latin typeface="Arial" panose="020B0604020202020204" pitchFamily="34" charset="0"/>
-                <a:cs typeface="Arial" panose="020B0604020202020204" pitchFamily="34" charset="0"/>
-              </a:rPr>
-              <a:t>			 - 		Jaimini </a:t>
-            </a:r>
-            <a:r>
-              <a:rPr lang="en-US" sz="2200" b="1" dirty="0">
-                <a:latin typeface="Arial" panose="020B0604020202020204" pitchFamily="34" charset="0"/>
-                <a:cs typeface="Arial" panose="020B0604020202020204" pitchFamily="34" charset="0"/>
-              </a:rPr>
-              <a:t>Rishi</a:t>
-            </a:r>
-          </a:p>
-          <a:p>
-            <a:pPr lvl="1"/>
-            <a:r>
-              <a:rPr lang="en-US" sz="2200" b="1" dirty="0" smtClean="0">
-                <a:latin typeface="Arial" panose="020B0604020202020204" pitchFamily="34" charset="0"/>
-                <a:cs typeface="Arial" panose="020B0604020202020204" pitchFamily="34" charset="0"/>
-              </a:rPr>
-              <a:t>Atharva(Na) </a:t>
-            </a:r>
-            <a:r>
-              <a:rPr lang="en-US" sz="2200" b="1" dirty="0">
-                <a:latin typeface="Arial" panose="020B0604020202020204" pitchFamily="34" charset="0"/>
-                <a:cs typeface="Arial" panose="020B0604020202020204" pitchFamily="34" charset="0"/>
-              </a:rPr>
-              <a:t>Veda  </a:t>
-            </a:r>
-            <a:r>
-              <a:rPr lang="en-US" sz="2200" b="1" dirty="0" smtClean="0">
-                <a:latin typeface="Arial" panose="020B0604020202020204" pitchFamily="34" charset="0"/>
-                <a:cs typeface="Arial" panose="020B0604020202020204" pitchFamily="34" charset="0"/>
-              </a:rPr>
-              <a:t>   		 </a:t>
-            </a:r>
-            <a:r>
-              <a:rPr lang="en-US" sz="2200" b="1" dirty="0">
-                <a:latin typeface="Arial" panose="020B0604020202020204" pitchFamily="34" charset="0"/>
-                <a:cs typeface="Arial" panose="020B0604020202020204" pitchFamily="34" charset="0"/>
-              </a:rPr>
-              <a:t>-  </a:t>
-            </a:r>
-            <a:r>
-              <a:rPr lang="en-US" sz="2200" b="1" dirty="0" smtClean="0">
-                <a:latin typeface="Arial" panose="020B0604020202020204" pitchFamily="34" charset="0"/>
-                <a:cs typeface="Arial" panose="020B0604020202020204" pitchFamily="34" charset="0"/>
-              </a:rPr>
-              <a:t>	Sumantha </a:t>
-            </a:r>
-            <a:r>
-              <a:rPr lang="en-US" sz="2200" b="1" dirty="0">
-                <a:latin typeface="Arial" panose="020B0604020202020204" pitchFamily="34" charset="0"/>
-                <a:cs typeface="Arial" panose="020B0604020202020204" pitchFamily="34" charset="0"/>
-              </a:rPr>
-              <a:t>Rishi</a:t>
-            </a:r>
-          </a:p>
-          <a:p>
-            <a:r>
-              <a:rPr lang="en-GB" sz="2800" b="1" dirty="0" smtClean="0"/>
+              <a:t>Atharva(Na) Veda     		 -  	Sumantha Rishi</a:t>
+            </a:r>
+          </a:p>
+          <a:p>
+            <a:r>
+              <a:rPr lang="en-GB" sz="2800" b="1" dirty="0"/>
               <a:t>This is traced close to the Period around Mahabharata times when Kaliyug was about to start</a:t>
             </a:r>
-            <a:endParaRPr lang="en-GB" sz="2800" b="1" dirty="0"/>
           </a:p>
         </p:txBody>
       </p:sp>
@@ -17063,13 +15722,6 @@
   <p:clrMapOvr>
     <a:masterClrMapping/>
   </p:clrMapOvr>
-  <p:timing>
-    <p:tnLst>
-      <p:par>
-        <p:cTn id="1" dur="indefinite" restart="never" nodeType="tmRoot"/>
-      </p:par>
-    </p:tnLst>
-  </p:timing>
 </p:sld>
 </file>
 
@@ -17113,10 +15765,9 @@
           <a:lstStyle/>
           <a:p>
             <a:r>
-              <a:rPr lang="en-US" dirty="0" smtClean="0"/>
+              <a:rPr lang="en-US" dirty="0"/>
               <a:t>Four Vedas</a:t>
             </a:r>
-            <a:endParaRPr lang="en-US" dirty="0"/>
           </a:p>
         </p:txBody>
       </p:sp>
@@ -17143,54 +15794,53 @@
           <a:lstStyle/>
           <a:p>
             <a:r>
-              <a:rPr lang="en-US" sz="2400" b="1" dirty="0" smtClean="0"/>
+              <a:rPr lang="en-US" sz="2400" b="1" dirty="0"/>
               <a:t>Same Veda Mantras are found across these four vedas.</a:t>
             </a:r>
           </a:p>
           <a:p>
             <a:r>
-              <a:rPr lang="en-US" sz="2400" b="1" dirty="0" smtClean="0"/>
+              <a:rPr lang="en-US" sz="2400" b="1" dirty="0"/>
               <a:t>Main source of these mantras are from Ruk Veda</a:t>
             </a:r>
           </a:p>
           <a:p>
             <a:r>
-              <a:rPr lang="en-US" sz="2400" b="1" dirty="0" smtClean="0"/>
+              <a:rPr lang="en-US" sz="2400" b="1" dirty="0"/>
               <a:t>Each of them have their own mantras or group of mantras revealed to the Rishis</a:t>
             </a:r>
           </a:p>
           <a:p>
             <a:r>
-              <a:rPr lang="en-US" sz="2400" b="1" dirty="0" smtClean="0"/>
+              <a:rPr lang="en-US" sz="2400" b="1" dirty="0"/>
               <a:t>Rendering style, Swaram rules differ between four Vedas</a:t>
             </a:r>
           </a:p>
           <a:p>
             <a:r>
-              <a:rPr lang="en-US" sz="2400" b="1" dirty="0" smtClean="0"/>
+              <a:rPr lang="en-US" sz="2400" b="1" dirty="0"/>
               <a:t>Sama Veda has sapta swaras and has mantras with elongated time scale of rendering </a:t>
             </a:r>
           </a:p>
           <a:p>
             <a:r>
-              <a:rPr lang="en-US" sz="2400" b="1" dirty="0" smtClean="0"/>
+              <a:rPr lang="en-US" sz="2400" b="1" dirty="0"/>
               <a:t>Athava Veda is said to be a later evolution from the three vedas</a:t>
             </a:r>
           </a:p>
           <a:p>
             <a:pPr lvl="1"/>
             <a:r>
-              <a:rPr lang="en-US" sz="2400" b="1" dirty="0" smtClean="0"/>
+              <a:rPr lang="en-US" sz="2400" b="1" dirty="0"/>
               <a:t>Covers lots of details on householders living, practices, rules and regulations</a:t>
             </a:r>
           </a:p>
           <a:p>
             <a:pPr lvl="1"/>
             <a:r>
-              <a:rPr lang="en-US" sz="2400" b="1" dirty="0" smtClean="0"/>
+              <a:rPr lang="en-US" sz="2400" b="1" dirty="0"/>
               <a:t>A lot of details on medicines</a:t>
             </a:r>
-            <a:endParaRPr lang="en-US" sz="2400" b="1" dirty="0"/>
           </a:p>
         </p:txBody>
       </p:sp>
@@ -17204,13 +15854,6 @@
   <p:clrMapOvr>
     <a:masterClrMapping/>
   </p:clrMapOvr>
-  <p:timing>
-    <p:tnLst>
-      <p:par>
-        <p:cTn id="1" dur="indefinite" restart="never" nodeType="tmRoot"/>
-      </p:par>
-    </p:tnLst>
-  </p:timing>
 </p:sld>
 </file>
 

--- a/Veda Lectures/Veda Basics.pptx
+++ b/Veda Lectures/Veda Basics.pptx
@@ -43,9 +43,9 @@
     <p:sldId id="275" r:id="rId37"/>
     <p:sldId id="317" r:id="rId38"/>
     <p:sldId id="269" r:id="rId39"/>
-    <p:sldId id="276" r:id="rId40"/>
-    <p:sldId id="301" r:id="rId41"/>
-    <p:sldId id="278" r:id="rId42"/>
+    <p:sldId id="278" r:id="rId40"/>
+    <p:sldId id="276" r:id="rId41"/>
+    <p:sldId id="301" r:id="rId42"/>
     <p:sldId id="279" r:id="rId43"/>
     <p:sldId id="283" r:id="rId44"/>
     <p:sldId id="280" r:id="rId45"/>
@@ -213,9 +213,9 @@
             <p14:sldId id="275"/>
             <p14:sldId id="317"/>
             <p14:sldId id="269"/>
+            <p14:sldId id="278"/>
             <p14:sldId id="276"/>
             <p14:sldId id="301"/>
-            <p14:sldId id="278"/>
           </p14:sldIdLst>
         </p14:section>
         <p14:section name="Sound Source &amp; Letters" id="{F7046024-FBFB-4CCE-8F61-5A6A15711C6E}">
@@ -453,7 +453,7 @@
             <a:fld id="{B61BEF0D-F0BB-DE4B-95CE-6DB70DBA9567}" type="datetimeFigureOut">
               <a:rPr lang="en-US" dirty="0"/>
               <a:pPr/>
-              <a:t>2/3/2021</a:t>
+              <a:t>2/5/2021</a:t>
             </a:fld>
             <a:endParaRPr lang="en-US" dirty="0"/>
           </a:p>
@@ -886,7 +886,7 @@
             <a:fld id="{B61BEF0D-F0BB-DE4B-95CE-6DB70DBA9567}" type="datetimeFigureOut">
               <a:rPr lang="en-US" dirty="0"/>
               <a:pPr/>
-              <a:t>2/3/2021</a:t>
+              <a:t>2/5/2021</a:t>
             </a:fld>
             <a:endParaRPr lang="en-US" dirty="0"/>
           </a:p>
@@ -1133,7 +1133,7 @@
             <a:fld id="{B61BEF0D-F0BB-DE4B-95CE-6DB70DBA9567}" type="datetimeFigureOut">
               <a:rPr lang="en-US" dirty="0"/>
               <a:pPr/>
-              <a:t>2/3/2021</a:t>
+              <a:t>2/5/2021</a:t>
             </a:fld>
             <a:endParaRPr lang="en-US" dirty="0"/>
           </a:p>
@@ -1438,7 +1438,7 @@
             <a:fld id="{B61BEF0D-F0BB-DE4B-95CE-6DB70DBA9567}" type="datetimeFigureOut">
               <a:rPr lang="en-US" dirty="0"/>
               <a:pPr/>
-              <a:t>2/3/2021</a:t>
+              <a:t>2/5/2021</a:t>
             </a:fld>
             <a:endParaRPr lang="en-US" dirty="0"/>
           </a:p>
@@ -1753,7 +1753,7 @@
             <a:fld id="{B61BEF0D-F0BB-DE4B-95CE-6DB70DBA9567}" type="datetimeFigureOut">
               <a:rPr lang="en-US" dirty="0"/>
               <a:pPr/>
-              <a:t>2/3/2021</a:t>
+              <a:t>2/5/2021</a:t>
             </a:fld>
             <a:endParaRPr lang="en-US" dirty="0"/>
           </a:p>
@@ -2052,7 +2052,7 @@
             <a:fld id="{B61BEF0D-F0BB-DE4B-95CE-6DB70DBA9567}" type="datetimeFigureOut">
               <a:rPr lang="en-US" dirty="0"/>
               <a:pPr/>
-              <a:t>2/3/2021</a:t>
+              <a:t>2/5/2021</a:t>
             </a:fld>
             <a:endParaRPr lang="en-US" dirty="0"/>
           </a:p>
@@ -2416,7 +2416,7 @@
             <a:fld id="{B61BEF0D-F0BB-DE4B-95CE-6DB70DBA9567}" type="datetimeFigureOut">
               <a:rPr lang="en-US" dirty="0"/>
               <a:pPr/>
-              <a:t>2/3/2021</a:t>
+              <a:t>2/5/2021</a:t>
             </a:fld>
             <a:endParaRPr lang="en-US" dirty="0"/>
           </a:p>
@@ -2587,7 +2587,7 @@
             <a:fld id="{B61BEF0D-F0BB-DE4B-95CE-6DB70DBA9567}" type="datetimeFigureOut">
               <a:rPr lang="en-US" dirty="0"/>
               <a:pPr/>
-              <a:t>2/3/2021</a:t>
+              <a:t>2/5/2021</a:t>
             </a:fld>
             <a:endParaRPr lang="en-US" dirty="0"/>
           </a:p>
@@ -2764,7 +2764,7 @@
             <a:fld id="{B61BEF0D-F0BB-DE4B-95CE-6DB70DBA9567}" type="datetimeFigureOut">
               <a:rPr lang="en-US" dirty="0"/>
               <a:pPr/>
-              <a:t>2/3/2021</a:t>
+              <a:t>2/5/2021</a:t>
             </a:fld>
             <a:endParaRPr lang="en-US" dirty="0"/>
           </a:p>
@@ -2931,7 +2931,7 @@
             <a:fld id="{B61BEF0D-F0BB-DE4B-95CE-6DB70DBA9567}" type="datetimeFigureOut">
               <a:rPr lang="en-US" dirty="0"/>
               <a:pPr/>
-              <a:t>2/3/2021</a:t>
+              <a:t>2/5/2021</a:t>
             </a:fld>
             <a:endParaRPr lang="en-US" dirty="0"/>
           </a:p>
@@ -3178,7 +3178,7 @@
             <a:fld id="{B61BEF0D-F0BB-DE4B-95CE-6DB70DBA9567}" type="datetimeFigureOut">
               <a:rPr lang="en-US" dirty="0"/>
               <a:pPr/>
-              <a:t>2/3/2021</a:t>
+              <a:t>2/5/2021</a:t>
             </a:fld>
             <a:endParaRPr lang="en-US" dirty="0"/>
           </a:p>
@@ -3411,7 +3411,7 @@
             <a:fld id="{B61BEF0D-F0BB-DE4B-95CE-6DB70DBA9567}" type="datetimeFigureOut">
               <a:rPr lang="en-US" dirty="0"/>
               <a:pPr/>
-              <a:t>2/3/2021</a:t>
+              <a:t>2/5/2021</a:t>
             </a:fld>
             <a:endParaRPr lang="en-US" dirty="0"/>
           </a:p>
@@ -3790,7 +3790,7 @@
             <a:fld id="{B61BEF0D-F0BB-DE4B-95CE-6DB70DBA9567}" type="datetimeFigureOut">
               <a:rPr lang="en-US" dirty="0"/>
               <a:pPr/>
-              <a:t>2/3/2021</a:t>
+              <a:t>2/5/2021</a:t>
             </a:fld>
             <a:endParaRPr lang="en-US" dirty="0"/>
           </a:p>
@@ -3905,7 +3905,7 @@
             <a:fld id="{B61BEF0D-F0BB-DE4B-95CE-6DB70DBA9567}" type="datetimeFigureOut">
               <a:rPr lang="en-US" dirty="0"/>
               <a:pPr/>
-              <a:t>2/3/2021</a:t>
+              <a:t>2/5/2021</a:t>
             </a:fld>
             <a:endParaRPr lang="en-US" dirty="0"/>
           </a:p>
@@ -3997,7 +3997,7 @@
             <a:fld id="{B61BEF0D-F0BB-DE4B-95CE-6DB70DBA9567}" type="datetimeFigureOut">
               <a:rPr lang="en-US" dirty="0"/>
               <a:pPr/>
-              <a:t>2/3/2021</a:t>
+              <a:t>2/5/2021</a:t>
             </a:fld>
             <a:endParaRPr lang="en-US" dirty="0"/>
           </a:p>
@@ -4249,7 +4249,7 @@
             <a:fld id="{B61BEF0D-F0BB-DE4B-95CE-6DB70DBA9567}" type="datetimeFigureOut">
               <a:rPr lang="en-US" dirty="0"/>
               <a:pPr/>
-              <a:t>2/3/2021</a:t>
+              <a:t>2/5/2021</a:t>
             </a:fld>
             <a:endParaRPr lang="en-US" dirty="0"/>
           </a:p>
@@ -4529,7 +4529,7 @@
             <a:fld id="{B61BEF0D-F0BB-DE4B-95CE-6DB70DBA9567}" type="datetimeFigureOut">
               <a:rPr lang="en-US" dirty="0"/>
               <a:pPr/>
-              <a:t>2/3/2021</a:t>
+              <a:t>2/5/2021</a:t>
             </a:fld>
             <a:endParaRPr lang="en-US" dirty="0"/>
           </a:p>
@@ -4932,7 +4932,7 @@
             <a:fld id="{B61BEF0D-F0BB-DE4B-95CE-6DB70DBA9567}" type="datetimeFigureOut">
               <a:rPr lang="en-US" dirty="0"/>
               <a:pPr/>
-              <a:t>2/3/2021</a:t>
+              <a:t>2/5/2021</a:t>
             </a:fld>
             <a:endParaRPr lang="en-US" dirty="0"/>
           </a:p>
@@ -9074,8 +9074,17 @@
               <a:rPr lang="en-US" sz="2400" b="1" dirty="0">
                 <a:cs typeface="Arial" panose="020B0604020202020204" pitchFamily="34" charset="0"/>
               </a:rPr>
-              <a:t>Learning example of King Janaka</a:t>
-            </a:r>
+              <a:t>Learning example of King Janaka with </a:t>
+            </a:r>
+            <a:r>
+              <a:rPr lang="en-US" sz="2400" b="1">
+                <a:cs typeface="Arial" panose="020B0604020202020204" pitchFamily="34" charset="0"/>
+              </a:rPr>
+              <a:t>ashtavakra</a:t>
+            </a:r>
+            <a:endParaRPr lang="en-US" sz="2400" b="1" dirty="0">
+              <a:cs typeface="Arial" panose="020B0604020202020204" pitchFamily="34" charset="0"/>
+            </a:endParaRPr>
           </a:p>
         </p:txBody>
       </p:sp>
@@ -10329,17 +10338,19 @@
         </p:nvSpPr>
         <p:spPr>
           <a:xfrm>
-            <a:off x="629621" y="5745707"/>
-            <a:ext cx="7681865" cy="655094"/>
-          </a:xfrm>
-        </p:spPr>
-        <p:txBody>
-          <a:bodyPr/>
+            <a:off x="534087" y="5377218"/>
+            <a:ext cx="8534400" cy="1094853"/>
+          </a:xfrm>
+        </p:spPr>
+        <p:txBody>
+          <a:bodyPr>
+            <a:normAutofit fontScale="90000"/>
+          </a:bodyPr>
           <a:lstStyle/>
           <a:p>
             <a:r>
               <a:rPr lang="en-US" dirty="0"/>
-              <a:t>Learning in PataShala</a:t>
+              <a:t>Effects of misuse or Wrong rendition</a:t>
             </a:r>
           </a:p>
         </p:txBody>
@@ -10356,130 +10367,69 @@
         </p:nvSpPr>
         <p:spPr>
           <a:xfrm>
-            <a:off x="409433" y="204716"/>
-            <a:ext cx="11081982" cy="5540991"/>
+            <a:off x="684212" y="532893"/>
+            <a:ext cx="8534400" cy="3954439"/>
           </a:xfrm>
         </p:spPr>
         <p:txBody>
           <a:bodyPr>
-            <a:normAutofit fontScale="47500" lnSpcReduction="20000"/>
+            <a:noAutofit/>
           </a:bodyPr>
           <a:lstStyle/>
           <a:p>
-            <a:endParaRPr lang="en-US" sz="2600" b="1" dirty="0">
-              <a:latin typeface="Arial" panose="020B0604020202020204" pitchFamily="34" charset="0"/>
-              <a:cs typeface="Arial" panose="020B0604020202020204" pitchFamily="34" charset="0"/>
-            </a:endParaRPr>
-          </a:p>
-          <a:p>
-            <a:r>
-              <a:rPr lang="en-US" sz="5100" b="1" dirty="0">
-                <a:cs typeface="Arial" panose="020B0604020202020204" pitchFamily="34" charset="0"/>
-              </a:rPr>
-              <a:t>Minimum Seven to eight years to complete</a:t>
-            </a:r>
-          </a:p>
-          <a:p>
-            <a:pPr lvl="1"/>
-            <a:r>
-              <a:rPr lang="en-US" sz="5100" b="1" dirty="0">
-                <a:cs typeface="Arial" panose="020B0604020202020204" pitchFamily="34" charset="0"/>
-              </a:rPr>
-              <a:t>SamhitA, BrAhmaNam, Aranyam</a:t>
-            </a:r>
-          </a:p>
-          <a:p>
-            <a:pPr lvl="1"/>
-            <a:r>
-              <a:rPr lang="en-US" sz="5100" b="1" dirty="0">
-                <a:cs typeface="Arial" panose="020B0604020202020204" pitchFamily="34" charset="0"/>
-              </a:rPr>
-              <a:t>Pada PAtam and Kramam for SamhitA</a:t>
-            </a:r>
-          </a:p>
-          <a:p>
-            <a:pPr lvl="1"/>
-            <a:r>
-              <a:rPr lang="en-US" sz="5100" b="1" dirty="0">
-                <a:cs typeface="Arial" panose="020B0604020202020204" pitchFamily="34" charset="0"/>
-              </a:rPr>
-              <a:t>Various Sastras, standard karma vidhis and procedures</a:t>
-            </a:r>
-          </a:p>
-          <a:p>
-            <a:pPr lvl="1"/>
-            <a:r>
-              <a:rPr lang="en-US" sz="5100" b="1" dirty="0">
-                <a:cs typeface="Arial" panose="020B0604020202020204" pitchFamily="34" charset="0"/>
-              </a:rPr>
-              <a:t>Basic Grammar Rules get covered</a:t>
-            </a:r>
-          </a:p>
-          <a:p>
-            <a:r>
-              <a:rPr lang="en-US" sz="5100" b="1" dirty="0">
-                <a:cs typeface="Arial" panose="020B0604020202020204" pitchFamily="34" charset="0"/>
-              </a:rPr>
-              <a:t>Additional 18-24 months for Jata PAtam</a:t>
-            </a:r>
-          </a:p>
-          <a:p>
-            <a:r>
-              <a:rPr lang="en-US" sz="5100" b="1" dirty="0">
-                <a:cs typeface="Arial" panose="020B0604020202020204" pitchFamily="34" charset="0"/>
-              </a:rPr>
-              <a:t>Additional 18-24 months for Ghana Paatam</a:t>
-            </a:r>
-          </a:p>
-          <a:p>
-            <a:r>
-              <a:rPr lang="en-US" sz="5100" b="1" dirty="0">
-                <a:cs typeface="Arial" panose="020B0604020202020204" pitchFamily="34" charset="0"/>
-              </a:rPr>
-              <a:t>Additional 18-24 months for VarNa Kramam</a:t>
-            </a:r>
-          </a:p>
-          <a:p>
-            <a:pPr lvl="1"/>
-            <a:r>
-              <a:rPr lang="en-US" sz="5100" b="1" dirty="0">
-                <a:cs typeface="Arial" panose="020B0604020202020204" pitchFamily="34" charset="0"/>
-              </a:rPr>
-              <a:t>Combined Study and conceptual learning can shorten overall time depending on time involved, Guru available</a:t>
-            </a:r>
-          </a:p>
-          <a:p>
-            <a:r>
-              <a:rPr lang="en-US" sz="5100" b="1" dirty="0">
-                <a:cs typeface="Arial" panose="020B0604020202020204" pitchFamily="34" charset="0"/>
-              </a:rPr>
-              <a:t>Tough examinations to Pass to get the titles</a:t>
-            </a:r>
-          </a:p>
-          <a:p>
-            <a:endParaRPr lang="en-US" dirty="0"/>
-          </a:p>
-          <a:p>
-            <a:pPr marL="457200" lvl="1" indent="0">
-              <a:buNone/>
-            </a:pPr>
-            <a:r>
-              <a:rPr lang="en-US" dirty="0"/>
-              <a:t>	</a:t>
-            </a:r>
-          </a:p>
-          <a:p>
-            <a:pPr marL="457200" lvl="1" indent="0">
-              <a:buNone/>
-            </a:pPr>
-            <a:endParaRPr lang="en-US" dirty="0"/>
+            <a:r>
+              <a:rPr lang="en-US" sz="2400" b="1" dirty="0">
+                <a:cs typeface="Arial" panose="020B0604020202020204" pitchFamily="34" charset="0"/>
+              </a:rPr>
+              <a:t>Many times you intend saying the opposite</a:t>
+            </a:r>
+          </a:p>
+          <a:p>
+            <a:r>
+              <a:rPr lang="en-US" sz="2400" b="1" dirty="0">
+                <a:cs typeface="Arial" panose="020B0604020202020204" pitchFamily="34" charset="0"/>
+              </a:rPr>
+              <a:t>The body reacts to wrongly intended vibration</a:t>
+            </a:r>
+          </a:p>
+          <a:p>
+            <a:r>
+              <a:rPr lang="en-US" sz="2400" b="1" dirty="0">
+                <a:cs typeface="Arial" panose="020B0604020202020204" pitchFamily="34" charset="0"/>
+              </a:rPr>
+              <a:t>Reflected as physical problems or mental problems</a:t>
+            </a:r>
+          </a:p>
+          <a:p>
+            <a:r>
+              <a:rPr lang="en-US" sz="2400" b="1" dirty="0">
+                <a:cs typeface="Arial" panose="020B0604020202020204" pitchFamily="34" charset="0"/>
+              </a:rPr>
+              <a:t>Right pronunciation, speed and rendering style very critical</a:t>
+            </a:r>
+          </a:p>
+          <a:p>
+            <a:r>
+              <a:rPr lang="en-US" sz="2400" b="1" dirty="0">
+                <a:cs typeface="Arial" panose="020B0604020202020204" pitchFamily="34" charset="0"/>
+              </a:rPr>
+              <a:t>Sage Vyasa warns about consequences of rendering Veda mantras.</a:t>
+            </a:r>
+          </a:p>
+          <a:p>
+            <a:r>
+              <a:rPr lang="en-US" sz="2400" b="1" dirty="0">
+                <a:cs typeface="Arial" panose="020B0604020202020204" pitchFamily="34" charset="0"/>
+              </a:rPr>
+              <a:t>One needs discipline with Food intake and personal habits</a:t>
+            </a:r>
           </a:p>
         </p:txBody>
       </p:sp>
     </p:spTree>
     <p:extLst>
       <p:ext uri="{BB962C8B-B14F-4D97-AF65-F5344CB8AC3E}">
-        <p14:creationId xmlns:p14="http://schemas.microsoft.com/office/powerpoint/2010/main" val="2285695278"/>
+        <p14:creationId xmlns:p14="http://schemas.microsoft.com/office/powerpoint/2010/main" val="1201309700"/>
       </p:ext>
     </p:extLst>
   </p:cSld>
@@ -10648,8 +10598,8 @@
         </p:nvSpPr>
         <p:spPr>
           <a:xfrm>
-            <a:off x="684212" y="5431809"/>
-            <a:ext cx="8534400" cy="972023"/>
+            <a:off x="629621" y="5745707"/>
+            <a:ext cx="7681865" cy="655094"/>
           </a:xfrm>
         </p:spPr>
         <p:txBody>
@@ -10658,7 +10608,7 @@
           <a:p>
             <a:r>
               <a:rPr lang="en-US" dirty="0"/>
-              <a:t>Studies and Specialisation</a:t>
+              <a:t>Learning in PataShala</a:t>
             </a:r>
           </a:p>
         </p:txBody>
@@ -10675,59 +10625,148 @@
         </p:nvSpPr>
         <p:spPr>
           <a:xfrm>
-            <a:off x="684212" y="272955"/>
-            <a:ext cx="9729030" cy="5281684"/>
+            <a:off x="409433" y="204716"/>
+            <a:ext cx="11081982" cy="5540991"/>
           </a:xfrm>
         </p:spPr>
         <p:txBody>
           <a:bodyPr>
-            <a:normAutofit/>
+            <a:normAutofit fontScale="40000" lnSpcReduction="20000"/>
           </a:bodyPr>
           <a:lstStyle/>
           <a:p>
-            <a:r>
-              <a:rPr lang="en-US" sz="2400" b="1" dirty="0"/>
-              <a:t>After basic learning student needs to move to places which were centres of excellence – viz.  kAshi </a:t>
-            </a:r>
-          </a:p>
-          <a:p>
-            <a:pPr lvl="1"/>
-            <a:r>
-              <a:rPr lang="en-US" sz="2400" b="1" dirty="0"/>
-              <a:t>Practice of kAshi yAtra comes from this during marriage</a:t>
-            </a:r>
-          </a:p>
-          <a:p>
-            <a:pPr lvl="1"/>
-            <a:r>
-              <a:rPr lang="en-US" sz="2400" b="1" dirty="0"/>
-              <a:t>Brahmacharya, grahasta, vansprasta, sannyaasa</a:t>
-            </a:r>
-          </a:p>
-          <a:p>
-            <a:r>
-              <a:rPr lang="en-US" sz="2400" b="1" dirty="0"/>
-              <a:t>To specific Gurus or Schools/Institutions</a:t>
-            </a:r>
-          </a:p>
-          <a:p>
-            <a:r>
-              <a:rPr lang="en-US" sz="2400" b="1" dirty="0"/>
-              <a:t>Specialisation like Grammar, Chandas, Sastras, PurANAs, Literature was followed</a:t>
-            </a:r>
-          </a:p>
-          <a:p>
-            <a:r>
-              <a:rPr lang="en-US" sz="2400" b="1" dirty="0"/>
-              <a:t>An expert has given that 46 books/subjects must be studied to perfect oneself in Krishna Yajur Veda</a:t>
-            </a:r>
+            <a:endParaRPr lang="en-US" sz="2600" b="1" dirty="0">
+              <a:latin typeface="Arial" panose="020B0604020202020204" pitchFamily="34" charset="0"/>
+              <a:cs typeface="Arial" panose="020B0604020202020204" pitchFamily="34" charset="0"/>
+            </a:endParaRPr>
+          </a:p>
+          <a:p>
+            <a:r>
+              <a:rPr lang="en-US" sz="5100" b="1" dirty="0">
+                <a:cs typeface="Arial" panose="020B0604020202020204" pitchFamily="34" charset="0"/>
+              </a:rPr>
+              <a:t>Minimum Seven to eight years to complete</a:t>
+            </a:r>
+          </a:p>
+          <a:p>
+            <a:pPr lvl="1"/>
+            <a:r>
+              <a:rPr lang="en-US" sz="5100" b="1" dirty="0">
+                <a:cs typeface="Arial" panose="020B0604020202020204" pitchFamily="34" charset="0"/>
+              </a:rPr>
+              <a:t>SamhitA, BrAhmaNam, Aranyam</a:t>
+            </a:r>
+          </a:p>
+          <a:p>
+            <a:pPr lvl="1"/>
+            <a:r>
+              <a:rPr lang="en-US" sz="5100" b="1" dirty="0">
+                <a:cs typeface="Arial" panose="020B0604020202020204" pitchFamily="34" charset="0"/>
+              </a:rPr>
+              <a:t>Pada PAtam and Kramam for SamhitA</a:t>
+            </a:r>
+          </a:p>
+          <a:p>
+            <a:pPr lvl="1"/>
+            <a:r>
+              <a:rPr lang="en-US" sz="5100" b="1" dirty="0">
+                <a:cs typeface="Arial" panose="020B0604020202020204" pitchFamily="34" charset="0"/>
+              </a:rPr>
+              <a:t>Various Sastras, standard karma vidhis and procedures</a:t>
+            </a:r>
+          </a:p>
+          <a:p>
+            <a:pPr lvl="1"/>
+            <a:r>
+              <a:rPr lang="en-US" sz="5100" b="1" dirty="0">
+                <a:cs typeface="Arial" panose="020B0604020202020204" pitchFamily="34" charset="0"/>
+              </a:rPr>
+              <a:t>Various slokas, mantras from </a:t>
+            </a:r>
+            <a:r>
+              <a:rPr lang="en-US" sz="5100" b="1">
+                <a:cs typeface="Arial" panose="020B0604020202020204" pitchFamily="34" charset="0"/>
+              </a:rPr>
+              <a:t>other sources</a:t>
+            </a:r>
+            <a:endParaRPr lang="en-US" sz="5100" b="1" dirty="0">
+              <a:cs typeface="Arial" panose="020B0604020202020204" pitchFamily="34" charset="0"/>
+            </a:endParaRPr>
+          </a:p>
+          <a:p>
+            <a:pPr lvl="1"/>
+            <a:r>
+              <a:rPr lang="en-US" sz="5100" b="1" dirty="0">
+                <a:cs typeface="Arial" panose="020B0604020202020204" pitchFamily="34" charset="0"/>
+              </a:rPr>
+              <a:t>Basic Grammar Rules get covered</a:t>
+            </a:r>
+          </a:p>
+          <a:p>
+            <a:r>
+              <a:rPr lang="en-US" sz="5100" b="1" dirty="0">
+                <a:cs typeface="Arial" panose="020B0604020202020204" pitchFamily="34" charset="0"/>
+              </a:rPr>
+              <a:t>Additional 18-24 months for Jata PAtam</a:t>
+            </a:r>
+          </a:p>
+          <a:p>
+            <a:r>
+              <a:rPr lang="en-US" sz="5100" b="1" dirty="0">
+                <a:cs typeface="Arial" panose="020B0604020202020204" pitchFamily="34" charset="0"/>
+              </a:rPr>
+              <a:t>Additional 18-24 months for Ghana Paatam</a:t>
+            </a:r>
+          </a:p>
+          <a:p>
+            <a:r>
+              <a:rPr lang="en-US" sz="5100" b="1" dirty="0">
+                <a:cs typeface="Arial" panose="020B0604020202020204" pitchFamily="34" charset="0"/>
+              </a:rPr>
+              <a:t>Additional 18-24 months for VarNa Kramam</a:t>
+            </a:r>
+          </a:p>
+          <a:p>
+            <a:pPr lvl="1"/>
+            <a:r>
+              <a:rPr lang="en-US" sz="5100" b="1" dirty="0">
+                <a:cs typeface="Arial" panose="020B0604020202020204" pitchFamily="34" charset="0"/>
+              </a:rPr>
+              <a:t>Combined Study and conceptual learning can shorten overall time depending on time involved, Guru available</a:t>
+            </a:r>
+          </a:p>
+          <a:p>
+            <a:r>
+              <a:rPr lang="en-US" sz="5100" b="1" dirty="0">
+                <a:cs typeface="Arial" panose="020B0604020202020204" pitchFamily="34" charset="0"/>
+              </a:rPr>
+              <a:t>Tough examinations to Pass to get the titles</a:t>
+            </a:r>
+          </a:p>
+          <a:p>
+            <a:endParaRPr lang="en-US" dirty="0"/>
+          </a:p>
+          <a:p>
+            <a:pPr marL="457200" lvl="1" indent="0">
+              <a:buNone/>
+            </a:pPr>
+            <a:r>
+              <a:rPr lang="en-US" dirty="0"/>
+              <a:t>	</a:t>
+            </a:r>
+          </a:p>
+          <a:p>
+            <a:pPr marL="457200" lvl="1" indent="0">
+              <a:buNone/>
+            </a:pPr>
+            <a:endParaRPr lang="en-US" dirty="0"/>
           </a:p>
         </p:txBody>
       </p:sp>
     </p:spTree>
     <p:extLst>
       <p:ext uri="{BB962C8B-B14F-4D97-AF65-F5344CB8AC3E}">
-        <p14:creationId xmlns:p14="http://schemas.microsoft.com/office/powerpoint/2010/main" val="434471426"/>
+        <p14:creationId xmlns:p14="http://schemas.microsoft.com/office/powerpoint/2010/main" val="2285695278"/>
       </p:ext>
     </p:extLst>
   </p:cSld>
@@ -10766,90 +10805,78 @@
         </p:nvSpPr>
         <p:spPr>
           <a:xfrm>
-            <a:off x="534087" y="5377218"/>
-            <a:ext cx="8534400" cy="1094853"/>
+            <a:off x="684212" y="5431809"/>
+            <a:ext cx="8534400" cy="972023"/>
+          </a:xfrm>
+        </p:spPr>
+        <p:txBody>
+          <a:bodyPr/>
+          <a:lstStyle/>
+          <a:p>
+            <a:r>
+              <a:rPr lang="en-US" dirty="0"/>
+              <a:t>Studies and Specialisation</a:t>
+            </a:r>
+          </a:p>
+        </p:txBody>
+      </p:sp>
+      <p:sp>
+        <p:nvSpPr>
+          <p:cNvPr id="3" name="Content Placeholder 2"/>
+          <p:cNvSpPr>
+            <a:spLocks noGrp="1"/>
+          </p:cNvSpPr>
+          <p:nvPr>
+            <p:ph idx="1"/>
+          </p:nvPr>
+        </p:nvSpPr>
+        <p:spPr>
+          <a:xfrm>
+            <a:off x="684212" y="272955"/>
+            <a:ext cx="9729030" cy="5281684"/>
           </a:xfrm>
         </p:spPr>
         <p:txBody>
           <a:bodyPr>
-            <a:normAutofit fontScale="90000"/>
+            <a:normAutofit/>
           </a:bodyPr>
           <a:lstStyle/>
           <a:p>
             <a:r>
-              <a:rPr lang="en-US" dirty="0"/>
-              <a:t>Effects of misuse or Wrong rendition</a:t>
-            </a:r>
-          </a:p>
-        </p:txBody>
-      </p:sp>
-      <p:sp>
-        <p:nvSpPr>
-          <p:cNvPr id="3" name="Content Placeholder 2"/>
-          <p:cNvSpPr>
-            <a:spLocks noGrp="1"/>
-          </p:cNvSpPr>
-          <p:nvPr>
-            <p:ph idx="1"/>
-          </p:nvPr>
-        </p:nvSpPr>
-        <p:spPr>
-          <a:xfrm>
-            <a:off x="684212" y="532893"/>
-            <a:ext cx="8534400" cy="3954439"/>
-          </a:xfrm>
-        </p:spPr>
-        <p:txBody>
-          <a:bodyPr>
-            <a:noAutofit/>
-          </a:bodyPr>
-          <a:lstStyle/>
-          <a:p>
-            <a:r>
-              <a:rPr lang="en-US" sz="2400" b="1" dirty="0">
-                <a:cs typeface="Arial" panose="020B0604020202020204" pitchFamily="34" charset="0"/>
-              </a:rPr>
-              <a:t>Many times you intend saying the opposite</a:t>
-            </a:r>
-          </a:p>
-          <a:p>
-            <a:r>
-              <a:rPr lang="en-US" sz="2400" b="1" dirty="0">
-                <a:cs typeface="Arial" panose="020B0604020202020204" pitchFamily="34" charset="0"/>
-              </a:rPr>
-              <a:t>The body reacts to wrongly intended vibration</a:t>
-            </a:r>
-          </a:p>
-          <a:p>
-            <a:r>
-              <a:rPr lang="en-US" sz="2400" b="1" dirty="0">
-                <a:cs typeface="Arial" panose="020B0604020202020204" pitchFamily="34" charset="0"/>
-              </a:rPr>
-              <a:t>Reflected as physical problems or mental problems</a:t>
-            </a:r>
-          </a:p>
-          <a:p>
-            <a:r>
-              <a:rPr lang="en-US" sz="2400" b="1" dirty="0">
-                <a:cs typeface="Arial" panose="020B0604020202020204" pitchFamily="34" charset="0"/>
-              </a:rPr>
-              <a:t>Right pronunciation, speed and rendering style very critical</a:t>
-            </a:r>
-          </a:p>
-          <a:p>
-            <a:r>
-              <a:rPr lang="en-US" sz="2400" b="1" dirty="0">
-                <a:cs typeface="Arial" panose="020B0604020202020204" pitchFamily="34" charset="0"/>
-              </a:rPr>
-              <a:t>Sage Vyasa warns about consequences of rendering Veda mantras.</a:t>
-            </a:r>
-          </a:p>
-          <a:p>
-            <a:r>
-              <a:rPr lang="en-US" sz="2400" b="1" dirty="0">
-                <a:cs typeface="Arial" panose="020B0604020202020204" pitchFamily="34" charset="0"/>
-              </a:rPr>
-              <a:t>One needs discipline with Food intake and personal habits</a:t>
+              <a:rPr lang="en-US" sz="2400" b="1" dirty="0"/>
+              <a:t>After basic learning student needs to move to places which were centres of excellence – viz.  kAshi </a:t>
+            </a:r>
+          </a:p>
+          <a:p>
+            <a:pPr lvl="1"/>
+            <a:r>
+              <a:rPr lang="en-US" sz="2400" b="1" dirty="0"/>
+              <a:t>Practice of kAshi yAtra comes from this during marriage</a:t>
+            </a:r>
+          </a:p>
+          <a:p>
+            <a:pPr lvl="1"/>
+            <a:r>
+              <a:rPr lang="en-US" sz="2400" b="1" dirty="0"/>
+              <a:t>Brahmacharya, grahasta, vansprasta, sannyaasa</a:t>
+            </a:r>
+          </a:p>
+          <a:p>
+            <a:r>
+              <a:rPr lang="en-US" sz="2400" b="1" dirty="0"/>
+              <a:t>To specific Gurus or Schools/Institutions</a:t>
+            </a:r>
+          </a:p>
+          <a:p>
+            <a:r>
+              <a:rPr lang="en-US" sz="2400" b="1" dirty="0"/>
+              <a:t>Specialisation like Grammar, Chandas, Sastras, PurANAs, Literature was followed</a:t>
+            </a:r>
+          </a:p>
+          <a:p>
+            <a:r>
+              <a:rPr lang="en-US" sz="2400" b="1" dirty="0"/>
+              <a:t>An expert has given that 46 books/subjects must be studied to perfect oneself in Krishna Yajur Veda</a:t>
             </a:r>
           </a:p>
         </p:txBody>
@@ -10857,7 +10884,7 @@
     </p:spTree>
     <p:extLst>
       <p:ext uri="{BB962C8B-B14F-4D97-AF65-F5344CB8AC3E}">
-        <p14:creationId xmlns:p14="http://schemas.microsoft.com/office/powerpoint/2010/main" val="3695913455"/>
+        <p14:creationId xmlns:p14="http://schemas.microsoft.com/office/powerpoint/2010/main" val="434471426"/>
       </p:ext>
     </p:extLst>
   </p:cSld>

--- a/Veda Lectures/Veda Basics.pptx
+++ b/Veda Lectures/Veda Basics.pptx
@@ -453,7 +453,7 @@
             <a:fld id="{B61BEF0D-F0BB-DE4B-95CE-6DB70DBA9567}" type="datetimeFigureOut">
               <a:rPr lang="en-US" dirty="0"/>
               <a:pPr/>
-              <a:t>2/5/2021</a:t>
+              <a:t>2/7/2021</a:t>
             </a:fld>
             <a:endParaRPr lang="en-US" dirty="0"/>
           </a:p>
@@ -886,7 +886,7 @@
             <a:fld id="{B61BEF0D-F0BB-DE4B-95CE-6DB70DBA9567}" type="datetimeFigureOut">
               <a:rPr lang="en-US" dirty="0"/>
               <a:pPr/>
-              <a:t>2/5/2021</a:t>
+              <a:t>2/7/2021</a:t>
             </a:fld>
             <a:endParaRPr lang="en-US" dirty="0"/>
           </a:p>
@@ -1133,7 +1133,7 @@
             <a:fld id="{B61BEF0D-F0BB-DE4B-95CE-6DB70DBA9567}" type="datetimeFigureOut">
               <a:rPr lang="en-US" dirty="0"/>
               <a:pPr/>
-              <a:t>2/5/2021</a:t>
+              <a:t>2/7/2021</a:t>
             </a:fld>
             <a:endParaRPr lang="en-US" dirty="0"/>
           </a:p>
@@ -1438,7 +1438,7 @@
             <a:fld id="{B61BEF0D-F0BB-DE4B-95CE-6DB70DBA9567}" type="datetimeFigureOut">
               <a:rPr lang="en-US" dirty="0"/>
               <a:pPr/>
-              <a:t>2/5/2021</a:t>
+              <a:t>2/7/2021</a:t>
             </a:fld>
             <a:endParaRPr lang="en-US" dirty="0"/>
           </a:p>
@@ -1753,7 +1753,7 @@
             <a:fld id="{B61BEF0D-F0BB-DE4B-95CE-6DB70DBA9567}" type="datetimeFigureOut">
               <a:rPr lang="en-US" dirty="0"/>
               <a:pPr/>
-              <a:t>2/5/2021</a:t>
+              <a:t>2/7/2021</a:t>
             </a:fld>
             <a:endParaRPr lang="en-US" dirty="0"/>
           </a:p>
@@ -2052,7 +2052,7 @@
             <a:fld id="{B61BEF0D-F0BB-DE4B-95CE-6DB70DBA9567}" type="datetimeFigureOut">
               <a:rPr lang="en-US" dirty="0"/>
               <a:pPr/>
-              <a:t>2/5/2021</a:t>
+              <a:t>2/7/2021</a:t>
             </a:fld>
             <a:endParaRPr lang="en-US" dirty="0"/>
           </a:p>
@@ -2416,7 +2416,7 @@
             <a:fld id="{B61BEF0D-F0BB-DE4B-95CE-6DB70DBA9567}" type="datetimeFigureOut">
               <a:rPr lang="en-US" dirty="0"/>
               <a:pPr/>
-              <a:t>2/5/2021</a:t>
+              <a:t>2/7/2021</a:t>
             </a:fld>
             <a:endParaRPr lang="en-US" dirty="0"/>
           </a:p>
@@ -2587,7 +2587,7 @@
             <a:fld id="{B61BEF0D-F0BB-DE4B-95CE-6DB70DBA9567}" type="datetimeFigureOut">
               <a:rPr lang="en-US" dirty="0"/>
               <a:pPr/>
-              <a:t>2/5/2021</a:t>
+              <a:t>2/7/2021</a:t>
             </a:fld>
             <a:endParaRPr lang="en-US" dirty="0"/>
           </a:p>
@@ -2764,7 +2764,7 @@
             <a:fld id="{B61BEF0D-F0BB-DE4B-95CE-6DB70DBA9567}" type="datetimeFigureOut">
               <a:rPr lang="en-US" dirty="0"/>
               <a:pPr/>
-              <a:t>2/5/2021</a:t>
+              <a:t>2/7/2021</a:t>
             </a:fld>
             <a:endParaRPr lang="en-US" dirty="0"/>
           </a:p>
@@ -2931,7 +2931,7 @@
             <a:fld id="{B61BEF0D-F0BB-DE4B-95CE-6DB70DBA9567}" type="datetimeFigureOut">
               <a:rPr lang="en-US" dirty="0"/>
               <a:pPr/>
-              <a:t>2/5/2021</a:t>
+              <a:t>2/7/2021</a:t>
             </a:fld>
             <a:endParaRPr lang="en-US" dirty="0"/>
           </a:p>
@@ -3178,7 +3178,7 @@
             <a:fld id="{B61BEF0D-F0BB-DE4B-95CE-6DB70DBA9567}" type="datetimeFigureOut">
               <a:rPr lang="en-US" dirty="0"/>
               <a:pPr/>
-              <a:t>2/5/2021</a:t>
+              <a:t>2/7/2021</a:t>
             </a:fld>
             <a:endParaRPr lang="en-US" dirty="0"/>
           </a:p>
@@ -3411,7 +3411,7 @@
             <a:fld id="{B61BEF0D-F0BB-DE4B-95CE-6DB70DBA9567}" type="datetimeFigureOut">
               <a:rPr lang="en-US" dirty="0"/>
               <a:pPr/>
-              <a:t>2/5/2021</a:t>
+              <a:t>2/7/2021</a:t>
             </a:fld>
             <a:endParaRPr lang="en-US" dirty="0"/>
           </a:p>
@@ -3790,7 +3790,7 @@
             <a:fld id="{B61BEF0D-F0BB-DE4B-95CE-6DB70DBA9567}" type="datetimeFigureOut">
               <a:rPr lang="en-US" dirty="0"/>
               <a:pPr/>
-              <a:t>2/5/2021</a:t>
+              <a:t>2/7/2021</a:t>
             </a:fld>
             <a:endParaRPr lang="en-US" dirty="0"/>
           </a:p>
@@ -3905,7 +3905,7 @@
             <a:fld id="{B61BEF0D-F0BB-DE4B-95CE-6DB70DBA9567}" type="datetimeFigureOut">
               <a:rPr lang="en-US" dirty="0"/>
               <a:pPr/>
-              <a:t>2/5/2021</a:t>
+              <a:t>2/7/2021</a:t>
             </a:fld>
             <a:endParaRPr lang="en-US" dirty="0"/>
           </a:p>
@@ -3997,7 +3997,7 @@
             <a:fld id="{B61BEF0D-F0BB-DE4B-95CE-6DB70DBA9567}" type="datetimeFigureOut">
               <a:rPr lang="en-US" dirty="0"/>
               <a:pPr/>
-              <a:t>2/5/2021</a:t>
+              <a:t>2/7/2021</a:t>
             </a:fld>
             <a:endParaRPr lang="en-US" dirty="0"/>
           </a:p>
@@ -4249,7 +4249,7 @@
             <a:fld id="{B61BEF0D-F0BB-DE4B-95CE-6DB70DBA9567}" type="datetimeFigureOut">
               <a:rPr lang="en-US" dirty="0"/>
               <a:pPr/>
-              <a:t>2/5/2021</a:t>
+              <a:t>2/7/2021</a:t>
             </a:fld>
             <a:endParaRPr lang="en-US" dirty="0"/>
           </a:p>
@@ -4529,7 +4529,7 @@
             <a:fld id="{B61BEF0D-F0BB-DE4B-95CE-6DB70DBA9567}" type="datetimeFigureOut">
               <a:rPr lang="en-US" dirty="0"/>
               <a:pPr/>
-              <a:t>2/5/2021</a:t>
+              <a:t>2/7/2021</a:t>
             </a:fld>
             <a:endParaRPr lang="en-US" dirty="0"/>
           </a:p>
@@ -4932,7 +4932,7 @@
             <a:fld id="{B61BEF0D-F0BB-DE4B-95CE-6DB70DBA9567}" type="datetimeFigureOut">
               <a:rPr lang="en-US" dirty="0"/>
               <a:pPr/>
-              <a:t>2/5/2021</a:t>
+              <a:t>2/7/2021</a:t>
             </a:fld>
             <a:endParaRPr lang="en-US" dirty="0"/>
           </a:p>

--- a/Veda Lectures/Veda Basics.pptx
+++ b/Veda Lectures/Veda Basics.pptx
@@ -453,7 +453,7 @@
             <a:fld id="{B61BEF0D-F0BB-DE4B-95CE-6DB70DBA9567}" type="datetimeFigureOut">
               <a:rPr lang="en-US" dirty="0"/>
               <a:pPr/>
-              <a:t>2/7/2021</a:t>
+              <a:t>2/10/2021</a:t>
             </a:fld>
             <a:endParaRPr lang="en-US" dirty="0"/>
           </a:p>
@@ -886,7 +886,7 @@
             <a:fld id="{B61BEF0D-F0BB-DE4B-95CE-6DB70DBA9567}" type="datetimeFigureOut">
               <a:rPr lang="en-US" dirty="0"/>
               <a:pPr/>
-              <a:t>2/7/2021</a:t>
+              <a:t>2/10/2021</a:t>
             </a:fld>
             <a:endParaRPr lang="en-US" dirty="0"/>
           </a:p>
@@ -1133,7 +1133,7 @@
             <a:fld id="{B61BEF0D-F0BB-DE4B-95CE-6DB70DBA9567}" type="datetimeFigureOut">
               <a:rPr lang="en-US" dirty="0"/>
               <a:pPr/>
-              <a:t>2/7/2021</a:t>
+              <a:t>2/10/2021</a:t>
             </a:fld>
             <a:endParaRPr lang="en-US" dirty="0"/>
           </a:p>
@@ -1438,7 +1438,7 @@
             <a:fld id="{B61BEF0D-F0BB-DE4B-95CE-6DB70DBA9567}" type="datetimeFigureOut">
               <a:rPr lang="en-US" dirty="0"/>
               <a:pPr/>
-              <a:t>2/7/2021</a:t>
+              <a:t>2/10/2021</a:t>
             </a:fld>
             <a:endParaRPr lang="en-US" dirty="0"/>
           </a:p>
@@ -1753,7 +1753,7 @@
             <a:fld id="{B61BEF0D-F0BB-DE4B-95CE-6DB70DBA9567}" type="datetimeFigureOut">
               <a:rPr lang="en-US" dirty="0"/>
               <a:pPr/>
-              <a:t>2/7/2021</a:t>
+              <a:t>2/10/2021</a:t>
             </a:fld>
             <a:endParaRPr lang="en-US" dirty="0"/>
           </a:p>
@@ -2052,7 +2052,7 @@
             <a:fld id="{B61BEF0D-F0BB-DE4B-95CE-6DB70DBA9567}" type="datetimeFigureOut">
               <a:rPr lang="en-US" dirty="0"/>
               <a:pPr/>
-              <a:t>2/7/2021</a:t>
+              <a:t>2/10/2021</a:t>
             </a:fld>
             <a:endParaRPr lang="en-US" dirty="0"/>
           </a:p>
@@ -2416,7 +2416,7 @@
             <a:fld id="{B61BEF0D-F0BB-DE4B-95CE-6DB70DBA9567}" type="datetimeFigureOut">
               <a:rPr lang="en-US" dirty="0"/>
               <a:pPr/>
-              <a:t>2/7/2021</a:t>
+              <a:t>2/10/2021</a:t>
             </a:fld>
             <a:endParaRPr lang="en-US" dirty="0"/>
           </a:p>
@@ -2587,7 +2587,7 @@
             <a:fld id="{B61BEF0D-F0BB-DE4B-95CE-6DB70DBA9567}" type="datetimeFigureOut">
               <a:rPr lang="en-US" dirty="0"/>
               <a:pPr/>
-              <a:t>2/7/2021</a:t>
+              <a:t>2/10/2021</a:t>
             </a:fld>
             <a:endParaRPr lang="en-US" dirty="0"/>
           </a:p>
@@ -2764,7 +2764,7 @@
             <a:fld id="{B61BEF0D-F0BB-DE4B-95CE-6DB70DBA9567}" type="datetimeFigureOut">
               <a:rPr lang="en-US" dirty="0"/>
               <a:pPr/>
-              <a:t>2/7/2021</a:t>
+              <a:t>2/10/2021</a:t>
             </a:fld>
             <a:endParaRPr lang="en-US" dirty="0"/>
           </a:p>
@@ -2931,7 +2931,7 @@
             <a:fld id="{B61BEF0D-F0BB-DE4B-95CE-6DB70DBA9567}" type="datetimeFigureOut">
               <a:rPr lang="en-US" dirty="0"/>
               <a:pPr/>
-              <a:t>2/7/2021</a:t>
+              <a:t>2/10/2021</a:t>
             </a:fld>
             <a:endParaRPr lang="en-US" dirty="0"/>
           </a:p>
@@ -3178,7 +3178,7 @@
             <a:fld id="{B61BEF0D-F0BB-DE4B-95CE-6DB70DBA9567}" type="datetimeFigureOut">
               <a:rPr lang="en-US" dirty="0"/>
               <a:pPr/>
-              <a:t>2/7/2021</a:t>
+              <a:t>2/10/2021</a:t>
             </a:fld>
             <a:endParaRPr lang="en-US" dirty="0"/>
           </a:p>
@@ -3411,7 +3411,7 @@
             <a:fld id="{B61BEF0D-F0BB-DE4B-95CE-6DB70DBA9567}" type="datetimeFigureOut">
               <a:rPr lang="en-US" dirty="0"/>
               <a:pPr/>
-              <a:t>2/7/2021</a:t>
+              <a:t>2/10/2021</a:t>
             </a:fld>
             <a:endParaRPr lang="en-US" dirty="0"/>
           </a:p>
@@ -3790,7 +3790,7 @@
             <a:fld id="{B61BEF0D-F0BB-DE4B-95CE-6DB70DBA9567}" type="datetimeFigureOut">
               <a:rPr lang="en-US" dirty="0"/>
               <a:pPr/>
-              <a:t>2/7/2021</a:t>
+              <a:t>2/10/2021</a:t>
             </a:fld>
             <a:endParaRPr lang="en-US" dirty="0"/>
           </a:p>
@@ -3905,7 +3905,7 @@
             <a:fld id="{B61BEF0D-F0BB-DE4B-95CE-6DB70DBA9567}" type="datetimeFigureOut">
               <a:rPr lang="en-US" dirty="0"/>
               <a:pPr/>
-              <a:t>2/7/2021</a:t>
+              <a:t>2/10/2021</a:t>
             </a:fld>
             <a:endParaRPr lang="en-US" dirty="0"/>
           </a:p>
@@ -3997,7 +3997,7 @@
             <a:fld id="{B61BEF0D-F0BB-DE4B-95CE-6DB70DBA9567}" type="datetimeFigureOut">
               <a:rPr lang="en-US" dirty="0"/>
               <a:pPr/>
-              <a:t>2/7/2021</a:t>
+              <a:t>2/10/2021</a:t>
             </a:fld>
             <a:endParaRPr lang="en-US" dirty="0"/>
           </a:p>
@@ -4249,7 +4249,7 @@
             <a:fld id="{B61BEF0D-F0BB-DE4B-95CE-6DB70DBA9567}" type="datetimeFigureOut">
               <a:rPr lang="en-US" dirty="0"/>
               <a:pPr/>
-              <a:t>2/7/2021</a:t>
+              <a:t>2/10/2021</a:t>
             </a:fld>
             <a:endParaRPr lang="en-US" dirty="0"/>
           </a:p>
@@ -4529,7 +4529,7 @@
             <a:fld id="{B61BEF0D-F0BB-DE4B-95CE-6DB70DBA9567}" type="datetimeFigureOut">
               <a:rPr lang="en-US" dirty="0"/>
               <a:pPr/>
-              <a:t>2/7/2021</a:t>
+              <a:t>2/10/2021</a:t>
             </a:fld>
             <a:endParaRPr lang="en-US" dirty="0"/>
           </a:p>
@@ -4932,7 +4932,7 @@
             <a:fld id="{B61BEF0D-F0BB-DE4B-95CE-6DB70DBA9567}" type="datetimeFigureOut">
               <a:rPr lang="en-US" dirty="0"/>
               <a:pPr/>
-              <a:t>2/7/2021</a:t>
+              <a:t>2/10/2021</a:t>
             </a:fld>
             <a:endParaRPr lang="en-US" dirty="0"/>
           </a:p>
